--- a/slides/Node Slides Day 1.pptx
+++ b/slides/Node Slides Day 1.pptx
@@ -9223,8 +9223,12 @@
               <a:buChar char="•"/>
             </a:pPr>
             <a:r>
-              <a:rPr lang="en-US" dirty="0" smtClean="0"/>
-              <a:t>Takes CLI input &amp; prints </a:t>
+              <a:rPr lang="en-US" smtClean="0"/>
+              <a:t>Takes input </a:t>
+            </a:r>
+            <a:r>
+              <a:rPr lang="en-US" dirty="0" smtClean="0"/>
+              <a:t>&amp; prints </a:t>
             </a:r>
             <a:r>
               <a:rPr lang="en-US" dirty="0" err="1" smtClean="0"/>
@@ -9234,31 +9238,6 @@
               <a:rPr lang="en-US" dirty="0" smtClean="0"/>
               <a:t> output</a:t>
             </a:r>
-          </a:p>
-          <a:p>
-            <a:pPr lvl="1" indent="-457200" algn="l">
-              <a:buFont typeface="Arial"/>
-              <a:buChar char="•"/>
-            </a:pPr>
-            <a:r>
-              <a:rPr lang="en-US" dirty="0" smtClean="0"/>
-              <a:t>Startup</a:t>
-            </a:r>
-          </a:p>
-          <a:p>
-            <a:pPr lvl="2" indent="-457200" algn="l">
-              <a:buFont typeface="Arial"/>
-              <a:buChar char="•"/>
-            </a:pPr>
-            <a:r>
-              <a:rPr lang="en-US" dirty="0" smtClean="0"/>
-              <a:t>Launch wrapper </a:t>
-            </a:r>
-            <a:r>
-              <a:rPr lang="en-US" dirty="0" err="1" smtClean="0"/>
-              <a:t>postinstall</a:t>
-            </a:r>
-            <a:endParaRPr lang="en-US" dirty="0" smtClean="0"/>
           </a:p>
         </p:txBody>
       </p:sp>

--- a/slides/Node Slides Day 1.pptx
+++ b/slides/Node Slides Day 1.pptx
@@ -47,6 +47,16 @@
     <p:sldId id="329" r:id="rId41"/>
     <p:sldId id="330" r:id="rId42"/>
     <p:sldId id="332" r:id="rId43"/>
+    <p:sldId id="335" r:id="rId44"/>
+    <p:sldId id="336" r:id="rId45"/>
+    <p:sldId id="337" r:id="rId46"/>
+    <p:sldId id="333" r:id="rId47"/>
+    <p:sldId id="338" r:id="rId48"/>
+    <p:sldId id="339" r:id="rId49"/>
+    <p:sldId id="340" r:id="rId50"/>
+    <p:sldId id="341" r:id="rId51"/>
+    <p:sldId id="342" r:id="rId52"/>
+    <p:sldId id="334" r:id="rId53"/>
   </p:sldIdLst>
   <p:sldSz cx="9144000" cy="6858000" type="screen4x3"/>
   <p:notesSz cx="6858000" cy="9144000"/>
@@ -329,7 +339,7 @@
           <a:p>
             <a:fld id="{6BFECD78-3C8E-49F2-8FAB-59489D168ABB}" type="datetimeFigureOut">
               <a:rPr lang="en-US" smtClean="0"/>
-              <a:t>11/6/16</a:t>
+              <a:t>11/8/16</a:t>
             </a:fld>
             <a:endParaRPr lang="en-US"/>
           </a:p>
@@ -499,7 +509,7 @@
           <a:p>
             <a:fld id="{6BFECD78-3C8E-49F2-8FAB-59489D168ABB}" type="datetimeFigureOut">
               <a:rPr lang="en-US" smtClean="0"/>
-              <a:t>11/6/16</a:t>
+              <a:t>11/8/16</a:t>
             </a:fld>
             <a:endParaRPr lang="en-US"/>
           </a:p>
@@ -679,7 +689,7 @@
           <a:p>
             <a:fld id="{6BFECD78-3C8E-49F2-8FAB-59489D168ABB}" type="datetimeFigureOut">
               <a:rPr lang="en-US" smtClean="0"/>
-              <a:t>11/6/16</a:t>
+              <a:t>11/8/16</a:t>
             </a:fld>
             <a:endParaRPr lang="en-US"/>
           </a:p>
@@ -849,7 +859,7 @@
           <a:p>
             <a:fld id="{6BFECD78-3C8E-49F2-8FAB-59489D168ABB}" type="datetimeFigureOut">
               <a:rPr lang="en-US" smtClean="0"/>
-              <a:t>11/6/16</a:t>
+              <a:t>11/8/16</a:t>
             </a:fld>
             <a:endParaRPr lang="en-US"/>
           </a:p>
@@ -1095,7 +1105,7 @@
           <a:p>
             <a:fld id="{6BFECD78-3C8E-49F2-8FAB-59489D168ABB}" type="datetimeFigureOut">
               <a:rPr lang="en-US" smtClean="0"/>
-              <a:t>11/6/16</a:t>
+              <a:t>11/8/16</a:t>
             </a:fld>
             <a:endParaRPr lang="en-US"/>
           </a:p>
@@ -1383,7 +1393,7 @@
           <a:p>
             <a:fld id="{6BFECD78-3C8E-49F2-8FAB-59489D168ABB}" type="datetimeFigureOut">
               <a:rPr lang="en-US" smtClean="0"/>
-              <a:t>11/6/16</a:t>
+              <a:t>11/8/16</a:t>
             </a:fld>
             <a:endParaRPr lang="en-US"/>
           </a:p>
@@ -1805,7 +1815,7 @@
           <a:p>
             <a:fld id="{6BFECD78-3C8E-49F2-8FAB-59489D168ABB}" type="datetimeFigureOut">
               <a:rPr lang="en-US" smtClean="0"/>
-              <a:t>11/6/16</a:t>
+              <a:t>11/8/16</a:t>
             </a:fld>
             <a:endParaRPr lang="en-US"/>
           </a:p>
@@ -1923,7 +1933,7 @@
           <a:p>
             <a:fld id="{6BFECD78-3C8E-49F2-8FAB-59489D168ABB}" type="datetimeFigureOut">
               <a:rPr lang="en-US" smtClean="0"/>
-              <a:t>11/6/16</a:t>
+              <a:t>11/8/16</a:t>
             </a:fld>
             <a:endParaRPr lang="en-US"/>
           </a:p>
@@ -2018,7 +2028,7 @@
           <a:p>
             <a:fld id="{6BFECD78-3C8E-49F2-8FAB-59489D168ABB}" type="datetimeFigureOut">
               <a:rPr lang="en-US" smtClean="0"/>
-              <a:t>11/6/16</a:t>
+              <a:t>11/8/16</a:t>
             </a:fld>
             <a:endParaRPr lang="en-US"/>
           </a:p>
@@ -2295,7 +2305,7 @@
           <a:p>
             <a:fld id="{6BFECD78-3C8E-49F2-8FAB-59489D168ABB}" type="datetimeFigureOut">
               <a:rPr lang="en-US" smtClean="0"/>
-              <a:t>11/6/16</a:t>
+              <a:t>11/8/16</a:t>
             </a:fld>
             <a:endParaRPr lang="en-US"/>
           </a:p>
@@ -2552,7 +2562,7 @@
           <a:p>
             <a:fld id="{6BFECD78-3C8E-49F2-8FAB-59489D168ABB}" type="datetimeFigureOut">
               <a:rPr lang="en-US" smtClean="0"/>
-              <a:t>11/6/16</a:t>
+              <a:t>11/8/16</a:t>
             </a:fld>
             <a:endParaRPr lang="en-US"/>
           </a:p>
@@ -2765,7 +2775,7 @@
           <a:p>
             <a:fld id="{6BFECD78-3C8E-49F2-8FAB-59489D168ABB}" type="datetimeFigureOut">
               <a:rPr lang="en-US" smtClean="0"/>
-              <a:t>11/6/16</a:t>
+              <a:t>11/8/16</a:t>
             </a:fld>
             <a:endParaRPr lang="en-US"/>
           </a:p>
@@ -3161,11 +3171,7 @@
             </a:r>
             <a:r>
               <a:rPr lang="en-US" dirty="0" smtClean="0"/>
-              <a:t> </a:t>
-            </a:r>
-            <a:r>
-              <a:rPr lang="en-US" dirty="0" smtClean="0"/>
-              <a:t>training</a:t>
+              <a:t> training</a:t>
             </a:r>
             <a:r>
               <a:rPr lang="en-US" dirty="0"/>
@@ -4158,6 +4164,17 @@
             </a:pPr>
             <a:r>
               <a:rPr lang="en-US" dirty="0" smtClean="0"/>
+              <a:t>Intentionally lowercase</a:t>
+            </a:r>
+            <a:endParaRPr lang="en-US" dirty="0" smtClean="0"/>
+          </a:p>
+          <a:p>
+            <a:pPr marL="342900" indent="-342900" algn="l">
+              <a:buFont typeface="Arial"/>
+              <a:buChar char="•"/>
+            </a:pPr>
+            <a:r>
+              <a:rPr lang="en-US" dirty="0" smtClean="0"/>
               <a:t>Execute via CLI</a:t>
             </a:r>
           </a:p>
@@ -4896,6 +4913,26 @@
               <a:rPr lang="en-US" dirty="0" smtClean="0"/>
               <a:t>Advanced JavaScript</a:t>
             </a:r>
+          </a:p>
+          <a:p>
+            <a:pPr marL="457200" indent="-457200" algn="l">
+              <a:buFont typeface="Arial"/>
+              <a:buChar char="•"/>
+            </a:pPr>
+            <a:r>
+              <a:rPr lang="en-US" dirty="0" smtClean="0"/>
+              <a:t>Lunch</a:t>
+            </a:r>
+          </a:p>
+          <a:p>
+            <a:pPr marL="457200" indent="-457200" algn="l">
+              <a:buFont typeface="Arial"/>
+              <a:buChar char="•"/>
+            </a:pPr>
+            <a:r>
+              <a:rPr lang="en-US" dirty="0" err="1" smtClean="0"/>
+              <a:t>npm</a:t>
+            </a:r>
             <a:endParaRPr lang="en-US" dirty="0" smtClean="0"/>
           </a:p>
           <a:p>
@@ -4904,18 +4941,16 @@
               <a:buChar char="•"/>
             </a:pPr>
             <a:r>
-              <a:rPr lang="en-US" dirty="0" smtClean="0"/>
-              <a:t>Lunch</a:t>
-            </a:r>
-          </a:p>
-          <a:p>
-            <a:pPr marL="457200" indent="-457200" algn="l">
-              <a:buFont typeface="Arial"/>
-              <a:buChar char="•"/>
-            </a:pPr>
-            <a:r>
-              <a:rPr lang="en-US" dirty="0" err="1" smtClean="0"/>
-              <a:t>npm</a:t>
+              <a:rPr lang="en-US" dirty="0" err="1" smtClean="0"/>
+              <a:t>Node.js</a:t>
+            </a:r>
+            <a:r>
+              <a:rPr lang="en-US" dirty="0"/>
+              <a:t> </a:t>
+            </a:r>
+            <a:r>
+              <a:rPr lang="en-US" dirty="0" smtClean="0"/>
+              <a:t>architecture (event loop)</a:t>
             </a:r>
             <a:endParaRPr lang="en-US" dirty="0"/>
           </a:p>
@@ -8564,7 +8599,7 @@
         </p:spPr>
         <p:txBody>
           <a:bodyPr>
-            <a:normAutofit/>
+            <a:normAutofit lnSpcReduction="10000"/>
           </a:bodyPr>
           <a:lstStyle/>
           <a:p>
@@ -8584,9 +8619,33 @@
               <a:t>Intro to </a:t>
             </a:r>
             <a:r>
-              <a:rPr lang="en-US" dirty="0" err="1" smtClean="0"/>
+              <a:rPr lang="en-US" dirty="0" err="1"/>
               <a:t>Node.js</a:t>
             </a:r>
+            <a:r>
+              <a:rPr lang="en-US" dirty="0"/>
+              <a:t> + REPL</a:t>
+            </a:r>
+          </a:p>
+          <a:p>
+            <a:pPr marL="457200" indent="-457200" algn="l">
+              <a:buFont typeface="Arial"/>
+              <a:buChar char="•"/>
+            </a:pPr>
+            <a:r>
+              <a:rPr lang="en-US" dirty="0"/>
+              <a:t>Advanced JavaScript</a:t>
+            </a:r>
+          </a:p>
+          <a:p>
+            <a:pPr marL="457200" indent="-457200" algn="l">
+              <a:buFont typeface="Arial"/>
+              <a:buChar char="•"/>
+            </a:pPr>
+            <a:r>
+              <a:rPr lang="en-US" dirty="0" err="1" smtClean="0"/>
+              <a:t>npm</a:t>
+            </a:r>
             <a:endParaRPr lang="en-US" dirty="0"/>
           </a:p>
           <a:p>
@@ -8595,8 +8654,28 @@
               <a:buChar char="•"/>
             </a:pPr>
             <a:r>
+              <a:rPr lang="en-US" dirty="0" err="1"/>
+              <a:t>Node.js</a:t>
+            </a:r>
+            <a:r>
               <a:rPr lang="en-US" dirty="0"/>
-              <a:t>Advanced JS</a:t>
+              <a:t> </a:t>
+            </a:r>
+            <a:r>
+              <a:rPr lang="en-US" dirty="0" smtClean="0"/>
+              <a:t>architecture (event loop)</a:t>
+            </a:r>
+            <a:endParaRPr lang="en-US" dirty="0"/>
+          </a:p>
+          <a:p>
+            <a:pPr algn="l"/>
+            <a:r>
+              <a:rPr lang="en-US" dirty="0" smtClean="0"/>
+              <a:t>Day </a:t>
+            </a:r>
+            <a:r>
+              <a:rPr lang="en-US" dirty="0" smtClean="0"/>
+              <a:t>2</a:t>
             </a:r>
           </a:p>
           <a:p>
@@ -8606,19 +8685,11 @@
             </a:pPr>
             <a:r>
               <a:rPr lang="en-US" dirty="0" err="1" smtClean="0"/>
-              <a:t>npm</a:t>
-            </a:r>
-            <a:endParaRPr lang="en-US" dirty="0"/>
-          </a:p>
-          <a:p>
-            <a:pPr algn="l"/>
-            <a:r>
-              <a:rPr lang="en-US" dirty="0" smtClean="0"/>
-              <a:t>Day </a:t>
-            </a:r>
-            <a:r>
-              <a:rPr lang="en-US" dirty="0" smtClean="0"/>
-              <a:t>2</a:t>
+              <a:t>Node.js</a:t>
+            </a:r>
+            <a:r>
+              <a:rPr lang="en-US" dirty="0" smtClean="0"/>
+              <a:t> Building Blocks</a:t>
             </a:r>
           </a:p>
           <a:p>
@@ -8627,22 +8698,16 @@
               <a:buChar char="•"/>
             </a:pPr>
             <a:r>
-              <a:rPr lang="en-US" dirty="0" err="1" smtClean="0"/>
-              <a:t>Node.js</a:t>
-            </a:r>
-            <a:r>
-              <a:rPr lang="en-US" dirty="0" smtClean="0"/>
-              <a:t> Building Blocks</a:t>
-            </a:r>
-          </a:p>
-          <a:p>
-            <a:pPr marL="457200" indent="-457200" algn="l">
-              <a:buFont typeface="Arial"/>
-              <a:buChar char="•"/>
-            </a:pPr>
-            <a:r>
-              <a:rPr lang="en-US" dirty="0" smtClean="0"/>
-              <a:t>Data</a:t>
+              <a:rPr lang="en-US" dirty="0" smtClean="0"/>
+              <a:t>Working with data (</a:t>
+            </a:r>
+            <a:r>
+              <a:rPr lang="en-US" dirty="0" err="1" smtClean="0"/>
+              <a:t>files,dB</a:t>
+            </a:r>
+            <a:r>
+              <a:rPr lang="en-US" dirty="0" smtClean="0"/>
+              <a:t>)</a:t>
             </a:r>
             <a:endParaRPr lang="en-US" dirty="0"/>
           </a:p>
@@ -9254,6 +9319,2215 @@
 </p:sld>
 </file>
 
+<file path=ppt/slides/slide43.xml><?xml version="1.0" encoding="utf-8"?>
+<p:sld xmlns:a="http://schemas.openxmlformats.org/drawingml/2006/main" xmlns:r="http://schemas.openxmlformats.org/officeDocument/2006/relationships" xmlns:p="http://schemas.openxmlformats.org/presentationml/2006/main">
+  <p:cSld>
+    <p:spTree>
+      <p:nvGrpSpPr>
+        <p:cNvPr id="1" name=""/>
+        <p:cNvGrpSpPr/>
+        <p:nvPr/>
+      </p:nvGrpSpPr>
+      <p:grpSpPr>
+        <a:xfrm>
+          <a:off x="0" y="0"/>
+          <a:ext cx="0" cy="0"/>
+          <a:chOff x="0" y="0"/>
+          <a:chExt cx="0" cy="0"/>
+        </a:xfrm>
+      </p:grpSpPr>
+      <p:sp>
+        <p:nvSpPr>
+          <p:cNvPr id="2" name="Title 1"/>
+          <p:cNvSpPr>
+            <a:spLocks noGrp="1"/>
+          </p:cNvSpPr>
+          <p:nvPr>
+            <p:ph type="ctrTitle"/>
+          </p:nvPr>
+        </p:nvSpPr>
+        <p:spPr>
+          <a:xfrm>
+            <a:off x="685800" y="160685"/>
+            <a:ext cx="7772400" cy="1470025"/>
+          </a:xfrm>
+        </p:spPr>
+        <p:txBody>
+          <a:bodyPr/>
+          <a:lstStyle/>
+          <a:p>
+            <a:r>
+              <a:rPr lang="en-US" dirty="0" err="1" smtClean="0"/>
+              <a:t>Node.js</a:t>
+            </a:r>
+            <a:r>
+              <a:rPr lang="en-US" dirty="0" smtClean="0"/>
+              <a:t> architecture</a:t>
+            </a:r>
+            <a:endParaRPr lang="en-US" dirty="0"/>
+          </a:p>
+        </p:txBody>
+      </p:sp>
+      <p:sp>
+        <p:nvSpPr>
+          <p:cNvPr id="3" name="Subtitle 2"/>
+          <p:cNvSpPr>
+            <a:spLocks noGrp="1"/>
+          </p:cNvSpPr>
+          <p:nvPr>
+            <p:ph type="subTitle" idx="1"/>
+          </p:nvPr>
+        </p:nvSpPr>
+        <p:spPr>
+          <a:xfrm>
+            <a:off x="1371600" y="1630710"/>
+            <a:ext cx="6400800" cy="4609893"/>
+          </a:xfrm>
+        </p:spPr>
+        <p:txBody>
+          <a:bodyPr>
+            <a:normAutofit/>
+          </a:bodyPr>
+          <a:lstStyle/>
+          <a:p>
+            <a:pPr marL="0" lvl="1" algn="l"/>
+            <a:r>
+              <a:rPr lang="en-US" dirty="0" smtClean="0"/>
+              <a:t>Why </a:t>
+            </a:r>
+            <a:r>
+              <a:rPr lang="en-US" dirty="0" err="1" smtClean="0"/>
+              <a:t>Node.js</a:t>
+            </a:r>
+            <a:r>
+              <a:rPr lang="en-US" dirty="0" smtClean="0"/>
+              <a:t>?</a:t>
+            </a:r>
+          </a:p>
+          <a:p>
+            <a:pPr lvl="1" indent="-457200" algn="l">
+              <a:buFont typeface="Arial"/>
+              <a:buChar char="•"/>
+            </a:pPr>
+            <a:r>
+              <a:rPr lang="en-US" dirty="0" smtClean="0"/>
+              <a:t>The dirty secret of web servers</a:t>
+            </a:r>
+          </a:p>
+          <a:p>
+            <a:pPr lvl="1" indent="-457200" algn="l">
+              <a:buFont typeface="Arial"/>
+              <a:buChar char="•"/>
+            </a:pPr>
+            <a:r>
+              <a:rPr lang="en-US" dirty="0" smtClean="0"/>
+              <a:t>Most of the time the CPU is idle</a:t>
+            </a:r>
+          </a:p>
+          <a:p>
+            <a:pPr lvl="1" indent="-457200" algn="l">
+              <a:buFont typeface="Arial"/>
+              <a:buChar char="•"/>
+            </a:pPr>
+            <a:r>
+              <a:rPr lang="en-US" dirty="0" smtClean="0"/>
+              <a:t>Waiting on data from somewhere else</a:t>
+            </a:r>
+          </a:p>
+          <a:p>
+            <a:pPr lvl="1" indent="-457200" algn="l">
+              <a:buFont typeface="Arial"/>
+              <a:buChar char="•"/>
+            </a:pPr>
+            <a:r>
+              <a:rPr lang="en-US" dirty="0" smtClean="0"/>
+              <a:t>Concurrency &gt; Computation</a:t>
+            </a:r>
+          </a:p>
+        </p:txBody>
+      </p:sp>
+    </p:spTree>
+    <p:extLst>
+      <p:ext uri="{BB962C8B-B14F-4D97-AF65-F5344CB8AC3E}">
+        <p14:creationId xmlns:p14="http://schemas.microsoft.com/office/powerpoint/2010/main" val="781477868"/>
+      </p:ext>
+    </p:extLst>
+  </p:cSld>
+  <p:clrMapOvr>
+    <a:masterClrMapping/>
+  </p:clrMapOvr>
+</p:sld>
+</file>
+
+<file path=ppt/slides/slide44.xml><?xml version="1.0" encoding="utf-8"?>
+<p:sld xmlns:a="http://schemas.openxmlformats.org/drawingml/2006/main" xmlns:r="http://schemas.openxmlformats.org/officeDocument/2006/relationships" xmlns:p="http://schemas.openxmlformats.org/presentationml/2006/main">
+  <p:cSld>
+    <p:spTree>
+      <p:nvGrpSpPr>
+        <p:cNvPr id="1" name=""/>
+        <p:cNvGrpSpPr/>
+        <p:nvPr/>
+      </p:nvGrpSpPr>
+      <p:grpSpPr>
+        <a:xfrm>
+          <a:off x="0" y="0"/>
+          <a:ext cx="0" cy="0"/>
+          <a:chOff x="0" y="0"/>
+          <a:chExt cx="0" cy="0"/>
+        </a:xfrm>
+      </p:grpSpPr>
+      <p:sp>
+        <p:nvSpPr>
+          <p:cNvPr id="2" name="Title 1"/>
+          <p:cNvSpPr>
+            <a:spLocks noGrp="1"/>
+          </p:cNvSpPr>
+          <p:nvPr>
+            <p:ph type="ctrTitle"/>
+          </p:nvPr>
+        </p:nvSpPr>
+        <p:spPr>
+          <a:xfrm>
+            <a:off x="685800" y="160685"/>
+            <a:ext cx="7772400" cy="1470025"/>
+          </a:xfrm>
+        </p:spPr>
+        <p:txBody>
+          <a:bodyPr/>
+          <a:lstStyle/>
+          <a:p>
+            <a:r>
+              <a:rPr lang="en-US" dirty="0" err="1" smtClean="0"/>
+              <a:t>Node.js</a:t>
+            </a:r>
+            <a:r>
+              <a:rPr lang="en-US" dirty="0" smtClean="0"/>
+              <a:t> architecture</a:t>
+            </a:r>
+            <a:endParaRPr lang="en-US" dirty="0"/>
+          </a:p>
+        </p:txBody>
+      </p:sp>
+      <p:sp>
+        <p:nvSpPr>
+          <p:cNvPr id="3" name="Subtitle 2"/>
+          <p:cNvSpPr>
+            <a:spLocks noGrp="1"/>
+          </p:cNvSpPr>
+          <p:nvPr>
+            <p:ph type="subTitle" idx="1"/>
+          </p:nvPr>
+        </p:nvSpPr>
+        <p:spPr>
+          <a:xfrm>
+            <a:off x="1371600" y="1630710"/>
+            <a:ext cx="6400800" cy="4609893"/>
+          </a:xfrm>
+        </p:spPr>
+        <p:txBody>
+          <a:bodyPr>
+            <a:normAutofit fontScale="92500" lnSpcReduction="10000"/>
+          </a:bodyPr>
+          <a:lstStyle/>
+          <a:p>
+            <a:pPr marL="0" lvl="1" algn="l"/>
+            <a:r>
+              <a:rPr lang="en-US" dirty="0" smtClean="0"/>
+              <a:t>Set up new connection – 50ms</a:t>
+            </a:r>
+          </a:p>
+          <a:p>
+            <a:pPr marL="0" lvl="1" algn="l"/>
+            <a:r>
+              <a:rPr lang="en-US" dirty="0" smtClean="0"/>
+              <a:t>Send query to dB – 20ms</a:t>
+            </a:r>
+          </a:p>
+          <a:p>
+            <a:pPr marL="0" lvl="1" algn="l"/>
+            <a:r>
+              <a:rPr lang="en-US" dirty="0" smtClean="0"/>
+              <a:t>(wait) – 125-400ms</a:t>
+            </a:r>
+          </a:p>
+          <a:p>
+            <a:pPr marL="0" lvl="1" algn="l"/>
+            <a:r>
+              <a:rPr lang="en-US" dirty="0" smtClean="0"/>
+              <a:t>Process</a:t>
+            </a:r>
+            <a:r>
+              <a:rPr lang="en-US" dirty="0" smtClean="0"/>
+              <a:t> query results – 50ms</a:t>
+            </a:r>
+          </a:p>
+          <a:p>
+            <a:pPr marL="0" lvl="1" algn="l"/>
+            <a:r>
+              <a:rPr lang="en-US" dirty="0"/>
+              <a:t>Business logic – 20</a:t>
+            </a:r>
+            <a:r>
+              <a:rPr lang="en-US" dirty="0" smtClean="0"/>
+              <a:t>-75ms</a:t>
+            </a:r>
+          </a:p>
+          <a:p>
+            <a:pPr marL="0" lvl="1" algn="l"/>
+            <a:r>
+              <a:rPr lang="en-US" dirty="0" smtClean="0"/>
+              <a:t>Call a web service – 35ms</a:t>
+            </a:r>
+          </a:p>
+          <a:p>
+            <a:pPr marL="0" lvl="1" algn="l"/>
+            <a:r>
+              <a:rPr lang="en-US" dirty="0" smtClean="0"/>
+              <a:t>(wait) – 200-750ms</a:t>
+            </a:r>
+          </a:p>
+          <a:p>
+            <a:pPr marL="0" lvl="1" algn="l"/>
+            <a:r>
+              <a:rPr lang="en-US" dirty="0" smtClean="0"/>
+              <a:t>Process results – 20ms</a:t>
+            </a:r>
+          </a:p>
+          <a:p>
+            <a:pPr marL="0" lvl="1" algn="l"/>
+            <a:r>
+              <a:rPr lang="en-US" dirty="0" smtClean="0"/>
+              <a:t>Send to network – 20ms</a:t>
+            </a:r>
+          </a:p>
+          <a:p>
+            <a:pPr marL="0" lvl="1" algn="l"/>
+            <a:r>
+              <a:rPr lang="en-US" dirty="0" smtClean="0"/>
+              <a:t>(end)</a:t>
+            </a:r>
+            <a:endParaRPr lang="en-US" dirty="0"/>
+          </a:p>
+          <a:p>
+            <a:pPr marL="0" lvl="1" algn="l"/>
+            <a:endParaRPr lang="en-US" dirty="0" smtClean="0"/>
+          </a:p>
+        </p:txBody>
+      </p:sp>
+    </p:spTree>
+    <p:extLst>
+      <p:ext uri="{BB962C8B-B14F-4D97-AF65-F5344CB8AC3E}">
+        <p14:creationId xmlns:p14="http://schemas.microsoft.com/office/powerpoint/2010/main" val="1417984726"/>
+      </p:ext>
+    </p:extLst>
+  </p:cSld>
+  <p:clrMapOvr>
+    <a:masterClrMapping/>
+  </p:clrMapOvr>
+</p:sld>
+</file>
+
+<file path=ppt/slides/slide45.xml><?xml version="1.0" encoding="utf-8"?>
+<p:sld xmlns:a="http://schemas.openxmlformats.org/drawingml/2006/main" xmlns:r="http://schemas.openxmlformats.org/officeDocument/2006/relationships" xmlns:p="http://schemas.openxmlformats.org/presentationml/2006/main">
+  <p:cSld>
+    <p:spTree>
+      <p:nvGrpSpPr>
+        <p:cNvPr id="1" name=""/>
+        <p:cNvGrpSpPr/>
+        <p:nvPr/>
+      </p:nvGrpSpPr>
+      <p:grpSpPr>
+        <a:xfrm>
+          <a:off x="0" y="0"/>
+          <a:ext cx="0" cy="0"/>
+          <a:chOff x="0" y="0"/>
+          <a:chExt cx="0" cy="0"/>
+        </a:xfrm>
+      </p:grpSpPr>
+      <p:sp>
+        <p:nvSpPr>
+          <p:cNvPr id="2" name="Title 1"/>
+          <p:cNvSpPr>
+            <a:spLocks noGrp="1"/>
+          </p:cNvSpPr>
+          <p:nvPr>
+            <p:ph type="ctrTitle"/>
+          </p:nvPr>
+        </p:nvSpPr>
+        <p:spPr>
+          <a:xfrm>
+            <a:off x="685800" y="160685"/>
+            <a:ext cx="7772400" cy="1470025"/>
+          </a:xfrm>
+        </p:spPr>
+        <p:txBody>
+          <a:bodyPr/>
+          <a:lstStyle/>
+          <a:p>
+            <a:r>
+              <a:rPr lang="en-US" dirty="0" err="1" smtClean="0"/>
+              <a:t>Node.js</a:t>
+            </a:r>
+            <a:r>
+              <a:rPr lang="en-US" dirty="0" smtClean="0"/>
+              <a:t> architecture</a:t>
+            </a:r>
+            <a:endParaRPr lang="en-US" dirty="0"/>
+          </a:p>
+        </p:txBody>
+      </p:sp>
+      <p:sp>
+        <p:nvSpPr>
+          <p:cNvPr id="3" name="Subtitle 2"/>
+          <p:cNvSpPr>
+            <a:spLocks noGrp="1"/>
+          </p:cNvSpPr>
+          <p:nvPr>
+            <p:ph type="subTitle" idx="1"/>
+          </p:nvPr>
+        </p:nvSpPr>
+        <p:spPr>
+          <a:xfrm>
+            <a:off x="763704" y="1898701"/>
+            <a:ext cx="2474686" cy="5115123"/>
+          </a:xfrm>
+        </p:spPr>
+        <p:txBody>
+          <a:bodyPr>
+            <a:normAutofit fontScale="62500" lnSpcReduction="20000"/>
+          </a:bodyPr>
+          <a:lstStyle/>
+          <a:p>
+            <a:pPr marL="0" lvl="1" algn="l"/>
+            <a:r>
+              <a:rPr lang="en-US" dirty="0" smtClean="0"/>
+              <a:t>Set up new connection</a:t>
+            </a:r>
+          </a:p>
+          <a:p>
+            <a:pPr marL="0" lvl="1" algn="l"/>
+            <a:r>
+              <a:rPr lang="en-US" dirty="0" smtClean="0"/>
+              <a:t>Send query to dB</a:t>
+            </a:r>
+          </a:p>
+          <a:p>
+            <a:pPr marL="0" lvl="1" algn="l"/>
+            <a:r>
+              <a:rPr lang="en-US" dirty="0" smtClean="0"/>
+              <a:t>             (</a:t>
+            </a:r>
+            <a:r>
+              <a:rPr lang="en-US" dirty="0"/>
+              <a:t>wait)</a:t>
+            </a:r>
+          </a:p>
+          <a:p>
+            <a:pPr marL="0" lvl="1" algn="l"/>
+            <a:r>
+              <a:rPr lang="en-US" dirty="0"/>
+              <a:t>	|</a:t>
+            </a:r>
+          </a:p>
+          <a:p>
+            <a:pPr marL="0" lvl="1" algn="l"/>
+            <a:r>
+              <a:rPr lang="en-US" dirty="0"/>
+              <a:t>	|</a:t>
+            </a:r>
+          </a:p>
+          <a:p>
+            <a:pPr marL="0" lvl="1" algn="l"/>
+            <a:r>
+              <a:rPr lang="en-US" dirty="0" smtClean="0"/>
+              <a:t>	|</a:t>
+            </a:r>
+          </a:p>
+          <a:p>
+            <a:pPr marL="0" lvl="1" algn="l"/>
+            <a:r>
+              <a:rPr lang="en-US" dirty="0"/>
+              <a:t>	</a:t>
+            </a:r>
+            <a:r>
+              <a:rPr lang="en-US" dirty="0" smtClean="0"/>
+              <a:t>|</a:t>
+            </a:r>
+          </a:p>
+          <a:p>
+            <a:pPr marL="0" lvl="1" algn="l"/>
+            <a:r>
+              <a:rPr lang="en-US" dirty="0"/>
+              <a:t>	</a:t>
+            </a:r>
+            <a:r>
+              <a:rPr lang="en-US" dirty="0" smtClean="0"/>
+              <a:t>V</a:t>
+            </a:r>
+          </a:p>
+          <a:p>
+            <a:pPr marL="0" lvl="1" algn="l"/>
+            <a:r>
+              <a:rPr lang="en-US" dirty="0" smtClean="0"/>
+              <a:t>Process</a:t>
+            </a:r>
+            <a:r>
+              <a:rPr lang="en-US" dirty="0" smtClean="0"/>
+              <a:t> query results</a:t>
+            </a:r>
+          </a:p>
+          <a:p>
+            <a:pPr marL="0" lvl="1" algn="l"/>
+            <a:r>
+              <a:rPr lang="en-US" dirty="0"/>
+              <a:t>Business </a:t>
+            </a:r>
+            <a:r>
+              <a:rPr lang="en-US" dirty="0" smtClean="0"/>
+              <a:t>logic</a:t>
+            </a:r>
+          </a:p>
+          <a:p>
+            <a:pPr marL="0" lvl="1" algn="l"/>
+            <a:r>
+              <a:rPr lang="en-US" dirty="0" smtClean="0"/>
+              <a:t>Call a web service</a:t>
+            </a:r>
+          </a:p>
+          <a:p>
+            <a:pPr marL="0" lvl="1" algn="l"/>
+            <a:r>
+              <a:rPr lang="en-US" dirty="0" smtClean="0"/>
+              <a:t>             </a:t>
+            </a:r>
+            <a:r>
+              <a:rPr lang="en-US" dirty="0"/>
+              <a:t>(wait)</a:t>
+            </a:r>
+          </a:p>
+          <a:p>
+            <a:pPr marL="0" lvl="1" algn="l"/>
+            <a:r>
+              <a:rPr lang="en-US" dirty="0"/>
+              <a:t>	|</a:t>
+            </a:r>
+          </a:p>
+          <a:p>
+            <a:pPr marL="0" lvl="1" algn="l"/>
+            <a:r>
+              <a:rPr lang="en-US" dirty="0"/>
+              <a:t>	|</a:t>
+            </a:r>
+          </a:p>
+          <a:p>
+            <a:pPr marL="0" lvl="1" algn="l"/>
+            <a:r>
+              <a:rPr lang="en-US" dirty="0"/>
+              <a:t>	</a:t>
+            </a:r>
+            <a:r>
+              <a:rPr lang="en-US" dirty="0" smtClean="0"/>
+              <a:t>V</a:t>
+            </a:r>
+          </a:p>
+          <a:p>
+            <a:pPr marL="0" lvl="1" algn="l"/>
+            <a:r>
+              <a:rPr lang="en-US" dirty="0" smtClean="0"/>
+              <a:t>Process results</a:t>
+            </a:r>
+          </a:p>
+          <a:p>
+            <a:pPr marL="0" lvl="1" algn="l"/>
+            <a:r>
+              <a:rPr lang="en-US" dirty="0" smtClean="0"/>
+              <a:t>Send to network</a:t>
+            </a:r>
+          </a:p>
+          <a:p>
+            <a:pPr marL="0" lvl="1" algn="l"/>
+            <a:r>
+              <a:rPr lang="en-US" dirty="0"/>
+              <a:t> </a:t>
+            </a:r>
+            <a:r>
+              <a:rPr lang="en-US" dirty="0" smtClean="0"/>
+              <a:t>             (end)</a:t>
+            </a:r>
+            <a:endParaRPr lang="en-US" dirty="0"/>
+          </a:p>
+          <a:p>
+            <a:pPr marL="0" lvl="1" algn="l"/>
+            <a:endParaRPr lang="en-US" dirty="0" smtClean="0"/>
+          </a:p>
+        </p:txBody>
+      </p:sp>
+      <p:sp>
+        <p:nvSpPr>
+          <p:cNvPr id="4" name="Subtitle 2"/>
+          <p:cNvSpPr txBox="1">
+            <a:spLocks/>
+          </p:cNvSpPr>
+          <p:nvPr/>
+        </p:nvSpPr>
+        <p:spPr>
+          <a:xfrm>
+            <a:off x="2842526" y="2403931"/>
+            <a:ext cx="2474686" cy="4609893"/>
+          </a:xfrm>
+          <a:prstGeom prst="rect">
+            <a:avLst/>
+          </a:prstGeom>
+        </p:spPr>
+        <p:txBody>
+          <a:bodyPr vert="horz" lIns="91440" tIns="45720" rIns="91440" bIns="45720" rtlCol="0">
+            <a:normAutofit fontScale="62500" lnSpcReduction="20000"/>
+          </a:bodyPr>
+          <a:lstStyle>
+            <a:lvl1pPr marL="0" indent="0" algn="ctr" defTabSz="914400" rtl="0" eaLnBrk="1" latinLnBrk="0" hangingPunct="1">
+              <a:spcBef>
+                <a:spcPct val="20000"/>
+              </a:spcBef>
+              <a:buFont typeface="Arial" pitchFamily="34" charset="0"/>
+              <a:buNone/>
+              <a:defRPr sz="3200" kern="1200">
+                <a:solidFill>
+                  <a:schemeClr val="tx1">
+                    <a:tint val="75000"/>
+                  </a:schemeClr>
+                </a:solidFill>
+                <a:latin typeface="+mn-lt"/>
+                <a:ea typeface="+mn-ea"/>
+                <a:cs typeface="+mn-cs"/>
+              </a:defRPr>
+            </a:lvl1pPr>
+            <a:lvl2pPr marL="457200" indent="0" algn="ctr" defTabSz="914400" rtl="0" eaLnBrk="1" latinLnBrk="0" hangingPunct="1">
+              <a:spcBef>
+                <a:spcPct val="20000"/>
+              </a:spcBef>
+              <a:buFont typeface="Arial" pitchFamily="34" charset="0"/>
+              <a:buNone/>
+              <a:defRPr sz="2800" kern="1200">
+                <a:solidFill>
+                  <a:schemeClr val="tx1">
+                    <a:tint val="75000"/>
+                  </a:schemeClr>
+                </a:solidFill>
+                <a:latin typeface="+mn-lt"/>
+                <a:ea typeface="+mn-ea"/>
+                <a:cs typeface="+mn-cs"/>
+              </a:defRPr>
+            </a:lvl2pPr>
+            <a:lvl3pPr marL="914400" indent="0" algn="ctr" defTabSz="914400" rtl="0" eaLnBrk="1" latinLnBrk="0" hangingPunct="1">
+              <a:spcBef>
+                <a:spcPct val="20000"/>
+              </a:spcBef>
+              <a:buFont typeface="Arial" pitchFamily="34" charset="0"/>
+              <a:buNone/>
+              <a:defRPr sz="2400" kern="1200">
+                <a:solidFill>
+                  <a:schemeClr val="tx1">
+                    <a:tint val="75000"/>
+                  </a:schemeClr>
+                </a:solidFill>
+                <a:latin typeface="+mn-lt"/>
+                <a:ea typeface="+mn-ea"/>
+                <a:cs typeface="+mn-cs"/>
+              </a:defRPr>
+            </a:lvl3pPr>
+            <a:lvl4pPr marL="1371600" indent="0" algn="ctr" defTabSz="914400" rtl="0" eaLnBrk="1" latinLnBrk="0" hangingPunct="1">
+              <a:spcBef>
+                <a:spcPct val="20000"/>
+              </a:spcBef>
+              <a:buFont typeface="Arial" pitchFamily="34" charset="0"/>
+              <a:buNone/>
+              <a:defRPr sz="2000" kern="1200">
+                <a:solidFill>
+                  <a:schemeClr val="tx1">
+                    <a:tint val="75000"/>
+                  </a:schemeClr>
+                </a:solidFill>
+                <a:latin typeface="+mn-lt"/>
+                <a:ea typeface="+mn-ea"/>
+                <a:cs typeface="+mn-cs"/>
+              </a:defRPr>
+            </a:lvl4pPr>
+            <a:lvl5pPr marL="1828800" indent="0" algn="ctr" defTabSz="914400" rtl="0" eaLnBrk="1" latinLnBrk="0" hangingPunct="1">
+              <a:spcBef>
+                <a:spcPct val="20000"/>
+              </a:spcBef>
+              <a:buFont typeface="Arial" pitchFamily="34" charset="0"/>
+              <a:buNone/>
+              <a:defRPr sz="2000" kern="1200">
+                <a:solidFill>
+                  <a:schemeClr val="tx1">
+                    <a:tint val="75000"/>
+                  </a:schemeClr>
+                </a:solidFill>
+                <a:latin typeface="+mn-lt"/>
+                <a:ea typeface="+mn-ea"/>
+                <a:cs typeface="+mn-cs"/>
+              </a:defRPr>
+            </a:lvl5pPr>
+            <a:lvl6pPr marL="2286000" indent="0" algn="ctr" defTabSz="914400" rtl="0" eaLnBrk="1" latinLnBrk="0" hangingPunct="1">
+              <a:spcBef>
+                <a:spcPct val="20000"/>
+              </a:spcBef>
+              <a:buFont typeface="Arial" pitchFamily="34" charset="0"/>
+              <a:buNone/>
+              <a:defRPr sz="2000" kern="1200">
+                <a:solidFill>
+                  <a:schemeClr val="tx1">
+                    <a:tint val="75000"/>
+                  </a:schemeClr>
+                </a:solidFill>
+                <a:latin typeface="+mn-lt"/>
+                <a:ea typeface="+mn-ea"/>
+                <a:cs typeface="+mn-cs"/>
+              </a:defRPr>
+            </a:lvl6pPr>
+            <a:lvl7pPr marL="2743200" indent="0" algn="ctr" defTabSz="914400" rtl="0" eaLnBrk="1" latinLnBrk="0" hangingPunct="1">
+              <a:spcBef>
+                <a:spcPct val="20000"/>
+              </a:spcBef>
+              <a:buFont typeface="Arial" pitchFamily="34" charset="0"/>
+              <a:buNone/>
+              <a:defRPr sz="2000" kern="1200">
+                <a:solidFill>
+                  <a:schemeClr val="tx1">
+                    <a:tint val="75000"/>
+                  </a:schemeClr>
+                </a:solidFill>
+                <a:latin typeface="+mn-lt"/>
+                <a:ea typeface="+mn-ea"/>
+                <a:cs typeface="+mn-cs"/>
+              </a:defRPr>
+            </a:lvl7pPr>
+            <a:lvl8pPr marL="3200400" indent="0" algn="ctr" defTabSz="914400" rtl="0" eaLnBrk="1" latinLnBrk="0" hangingPunct="1">
+              <a:spcBef>
+                <a:spcPct val="20000"/>
+              </a:spcBef>
+              <a:buFont typeface="Arial" pitchFamily="34" charset="0"/>
+              <a:buNone/>
+              <a:defRPr sz="2000" kern="1200">
+                <a:solidFill>
+                  <a:schemeClr val="tx1">
+                    <a:tint val="75000"/>
+                  </a:schemeClr>
+                </a:solidFill>
+                <a:latin typeface="+mn-lt"/>
+                <a:ea typeface="+mn-ea"/>
+                <a:cs typeface="+mn-cs"/>
+              </a:defRPr>
+            </a:lvl8pPr>
+            <a:lvl9pPr marL="3657600" indent="0" algn="ctr" defTabSz="914400" rtl="0" eaLnBrk="1" latinLnBrk="0" hangingPunct="1">
+              <a:spcBef>
+                <a:spcPct val="20000"/>
+              </a:spcBef>
+              <a:buFont typeface="Arial" pitchFamily="34" charset="0"/>
+              <a:buNone/>
+              <a:defRPr sz="2000" kern="1200">
+                <a:solidFill>
+                  <a:schemeClr val="tx1">
+                    <a:tint val="75000"/>
+                  </a:schemeClr>
+                </a:solidFill>
+                <a:latin typeface="+mn-lt"/>
+                <a:ea typeface="+mn-ea"/>
+                <a:cs typeface="+mn-cs"/>
+              </a:defRPr>
+            </a:lvl9pPr>
+          </a:lstStyle>
+          <a:p>
+            <a:pPr marL="0" lvl="1" algn="l"/>
+            <a:r>
+              <a:rPr lang="en-US" dirty="0" smtClean="0"/>
+              <a:t>Set up new connection</a:t>
+            </a:r>
+          </a:p>
+          <a:p>
+            <a:pPr marL="0" lvl="1" algn="l"/>
+            <a:r>
+              <a:rPr lang="en-US" dirty="0" smtClean="0"/>
+              <a:t>Send query to dB</a:t>
+            </a:r>
+          </a:p>
+          <a:p>
+            <a:pPr marL="0" lvl="1" algn="l"/>
+            <a:r>
+              <a:rPr lang="en-US" dirty="0" smtClean="0"/>
+              <a:t>             (wait)</a:t>
+            </a:r>
+          </a:p>
+          <a:p>
+            <a:pPr marL="0" lvl="1" algn="l"/>
+            <a:r>
+              <a:rPr lang="en-US" dirty="0" smtClean="0"/>
+              <a:t>	|</a:t>
+            </a:r>
+          </a:p>
+          <a:p>
+            <a:pPr marL="0" lvl="1" algn="l"/>
+            <a:r>
+              <a:rPr lang="en-US" dirty="0" smtClean="0"/>
+              <a:t>	V</a:t>
+            </a:r>
+          </a:p>
+          <a:p>
+            <a:pPr marL="0" lvl="1" algn="l"/>
+            <a:r>
+              <a:rPr lang="en-US" dirty="0" smtClean="0"/>
+              <a:t>Process query results</a:t>
+            </a:r>
+          </a:p>
+          <a:p>
+            <a:pPr marL="0" lvl="1" algn="l"/>
+            <a:r>
+              <a:rPr lang="en-US" dirty="0" smtClean="0"/>
+              <a:t>Business logic</a:t>
+            </a:r>
+          </a:p>
+          <a:p>
+            <a:pPr marL="0" lvl="1" algn="l"/>
+            <a:r>
+              <a:rPr lang="en-US" dirty="0" smtClean="0"/>
+              <a:t>Call a web service</a:t>
+            </a:r>
+          </a:p>
+          <a:p>
+            <a:pPr marL="0" lvl="1" algn="l"/>
+            <a:r>
+              <a:rPr lang="en-US" dirty="0" smtClean="0"/>
+              <a:t>             (wait)</a:t>
+            </a:r>
+          </a:p>
+          <a:p>
+            <a:pPr marL="0" lvl="1" algn="l"/>
+            <a:r>
+              <a:rPr lang="en-US" dirty="0" smtClean="0"/>
+              <a:t>	|</a:t>
+            </a:r>
+          </a:p>
+          <a:p>
+            <a:pPr marL="0" lvl="1" algn="l"/>
+            <a:r>
+              <a:rPr lang="en-US" dirty="0" smtClean="0"/>
+              <a:t>	|</a:t>
+            </a:r>
+          </a:p>
+          <a:p>
+            <a:pPr marL="0" lvl="1" algn="l"/>
+            <a:r>
+              <a:rPr lang="en-US" dirty="0" smtClean="0"/>
+              <a:t>	V</a:t>
+            </a:r>
+          </a:p>
+          <a:p>
+            <a:pPr marL="0" lvl="1" algn="l"/>
+            <a:r>
+              <a:rPr lang="en-US" dirty="0" smtClean="0"/>
+              <a:t>Process results</a:t>
+            </a:r>
+          </a:p>
+          <a:p>
+            <a:pPr marL="0" lvl="1" algn="l"/>
+            <a:r>
+              <a:rPr lang="en-US" dirty="0" smtClean="0"/>
+              <a:t>Send to network</a:t>
+            </a:r>
+          </a:p>
+          <a:p>
+            <a:pPr marL="0" lvl="1" algn="l"/>
+            <a:r>
+              <a:rPr lang="en-US" dirty="0" smtClean="0"/>
+              <a:t>              (end)</a:t>
+            </a:r>
+          </a:p>
+          <a:p>
+            <a:pPr marL="0" lvl="1" algn="l"/>
+            <a:endParaRPr lang="en-US" dirty="0" smtClean="0"/>
+          </a:p>
+        </p:txBody>
+      </p:sp>
+      <p:sp>
+        <p:nvSpPr>
+          <p:cNvPr id="5" name="Subtitle 2"/>
+          <p:cNvSpPr txBox="1">
+            <a:spLocks/>
+          </p:cNvSpPr>
+          <p:nvPr/>
+        </p:nvSpPr>
+        <p:spPr>
+          <a:xfrm>
+            <a:off x="4820449" y="2638738"/>
+            <a:ext cx="2474686" cy="4912370"/>
+          </a:xfrm>
+          <a:prstGeom prst="rect">
+            <a:avLst/>
+          </a:prstGeom>
+        </p:spPr>
+        <p:txBody>
+          <a:bodyPr vert="horz" lIns="91440" tIns="45720" rIns="91440" bIns="45720" rtlCol="0">
+            <a:normAutofit fontScale="62500" lnSpcReduction="20000"/>
+          </a:bodyPr>
+          <a:lstStyle>
+            <a:lvl1pPr marL="0" indent="0" algn="ctr" defTabSz="914400" rtl="0" eaLnBrk="1" latinLnBrk="0" hangingPunct="1">
+              <a:spcBef>
+                <a:spcPct val="20000"/>
+              </a:spcBef>
+              <a:buFont typeface="Arial" pitchFamily="34" charset="0"/>
+              <a:buNone/>
+              <a:defRPr sz="3200" kern="1200">
+                <a:solidFill>
+                  <a:schemeClr val="tx1">
+                    <a:tint val="75000"/>
+                  </a:schemeClr>
+                </a:solidFill>
+                <a:latin typeface="+mn-lt"/>
+                <a:ea typeface="+mn-ea"/>
+                <a:cs typeface="+mn-cs"/>
+              </a:defRPr>
+            </a:lvl1pPr>
+            <a:lvl2pPr marL="457200" indent="0" algn="ctr" defTabSz="914400" rtl="0" eaLnBrk="1" latinLnBrk="0" hangingPunct="1">
+              <a:spcBef>
+                <a:spcPct val="20000"/>
+              </a:spcBef>
+              <a:buFont typeface="Arial" pitchFamily="34" charset="0"/>
+              <a:buNone/>
+              <a:defRPr sz="2800" kern="1200">
+                <a:solidFill>
+                  <a:schemeClr val="tx1">
+                    <a:tint val="75000"/>
+                  </a:schemeClr>
+                </a:solidFill>
+                <a:latin typeface="+mn-lt"/>
+                <a:ea typeface="+mn-ea"/>
+                <a:cs typeface="+mn-cs"/>
+              </a:defRPr>
+            </a:lvl2pPr>
+            <a:lvl3pPr marL="914400" indent="0" algn="ctr" defTabSz="914400" rtl="0" eaLnBrk="1" latinLnBrk="0" hangingPunct="1">
+              <a:spcBef>
+                <a:spcPct val="20000"/>
+              </a:spcBef>
+              <a:buFont typeface="Arial" pitchFamily="34" charset="0"/>
+              <a:buNone/>
+              <a:defRPr sz="2400" kern="1200">
+                <a:solidFill>
+                  <a:schemeClr val="tx1">
+                    <a:tint val="75000"/>
+                  </a:schemeClr>
+                </a:solidFill>
+                <a:latin typeface="+mn-lt"/>
+                <a:ea typeface="+mn-ea"/>
+                <a:cs typeface="+mn-cs"/>
+              </a:defRPr>
+            </a:lvl3pPr>
+            <a:lvl4pPr marL="1371600" indent="0" algn="ctr" defTabSz="914400" rtl="0" eaLnBrk="1" latinLnBrk="0" hangingPunct="1">
+              <a:spcBef>
+                <a:spcPct val="20000"/>
+              </a:spcBef>
+              <a:buFont typeface="Arial" pitchFamily="34" charset="0"/>
+              <a:buNone/>
+              <a:defRPr sz="2000" kern="1200">
+                <a:solidFill>
+                  <a:schemeClr val="tx1">
+                    <a:tint val="75000"/>
+                  </a:schemeClr>
+                </a:solidFill>
+                <a:latin typeface="+mn-lt"/>
+                <a:ea typeface="+mn-ea"/>
+                <a:cs typeface="+mn-cs"/>
+              </a:defRPr>
+            </a:lvl4pPr>
+            <a:lvl5pPr marL="1828800" indent="0" algn="ctr" defTabSz="914400" rtl="0" eaLnBrk="1" latinLnBrk="0" hangingPunct="1">
+              <a:spcBef>
+                <a:spcPct val="20000"/>
+              </a:spcBef>
+              <a:buFont typeface="Arial" pitchFamily="34" charset="0"/>
+              <a:buNone/>
+              <a:defRPr sz="2000" kern="1200">
+                <a:solidFill>
+                  <a:schemeClr val="tx1">
+                    <a:tint val="75000"/>
+                  </a:schemeClr>
+                </a:solidFill>
+                <a:latin typeface="+mn-lt"/>
+                <a:ea typeface="+mn-ea"/>
+                <a:cs typeface="+mn-cs"/>
+              </a:defRPr>
+            </a:lvl5pPr>
+            <a:lvl6pPr marL="2286000" indent="0" algn="ctr" defTabSz="914400" rtl="0" eaLnBrk="1" latinLnBrk="0" hangingPunct="1">
+              <a:spcBef>
+                <a:spcPct val="20000"/>
+              </a:spcBef>
+              <a:buFont typeface="Arial" pitchFamily="34" charset="0"/>
+              <a:buNone/>
+              <a:defRPr sz="2000" kern="1200">
+                <a:solidFill>
+                  <a:schemeClr val="tx1">
+                    <a:tint val="75000"/>
+                  </a:schemeClr>
+                </a:solidFill>
+                <a:latin typeface="+mn-lt"/>
+                <a:ea typeface="+mn-ea"/>
+                <a:cs typeface="+mn-cs"/>
+              </a:defRPr>
+            </a:lvl6pPr>
+            <a:lvl7pPr marL="2743200" indent="0" algn="ctr" defTabSz="914400" rtl="0" eaLnBrk="1" latinLnBrk="0" hangingPunct="1">
+              <a:spcBef>
+                <a:spcPct val="20000"/>
+              </a:spcBef>
+              <a:buFont typeface="Arial" pitchFamily="34" charset="0"/>
+              <a:buNone/>
+              <a:defRPr sz="2000" kern="1200">
+                <a:solidFill>
+                  <a:schemeClr val="tx1">
+                    <a:tint val="75000"/>
+                  </a:schemeClr>
+                </a:solidFill>
+                <a:latin typeface="+mn-lt"/>
+                <a:ea typeface="+mn-ea"/>
+                <a:cs typeface="+mn-cs"/>
+              </a:defRPr>
+            </a:lvl7pPr>
+            <a:lvl8pPr marL="3200400" indent="0" algn="ctr" defTabSz="914400" rtl="0" eaLnBrk="1" latinLnBrk="0" hangingPunct="1">
+              <a:spcBef>
+                <a:spcPct val="20000"/>
+              </a:spcBef>
+              <a:buFont typeface="Arial" pitchFamily="34" charset="0"/>
+              <a:buNone/>
+              <a:defRPr sz="2000" kern="1200">
+                <a:solidFill>
+                  <a:schemeClr val="tx1">
+                    <a:tint val="75000"/>
+                  </a:schemeClr>
+                </a:solidFill>
+                <a:latin typeface="+mn-lt"/>
+                <a:ea typeface="+mn-ea"/>
+                <a:cs typeface="+mn-cs"/>
+              </a:defRPr>
+            </a:lvl8pPr>
+            <a:lvl9pPr marL="3657600" indent="0" algn="ctr" defTabSz="914400" rtl="0" eaLnBrk="1" latinLnBrk="0" hangingPunct="1">
+              <a:spcBef>
+                <a:spcPct val="20000"/>
+              </a:spcBef>
+              <a:buFont typeface="Arial" pitchFamily="34" charset="0"/>
+              <a:buNone/>
+              <a:defRPr sz="2000" kern="1200">
+                <a:solidFill>
+                  <a:schemeClr val="tx1">
+                    <a:tint val="75000"/>
+                  </a:schemeClr>
+                </a:solidFill>
+                <a:latin typeface="+mn-lt"/>
+                <a:ea typeface="+mn-ea"/>
+                <a:cs typeface="+mn-cs"/>
+              </a:defRPr>
+            </a:lvl9pPr>
+          </a:lstStyle>
+          <a:p>
+            <a:pPr marL="0" lvl="1" algn="l"/>
+            <a:r>
+              <a:rPr lang="en-US" dirty="0" smtClean="0"/>
+              <a:t>Set up new connection</a:t>
+            </a:r>
+          </a:p>
+          <a:p>
+            <a:pPr marL="0" lvl="1" algn="l"/>
+            <a:r>
+              <a:rPr lang="en-US" dirty="0" smtClean="0"/>
+              <a:t>Send query to dB</a:t>
+            </a:r>
+          </a:p>
+          <a:p>
+            <a:pPr marL="0" lvl="1" algn="l"/>
+            <a:r>
+              <a:rPr lang="en-US" dirty="0" smtClean="0"/>
+              <a:t>             (wait)</a:t>
+            </a:r>
+          </a:p>
+          <a:p>
+            <a:pPr marL="0" lvl="1" algn="l"/>
+            <a:r>
+              <a:rPr lang="en-US" dirty="0"/>
+              <a:t>	|</a:t>
+            </a:r>
+          </a:p>
+          <a:p>
+            <a:pPr marL="0" lvl="1" algn="l"/>
+            <a:r>
+              <a:rPr lang="en-US" dirty="0" smtClean="0"/>
+              <a:t>	|</a:t>
+            </a:r>
+          </a:p>
+          <a:p>
+            <a:pPr marL="0" lvl="1" algn="l"/>
+            <a:r>
+              <a:rPr lang="en-US" dirty="0" smtClean="0"/>
+              <a:t>	|</a:t>
+            </a:r>
+          </a:p>
+          <a:p>
+            <a:pPr marL="0" lvl="1" algn="l"/>
+            <a:r>
+              <a:rPr lang="en-US" dirty="0" smtClean="0"/>
+              <a:t>	V</a:t>
+            </a:r>
+          </a:p>
+          <a:p>
+            <a:pPr marL="0" lvl="1" algn="l"/>
+            <a:r>
+              <a:rPr lang="en-US" dirty="0" smtClean="0"/>
+              <a:t>Process query results</a:t>
+            </a:r>
+          </a:p>
+          <a:p>
+            <a:pPr marL="0" lvl="1" algn="l"/>
+            <a:r>
+              <a:rPr lang="en-US" dirty="0" smtClean="0"/>
+              <a:t>Business logic</a:t>
+            </a:r>
+          </a:p>
+          <a:p>
+            <a:pPr marL="0" lvl="1" algn="l"/>
+            <a:r>
+              <a:rPr lang="en-US" dirty="0" smtClean="0"/>
+              <a:t>Call a web service</a:t>
+            </a:r>
+          </a:p>
+          <a:p>
+            <a:pPr marL="0" lvl="1" algn="l"/>
+            <a:r>
+              <a:rPr lang="en-US" dirty="0" smtClean="0"/>
+              <a:t>             (wait)</a:t>
+            </a:r>
+          </a:p>
+          <a:p>
+            <a:pPr marL="0" lvl="1" algn="l"/>
+            <a:r>
+              <a:rPr lang="en-US" dirty="0" smtClean="0"/>
+              <a:t>	|</a:t>
+            </a:r>
+          </a:p>
+          <a:p>
+            <a:pPr marL="0" lvl="1" algn="l"/>
+            <a:r>
+              <a:rPr lang="en-US" dirty="0" smtClean="0"/>
+              <a:t>	V</a:t>
+            </a:r>
+          </a:p>
+          <a:p>
+            <a:pPr marL="0" lvl="1" algn="l"/>
+            <a:r>
+              <a:rPr lang="en-US" dirty="0" smtClean="0"/>
+              <a:t>Process results</a:t>
+            </a:r>
+          </a:p>
+          <a:p>
+            <a:pPr marL="0" lvl="1" algn="l"/>
+            <a:r>
+              <a:rPr lang="en-US" dirty="0" smtClean="0"/>
+              <a:t>Send to network</a:t>
+            </a:r>
+          </a:p>
+          <a:p>
+            <a:pPr marL="0" lvl="1" algn="l"/>
+            <a:r>
+              <a:rPr lang="en-US" dirty="0" smtClean="0"/>
+              <a:t>              (end)</a:t>
+            </a:r>
+          </a:p>
+          <a:p>
+            <a:pPr marL="0" lvl="1" algn="l"/>
+            <a:endParaRPr lang="en-US" dirty="0" smtClean="0"/>
+          </a:p>
+        </p:txBody>
+      </p:sp>
+      <p:sp>
+        <p:nvSpPr>
+          <p:cNvPr id="6" name="Subtitle 2"/>
+          <p:cNvSpPr txBox="1">
+            <a:spLocks/>
+          </p:cNvSpPr>
+          <p:nvPr/>
+        </p:nvSpPr>
+        <p:spPr>
+          <a:xfrm>
+            <a:off x="7050888" y="3290621"/>
+            <a:ext cx="2474686" cy="4609893"/>
+          </a:xfrm>
+          <a:prstGeom prst="rect">
+            <a:avLst/>
+          </a:prstGeom>
+        </p:spPr>
+        <p:txBody>
+          <a:bodyPr vert="horz" lIns="91440" tIns="45720" rIns="91440" bIns="45720" rtlCol="0">
+            <a:noAutofit/>
+          </a:bodyPr>
+          <a:lstStyle>
+            <a:lvl1pPr marL="0" indent="0" algn="ctr" defTabSz="914400" rtl="0" eaLnBrk="1" latinLnBrk="0" hangingPunct="1">
+              <a:spcBef>
+                <a:spcPct val="20000"/>
+              </a:spcBef>
+              <a:buFont typeface="Arial" pitchFamily="34" charset="0"/>
+              <a:buNone/>
+              <a:defRPr sz="3200" kern="1200">
+                <a:solidFill>
+                  <a:schemeClr val="tx1">
+                    <a:tint val="75000"/>
+                  </a:schemeClr>
+                </a:solidFill>
+                <a:latin typeface="+mn-lt"/>
+                <a:ea typeface="+mn-ea"/>
+                <a:cs typeface="+mn-cs"/>
+              </a:defRPr>
+            </a:lvl1pPr>
+            <a:lvl2pPr marL="457200" indent="0" algn="ctr" defTabSz="914400" rtl="0" eaLnBrk="1" latinLnBrk="0" hangingPunct="1">
+              <a:spcBef>
+                <a:spcPct val="20000"/>
+              </a:spcBef>
+              <a:buFont typeface="Arial" pitchFamily="34" charset="0"/>
+              <a:buNone/>
+              <a:defRPr sz="2800" kern="1200">
+                <a:solidFill>
+                  <a:schemeClr val="tx1">
+                    <a:tint val="75000"/>
+                  </a:schemeClr>
+                </a:solidFill>
+                <a:latin typeface="+mn-lt"/>
+                <a:ea typeface="+mn-ea"/>
+                <a:cs typeface="+mn-cs"/>
+              </a:defRPr>
+            </a:lvl2pPr>
+            <a:lvl3pPr marL="914400" indent="0" algn="ctr" defTabSz="914400" rtl="0" eaLnBrk="1" latinLnBrk="0" hangingPunct="1">
+              <a:spcBef>
+                <a:spcPct val="20000"/>
+              </a:spcBef>
+              <a:buFont typeface="Arial" pitchFamily="34" charset="0"/>
+              <a:buNone/>
+              <a:defRPr sz="2400" kern="1200">
+                <a:solidFill>
+                  <a:schemeClr val="tx1">
+                    <a:tint val="75000"/>
+                  </a:schemeClr>
+                </a:solidFill>
+                <a:latin typeface="+mn-lt"/>
+                <a:ea typeface="+mn-ea"/>
+                <a:cs typeface="+mn-cs"/>
+              </a:defRPr>
+            </a:lvl3pPr>
+            <a:lvl4pPr marL="1371600" indent="0" algn="ctr" defTabSz="914400" rtl="0" eaLnBrk="1" latinLnBrk="0" hangingPunct="1">
+              <a:spcBef>
+                <a:spcPct val="20000"/>
+              </a:spcBef>
+              <a:buFont typeface="Arial" pitchFamily="34" charset="0"/>
+              <a:buNone/>
+              <a:defRPr sz="2000" kern="1200">
+                <a:solidFill>
+                  <a:schemeClr val="tx1">
+                    <a:tint val="75000"/>
+                  </a:schemeClr>
+                </a:solidFill>
+                <a:latin typeface="+mn-lt"/>
+                <a:ea typeface="+mn-ea"/>
+                <a:cs typeface="+mn-cs"/>
+              </a:defRPr>
+            </a:lvl4pPr>
+            <a:lvl5pPr marL="1828800" indent="0" algn="ctr" defTabSz="914400" rtl="0" eaLnBrk="1" latinLnBrk="0" hangingPunct="1">
+              <a:spcBef>
+                <a:spcPct val="20000"/>
+              </a:spcBef>
+              <a:buFont typeface="Arial" pitchFamily="34" charset="0"/>
+              <a:buNone/>
+              <a:defRPr sz="2000" kern="1200">
+                <a:solidFill>
+                  <a:schemeClr val="tx1">
+                    <a:tint val="75000"/>
+                  </a:schemeClr>
+                </a:solidFill>
+                <a:latin typeface="+mn-lt"/>
+                <a:ea typeface="+mn-ea"/>
+                <a:cs typeface="+mn-cs"/>
+              </a:defRPr>
+            </a:lvl5pPr>
+            <a:lvl6pPr marL="2286000" indent="0" algn="ctr" defTabSz="914400" rtl="0" eaLnBrk="1" latinLnBrk="0" hangingPunct="1">
+              <a:spcBef>
+                <a:spcPct val="20000"/>
+              </a:spcBef>
+              <a:buFont typeface="Arial" pitchFamily="34" charset="0"/>
+              <a:buNone/>
+              <a:defRPr sz="2000" kern="1200">
+                <a:solidFill>
+                  <a:schemeClr val="tx1">
+                    <a:tint val="75000"/>
+                  </a:schemeClr>
+                </a:solidFill>
+                <a:latin typeface="+mn-lt"/>
+                <a:ea typeface="+mn-ea"/>
+                <a:cs typeface="+mn-cs"/>
+              </a:defRPr>
+            </a:lvl6pPr>
+            <a:lvl7pPr marL="2743200" indent="0" algn="ctr" defTabSz="914400" rtl="0" eaLnBrk="1" latinLnBrk="0" hangingPunct="1">
+              <a:spcBef>
+                <a:spcPct val="20000"/>
+              </a:spcBef>
+              <a:buFont typeface="Arial" pitchFamily="34" charset="0"/>
+              <a:buNone/>
+              <a:defRPr sz="2000" kern="1200">
+                <a:solidFill>
+                  <a:schemeClr val="tx1">
+                    <a:tint val="75000"/>
+                  </a:schemeClr>
+                </a:solidFill>
+                <a:latin typeface="+mn-lt"/>
+                <a:ea typeface="+mn-ea"/>
+                <a:cs typeface="+mn-cs"/>
+              </a:defRPr>
+            </a:lvl7pPr>
+            <a:lvl8pPr marL="3200400" indent="0" algn="ctr" defTabSz="914400" rtl="0" eaLnBrk="1" latinLnBrk="0" hangingPunct="1">
+              <a:spcBef>
+                <a:spcPct val="20000"/>
+              </a:spcBef>
+              <a:buFont typeface="Arial" pitchFamily="34" charset="0"/>
+              <a:buNone/>
+              <a:defRPr sz="2000" kern="1200">
+                <a:solidFill>
+                  <a:schemeClr val="tx1">
+                    <a:tint val="75000"/>
+                  </a:schemeClr>
+                </a:solidFill>
+                <a:latin typeface="+mn-lt"/>
+                <a:ea typeface="+mn-ea"/>
+                <a:cs typeface="+mn-cs"/>
+              </a:defRPr>
+            </a:lvl8pPr>
+            <a:lvl9pPr marL="3657600" indent="0" algn="ctr" defTabSz="914400" rtl="0" eaLnBrk="1" latinLnBrk="0" hangingPunct="1">
+              <a:spcBef>
+                <a:spcPct val="20000"/>
+              </a:spcBef>
+              <a:buFont typeface="Arial" pitchFamily="34" charset="0"/>
+              <a:buNone/>
+              <a:defRPr sz="2000" kern="1200">
+                <a:solidFill>
+                  <a:schemeClr val="tx1">
+                    <a:tint val="75000"/>
+                  </a:schemeClr>
+                </a:solidFill>
+                <a:latin typeface="+mn-lt"/>
+                <a:ea typeface="+mn-ea"/>
+                <a:cs typeface="+mn-cs"/>
+              </a:defRPr>
+            </a:lvl9pPr>
+          </a:lstStyle>
+          <a:p>
+            <a:pPr marL="0" lvl="1" algn="l"/>
+            <a:r>
+              <a:rPr lang="en-US" sz="1800" dirty="0" smtClean="0"/>
+              <a:t>Set up new connection</a:t>
+            </a:r>
+          </a:p>
+          <a:p>
+            <a:pPr marL="0" lvl="1" algn="l"/>
+            <a:r>
+              <a:rPr lang="en-US" sz="1800" dirty="0" smtClean="0"/>
+              <a:t>Send query to dB</a:t>
+            </a:r>
+          </a:p>
+          <a:p>
+            <a:pPr marL="0" lvl="1" algn="l"/>
+            <a:r>
+              <a:rPr lang="en-US" sz="1800" dirty="0" smtClean="0"/>
+              <a:t>             (wait)</a:t>
+            </a:r>
+          </a:p>
+          <a:p>
+            <a:pPr marL="0" lvl="1" algn="l"/>
+            <a:r>
+              <a:rPr lang="en-US" sz="1800" dirty="0" smtClean="0"/>
+              <a:t>	V</a:t>
+            </a:r>
+          </a:p>
+          <a:p>
+            <a:pPr marL="0" lvl="1" algn="l"/>
+            <a:r>
+              <a:rPr lang="en-US" sz="1800" dirty="0" smtClean="0"/>
+              <a:t>Process query results</a:t>
+            </a:r>
+          </a:p>
+          <a:p>
+            <a:pPr marL="0" lvl="1" algn="l"/>
+            <a:r>
+              <a:rPr lang="en-US" sz="1800" dirty="0" smtClean="0"/>
+              <a:t>Business logic</a:t>
+            </a:r>
+          </a:p>
+          <a:p>
+            <a:pPr marL="0" lvl="1" algn="l"/>
+            <a:r>
+              <a:rPr lang="en-US" sz="1800" dirty="0" smtClean="0"/>
+              <a:t>Call a web service</a:t>
+            </a:r>
+          </a:p>
+          <a:p>
+            <a:pPr marL="0" lvl="1" algn="l"/>
+            <a:r>
+              <a:rPr lang="en-US" sz="1800" dirty="0" smtClean="0"/>
+              <a:t>             (wait)</a:t>
+            </a:r>
+          </a:p>
+          <a:p>
+            <a:pPr marL="0" lvl="1" algn="l"/>
+            <a:r>
+              <a:rPr lang="en-US" sz="1800" dirty="0" smtClean="0"/>
+              <a:t>	V</a:t>
+            </a:r>
+          </a:p>
+          <a:p>
+            <a:pPr marL="0" lvl="1" algn="l"/>
+            <a:r>
+              <a:rPr lang="en-US" sz="1800" dirty="0" smtClean="0"/>
+              <a:t>Process results</a:t>
+            </a:r>
+          </a:p>
+          <a:p>
+            <a:pPr marL="0" lvl="1" algn="l"/>
+            <a:r>
+              <a:rPr lang="en-US" sz="1800" dirty="0" smtClean="0"/>
+              <a:t>Send to network</a:t>
+            </a:r>
+          </a:p>
+          <a:p>
+            <a:pPr marL="0" lvl="1" algn="l"/>
+            <a:r>
+              <a:rPr lang="en-US" sz="1800" dirty="0" smtClean="0"/>
+              <a:t>              (end)</a:t>
+            </a:r>
+          </a:p>
+          <a:p>
+            <a:pPr marL="0" lvl="1" algn="l"/>
+            <a:endParaRPr lang="en-US" sz="1800" dirty="0" smtClean="0"/>
+          </a:p>
+        </p:txBody>
+      </p:sp>
+      <p:sp>
+        <p:nvSpPr>
+          <p:cNvPr id="7" name="TextBox 6"/>
+          <p:cNvSpPr txBox="1"/>
+          <p:nvPr/>
+        </p:nvSpPr>
+        <p:spPr>
+          <a:xfrm>
+            <a:off x="831943" y="1281304"/>
+            <a:ext cx="1185829" cy="523220"/>
+          </a:xfrm>
+          <a:prstGeom prst="rect">
+            <a:avLst/>
+          </a:prstGeom>
+          <a:noFill/>
+        </p:spPr>
+        <p:txBody>
+          <a:bodyPr wrap="none" rtlCol="0">
+            <a:spAutoFit/>
+          </a:bodyPr>
+          <a:lstStyle/>
+          <a:p>
+            <a:r>
+              <a:rPr lang="en-US" sz="2800" dirty="0" smtClean="0"/>
+              <a:t>Time</a:t>
+            </a:r>
+            <a:r>
+              <a:rPr lang="en-US" dirty="0" smtClean="0"/>
+              <a:t> </a:t>
+            </a:r>
+            <a:r>
+              <a:rPr lang="en-US" dirty="0" smtClean="0">
+                <a:sym typeface="Wingdings"/>
+              </a:rPr>
+              <a:t></a:t>
+            </a:r>
+            <a:endParaRPr lang="en-US" dirty="0"/>
+          </a:p>
+        </p:txBody>
+      </p:sp>
+      <p:sp>
+        <p:nvSpPr>
+          <p:cNvPr id="9" name="TextBox 8"/>
+          <p:cNvSpPr txBox="1"/>
+          <p:nvPr/>
+        </p:nvSpPr>
+        <p:spPr>
+          <a:xfrm rot="5400000">
+            <a:off x="-513657" y="2108017"/>
+            <a:ext cx="2031501" cy="523220"/>
+          </a:xfrm>
+          <a:prstGeom prst="rect">
+            <a:avLst/>
+          </a:prstGeom>
+          <a:noFill/>
+        </p:spPr>
+        <p:txBody>
+          <a:bodyPr wrap="none" rtlCol="0">
+            <a:spAutoFit/>
+          </a:bodyPr>
+          <a:lstStyle/>
+          <a:p>
+            <a:r>
+              <a:rPr lang="en-US" sz="2800" dirty="0" smtClean="0"/>
+              <a:t>Operations</a:t>
+            </a:r>
+            <a:r>
+              <a:rPr lang="en-US" dirty="0" smtClean="0">
+                <a:sym typeface="Wingdings"/>
+              </a:rPr>
+              <a:t></a:t>
+            </a:r>
+            <a:endParaRPr lang="en-US" dirty="0"/>
+          </a:p>
+        </p:txBody>
+      </p:sp>
+    </p:spTree>
+    <p:extLst>
+      <p:ext uri="{BB962C8B-B14F-4D97-AF65-F5344CB8AC3E}">
+        <p14:creationId xmlns:p14="http://schemas.microsoft.com/office/powerpoint/2010/main" val="3797153266"/>
+      </p:ext>
+    </p:extLst>
+  </p:cSld>
+  <p:clrMapOvr>
+    <a:masterClrMapping/>
+  </p:clrMapOvr>
+</p:sld>
+</file>
+
+<file path=ppt/slides/slide46.xml><?xml version="1.0" encoding="utf-8"?>
+<p:sld xmlns:a="http://schemas.openxmlformats.org/drawingml/2006/main" xmlns:r="http://schemas.openxmlformats.org/officeDocument/2006/relationships" xmlns:p="http://schemas.openxmlformats.org/presentationml/2006/main">
+  <p:cSld>
+    <p:spTree>
+      <p:nvGrpSpPr>
+        <p:cNvPr id="1" name=""/>
+        <p:cNvGrpSpPr/>
+        <p:nvPr/>
+      </p:nvGrpSpPr>
+      <p:grpSpPr>
+        <a:xfrm>
+          <a:off x="0" y="0"/>
+          <a:ext cx="0" cy="0"/>
+          <a:chOff x="0" y="0"/>
+          <a:chExt cx="0" cy="0"/>
+        </a:xfrm>
+      </p:grpSpPr>
+      <p:sp>
+        <p:nvSpPr>
+          <p:cNvPr id="2" name="Title 1"/>
+          <p:cNvSpPr>
+            <a:spLocks noGrp="1"/>
+          </p:cNvSpPr>
+          <p:nvPr>
+            <p:ph type="ctrTitle"/>
+          </p:nvPr>
+        </p:nvSpPr>
+        <p:spPr>
+          <a:xfrm>
+            <a:off x="685800" y="160685"/>
+            <a:ext cx="7772400" cy="1470025"/>
+          </a:xfrm>
+        </p:spPr>
+        <p:txBody>
+          <a:bodyPr/>
+          <a:lstStyle/>
+          <a:p>
+            <a:r>
+              <a:rPr lang="en-US" dirty="0" err="1" smtClean="0"/>
+              <a:t>Node.js</a:t>
+            </a:r>
+            <a:r>
+              <a:rPr lang="en-US" dirty="0" smtClean="0"/>
+              <a:t> architecture</a:t>
+            </a:r>
+            <a:endParaRPr lang="en-US" dirty="0"/>
+          </a:p>
+        </p:txBody>
+      </p:sp>
+      <p:sp>
+        <p:nvSpPr>
+          <p:cNvPr id="3" name="Subtitle 2"/>
+          <p:cNvSpPr>
+            <a:spLocks noGrp="1"/>
+          </p:cNvSpPr>
+          <p:nvPr>
+            <p:ph type="subTitle" idx="1"/>
+          </p:nvPr>
+        </p:nvSpPr>
+        <p:spPr>
+          <a:xfrm>
+            <a:off x="1371600" y="1630710"/>
+            <a:ext cx="6400800" cy="4609893"/>
+          </a:xfrm>
+        </p:spPr>
+        <p:txBody>
+          <a:bodyPr>
+            <a:normAutofit/>
+          </a:bodyPr>
+          <a:lstStyle/>
+          <a:p>
+            <a:pPr marL="0" lvl="1" algn="l"/>
+            <a:r>
+              <a:rPr lang="en-US" dirty="0" smtClean="0"/>
+              <a:t>Why </a:t>
+            </a:r>
+            <a:r>
+              <a:rPr lang="en-US" dirty="0" err="1" smtClean="0"/>
+              <a:t>Node.js</a:t>
+            </a:r>
+            <a:r>
+              <a:rPr lang="en-US" dirty="0" smtClean="0"/>
+              <a:t>?</a:t>
+            </a:r>
+          </a:p>
+          <a:p>
+            <a:pPr lvl="1" indent="-457200" algn="l">
+              <a:buFont typeface="Arial"/>
+              <a:buChar char="•"/>
+            </a:pPr>
+            <a:r>
+              <a:rPr lang="en-US" dirty="0" smtClean="0"/>
+              <a:t>Several ways to handle load</a:t>
+            </a:r>
+          </a:p>
+          <a:p>
+            <a:pPr lvl="2" indent="-457200" algn="l">
+              <a:buFont typeface="Arial"/>
+              <a:buChar char="•"/>
+            </a:pPr>
+            <a:r>
+              <a:rPr lang="en-US" dirty="0" smtClean="0"/>
+              <a:t>Naïve </a:t>
+            </a:r>
+            <a:r>
+              <a:rPr lang="en-US" dirty="0"/>
+              <a:t>–</a:t>
+            </a:r>
+            <a:r>
+              <a:rPr lang="en-US" dirty="0" smtClean="0"/>
+              <a:t> hope and pray, add resources</a:t>
+            </a:r>
+          </a:p>
+          <a:p>
+            <a:pPr lvl="2" indent="-457200" algn="l">
+              <a:buFont typeface="Arial"/>
+              <a:buChar char="•"/>
+            </a:pPr>
+            <a:r>
+              <a:rPr lang="en-US" dirty="0" smtClean="0"/>
+              <a:t>Fork – start a new process</a:t>
+            </a:r>
+          </a:p>
+          <a:p>
+            <a:pPr lvl="2" indent="-457200" algn="l">
+              <a:buFont typeface="Arial"/>
+              <a:buChar char="•"/>
+            </a:pPr>
+            <a:r>
+              <a:rPr lang="en-US" dirty="0" smtClean="0"/>
+              <a:t>Threads – parallelize within a process</a:t>
+            </a:r>
+          </a:p>
+          <a:p>
+            <a:pPr lvl="1" indent="-457200" algn="l">
+              <a:buFont typeface="Arial"/>
+              <a:buChar char="•"/>
+            </a:pPr>
+            <a:r>
+              <a:rPr lang="en-US" dirty="0" smtClean="0"/>
+              <a:t>Pros and Cons</a:t>
+            </a:r>
+          </a:p>
+          <a:p>
+            <a:pPr lvl="2" indent="-457200" algn="l">
+              <a:buFont typeface="Arial"/>
+              <a:buChar char="•"/>
+            </a:pPr>
+            <a:r>
+              <a:rPr lang="en-US" dirty="0" smtClean="0"/>
+              <a:t>Naïve – easy, but weak</a:t>
+            </a:r>
+          </a:p>
+          <a:p>
+            <a:pPr lvl="2" indent="-457200" algn="l">
+              <a:buFont typeface="Arial"/>
+              <a:buChar char="•"/>
+            </a:pPr>
+            <a:r>
+              <a:rPr lang="en-US" dirty="0" smtClean="0"/>
+              <a:t>Fork – simple, full featured, resource hog</a:t>
+            </a:r>
+          </a:p>
+          <a:p>
+            <a:pPr lvl="2" indent="-457200" algn="l">
+              <a:buFont typeface="Arial"/>
+              <a:buChar char="•"/>
+            </a:pPr>
+            <a:r>
+              <a:rPr lang="en-US" dirty="0" smtClean="0"/>
+              <a:t>Threads – super computational, super complicated</a:t>
+            </a:r>
+            <a:endParaRPr lang="en-US" dirty="0" smtClean="0"/>
+          </a:p>
+        </p:txBody>
+      </p:sp>
+    </p:spTree>
+    <p:extLst>
+      <p:ext uri="{BB962C8B-B14F-4D97-AF65-F5344CB8AC3E}">
+        <p14:creationId xmlns:p14="http://schemas.microsoft.com/office/powerpoint/2010/main" val="3884676083"/>
+      </p:ext>
+    </p:extLst>
+  </p:cSld>
+  <p:clrMapOvr>
+    <a:masterClrMapping/>
+  </p:clrMapOvr>
+</p:sld>
+</file>
+
+<file path=ppt/slides/slide47.xml><?xml version="1.0" encoding="utf-8"?>
+<p:sld xmlns:a="http://schemas.openxmlformats.org/drawingml/2006/main" xmlns:r="http://schemas.openxmlformats.org/officeDocument/2006/relationships" xmlns:p="http://schemas.openxmlformats.org/presentationml/2006/main">
+  <p:cSld>
+    <p:spTree>
+      <p:nvGrpSpPr>
+        <p:cNvPr id="1" name=""/>
+        <p:cNvGrpSpPr/>
+        <p:nvPr/>
+      </p:nvGrpSpPr>
+      <p:grpSpPr>
+        <a:xfrm>
+          <a:off x="0" y="0"/>
+          <a:ext cx="0" cy="0"/>
+          <a:chOff x="0" y="0"/>
+          <a:chExt cx="0" cy="0"/>
+        </a:xfrm>
+      </p:grpSpPr>
+      <p:sp>
+        <p:nvSpPr>
+          <p:cNvPr id="2" name="Title 1"/>
+          <p:cNvSpPr>
+            <a:spLocks noGrp="1"/>
+          </p:cNvSpPr>
+          <p:nvPr>
+            <p:ph type="ctrTitle"/>
+          </p:nvPr>
+        </p:nvSpPr>
+        <p:spPr>
+          <a:xfrm>
+            <a:off x="685800" y="160685"/>
+            <a:ext cx="7772400" cy="1470025"/>
+          </a:xfrm>
+        </p:spPr>
+        <p:txBody>
+          <a:bodyPr/>
+          <a:lstStyle/>
+          <a:p>
+            <a:r>
+              <a:rPr lang="en-US" dirty="0" err="1" smtClean="0"/>
+              <a:t>Node.js</a:t>
+            </a:r>
+            <a:r>
+              <a:rPr lang="en-US" dirty="0" smtClean="0"/>
+              <a:t> architecture</a:t>
+            </a:r>
+            <a:endParaRPr lang="en-US" dirty="0"/>
+          </a:p>
+        </p:txBody>
+      </p:sp>
+      <p:sp>
+        <p:nvSpPr>
+          <p:cNvPr id="3" name="Subtitle 2"/>
+          <p:cNvSpPr>
+            <a:spLocks noGrp="1"/>
+          </p:cNvSpPr>
+          <p:nvPr>
+            <p:ph type="subTitle" idx="1"/>
+          </p:nvPr>
+        </p:nvSpPr>
+        <p:spPr>
+          <a:xfrm>
+            <a:off x="1371600" y="1630710"/>
+            <a:ext cx="6400800" cy="4609893"/>
+          </a:xfrm>
+        </p:spPr>
+        <p:txBody>
+          <a:bodyPr>
+            <a:normAutofit/>
+          </a:bodyPr>
+          <a:lstStyle/>
+          <a:p>
+            <a:pPr marL="0" lvl="1" algn="l"/>
+            <a:r>
+              <a:rPr lang="en-US" dirty="0" smtClean="0"/>
+              <a:t>Why </a:t>
+            </a:r>
+            <a:r>
+              <a:rPr lang="en-US" dirty="0" err="1" smtClean="0"/>
+              <a:t>Node.js</a:t>
+            </a:r>
+            <a:r>
+              <a:rPr lang="en-US" dirty="0" smtClean="0"/>
+              <a:t>?</a:t>
+            </a:r>
+          </a:p>
+          <a:p>
+            <a:pPr lvl="1" indent="-457200" algn="l">
+              <a:buFont typeface="Arial"/>
+              <a:buChar char="•"/>
+            </a:pPr>
+            <a:r>
+              <a:rPr lang="en-US" dirty="0" smtClean="0"/>
+              <a:t>The Middle Path</a:t>
+            </a:r>
+          </a:p>
+          <a:p>
+            <a:pPr lvl="1" indent="-457200" algn="l">
+              <a:buFont typeface="Arial"/>
+              <a:buChar char="•"/>
+            </a:pPr>
+            <a:r>
+              <a:rPr lang="en-US" dirty="0" smtClean="0"/>
+              <a:t>Single threaded</a:t>
+            </a:r>
+          </a:p>
+          <a:p>
+            <a:pPr lvl="1" indent="-457200" algn="l">
+              <a:buFont typeface="Arial"/>
+              <a:buChar char="•"/>
+            </a:pPr>
+            <a:r>
+              <a:rPr lang="en-US" dirty="0" smtClean="0"/>
+              <a:t>Relies on event paradigm</a:t>
+            </a:r>
+            <a:endParaRPr lang="en-US" dirty="0" smtClean="0"/>
+          </a:p>
+        </p:txBody>
+      </p:sp>
+    </p:spTree>
+    <p:extLst>
+      <p:ext uri="{BB962C8B-B14F-4D97-AF65-F5344CB8AC3E}">
+        <p14:creationId xmlns:p14="http://schemas.microsoft.com/office/powerpoint/2010/main" val="2197963047"/>
+      </p:ext>
+    </p:extLst>
+  </p:cSld>
+  <p:clrMapOvr>
+    <a:masterClrMapping/>
+  </p:clrMapOvr>
+</p:sld>
+</file>
+
+<file path=ppt/slides/slide48.xml><?xml version="1.0" encoding="utf-8"?>
+<p:sld xmlns:a="http://schemas.openxmlformats.org/drawingml/2006/main" xmlns:r="http://schemas.openxmlformats.org/officeDocument/2006/relationships" xmlns:p="http://schemas.openxmlformats.org/presentationml/2006/main">
+  <p:cSld>
+    <p:spTree>
+      <p:nvGrpSpPr>
+        <p:cNvPr id="1" name=""/>
+        <p:cNvGrpSpPr/>
+        <p:nvPr/>
+      </p:nvGrpSpPr>
+      <p:grpSpPr>
+        <a:xfrm>
+          <a:off x="0" y="0"/>
+          <a:ext cx="0" cy="0"/>
+          <a:chOff x="0" y="0"/>
+          <a:chExt cx="0" cy="0"/>
+        </a:xfrm>
+      </p:grpSpPr>
+      <p:sp>
+        <p:nvSpPr>
+          <p:cNvPr id="2" name="Title 1"/>
+          <p:cNvSpPr>
+            <a:spLocks noGrp="1"/>
+          </p:cNvSpPr>
+          <p:nvPr>
+            <p:ph type="ctrTitle"/>
+          </p:nvPr>
+        </p:nvSpPr>
+        <p:spPr>
+          <a:xfrm>
+            <a:off x="685800" y="160685"/>
+            <a:ext cx="7772400" cy="1470025"/>
+          </a:xfrm>
+        </p:spPr>
+        <p:txBody>
+          <a:bodyPr/>
+          <a:lstStyle/>
+          <a:p>
+            <a:r>
+              <a:rPr lang="en-US" dirty="0" err="1" smtClean="0"/>
+              <a:t>Node.js</a:t>
+            </a:r>
+            <a:r>
+              <a:rPr lang="en-US" dirty="0" smtClean="0"/>
+              <a:t> architecture</a:t>
+            </a:r>
+            <a:endParaRPr lang="en-US" dirty="0"/>
+          </a:p>
+        </p:txBody>
+      </p:sp>
+      <p:sp>
+        <p:nvSpPr>
+          <p:cNvPr id="3" name="Subtitle 2"/>
+          <p:cNvSpPr>
+            <a:spLocks noGrp="1"/>
+          </p:cNvSpPr>
+          <p:nvPr>
+            <p:ph type="subTitle" idx="1"/>
+          </p:nvPr>
+        </p:nvSpPr>
+        <p:spPr>
+          <a:xfrm>
+            <a:off x="1371600" y="1630710"/>
+            <a:ext cx="6400800" cy="4609893"/>
+          </a:xfrm>
+        </p:spPr>
+        <p:txBody>
+          <a:bodyPr>
+            <a:normAutofit fontScale="92500"/>
+          </a:bodyPr>
+          <a:lstStyle/>
+          <a:p>
+            <a:pPr marL="0" lvl="1" algn="l"/>
+            <a:r>
+              <a:rPr lang="en-US" dirty="0" smtClean="0"/>
+              <a:t>Event driven model</a:t>
+            </a:r>
+          </a:p>
+          <a:p>
+            <a:pPr lvl="1" indent="-457200" algn="l">
+              <a:buFont typeface="Arial"/>
+              <a:buChar char="•"/>
+            </a:pPr>
+            <a:r>
+              <a:rPr lang="en-US" dirty="0" smtClean="0"/>
+              <a:t>Think of a radio station</a:t>
+            </a:r>
+          </a:p>
+          <a:p>
+            <a:pPr lvl="1" indent="-457200" algn="l">
+              <a:buFont typeface="Arial"/>
+              <a:buChar char="•"/>
+            </a:pPr>
+            <a:r>
+              <a:rPr lang="en-US" dirty="0" smtClean="0"/>
+              <a:t>Broadcasts songs, commercials, IDs</a:t>
+            </a:r>
+          </a:p>
+          <a:p>
+            <a:pPr lvl="1" indent="-457200" algn="l">
+              <a:buFont typeface="Arial"/>
+              <a:buChar char="•"/>
+            </a:pPr>
+            <a:r>
+              <a:rPr lang="en-US" dirty="0" smtClean="0"/>
+              <a:t>Doesn't know </a:t>
+            </a:r>
+          </a:p>
+          <a:p>
+            <a:pPr lvl="2" indent="-457200" algn="l">
+              <a:buFont typeface="Arial"/>
+              <a:buChar char="•"/>
+            </a:pPr>
+            <a:r>
+              <a:rPr lang="en-US" dirty="0" smtClean="0"/>
+              <a:t>who is listening</a:t>
+            </a:r>
+          </a:p>
+          <a:p>
+            <a:pPr lvl="2" indent="-457200" algn="l">
+              <a:buFont typeface="Arial"/>
+              <a:buChar char="•"/>
+            </a:pPr>
+            <a:r>
+              <a:rPr lang="en-US" dirty="0"/>
+              <a:t>when they </a:t>
+            </a:r>
+            <a:r>
+              <a:rPr lang="en-US" dirty="0" smtClean="0"/>
+              <a:t>tune in / out</a:t>
+            </a:r>
+          </a:p>
+          <a:p>
+            <a:pPr lvl="2" indent="-457200" algn="l">
+              <a:buFont typeface="Arial"/>
+              <a:buChar char="•"/>
+            </a:pPr>
+            <a:r>
+              <a:rPr lang="en-US" dirty="0" smtClean="0"/>
+              <a:t>what they do with the broadcast</a:t>
+            </a:r>
+          </a:p>
+          <a:p>
+            <a:pPr lvl="2" indent="-457200" algn="l">
+              <a:buFont typeface="Arial"/>
+              <a:buChar char="•"/>
+            </a:pPr>
+            <a:r>
+              <a:rPr lang="en-US" dirty="0" smtClean="0"/>
+              <a:t>music fan / advertiser / FCC agent</a:t>
+            </a:r>
+          </a:p>
+          <a:p>
+            <a:pPr lvl="1" indent="-457200" algn="l">
+              <a:buFont typeface="Arial"/>
+              <a:buChar char="•"/>
+            </a:pPr>
+            <a:r>
+              <a:rPr lang="en-US" dirty="0" smtClean="0"/>
+              <a:t>Fan hasn't heard favorite, calls in a request</a:t>
+            </a:r>
+          </a:p>
+          <a:p>
+            <a:pPr lvl="1" indent="-457200" algn="l">
+              <a:buFont typeface="Arial"/>
+              <a:buChar char="•"/>
+            </a:pPr>
+            <a:r>
+              <a:rPr lang="en-US" dirty="0" smtClean="0"/>
+              <a:t>DJ schedules request at end of playlist</a:t>
+            </a:r>
+          </a:p>
+        </p:txBody>
+      </p:sp>
+    </p:spTree>
+    <p:extLst>
+      <p:ext uri="{BB962C8B-B14F-4D97-AF65-F5344CB8AC3E}">
+        <p14:creationId xmlns:p14="http://schemas.microsoft.com/office/powerpoint/2010/main" val="2197963047"/>
+      </p:ext>
+    </p:extLst>
+  </p:cSld>
+  <p:clrMapOvr>
+    <a:masterClrMapping/>
+  </p:clrMapOvr>
+</p:sld>
+</file>
+
+<file path=ppt/slides/slide49.xml><?xml version="1.0" encoding="utf-8"?>
+<p:sld xmlns:a="http://schemas.openxmlformats.org/drawingml/2006/main" xmlns:r="http://schemas.openxmlformats.org/officeDocument/2006/relationships" xmlns:p="http://schemas.openxmlformats.org/presentationml/2006/main">
+  <p:cSld>
+    <p:spTree>
+      <p:nvGrpSpPr>
+        <p:cNvPr id="1" name=""/>
+        <p:cNvGrpSpPr/>
+        <p:nvPr/>
+      </p:nvGrpSpPr>
+      <p:grpSpPr>
+        <a:xfrm>
+          <a:off x="0" y="0"/>
+          <a:ext cx="0" cy="0"/>
+          <a:chOff x="0" y="0"/>
+          <a:chExt cx="0" cy="0"/>
+        </a:xfrm>
+      </p:grpSpPr>
+      <p:sp>
+        <p:nvSpPr>
+          <p:cNvPr id="2" name="Title 1"/>
+          <p:cNvSpPr>
+            <a:spLocks noGrp="1"/>
+          </p:cNvSpPr>
+          <p:nvPr>
+            <p:ph type="ctrTitle"/>
+          </p:nvPr>
+        </p:nvSpPr>
+        <p:spPr>
+          <a:xfrm>
+            <a:off x="685800" y="160685"/>
+            <a:ext cx="7772400" cy="1470025"/>
+          </a:xfrm>
+        </p:spPr>
+        <p:txBody>
+          <a:bodyPr/>
+          <a:lstStyle/>
+          <a:p>
+            <a:r>
+              <a:rPr lang="en-US" dirty="0" err="1" smtClean="0"/>
+              <a:t>Node.js</a:t>
+            </a:r>
+            <a:r>
+              <a:rPr lang="en-US" dirty="0" smtClean="0"/>
+              <a:t> architecture</a:t>
+            </a:r>
+            <a:endParaRPr lang="en-US" dirty="0"/>
+          </a:p>
+        </p:txBody>
+      </p:sp>
+      <p:sp>
+        <p:nvSpPr>
+          <p:cNvPr id="3" name="Subtitle 2"/>
+          <p:cNvSpPr>
+            <a:spLocks noGrp="1"/>
+          </p:cNvSpPr>
+          <p:nvPr>
+            <p:ph type="subTitle" idx="1"/>
+          </p:nvPr>
+        </p:nvSpPr>
+        <p:spPr>
+          <a:xfrm>
+            <a:off x="685800" y="1630710"/>
+            <a:ext cx="4602149" cy="4609893"/>
+          </a:xfrm>
+        </p:spPr>
+        <p:txBody>
+          <a:bodyPr>
+            <a:normAutofit/>
+          </a:bodyPr>
+          <a:lstStyle/>
+          <a:p>
+            <a:pPr lvl="1" indent="-457200" algn="l">
+              <a:buFont typeface="Arial"/>
+              <a:buChar char="•"/>
+            </a:pPr>
+            <a:r>
+              <a:rPr lang="en-US" dirty="0" smtClean="0"/>
+              <a:t>Heap holds data</a:t>
+            </a:r>
+          </a:p>
+          <a:p>
+            <a:pPr lvl="2" indent="-457200" algn="l">
+              <a:buFont typeface="Arial"/>
+              <a:buChar char="•"/>
+            </a:pPr>
+            <a:r>
+              <a:rPr lang="en-US" dirty="0" smtClean="0"/>
+              <a:t>Function definitions</a:t>
+            </a:r>
+          </a:p>
+          <a:p>
+            <a:pPr lvl="2" indent="-457200" algn="l">
+              <a:buFont typeface="Arial"/>
+              <a:buChar char="•"/>
+            </a:pPr>
+            <a:r>
+              <a:rPr lang="en-US" dirty="0" smtClean="0"/>
+              <a:t>Variables</a:t>
+            </a:r>
+          </a:p>
+          <a:p>
+            <a:pPr lvl="1" indent="-457200" algn="l">
+              <a:buFont typeface="Arial"/>
+              <a:buChar char="•"/>
+            </a:pPr>
+            <a:r>
+              <a:rPr lang="en-US" dirty="0" smtClean="0"/>
+              <a:t>Queue pushes onto stac</a:t>
+            </a:r>
+            <a:r>
+              <a:rPr lang="en-US" dirty="0"/>
+              <a:t>k</a:t>
+            </a:r>
+            <a:endParaRPr lang="en-US" dirty="0" smtClean="0"/>
+          </a:p>
+          <a:p>
+            <a:pPr lvl="1" indent="-457200" algn="l">
+              <a:buFont typeface="Arial"/>
+              <a:buChar char="•"/>
+            </a:pPr>
+            <a:r>
+              <a:rPr lang="en-US" dirty="0" smtClean="0"/>
+              <a:t>Stack executes</a:t>
+            </a:r>
+          </a:p>
+          <a:p>
+            <a:pPr lvl="2" indent="-457200" algn="l">
+              <a:buFont typeface="Arial"/>
+              <a:buChar char="•"/>
+            </a:pPr>
+            <a:r>
+              <a:rPr lang="en-US" dirty="0" smtClean="0"/>
+              <a:t>Provides pointers to data</a:t>
+            </a:r>
+          </a:p>
+          <a:p>
+            <a:pPr lvl="2" indent="-457200" algn="l">
+              <a:buFont typeface="Arial"/>
+              <a:buChar char="•"/>
+            </a:pPr>
+            <a:r>
+              <a:rPr lang="en-US" dirty="0" smtClean="0"/>
+              <a:t>Runs to completion</a:t>
+            </a:r>
+          </a:p>
+          <a:p>
+            <a:pPr lvl="1" indent="-457200" algn="l">
+              <a:buFont typeface="Arial"/>
+              <a:buChar char="•"/>
+            </a:pPr>
+            <a:r>
+              <a:rPr lang="en-US" dirty="0" smtClean="0"/>
+              <a:t>I/O and other events add to Queue</a:t>
+            </a:r>
+          </a:p>
+        </p:txBody>
+      </p:sp>
+      <p:pic>
+        <p:nvPicPr>
+          <p:cNvPr id="4" name="Picture 3"/>
+          <p:cNvPicPr>
+            <a:picLocks noChangeAspect="1"/>
+          </p:cNvPicPr>
+          <p:nvPr/>
+        </p:nvPicPr>
+        <p:blipFill>
+          <a:blip r:embed="rId2"/>
+          <a:stretch>
+            <a:fillRect/>
+          </a:stretch>
+        </p:blipFill>
+        <p:spPr>
+          <a:xfrm>
+            <a:off x="5037655" y="1714500"/>
+            <a:ext cx="3733800" cy="3429000"/>
+          </a:xfrm>
+          <a:prstGeom prst="rect">
+            <a:avLst/>
+          </a:prstGeom>
+        </p:spPr>
+      </p:pic>
+      <p:sp>
+        <p:nvSpPr>
+          <p:cNvPr id="5" name="TextBox 4"/>
+          <p:cNvSpPr txBox="1"/>
+          <p:nvPr/>
+        </p:nvSpPr>
+        <p:spPr>
+          <a:xfrm>
+            <a:off x="6167239" y="5383548"/>
+            <a:ext cx="1428997" cy="369332"/>
+          </a:xfrm>
+          <a:prstGeom prst="rect">
+            <a:avLst/>
+          </a:prstGeom>
+          <a:noFill/>
+        </p:spPr>
+        <p:txBody>
+          <a:bodyPr wrap="none" rtlCol="0">
+            <a:spAutoFit/>
+          </a:bodyPr>
+          <a:lstStyle/>
+          <a:p>
+            <a:r>
+              <a:rPr lang="en-US" dirty="0" smtClean="0"/>
+              <a:t>Source: MDN</a:t>
+            </a:r>
+            <a:endParaRPr lang="en-US" dirty="0"/>
+          </a:p>
+        </p:txBody>
+      </p:sp>
+    </p:spTree>
+    <p:extLst>
+      <p:ext uri="{BB962C8B-B14F-4D97-AF65-F5344CB8AC3E}">
+        <p14:creationId xmlns:p14="http://schemas.microsoft.com/office/powerpoint/2010/main" val="619168785"/>
+      </p:ext>
+    </p:extLst>
+  </p:cSld>
+  <p:clrMapOvr>
+    <a:masterClrMapping/>
+  </p:clrMapOvr>
+</p:sld>
+</file>
+
 <file path=ppt/slides/slide5.xml><?xml version="1.0" encoding="utf-8"?>
 <p:sld xmlns:a="http://schemas.openxmlformats.org/drawingml/2006/main" xmlns:r="http://schemas.openxmlformats.org/officeDocument/2006/relationships" xmlns:p="http://schemas.openxmlformats.org/presentationml/2006/main">
   <p:cSld>
@@ -9359,7 +11633,6 @@
               <a:rPr lang="en-US" dirty="0"/>
               <a:t>Unit Testing</a:t>
             </a:r>
-            <a:endParaRPr lang="en-US" dirty="0"/>
           </a:p>
         </p:txBody>
       </p:sp>
@@ -9367,6 +11640,496 @@
     <p:extLst>
       <p:ext uri="{BB962C8B-B14F-4D97-AF65-F5344CB8AC3E}">
         <p14:creationId xmlns:p14="http://schemas.microsoft.com/office/powerpoint/2010/main" val="3309695354"/>
+      </p:ext>
+    </p:extLst>
+  </p:cSld>
+  <p:clrMapOvr>
+    <a:masterClrMapping/>
+  </p:clrMapOvr>
+</p:sld>
+</file>
+
+<file path=ppt/slides/slide50.xml><?xml version="1.0" encoding="utf-8"?>
+<p:sld xmlns:a="http://schemas.openxmlformats.org/drawingml/2006/main" xmlns:r="http://schemas.openxmlformats.org/officeDocument/2006/relationships" xmlns:p="http://schemas.openxmlformats.org/presentationml/2006/main">
+  <p:cSld>
+    <p:spTree>
+      <p:nvGrpSpPr>
+        <p:cNvPr id="1" name=""/>
+        <p:cNvGrpSpPr/>
+        <p:nvPr/>
+      </p:nvGrpSpPr>
+      <p:grpSpPr>
+        <a:xfrm>
+          <a:off x="0" y="0"/>
+          <a:ext cx="0" cy="0"/>
+          <a:chOff x="0" y="0"/>
+          <a:chExt cx="0" cy="0"/>
+        </a:xfrm>
+      </p:grpSpPr>
+      <p:sp>
+        <p:nvSpPr>
+          <p:cNvPr id="2" name="Title 1"/>
+          <p:cNvSpPr>
+            <a:spLocks noGrp="1"/>
+          </p:cNvSpPr>
+          <p:nvPr>
+            <p:ph type="ctrTitle"/>
+          </p:nvPr>
+        </p:nvSpPr>
+        <p:spPr>
+          <a:xfrm>
+            <a:off x="685800" y="160685"/>
+            <a:ext cx="7772400" cy="1470025"/>
+          </a:xfrm>
+        </p:spPr>
+        <p:txBody>
+          <a:bodyPr/>
+          <a:lstStyle/>
+          <a:p>
+            <a:r>
+              <a:rPr lang="en-US" dirty="0" err="1" smtClean="0"/>
+              <a:t>Node.js</a:t>
+            </a:r>
+            <a:r>
+              <a:rPr lang="en-US" dirty="0" smtClean="0"/>
+              <a:t> architecture</a:t>
+            </a:r>
+            <a:endParaRPr lang="en-US" dirty="0"/>
+          </a:p>
+        </p:txBody>
+      </p:sp>
+      <p:sp>
+        <p:nvSpPr>
+          <p:cNvPr id="3" name="Subtitle 2"/>
+          <p:cNvSpPr>
+            <a:spLocks noGrp="1"/>
+          </p:cNvSpPr>
+          <p:nvPr>
+            <p:ph type="subTitle" idx="1"/>
+          </p:nvPr>
+        </p:nvSpPr>
+        <p:spPr>
+          <a:xfrm>
+            <a:off x="1371600" y="1630710"/>
+            <a:ext cx="6400800" cy="4609893"/>
+          </a:xfrm>
+        </p:spPr>
+        <p:txBody>
+          <a:bodyPr>
+            <a:normAutofit/>
+          </a:bodyPr>
+          <a:lstStyle/>
+          <a:p>
+            <a:pPr lvl="1" indent="-457200" algn="l">
+              <a:buFont typeface="Arial"/>
+              <a:buChar char="•"/>
+            </a:pPr>
+            <a:r>
+              <a:rPr lang="en-US" dirty="0" smtClean="0"/>
+              <a:t>Pros </a:t>
+            </a:r>
+          </a:p>
+          <a:p>
+            <a:pPr lvl="2" indent="-457200" algn="l">
+              <a:buFont typeface="Arial"/>
+              <a:buChar char="•"/>
+            </a:pPr>
+            <a:r>
+              <a:rPr lang="en-US" dirty="0" smtClean="0"/>
+              <a:t>Each stack executes deterministically</a:t>
+            </a:r>
+          </a:p>
+          <a:p>
+            <a:pPr lvl="2" indent="-457200" algn="l">
+              <a:buFont typeface="Arial"/>
+              <a:buChar char="•"/>
+            </a:pPr>
+            <a:r>
+              <a:rPr lang="en-US" dirty="0" smtClean="0"/>
+              <a:t>Loop can queue latent tasks and move on</a:t>
+            </a:r>
+          </a:p>
+          <a:p>
+            <a:pPr lvl="2" indent="-457200" algn="l">
+              <a:buFont typeface="Arial"/>
+              <a:buChar char="•"/>
+            </a:pPr>
+            <a:r>
+              <a:rPr lang="en-US" dirty="0" smtClean="0"/>
+              <a:t>Flexibility of threading without nightmares</a:t>
+            </a:r>
+          </a:p>
+          <a:p>
+            <a:pPr lvl="1" indent="-457200" algn="l">
+              <a:buFont typeface="Arial"/>
+              <a:buChar char="•"/>
+            </a:pPr>
+            <a:r>
+              <a:rPr lang="en-US" dirty="0" smtClean="0"/>
+              <a:t>Cons</a:t>
+            </a:r>
+          </a:p>
+          <a:p>
+            <a:pPr lvl="2" indent="-457200" algn="l">
+              <a:buFont typeface="Arial"/>
+              <a:buChar char="•"/>
+            </a:pPr>
+            <a:r>
+              <a:rPr lang="en-US" dirty="0" smtClean="0"/>
+              <a:t>Multi-threading works great for CPU tasks</a:t>
+            </a:r>
+          </a:p>
+          <a:p>
+            <a:pPr lvl="2" indent="-457200" algn="l">
+              <a:buFont typeface="Arial"/>
+              <a:buChar char="•"/>
+            </a:pPr>
+            <a:r>
+              <a:rPr lang="en-US" dirty="0" smtClean="0"/>
+              <a:t>Stack can potentially get bogged down</a:t>
+            </a:r>
+          </a:p>
+          <a:p>
+            <a:pPr lvl="2" indent="-457200" algn="l">
+              <a:buFont typeface="Arial"/>
+              <a:buChar char="•"/>
+            </a:pPr>
+            <a:r>
+              <a:rPr lang="en-US" dirty="0" smtClean="0"/>
+              <a:t>Thinking in </a:t>
+            </a:r>
+            <a:r>
+              <a:rPr lang="en-US" dirty="0" err="1" smtClean="0"/>
+              <a:t>async</a:t>
+            </a:r>
+            <a:r>
+              <a:rPr lang="en-US" dirty="0" smtClean="0"/>
+              <a:t> paradigm still required</a:t>
+            </a:r>
+          </a:p>
+        </p:txBody>
+      </p:sp>
+    </p:spTree>
+    <p:extLst>
+      <p:ext uri="{BB962C8B-B14F-4D97-AF65-F5344CB8AC3E}">
+        <p14:creationId xmlns:p14="http://schemas.microsoft.com/office/powerpoint/2010/main" val="45506257"/>
+      </p:ext>
+    </p:extLst>
+  </p:cSld>
+  <p:clrMapOvr>
+    <a:masterClrMapping/>
+  </p:clrMapOvr>
+</p:sld>
+</file>
+
+<file path=ppt/slides/slide51.xml><?xml version="1.0" encoding="utf-8"?>
+<p:sld xmlns:a="http://schemas.openxmlformats.org/drawingml/2006/main" xmlns:r="http://schemas.openxmlformats.org/officeDocument/2006/relationships" xmlns:p="http://schemas.openxmlformats.org/presentationml/2006/main">
+  <p:cSld>
+    <p:spTree>
+      <p:nvGrpSpPr>
+        <p:cNvPr id="1" name=""/>
+        <p:cNvGrpSpPr/>
+        <p:nvPr/>
+      </p:nvGrpSpPr>
+      <p:grpSpPr>
+        <a:xfrm>
+          <a:off x="0" y="0"/>
+          <a:ext cx="0" cy="0"/>
+          <a:chOff x="0" y="0"/>
+          <a:chExt cx="0" cy="0"/>
+        </a:xfrm>
+      </p:grpSpPr>
+      <p:sp>
+        <p:nvSpPr>
+          <p:cNvPr id="2" name="Title 1"/>
+          <p:cNvSpPr>
+            <a:spLocks noGrp="1"/>
+          </p:cNvSpPr>
+          <p:nvPr>
+            <p:ph type="ctrTitle"/>
+          </p:nvPr>
+        </p:nvSpPr>
+        <p:spPr>
+          <a:xfrm>
+            <a:off x="685800" y="160685"/>
+            <a:ext cx="7772400" cy="1470025"/>
+          </a:xfrm>
+        </p:spPr>
+        <p:txBody>
+          <a:bodyPr/>
+          <a:lstStyle/>
+          <a:p>
+            <a:r>
+              <a:rPr lang="en-US" dirty="0" err="1" smtClean="0"/>
+              <a:t>Node.js</a:t>
+            </a:r>
+            <a:r>
+              <a:rPr lang="en-US" dirty="0" smtClean="0"/>
+              <a:t> architecture</a:t>
+            </a:r>
+            <a:endParaRPr lang="en-US" dirty="0"/>
+          </a:p>
+        </p:txBody>
+      </p:sp>
+      <p:pic>
+        <p:nvPicPr>
+          <p:cNvPr id="4" name="Picture 3" descr="Screen Shot 2016-11-08 at 3.32.24 PM.png"/>
+          <p:cNvPicPr>
+            <a:picLocks noChangeAspect="1"/>
+          </p:cNvPicPr>
+          <p:nvPr/>
+        </p:nvPicPr>
+        <p:blipFill>
+          <a:blip r:embed="rId2">
+            <a:extLst>
+              <a:ext uri="{28A0092B-C50C-407E-A947-70E740481C1C}">
+                <a14:useLocalDpi xmlns:a14="http://schemas.microsoft.com/office/drawing/2010/main" val="0"/>
+              </a:ext>
+            </a:extLst>
+          </a:blip>
+          <a:stretch>
+            <a:fillRect/>
+          </a:stretch>
+        </p:blipFill>
+        <p:spPr>
+          <a:xfrm>
+            <a:off x="3069075" y="1630710"/>
+            <a:ext cx="5130800" cy="4622800"/>
+          </a:xfrm>
+          <a:prstGeom prst="rect">
+            <a:avLst/>
+          </a:prstGeom>
+        </p:spPr>
+      </p:pic>
+      <p:sp>
+        <p:nvSpPr>
+          <p:cNvPr id="5" name="TextBox 4"/>
+          <p:cNvSpPr txBox="1"/>
+          <p:nvPr/>
+        </p:nvSpPr>
+        <p:spPr>
+          <a:xfrm>
+            <a:off x="464069" y="1782805"/>
+            <a:ext cx="2262158" cy="861774"/>
+          </a:xfrm>
+          <a:prstGeom prst="rect">
+            <a:avLst/>
+          </a:prstGeom>
+          <a:noFill/>
+        </p:spPr>
+        <p:txBody>
+          <a:bodyPr wrap="none" rtlCol="0">
+            <a:spAutoFit/>
+          </a:bodyPr>
+          <a:lstStyle/>
+          <a:p>
+            <a:r>
+              <a:rPr lang="en-US" sz="3200" dirty="0" smtClean="0"/>
+              <a:t>Event Loop</a:t>
+            </a:r>
+          </a:p>
+          <a:p>
+            <a:r>
+              <a:rPr lang="en-US" dirty="0" smtClean="0"/>
+              <a:t>Source: </a:t>
+            </a:r>
+            <a:r>
+              <a:rPr lang="en-US" dirty="0" err="1" smtClean="0"/>
+              <a:t>github</a:t>
+            </a:r>
+            <a:r>
+              <a:rPr lang="en-US" dirty="0" smtClean="0"/>
+              <a:t>/</a:t>
+            </a:r>
+            <a:r>
+              <a:rPr lang="en-US" dirty="0" err="1" smtClean="0"/>
+              <a:t>nodejs</a:t>
+            </a:r>
+            <a:endParaRPr lang="en-US" dirty="0"/>
+          </a:p>
+        </p:txBody>
+      </p:sp>
+    </p:spTree>
+    <p:extLst>
+      <p:ext uri="{BB962C8B-B14F-4D97-AF65-F5344CB8AC3E}">
+        <p14:creationId xmlns:p14="http://schemas.microsoft.com/office/powerpoint/2010/main" val="3255137183"/>
+      </p:ext>
+    </p:extLst>
+  </p:cSld>
+  <p:clrMapOvr>
+    <a:masterClrMapping/>
+  </p:clrMapOvr>
+</p:sld>
+</file>
+
+<file path=ppt/slides/slide52.xml><?xml version="1.0" encoding="utf-8"?>
+<p:sld xmlns:a="http://schemas.openxmlformats.org/drawingml/2006/main" xmlns:r="http://schemas.openxmlformats.org/officeDocument/2006/relationships" xmlns:p="http://schemas.openxmlformats.org/presentationml/2006/main">
+  <p:cSld>
+    <p:spTree>
+      <p:nvGrpSpPr>
+        <p:cNvPr id="1" name=""/>
+        <p:cNvGrpSpPr/>
+        <p:nvPr/>
+      </p:nvGrpSpPr>
+      <p:grpSpPr>
+        <a:xfrm>
+          <a:off x="0" y="0"/>
+          <a:ext cx="0" cy="0"/>
+          <a:chOff x="0" y="0"/>
+          <a:chExt cx="0" cy="0"/>
+        </a:xfrm>
+      </p:grpSpPr>
+      <p:sp>
+        <p:nvSpPr>
+          <p:cNvPr id="2" name="Title 1"/>
+          <p:cNvSpPr>
+            <a:spLocks noGrp="1"/>
+          </p:cNvSpPr>
+          <p:nvPr>
+            <p:ph type="ctrTitle"/>
+          </p:nvPr>
+        </p:nvSpPr>
+        <p:spPr>
+          <a:xfrm>
+            <a:off x="685800" y="160685"/>
+            <a:ext cx="7772400" cy="1470025"/>
+          </a:xfrm>
+        </p:spPr>
+        <p:txBody>
+          <a:bodyPr/>
+          <a:lstStyle/>
+          <a:p>
+            <a:r>
+              <a:rPr lang="en-US" dirty="0" err="1" smtClean="0"/>
+              <a:t>Node.js</a:t>
+            </a:r>
+            <a:r>
+              <a:rPr lang="en-US" dirty="0" smtClean="0"/>
+              <a:t> architecture</a:t>
+            </a:r>
+            <a:endParaRPr lang="en-US" dirty="0"/>
+          </a:p>
+        </p:txBody>
+      </p:sp>
+      <p:sp>
+        <p:nvSpPr>
+          <p:cNvPr id="3" name="Subtitle 2"/>
+          <p:cNvSpPr>
+            <a:spLocks noGrp="1"/>
+          </p:cNvSpPr>
+          <p:nvPr>
+            <p:ph type="subTitle" idx="1"/>
+          </p:nvPr>
+        </p:nvSpPr>
+        <p:spPr>
+          <a:xfrm>
+            <a:off x="1371600" y="1630710"/>
+            <a:ext cx="6400800" cy="4609893"/>
+          </a:xfrm>
+        </p:spPr>
+        <p:txBody>
+          <a:bodyPr>
+            <a:normAutofit/>
+          </a:bodyPr>
+          <a:lstStyle/>
+          <a:p>
+            <a:pPr marL="0" lvl="1" algn="l"/>
+            <a:r>
+              <a:rPr lang="en-US" dirty="0" smtClean="0"/>
+              <a:t>Hardcore details</a:t>
+            </a:r>
+          </a:p>
+          <a:p>
+            <a:pPr lvl="1" indent="-457200" algn="l">
+              <a:buFont typeface="Arial"/>
+              <a:buChar char="•"/>
+            </a:pPr>
+            <a:r>
+              <a:rPr lang="en-US" dirty="0" smtClean="0"/>
+              <a:t>V8 compiles JS to machine language</a:t>
+            </a:r>
+          </a:p>
+          <a:p>
+            <a:pPr lvl="1" indent="-457200" algn="l">
+              <a:buFont typeface="Arial"/>
+              <a:buChar char="•"/>
+            </a:pPr>
+            <a:r>
+              <a:rPr lang="en-US" dirty="0" smtClean="0"/>
+              <a:t>User JS runs within </a:t>
+            </a:r>
+            <a:r>
+              <a:rPr lang="en-US" dirty="0" err="1" smtClean="0"/>
+              <a:t>libuv</a:t>
+            </a:r>
+            <a:r>
+              <a:rPr lang="en-US" dirty="0" smtClean="0"/>
+              <a:t> stack machine</a:t>
+            </a:r>
+          </a:p>
+          <a:p>
+            <a:pPr lvl="2" indent="-457200" algn="l">
+              <a:buFont typeface="Arial"/>
+              <a:buChar char="•"/>
+            </a:pPr>
+            <a:r>
+              <a:rPr lang="en-US" dirty="0" err="1" smtClean="0"/>
+              <a:t>libev</a:t>
+            </a:r>
+            <a:r>
+              <a:rPr lang="en-US" dirty="0" smtClean="0"/>
+              <a:t> – event library</a:t>
+            </a:r>
+          </a:p>
+          <a:p>
+            <a:pPr lvl="2" indent="-457200" algn="l">
+              <a:buFont typeface="Arial"/>
+              <a:buChar char="•"/>
+            </a:pPr>
+            <a:r>
+              <a:rPr lang="en-US" dirty="0" err="1" smtClean="0"/>
+              <a:t>libeio</a:t>
+            </a:r>
+            <a:r>
+              <a:rPr lang="en-US" dirty="0" smtClean="0"/>
+              <a:t> – </a:t>
+            </a:r>
+            <a:r>
+              <a:rPr lang="en-US" dirty="0" err="1" smtClean="0"/>
+              <a:t>async</a:t>
+            </a:r>
+            <a:r>
+              <a:rPr lang="en-US" dirty="0" smtClean="0"/>
+              <a:t> POSIX I/O</a:t>
+            </a:r>
+          </a:p>
+          <a:p>
+            <a:pPr lvl="1" indent="-457200" algn="l">
+              <a:buFont typeface="Arial"/>
+              <a:buChar char="•"/>
+            </a:pPr>
+            <a:r>
+              <a:rPr lang="en-US" dirty="0" smtClean="0"/>
+              <a:t>TLDR: Node JS can call C++ or Java code</a:t>
+            </a:r>
+          </a:p>
+          <a:p>
+            <a:pPr lvl="1" indent="-457200" algn="l">
+              <a:buFont typeface="Arial"/>
+              <a:buChar char="•"/>
+            </a:pPr>
+            <a:r>
+              <a:rPr lang="en-US" dirty="0" smtClean="0"/>
+              <a:t>Beyond the scope of this course</a:t>
+            </a:r>
+            <a:endParaRPr lang="en-US" dirty="0" smtClean="0"/>
+          </a:p>
+        </p:txBody>
+      </p:sp>
+    </p:spTree>
+    <p:extLst>
+      <p:ext uri="{BB962C8B-B14F-4D97-AF65-F5344CB8AC3E}">
+        <p14:creationId xmlns:p14="http://schemas.microsoft.com/office/powerpoint/2010/main" val="2630694218"/>
       </p:ext>
     </p:extLst>
   </p:cSld>
@@ -9581,7 +12344,6 @@
               <a:rPr lang="en-US" dirty="0"/>
               <a:t>Node in a Nutshell</a:t>
             </a:r>
-            <a:endParaRPr lang="en-US" dirty="0"/>
           </a:p>
         </p:txBody>
       </p:sp>
@@ -9650,30 +12412,12 @@
               <a:buChar char="•"/>
             </a:pPr>
             <a:r>
-              <a:rPr lang="en-US" dirty="0"/>
-              <a:t>Run </a:t>
-            </a:r>
-            <a:r>
-              <a:rPr lang="en-US" dirty="0" smtClean="0"/>
-              <a:t>anywhere </a:t>
-            </a:r>
-            <a:r>
-              <a:rPr lang="en-US" dirty="0"/>
-              <a:t>V8 is </a:t>
-            </a:r>
-            <a:r>
-              <a:rPr lang="en-US" dirty="0" smtClean="0"/>
-              <a:t>supported</a:t>
-            </a:r>
-          </a:p>
-          <a:p>
-            <a:pPr marL="457200" indent="-457200" algn="l">
-              <a:buFont typeface="Arial"/>
-              <a:buChar char="•"/>
-            </a:pPr>
-            <a:r>
-              <a:rPr lang="en-US" dirty="0" smtClean="0"/>
-              <a:t>Just-in-time (JIT) compiler</a:t>
+              <a:rPr lang="en-US" dirty="0" smtClean="0"/>
+              <a:t>Just</a:t>
+            </a:r>
+            <a:r>
+              <a:rPr lang="en-US" dirty="0" smtClean="0"/>
+              <a:t>-in-time (JIT) compiler</a:t>
             </a:r>
           </a:p>
           <a:p>
@@ -9744,7 +12488,6 @@
               <a:rPr lang="en-US" dirty="0"/>
               <a:t>Node in a Nutshell</a:t>
             </a:r>
-            <a:endParaRPr lang="en-US" dirty="0"/>
           </a:p>
         </p:txBody>
       </p:sp>
@@ -9803,9 +12546,20 @@
               <a:buChar char="•"/>
             </a:pPr>
             <a:r>
-              <a:rPr lang="en-US" dirty="0"/>
+              <a:rPr lang="en-US" dirty="0" smtClean="0"/>
               <a:t>Crypto</a:t>
             </a:r>
+          </a:p>
+          <a:p>
+            <a:pPr marL="457200" indent="-457200" algn="l">
+              <a:buFont typeface="Arial"/>
+              <a:buChar char="•"/>
+            </a:pPr>
+            <a:r>
+              <a:rPr lang="en-US" dirty="0" smtClean="0"/>
+              <a:t>more</a:t>
+            </a:r>
+            <a:endParaRPr lang="en-US" dirty="0"/>
           </a:p>
         </p:txBody>
       </p:sp>
@@ -9864,7 +12618,6 @@
               <a:rPr lang="en-US" dirty="0"/>
               <a:t>Node in a Nutshell</a:t>
             </a:r>
-            <a:endParaRPr lang="en-US" dirty="0"/>
           </a:p>
         </p:txBody>
       </p:sp>

--- a/slides/Node Slides Day 1.pptx
+++ b/slides/Node Slides Day 1.pptx
@@ -11,52 +11,59 @@
     <p:sldId id="286" r:id="rId5"/>
     <p:sldId id="287" r:id="rId6"/>
     <p:sldId id="294" r:id="rId7"/>
-    <p:sldId id="296" r:id="rId8"/>
-    <p:sldId id="297" r:id="rId9"/>
-    <p:sldId id="298" r:id="rId10"/>
-    <p:sldId id="299" r:id="rId11"/>
-    <p:sldId id="300" r:id="rId12"/>
-    <p:sldId id="301" r:id="rId13"/>
-    <p:sldId id="302" r:id="rId14"/>
-    <p:sldId id="303" r:id="rId15"/>
-    <p:sldId id="331" r:id="rId16"/>
-    <p:sldId id="304" r:id="rId17"/>
-    <p:sldId id="305" r:id="rId18"/>
-    <p:sldId id="306" r:id="rId19"/>
-    <p:sldId id="307" r:id="rId20"/>
-    <p:sldId id="309" r:id="rId21"/>
-    <p:sldId id="308" r:id="rId22"/>
-    <p:sldId id="310" r:id="rId23"/>
-    <p:sldId id="311" r:id="rId24"/>
-    <p:sldId id="312" r:id="rId25"/>
-    <p:sldId id="313" r:id="rId26"/>
-    <p:sldId id="315" r:id="rId27"/>
-    <p:sldId id="314" r:id="rId28"/>
-    <p:sldId id="320" r:id="rId29"/>
-    <p:sldId id="316" r:id="rId30"/>
-    <p:sldId id="317" r:id="rId31"/>
-    <p:sldId id="318" r:id="rId32"/>
-    <p:sldId id="321" r:id="rId33"/>
-    <p:sldId id="319" r:id="rId34"/>
-    <p:sldId id="322" r:id="rId35"/>
-    <p:sldId id="323" r:id="rId36"/>
-    <p:sldId id="324" r:id="rId37"/>
-    <p:sldId id="325" r:id="rId38"/>
-    <p:sldId id="326" r:id="rId39"/>
-    <p:sldId id="328" r:id="rId40"/>
-    <p:sldId id="329" r:id="rId41"/>
-    <p:sldId id="330" r:id="rId42"/>
-    <p:sldId id="332" r:id="rId43"/>
-    <p:sldId id="335" r:id="rId44"/>
-    <p:sldId id="336" r:id="rId45"/>
-    <p:sldId id="337" r:id="rId46"/>
-    <p:sldId id="333" r:id="rId47"/>
-    <p:sldId id="338" r:id="rId48"/>
-    <p:sldId id="339" r:id="rId49"/>
-    <p:sldId id="340" r:id="rId50"/>
-    <p:sldId id="341" r:id="rId51"/>
-    <p:sldId id="342" r:id="rId52"/>
-    <p:sldId id="334" r:id="rId53"/>
+    <p:sldId id="346" r:id="rId8"/>
+    <p:sldId id="298" r:id="rId9"/>
+    <p:sldId id="345" r:id="rId10"/>
+    <p:sldId id="349" r:id="rId11"/>
+    <p:sldId id="350" r:id="rId12"/>
+    <p:sldId id="348" r:id="rId13"/>
+    <p:sldId id="344" r:id="rId14"/>
+    <p:sldId id="343" r:id="rId15"/>
+    <p:sldId id="296" r:id="rId16"/>
+    <p:sldId id="297" r:id="rId17"/>
+    <p:sldId id="299" r:id="rId18"/>
+    <p:sldId id="300" r:id="rId19"/>
+    <p:sldId id="301" r:id="rId20"/>
+    <p:sldId id="302" r:id="rId21"/>
+    <p:sldId id="303" r:id="rId22"/>
+    <p:sldId id="331" r:id="rId23"/>
+    <p:sldId id="304" r:id="rId24"/>
+    <p:sldId id="305" r:id="rId25"/>
+    <p:sldId id="306" r:id="rId26"/>
+    <p:sldId id="307" r:id="rId27"/>
+    <p:sldId id="309" r:id="rId28"/>
+    <p:sldId id="308" r:id="rId29"/>
+    <p:sldId id="310" r:id="rId30"/>
+    <p:sldId id="311" r:id="rId31"/>
+    <p:sldId id="312" r:id="rId32"/>
+    <p:sldId id="313" r:id="rId33"/>
+    <p:sldId id="315" r:id="rId34"/>
+    <p:sldId id="314" r:id="rId35"/>
+    <p:sldId id="320" r:id="rId36"/>
+    <p:sldId id="316" r:id="rId37"/>
+    <p:sldId id="317" r:id="rId38"/>
+    <p:sldId id="318" r:id="rId39"/>
+    <p:sldId id="321" r:id="rId40"/>
+    <p:sldId id="319" r:id="rId41"/>
+    <p:sldId id="322" r:id="rId42"/>
+    <p:sldId id="323" r:id="rId43"/>
+    <p:sldId id="324" r:id="rId44"/>
+    <p:sldId id="325" r:id="rId45"/>
+    <p:sldId id="326" r:id="rId46"/>
+    <p:sldId id="328" r:id="rId47"/>
+    <p:sldId id="329" r:id="rId48"/>
+    <p:sldId id="330" r:id="rId49"/>
+    <p:sldId id="332" r:id="rId50"/>
+    <p:sldId id="335" r:id="rId51"/>
+    <p:sldId id="336" r:id="rId52"/>
+    <p:sldId id="337" r:id="rId53"/>
+    <p:sldId id="333" r:id="rId54"/>
+    <p:sldId id="338" r:id="rId55"/>
+    <p:sldId id="339" r:id="rId56"/>
+    <p:sldId id="340" r:id="rId57"/>
+    <p:sldId id="341" r:id="rId58"/>
+    <p:sldId id="342" r:id="rId59"/>
+    <p:sldId id="334" r:id="rId60"/>
   </p:sldIdLst>
   <p:sldSz cx="9144000" cy="6858000" type="screen4x3"/>
   <p:notesSz cx="6858000" cy="9144000"/>
@@ -339,7 +346,7 @@
           <a:p>
             <a:fld id="{6BFECD78-3C8E-49F2-8FAB-59489D168ABB}" type="datetimeFigureOut">
               <a:rPr lang="en-US" smtClean="0"/>
-              <a:t>11/8/16</a:t>
+              <a:t>11/9/16</a:t>
             </a:fld>
             <a:endParaRPr lang="en-US"/>
           </a:p>
@@ -509,7 +516,7 @@
           <a:p>
             <a:fld id="{6BFECD78-3C8E-49F2-8FAB-59489D168ABB}" type="datetimeFigureOut">
               <a:rPr lang="en-US" smtClean="0"/>
-              <a:t>11/8/16</a:t>
+              <a:t>11/9/16</a:t>
             </a:fld>
             <a:endParaRPr lang="en-US"/>
           </a:p>
@@ -689,7 +696,7 @@
           <a:p>
             <a:fld id="{6BFECD78-3C8E-49F2-8FAB-59489D168ABB}" type="datetimeFigureOut">
               <a:rPr lang="en-US" smtClean="0"/>
-              <a:t>11/8/16</a:t>
+              <a:t>11/9/16</a:t>
             </a:fld>
             <a:endParaRPr lang="en-US"/>
           </a:p>
@@ -859,7 +866,7 @@
           <a:p>
             <a:fld id="{6BFECD78-3C8E-49F2-8FAB-59489D168ABB}" type="datetimeFigureOut">
               <a:rPr lang="en-US" smtClean="0"/>
-              <a:t>11/8/16</a:t>
+              <a:t>11/9/16</a:t>
             </a:fld>
             <a:endParaRPr lang="en-US"/>
           </a:p>
@@ -1105,7 +1112,7 @@
           <a:p>
             <a:fld id="{6BFECD78-3C8E-49F2-8FAB-59489D168ABB}" type="datetimeFigureOut">
               <a:rPr lang="en-US" smtClean="0"/>
-              <a:t>11/8/16</a:t>
+              <a:t>11/9/16</a:t>
             </a:fld>
             <a:endParaRPr lang="en-US"/>
           </a:p>
@@ -1393,7 +1400,7 @@
           <a:p>
             <a:fld id="{6BFECD78-3C8E-49F2-8FAB-59489D168ABB}" type="datetimeFigureOut">
               <a:rPr lang="en-US" smtClean="0"/>
-              <a:t>11/8/16</a:t>
+              <a:t>11/9/16</a:t>
             </a:fld>
             <a:endParaRPr lang="en-US"/>
           </a:p>
@@ -1815,7 +1822,7 @@
           <a:p>
             <a:fld id="{6BFECD78-3C8E-49F2-8FAB-59489D168ABB}" type="datetimeFigureOut">
               <a:rPr lang="en-US" smtClean="0"/>
-              <a:t>11/8/16</a:t>
+              <a:t>11/9/16</a:t>
             </a:fld>
             <a:endParaRPr lang="en-US"/>
           </a:p>
@@ -1933,7 +1940,7 @@
           <a:p>
             <a:fld id="{6BFECD78-3C8E-49F2-8FAB-59489D168ABB}" type="datetimeFigureOut">
               <a:rPr lang="en-US" smtClean="0"/>
-              <a:t>11/8/16</a:t>
+              <a:t>11/9/16</a:t>
             </a:fld>
             <a:endParaRPr lang="en-US"/>
           </a:p>
@@ -2028,7 +2035,7 @@
           <a:p>
             <a:fld id="{6BFECD78-3C8E-49F2-8FAB-59489D168ABB}" type="datetimeFigureOut">
               <a:rPr lang="en-US" smtClean="0"/>
-              <a:t>11/8/16</a:t>
+              <a:t>11/9/16</a:t>
             </a:fld>
             <a:endParaRPr lang="en-US"/>
           </a:p>
@@ -2305,7 +2312,7 @@
           <a:p>
             <a:fld id="{6BFECD78-3C8E-49F2-8FAB-59489D168ABB}" type="datetimeFigureOut">
               <a:rPr lang="en-US" smtClean="0"/>
-              <a:t>11/8/16</a:t>
+              <a:t>11/9/16</a:t>
             </a:fld>
             <a:endParaRPr lang="en-US"/>
           </a:p>
@@ -2562,7 +2569,7 @@
           <a:p>
             <a:fld id="{6BFECD78-3C8E-49F2-8FAB-59489D168ABB}" type="datetimeFigureOut">
               <a:rPr lang="en-US" smtClean="0"/>
-              <a:t>11/8/16</a:t>
+              <a:t>11/9/16</a:t>
             </a:fld>
             <a:endParaRPr lang="en-US"/>
           </a:p>
@@ -2775,7 +2782,7 @@
           <a:p>
             <a:fld id="{6BFECD78-3C8E-49F2-8FAB-59489D168ABB}" type="datetimeFigureOut">
               <a:rPr lang="en-US" smtClean="0"/>
-              <a:t>11/8/16</a:t>
+              <a:t>11/9/16</a:t>
             </a:fld>
             <a:endParaRPr lang="en-US"/>
           </a:p>
@@ -3284,7 +3291,7 @@
             <a:pPr marL="457200" indent="-457200"/>
             <a:r>
               <a:rPr lang="en-US" dirty="0" smtClean="0"/>
-              <a:t>JS Versions</a:t>
+              <a:t>Computer Architecture</a:t>
             </a:r>
             <a:endParaRPr lang="en-US" dirty="0"/>
           </a:p>
@@ -3312,21 +3319,20 @@
           </a:bodyPr>
           <a:lstStyle/>
           <a:p>
+            <a:pPr algn="l"/>
+            <a:r>
+              <a:rPr lang="en-US" dirty="0" smtClean="0"/>
+              <a:t>Process </a:t>
+            </a:r>
+          </a:p>
+          <a:p>
             <a:pPr marL="342900" indent="-342900" algn="l">
               <a:buFont typeface="Arial"/>
               <a:buChar char="•"/>
             </a:pPr>
             <a:r>
               <a:rPr lang="en-US" dirty="0" smtClean="0"/>
-              <a:t>JS spec is "</a:t>
-            </a:r>
-            <a:r>
-              <a:rPr lang="en-US" dirty="0" err="1" smtClean="0"/>
-              <a:t>ECMAScript</a:t>
-            </a:r>
-            <a:r>
-              <a:rPr lang="en-US" dirty="0" smtClean="0"/>
-              <a:t>"</a:t>
+              <a:t>May start one or more children</a:t>
             </a:r>
           </a:p>
           <a:p>
@@ -3336,7 +3342,7 @@
             </a:pPr>
             <a:r>
               <a:rPr lang="en-US" dirty="0" smtClean="0"/>
-              <a:t>European Computer Mfg. Assn.</a:t>
+              <a:t>Child stores parent PID</a:t>
             </a:r>
           </a:p>
           <a:p>
@@ -3346,7 +3352,7 @@
             </a:pPr>
             <a:r>
               <a:rPr lang="en-US" dirty="0" smtClean="0"/>
-              <a:t>Version 3 released 1999</a:t>
+              <a:t>Reports 'exit code' back to parent</a:t>
             </a:r>
           </a:p>
           <a:p>
@@ -3356,7 +3362,7 @@
             </a:pPr>
             <a:r>
               <a:rPr lang="en-US" dirty="0" smtClean="0"/>
-              <a:t>V4 abandoned</a:t>
+              <a:t>Kernel starts process 0 (idle)</a:t>
             </a:r>
           </a:p>
           <a:p>
@@ -3366,7 +3372,15 @@
             </a:pPr>
             <a:r>
               <a:rPr lang="en-US" dirty="0" smtClean="0"/>
-              <a:t>V5 released 2009</a:t>
+              <a:t>p0 starts p1 (</a:t>
+            </a:r>
+            <a:r>
+              <a:rPr lang="en-US" dirty="0" err="1" smtClean="0"/>
+              <a:t>init</a:t>
+            </a:r>
+            <a:r>
+              <a:rPr lang="en-US" dirty="0" smtClean="0"/>
+              <a:t>)</a:t>
             </a:r>
           </a:p>
           <a:p>
@@ -3376,32 +3390,15 @@
             </a:pPr>
             <a:r>
               <a:rPr lang="en-US" dirty="0" smtClean="0"/>
-              <a:t>V6 released 2015</a:t>
-            </a:r>
-          </a:p>
-          <a:p>
-            <a:pPr marL="342900" indent="-342900" algn="l">
-              <a:buFont typeface="Arial"/>
-              <a:buChar char="•"/>
-            </a:pPr>
-            <a:r>
-              <a:rPr lang="en-US" dirty="0" smtClean="0"/>
-              <a:t>V7 released 2016</a:t>
-            </a:r>
-          </a:p>
-          <a:p>
-            <a:pPr marL="342900" indent="-342900" algn="l">
-              <a:buFont typeface="Arial"/>
-              <a:buChar char="•"/>
-            </a:pPr>
-            <a:endParaRPr lang="en-US" dirty="0"/>
+              <a:t>All processes are children of p1</a:t>
+            </a:r>
           </a:p>
         </p:txBody>
       </p:sp>
     </p:spTree>
     <p:extLst>
       <p:ext uri="{BB962C8B-B14F-4D97-AF65-F5344CB8AC3E}">
-        <p14:creationId xmlns:p14="http://schemas.microsoft.com/office/powerpoint/2010/main" val="3916810543"/>
+        <p14:creationId xmlns:p14="http://schemas.microsoft.com/office/powerpoint/2010/main" val="1468939385"/>
       </p:ext>
     </p:extLst>
   </p:cSld>
@@ -3451,7 +3448,7 @@
             <a:pPr marL="457200" indent="-457200"/>
             <a:r>
               <a:rPr lang="en-US" dirty="0" smtClean="0"/>
-              <a:t>JS Versions</a:t>
+              <a:t>Computer Architecture</a:t>
             </a:r>
             <a:endParaRPr lang="en-US" dirty="0"/>
           </a:p>
@@ -3482,60 +3479,85 @@
             <a:pPr algn="l"/>
             <a:r>
               <a:rPr lang="en-US" dirty="0" smtClean="0"/>
-              <a:t>Future versions </a:t>
-            </a:r>
-          </a:p>
-          <a:p>
-            <a:pPr marL="457200" indent="-457200" algn="l">
-              <a:buFont typeface="Arial"/>
-              <a:buChar char="•"/>
-            </a:pPr>
-            <a:r>
-              <a:rPr lang="en-US" dirty="0" smtClean="0"/>
-              <a:t>Will be referred to by year</a:t>
-            </a:r>
-          </a:p>
-          <a:p>
-            <a:pPr marL="457200" indent="-457200" algn="l">
-              <a:buFont typeface="Arial"/>
-              <a:buChar char="•"/>
-            </a:pPr>
-            <a:r>
-              <a:rPr lang="en-US" dirty="0" smtClean="0"/>
-              <a:t>Hence, ES6 === ES2015</a:t>
-            </a:r>
-          </a:p>
-          <a:p>
-            <a:pPr marL="457200" indent="-457200" algn="l">
-              <a:buFont typeface="Arial"/>
-              <a:buChar char="•"/>
-            </a:pPr>
-            <a:r>
-              <a:rPr lang="en-US" dirty="0" smtClean="0"/>
-              <a:t>"</a:t>
-            </a:r>
-            <a:r>
-              <a:rPr lang="en-US" dirty="0" err="1" smtClean="0"/>
-              <a:t>ES.Next</a:t>
-            </a:r>
-            <a:r>
-              <a:rPr lang="en-US" dirty="0" smtClean="0"/>
-              <a:t>" points at next release</a:t>
-            </a:r>
+              <a:t>Inter-Process Communication (IPC)</a:t>
+            </a:r>
+            <a:endParaRPr lang="en-US" dirty="0" smtClean="0"/>
           </a:p>
           <a:p>
             <a:pPr marL="342900" indent="-342900" algn="l">
               <a:buFont typeface="Arial"/>
               <a:buChar char="•"/>
             </a:pPr>
-            <a:endParaRPr lang="en-US" dirty="0"/>
+            <a:r>
+              <a:rPr lang="en-US" dirty="0" smtClean="0"/>
+              <a:t>Signals, sent through Kernel</a:t>
+            </a:r>
+          </a:p>
+          <a:p>
+            <a:pPr marL="342900" indent="-342900" algn="l">
+              <a:buFont typeface="Arial"/>
+              <a:buChar char="•"/>
+            </a:pPr>
+            <a:r>
+              <a:rPr lang="en-US" dirty="0" smtClean="0"/>
+              <a:t>One process sends to another PID</a:t>
+            </a:r>
+          </a:p>
+          <a:p>
+            <a:pPr marL="342900" indent="-342900" algn="l">
+              <a:buFont typeface="Arial"/>
+              <a:buChar char="•"/>
+            </a:pPr>
+            <a:r>
+              <a:rPr lang="en-US" dirty="0" smtClean="0"/>
+              <a:t>i.e., '</a:t>
+            </a:r>
+            <a:r>
+              <a:rPr lang="en-US" dirty="0" err="1" smtClean="0"/>
+              <a:t>ps</a:t>
+            </a:r>
+            <a:r>
+              <a:rPr lang="en-US" dirty="0" smtClean="0"/>
+              <a:t> kill' actually sends SIGTERM</a:t>
+            </a:r>
+          </a:p>
+          <a:p>
+            <a:pPr marL="342900" indent="-342900" algn="l">
+              <a:buFont typeface="Arial"/>
+              <a:buChar char="•"/>
+            </a:pPr>
+            <a:r>
+              <a:rPr lang="en-US" dirty="0" smtClean="0"/>
+              <a:t>Kernel interrupts process to deliver</a:t>
+            </a:r>
+          </a:p>
+          <a:p>
+            <a:pPr marL="342900" indent="-342900" algn="l">
+              <a:buFont typeface="Arial"/>
+              <a:buChar char="•"/>
+            </a:pPr>
+            <a:r>
+              <a:rPr lang="en-US" dirty="0" smtClean="0"/>
+              <a:t>If handler registered, it executes</a:t>
+            </a:r>
+          </a:p>
+          <a:p>
+            <a:pPr marL="342900" indent="-342900" algn="l">
+              <a:buFont typeface="Arial"/>
+              <a:buChar char="•"/>
+            </a:pPr>
+            <a:r>
+              <a:rPr lang="en-US" dirty="0" smtClean="0"/>
+              <a:t>Otherwise default signal handler</a:t>
+            </a:r>
+            <a:endParaRPr lang="en-US" dirty="0" smtClean="0"/>
           </a:p>
         </p:txBody>
       </p:sp>
     </p:spTree>
     <p:extLst>
       <p:ext uri="{BB962C8B-B14F-4D97-AF65-F5344CB8AC3E}">
-        <p14:creationId xmlns:p14="http://schemas.microsoft.com/office/powerpoint/2010/main" val="1674664141"/>
+        <p14:creationId xmlns:p14="http://schemas.microsoft.com/office/powerpoint/2010/main" val="1979434795"/>
       </p:ext>
     </p:extLst>
   </p:cSld>
@@ -3585,7 +3607,7 @@
             <a:pPr marL="457200" indent="-457200"/>
             <a:r>
               <a:rPr lang="en-US" dirty="0" smtClean="0"/>
-              <a:t>JS Versions</a:t>
+              <a:t>Computer Architecture</a:t>
             </a:r>
             <a:endParaRPr lang="en-US" dirty="0"/>
           </a:p>
@@ -3609,84 +3631,28 @@
         </p:spPr>
         <p:txBody>
           <a:bodyPr>
-            <a:normAutofit lnSpcReduction="10000"/>
+            <a:normAutofit/>
           </a:bodyPr>
           <a:lstStyle/>
           <a:p>
             <a:pPr algn="l"/>
             <a:r>
               <a:rPr lang="en-US" dirty="0" smtClean="0"/>
-              <a:t>ES6</a:t>
-            </a:r>
-          </a:p>
-          <a:p>
-            <a:pPr marL="457200" indent="-457200" algn="l">
-              <a:buFont typeface="Arial"/>
-              <a:buChar char="•"/>
-            </a:pPr>
-            <a:r>
-              <a:rPr lang="en-US" dirty="0" smtClean="0"/>
-              <a:t>Arrow functions (lexical scope)</a:t>
-            </a:r>
-          </a:p>
-          <a:p>
-            <a:pPr marL="457200" indent="-457200" algn="l">
-              <a:buFont typeface="Arial"/>
-              <a:buChar char="•"/>
-            </a:pPr>
+              <a:t>Shell</a:t>
+            </a:r>
+          </a:p>
+          <a:p>
+            <a:pPr marL="342900" indent="-342900" algn="l">
+              <a:buFont typeface="Arial"/>
+              <a:buChar char="•"/>
+            </a:pPr>
+            <a:r>
+              <a:rPr lang="en-US" dirty="0" smtClean="0"/>
+              <a:t>Command </a:t>
+            </a:r>
             <a:r>
               <a:rPr lang="en-US" dirty="0"/>
-              <a:t>Import/export for modules</a:t>
-            </a:r>
-          </a:p>
-          <a:p>
-            <a:pPr marL="457200" indent="-457200" algn="l">
-              <a:buFont typeface="Arial"/>
-              <a:buChar char="•"/>
-            </a:pPr>
-            <a:r>
-              <a:rPr lang="en-US" dirty="0" smtClean="0"/>
-              <a:t>Promises</a:t>
-            </a:r>
-          </a:p>
-          <a:p>
-            <a:pPr marL="457200" indent="-457200" algn="l">
-              <a:buFont typeface="Arial"/>
-              <a:buChar char="•"/>
-            </a:pPr>
-            <a:r>
-              <a:rPr lang="en-US" dirty="0" smtClean="0"/>
-              <a:t>Template literals</a:t>
-            </a:r>
-          </a:p>
-          <a:p>
-            <a:pPr marL="457200" indent="-457200" algn="l">
-              <a:buFont typeface="Arial"/>
-              <a:buChar char="•"/>
-            </a:pPr>
-            <a:r>
-              <a:rPr lang="en-US" dirty="0" smtClean="0"/>
-              <a:t>Iterator support</a:t>
-            </a:r>
-          </a:p>
-          <a:p>
-            <a:pPr marL="457200" indent="-457200" algn="l">
-              <a:buFont typeface="Arial"/>
-              <a:buChar char="•"/>
-            </a:pPr>
-            <a:r>
-              <a:rPr lang="en-US" dirty="0" smtClean="0"/>
-              <a:t>Block-scope variables with "let"</a:t>
-            </a:r>
-          </a:p>
-          <a:p>
-            <a:pPr marL="457200" indent="-457200" algn="l">
-              <a:buFont typeface="Arial"/>
-              <a:buChar char="•"/>
-            </a:pPr>
-            <a:r>
-              <a:rPr lang="en-US" dirty="0" smtClean="0"/>
-              <a:t>Lots more</a:t>
+              <a:t>interpreter program</a:t>
             </a:r>
           </a:p>
           <a:p>
@@ -3694,14 +3660,84 @@
               <a:buFont typeface="Arial"/>
               <a:buChar char="•"/>
             </a:pPr>
+            <a:r>
+              <a:rPr lang="en-US" dirty="0" smtClean="0"/>
+              <a:t>What you get at the CLI</a:t>
+            </a:r>
+          </a:p>
+          <a:p>
+            <a:pPr marL="342900" indent="-342900" algn="l">
+              <a:buFont typeface="Arial"/>
+              <a:buChar char="•"/>
+            </a:pPr>
+            <a:r>
+              <a:rPr lang="en-US" dirty="0" smtClean="0"/>
+              <a:t>Convenient abstraction containing</a:t>
+            </a:r>
+          </a:p>
+          <a:p>
+            <a:pPr marL="800100" lvl="1" indent="-342900" algn="l">
+              <a:buFont typeface="Arial"/>
+              <a:buChar char="•"/>
+            </a:pPr>
+            <a:r>
+              <a:rPr lang="en-US" dirty="0" smtClean="0"/>
+              <a:t>Running processes (</a:t>
+            </a:r>
+            <a:r>
+              <a:rPr lang="en-US" dirty="0"/>
+              <a:t>'</a:t>
+            </a:r>
+            <a:r>
+              <a:rPr lang="en-US" dirty="0" err="1"/>
+              <a:t>ps</a:t>
+            </a:r>
+            <a:r>
+              <a:rPr lang="en-US" dirty="0"/>
+              <a:t> aux</a:t>
+            </a:r>
+            <a:r>
+              <a:rPr lang="en-US" dirty="0" smtClean="0"/>
+              <a:t>')</a:t>
+            </a:r>
             <a:endParaRPr lang="en-US" dirty="0"/>
+          </a:p>
+          <a:p>
+            <a:pPr marL="800100" lvl="1" indent="-342900" algn="l">
+              <a:buFont typeface="Arial"/>
+              <a:buChar char="•"/>
+            </a:pPr>
+            <a:r>
+              <a:rPr lang="en-US" dirty="0" smtClean="0"/>
+              <a:t>Environment variables</a:t>
+            </a:r>
+          </a:p>
+          <a:p>
+            <a:pPr marL="800100" lvl="1" indent="-342900" algn="l">
+              <a:buFont typeface="Arial"/>
+              <a:buChar char="•"/>
+            </a:pPr>
+            <a:r>
+              <a:rPr lang="en-US" dirty="0" smtClean="0"/>
+              <a:t>User/group permissions</a:t>
+            </a:r>
+          </a:p>
+          <a:p>
+            <a:pPr marL="342900" indent="-342900" algn="l">
+              <a:buFont typeface="Arial"/>
+              <a:buChar char="•"/>
+            </a:pPr>
+            <a:r>
+              <a:rPr lang="en-US" dirty="0" smtClean="0"/>
+              <a:t>Expensive to start</a:t>
+            </a:r>
           </a:p>
         </p:txBody>
       </p:sp>
     </p:spTree>
     <p:extLst>
       <p:ext uri="{BB962C8B-B14F-4D97-AF65-F5344CB8AC3E}">
-        <p14:creationId xmlns:p14="http://schemas.microsoft.com/office/powerpoint/2010/main" val="2565773087"/>
+        <p14:creationId xmlns:p14="http://schemas.microsoft.com/office/powerpoint/2010/main" val="2860743356"/>
       </p:ext>
     </p:extLst>
   </p:cSld>
@@ -3748,9 +3784,10 @@
           <a:bodyPr/>
           <a:lstStyle/>
           <a:p>
-            <a:r>
-              <a:rPr lang="en-US" dirty="0" err="1"/>
-              <a:t>Transpilers</a:t>
+            <a:pPr marL="457200" indent="-457200"/>
+            <a:r>
+              <a:rPr lang="en-US" dirty="0" smtClean="0"/>
+              <a:t>Computer Architecture</a:t>
             </a:r>
             <a:endParaRPr lang="en-US" dirty="0"/>
           </a:p>
@@ -3778,14 +3815,22 @@
           </a:bodyPr>
           <a:lstStyle/>
           <a:p>
+            <a:pPr algn="l"/>
+            <a:r>
+              <a:rPr lang="en-US" dirty="0" smtClean="0"/>
+              <a:t>Thread</a:t>
+            </a:r>
+          </a:p>
+          <a:p>
             <a:pPr marL="342900" indent="-342900" algn="l">
               <a:buFont typeface="Arial"/>
               <a:buChar char="•"/>
             </a:pPr>
             <a:r>
               <a:rPr lang="en-US" dirty="0" smtClean="0"/>
-              <a:t>If ES6 feature supported, use as native</a:t>
-            </a:r>
+              <a:t>Unit of execution for the process</a:t>
+            </a:r>
+            <a:endParaRPr lang="en-US" dirty="0"/>
           </a:p>
           <a:p>
             <a:pPr marL="342900" indent="-342900" algn="l">
@@ -3794,15 +3839,7 @@
             </a:pPr>
             <a:r>
               <a:rPr lang="en-US" dirty="0" smtClean="0"/>
-              <a:t>If not, "</a:t>
-            </a:r>
-            <a:r>
-              <a:rPr lang="en-US" dirty="0" err="1" smtClean="0"/>
-              <a:t>transpile</a:t>
-            </a:r>
-            <a:r>
-              <a:rPr lang="en-US" dirty="0" smtClean="0"/>
-              <a:t>" to ES5</a:t>
+              <a:t>A thread has a stack</a:t>
             </a:r>
           </a:p>
           <a:p>
@@ -3811,12 +3848,16 @@
               <a:buChar char="•"/>
             </a:pPr>
             <a:r>
-              <a:rPr lang="en-US" dirty="0" err="1" smtClean="0"/>
-              <a:t>Transpilation</a:t>
-            </a:r>
-            <a:r>
-              <a:rPr lang="en-US" dirty="0" smtClean="0"/>
-              <a:t> creates helper functions</a:t>
+              <a:rPr lang="en-US" dirty="0" smtClean="0"/>
+              <a:t>Basically </a:t>
+            </a:r>
+            <a:r>
+              <a:rPr lang="en-US" i="1" dirty="0" smtClean="0"/>
+              <a:t>is </a:t>
+            </a:r>
+            <a:r>
+              <a:rPr lang="en-US" dirty="0" smtClean="0"/>
+              <a:t>the stack</a:t>
             </a:r>
           </a:p>
           <a:p>
@@ -3826,7 +3867,7 @@
             </a:pPr>
             <a:r>
               <a:rPr lang="en-US" dirty="0" smtClean="0"/>
-              <a:t>Alters ES6 code to call helper</a:t>
+              <a:t>If &gt; 1 in process, shares resources</a:t>
             </a:r>
             <a:endParaRPr lang="en-US" dirty="0"/>
           </a:p>
@@ -3835,7 +3876,7 @@
     </p:spTree>
     <p:extLst>
       <p:ext uri="{BB962C8B-B14F-4D97-AF65-F5344CB8AC3E}">
-        <p14:creationId xmlns:p14="http://schemas.microsoft.com/office/powerpoint/2010/main" val="401803650"/>
+        <p14:creationId xmlns:p14="http://schemas.microsoft.com/office/powerpoint/2010/main" val="2769125060"/>
       </p:ext>
     </p:extLst>
   </p:cSld>
@@ -3882,11 +3923,11 @@
           <a:bodyPr/>
           <a:lstStyle/>
           <a:p>
-            <a:r>
-              <a:rPr lang="en-US" dirty="0" err="1"/>
-              <a:t>Transpilers</a:t>
-            </a:r>
-            <a:endParaRPr lang="en-US" dirty="0"/>
+            <a:pPr marL="457200" indent="-457200"/>
+            <a:r>
+              <a:rPr lang="en-US" dirty="0"/>
+              <a:t>Node in a Nutshell</a:t>
+            </a:r>
           </a:p>
         </p:txBody>
       </p:sp>
@@ -3917,8 +3958,8 @@
               <a:buChar char="•"/>
             </a:pPr>
             <a:r>
-              <a:rPr lang="en-US" dirty="0" smtClean="0"/>
-              <a:t>Babel (Open source)</a:t>
+              <a:rPr lang="en-US" dirty="0"/>
+              <a:t>Single threaded</a:t>
             </a:r>
           </a:p>
           <a:p>
@@ -3928,7 +3969,11 @@
             </a:pPr>
             <a:r>
               <a:rPr lang="en-US" dirty="0" smtClean="0"/>
-              <a:t>Closure (Google)</a:t>
+              <a:t>Event </a:t>
+            </a:r>
+            <a:r>
+              <a:rPr lang="en-US" dirty="0"/>
+              <a:t>driven</a:t>
             </a:r>
           </a:p>
           <a:p>
@@ -3938,8 +3983,44 @@
             </a:pPr>
             <a:r>
               <a:rPr lang="en-US" dirty="0" smtClean="0"/>
-              <a:t>Typescript (Microsoft)</a:t>
-            </a:r>
+              <a:t>Well suited to high concurrency</a:t>
+            </a:r>
+          </a:p>
+          <a:p>
+            <a:pPr marL="342900" indent="-342900" algn="l">
+              <a:buFont typeface="Arial"/>
+              <a:buChar char="•"/>
+            </a:pPr>
+            <a:r>
+              <a:rPr lang="en-US" dirty="0" smtClean="0"/>
+              <a:t>Perfect for front line web server</a:t>
+            </a:r>
+          </a:p>
+          <a:p>
+            <a:pPr marL="342900" indent="-342900" algn="l">
+              <a:buFont typeface="Arial"/>
+              <a:buChar char="•"/>
+            </a:pPr>
+            <a:r>
+              <a:rPr lang="en-US" dirty="0" smtClean="0"/>
+              <a:t>Poorly suited to computationally demanding tasks</a:t>
+            </a:r>
+          </a:p>
+          <a:p>
+            <a:pPr marL="342900" indent="-342900" algn="l">
+              <a:buFont typeface="Arial"/>
+              <a:buChar char="•"/>
+            </a:pPr>
+            <a:r>
+              <a:rPr lang="en-US" dirty="0" smtClean="0"/>
+              <a:t>Many strategies to accommodate</a:t>
+            </a:r>
+          </a:p>
+          <a:p>
+            <a:pPr marL="342900" indent="-342900" algn="l">
+              <a:buFont typeface="Arial"/>
+              <a:buChar char="•"/>
+            </a:pPr>
             <a:endParaRPr lang="en-US" dirty="0"/>
           </a:p>
         </p:txBody>
@@ -3947,7 +4028,7 @@
     </p:spTree>
     <p:extLst>
       <p:ext uri="{BB962C8B-B14F-4D97-AF65-F5344CB8AC3E}">
-        <p14:creationId xmlns:p14="http://schemas.microsoft.com/office/powerpoint/2010/main" val="1831059713"/>
+        <p14:creationId xmlns:p14="http://schemas.microsoft.com/office/powerpoint/2010/main" val="3595620345"/>
       </p:ext>
     </p:extLst>
   </p:cSld>
@@ -3994,19 +4075,11 @@
           <a:bodyPr/>
           <a:lstStyle/>
           <a:p>
-            <a:r>
-              <a:rPr lang="en-US" dirty="0" smtClean="0"/>
-              <a:t>Lab: explore </a:t>
-            </a:r>
-            <a:r>
-              <a:rPr lang="en-US" dirty="0" err="1" smtClean="0"/>
-              <a:t>Node.js</a:t>
-            </a:r>
-            <a:r>
-              <a:rPr lang="en-US" dirty="0" smtClean="0"/>
-              <a:t> REPL</a:t>
-            </a:r>
-            <a:endParaRPr lang="en-US" dirty="0"/>
+            <a:pPr marL="457200" indent="-457200"/>
+            <a:r>
+              <a:rPr lang="en-US" dirty="0"/>
+              <a:t>Node in a Nutshell</a:t>
+            </a:r>
           </a:p>
         </p:txBody>
       </p:sp>
@@ -4032,31 +4105,70 @@
           </a:bodyPr>
           <a:lstStyle/>
           <a:p>
-            <a:pPr lvl="1" indent="-457200" algn="l">
-              <a:buFont typeface="Arial"/>
-              <a:buChar char="•"/>
-            </a:pPr>
-            <a:r>
-              <a:rPr lang="en-US" dirty="0" smtClean="0"/>
-              <a:t>Code-along</a:t>
-            </a:r>
-          </a:p>
-          <a:p>
-            <a:pPr lvl="1" indent="-457200" algn="l">
-              <a:buFont typeface="Arial"/>
-              <a:buChar char="•"/>
-            </a:pPr>
-            <a:r>
-              <a:rPr lang="en-US" dirty="0" smtClean="0"/>
-              <a:t>Review advanced JS concepts</a:t>
-            </a:r>
+            <a:pPr algn="l"/>
+            <a:r>
+              <a:rPr lang="en-US" dirty="0" smtClean="0"/>
+              <a:t>V8</a:t>
+            </a:r>
+          </a:p>
+          <a:p>
+            <a:pPr marL="457200" indent="-457200" algn="l">
+              <a:buFont typeface="Arial"/>
+              <a:buChar char="•"/>
+            </a:pPr>
+            <a:r>
+              <a:rPr lang="en-US" dirty="0" smtClean="0"/>
+              <a:t>Chrome’s JS engine</a:t>
+            </a:r>
+          </a:p>
+          <a:p>
+            <a:pPr marL="457200" indent="-457200" algn="l">
+              <a:buFont typeface="Arial"/>
+              <a:buChar char="•"/>
+            </a:pPr>
+            <a:r>
+              <a:rPr lang="en-US" dirty="0" smtClean="0"/>
+              <a:t>Released 2008</a:t>
+            </a:r>
+          </a:p>
+          <a:p>
+            <a:pPr marL="457200" indent="-457200" algn="l">
+              <a:buFont typeface="Arial"/>
+              <a:buChar char="•"/>
+            </a:pPr>
+            <a:r>
+              <a:rPr lang="en-US" dirty="0" smtClean="0"/>
+              <a:t>Node released 2009</a:t>
+            </a:r>
+            <a:endParaRPr lang="en-US" dirty="0"/>
+          </a:p>
+          <a:p>
+            <a:pPr marL="457200" indent="-457200" algn="l">
+              <a:buFont typeface="Arial"/>
+              <a:buChar char="•"/>
+            </a:pPr>
+            <a:r>
+              <a:rPr lang="en-US" dirty="0" smtClean="0"/>
+              <a:t>Just-in-time (JIT) compiler</a:t>
+            </a:r>
+          </a:p>
+          <a:p>
+            <a:pPr marL="457200" indent="-457200" algn="l">
+              <a:buFont typeface="Arial"/>
+              <a:buChar char="•"/>
+            </a:pPr>
+            <a:r>
+              <a:rPr lang="en-US" dirty="0" smtClean="0"/>
+              <a:t>Produces machine language</a:t>
+            </a:r>
+            <a:endParaRPr lang="en-US" dirty="0"/>
           </a:p>
         </p:txBody>
       </p:sp>
     </p:spTree>
     <p:extLst>
       <p:ext uri="{BB962C8B-B14F-4D97-AF65-F5344CB8AC3E}">
-        <p14:creationId xmlns:p14="http://schemas.microsoft.com/office/powerpoint/2010/main" val="3466214640"/>
+        <p14:creationId xmlns:p14="http://schemas.microsoft.com/office/powerpoint/2010/main" val="1068526707"/>
       </p:ext>
     </p:extLst>
   </p:cSld>
@@ -4103,11 +4215,11 @@
           <a:bodyPr/>
           <a:lstStyle/>
           <a:p>
-            <a:r>
-              <a:rPr lang="en-US" dirty="0" err="1" smtClean="0"/>
-              <a:t>npm</a:t>
-            </a:r>
-            <a:endParaRPr lang="en-US" dirty="0"/>
+            <a:pPr marL="457200" indent="-457200"/>
+            <a:r>
+              <a:rPr lang="en-US" dirty="0"/>
+              <a:t>Node in a Nutshell</a:t>
+            </a:r>
           </a:p>
         </p:txBody>
       </p:sp>
@@ -4133,77 +4245,60 @@
           </a:bodyPr>
           <a:lstStyle/>
           <a:p>
-            <a:pPr marL="342900" indent="-342900" algn="l">
-              <a:buFont typeface="Arial"/>
-              <a:buChar char="•"/>
-            </a:pPr>
-            <a:r>
-              <a:rPr lang="en-US" dirty="0" smtClean="0"/>
-              <a:t>Node Package Manager</a:t>
-            </a:r>
-          </a:p>
-          <a:p>
-            <a:pPr marL="342900" indent="-342900" algn="l">
-              <a:buFont typeface="Arial"/>
-              <a:buChar char="•"/>
-            </a:pPr>
-            <a:r>
-              <a:rPr lang="en-US" dirty="0" smtClean="0"/>
-              <a:t>Included with </a:t>
-            </a:r>
-            <a:r>
-              <a:rPr lang="en-US" dirty="0" err="1" smtClean="0"/>
-              <a:t>Node.js</a:t>
-            </a:r>
-            <a:endParaRPr lang="en-US" dirty="0" smtClean="0"/>
-          </a:p>
-          <a:p>
-            <a:pPr marL="342900" indent="-342900" algn="l">
-              <a:buFont typeface="Arial"/>
-              <a:buChar char="•"/>
-            </a:pPr>
-            <a:r>
-              <a:rPr lang="en-US" dirty="0" smtClean="0"/>
-              <a:t>Intentionally lowercase</a:t>
-            </a:r>
-            <a:endParaRPr lang="en-US" dirty="0" smtClean="0"/>
-          </a:p>
-          <a:p>
-            <a:pPr marL="342900" indent="-342900" algn="l">
-              <a:buFont typeface="Arial"/>
-              <a:buChar char="•"/>
-            </a:pPr>
-            <a:r>
-              <a:rPr lang="en-US" dirty="0" smtClean="0"/>
-              <a:t>Execute via CLI</a:t>
-            </a:r>
-          </a:p>
-          <a:p>
-            <a:pPr marL="342900" indent="-342900" algn="l">
-              <a:buFont typeface="Arial"/>
-              <a:buChar char="•"/>
-            </a:pPr>
-            <a:r>
-              <a:rPr lang="en-US" dirty="0" smtClean="0"/>
-              <a:t>Install a project's packages</a:t>
-            </a:r>
-          </a:p>
-          <a:p>
-            <a:pPr marL="342900" indent="-342900" algn="l">
-              <a:buFont typeface="Arial"/>
-              <a:buChar char="•"/>
-            </a:pPr>
-            <a:r>
-              <a:rPr lang="en-US" dirty="0" smtClean="0"/>
-              <a:t>And those packages' dependencies, recursively</a:t>
-            </a:r>
+            <a:pPr algn="l"/>
+            <a:r>
+              <a:rPr lang="en-US" dirty="0" smtClean="0"/>
+              <a:t>Host objects	</a:t>
+            </a:r>
+            <a:endParaRPr lang="en-US" dirty="0"/>
+          </a:p>
+          <a:p>
+            <a:pPr marL="457200" indent="-457200" algn="l">
+              <a:buFont typeface="Arial"/>
+              <a:buChar char="•"/>
+            </a:pPr>
+            <a:r>
+              <a:rPr lang="en-US" dirty="0"/>
+              <a:t>File system I/O</a:t>
+            </a:r>
+          </a:p>
+          <a:p>
+            <a:pPr marL="457200" indent="-457200" algn="l">
+              <a:buFont typeface="Arial"/>
+              <a:buChar char="•"/>
+            </a:pPr>
+            <a:r>
+              <a:rPr lang="en-US" dirty="0"/>
+              <a:t>Networking/HTTP</a:t>
+            </a:r>
+          </a:p>
+          <a:p>
+            <a:pPr marL="457200" indent="-457200" algn="l">
+              <a:buFont typeface="Arial"/>
+              <a:buChar char="•"/>
+            </a:pPr>
+            <a:r>
+              <a:rPr lang="en-US" dirty="0" smtClean="0"/>
+              <a:t>Crypto</a:t>
+            </a:r>
+          </a:p>
+          <a:p>
+            <a:pPr marL="457200" indent="-457200" algn="l">
+              <a:buFont typeface="Arial"/>
+              <a:buChar char="•"/>
+            </a:pPr>
+            <a:r>
+              <a:rPr lang="en-US" dirty="0" smtClean="0"/>
+              <a:t>more</a:t>
+            </a:r>
+            <a:endParaRPr lang="en-US" dirty="0"/>
           </a:p>
         </p:txBody>
       </p:sp>
     </p:spTree>
     <p:extLst>
       <p:ext uri="{BB962C8B-B14F-4D97-AF65-F5344CB8AC3E}">
-        <p14:creationId xmlns:p14="http://schemas.microsoft.com/office/powerpoint/2010/main" val="494886650"/>
+        <p14:creationId xmlns:p14="http://schemas.microsoft.com/office/powerpoint/2010/main" val="876404458"/>
       </p:ext>
     </p:extLst>
   </p:cSld>
@@ -4250,9 +4345,10 @@
           <a:bodyPr/>
           <a:lstStyle/>
           <a:p>
-            <a:r>
-              <a:rPr lang="en-US" dirty="0" err="1" smtClean="0"/>
-              <a:t>npm</a:t>
+            <a:pPr marL="457200" indent="-457200"/>
+            <a:r>
+              <a:rPr lang="en-US" dirty="0" smtClean="0"/>
+              <a:t>JS Versions</a:t>
             </a:r>
             <a:endParaRPr lang="en-US" dirty="0"/>
           </a:p>
@@ -4280,21 +4376,21 @@
           </a:bodyPr>
           <a:lstStyle/>
           <a:p>
-            <a:pPr algn="l"/>
-            <a:r>
-              <a:rPr lang="en-US" dirty="0" err="1" smtClean="0"/>
-              <a:t>Package.json</a:t>
-            </a:r>
-            <a:endParaRPr lang="en-US" dirty="0" smtClean="0"/>
-          </a:p>
-          <a:p>
             <a:pPr marL="342900" indent="-342900" algn="l">
               <a:buFont typeface="Arial"/>
               <a:buChar char="•"/>
             </a:pPr>
             <a:r>
               <a:rPr lang="en-US" dirty="0" smtClean="0"/>
-              <a:t>Manifest file for project</a:t>
+              <a:t>JS spec is "</a:t>
+            </a:r>
+            <a:r>
+              <a:rPr lang="en-US" dirty="0" err="1" smtClean="0"/>
+              <a:t>ECMAScript</a:t>
+            </a:r>
+            <a:r>
+              <a:rPr lang="en-US" dirty="0" smtClean="0"/>
+              <a:t>"</a:t>
             </a:r>
           </a:p>
           <a:p>
@@ -4303,12 +4399,8 @@
               <a:buChar char="•"/>
             </a:pPr>
             <a:r>
-              <a:rPr lang="en-US" dirty="0"/>
-              <a:t>JSON </a:t>
-            </a:r>
-            <a:r>
-              <a:rPr lang="en-US" dirty="0" smtClean="0"/>
-              <a:t>format</a:t>
+              <a:rPr lang="en-US" dirty="0" smtClean="0"/>
+              <a:t>European Computer Mfg. Assn.</a:t>
             </a:r>
           </a:p>
           <a:p>
@@ -4318,15 +4410,7 @@
             </a:pPr>
             <a:r>
               <a:rPr lang="en-US" dirty="0" smtClean="0"/>
-              <a:t>Used to </a:t>
-            </a:r>
-            <a:r>
-              <a:rPr lang="en-US" dirty="0" err="1" smtClean="0"/>
-              <a:t>init</a:t>
-            </a:r>
-            <a:r>
-              <a:rPr lang="en-US" dirty="0" smtClean="0"/>
-              <a:t> a fresh checkout</a:t>
+              <a:t>Version 3 released 1999</a:t>
             </a:r>
           </a:p>
           <a:p>
@@ -4336,36 +4420,44 @@
             </a:pPr>
             <a:r>
               <a:rPr lang="en-US" dirty="0" smtClean="0"/>
-              <a:t>'</a:t>
-            </a:r>
-            <a:r>
-              <a:rPr lang="en-US" dirty="0" err="1" smtClean="0"/>
-              <a:t>npm</a:t>
-            </a:r>
-            <a:r>
-              <a:rPr lang="en-US" dirty="0" smtClean="0"/>
-              <a:t> install' with no </a:t>
-            </a:r>
-            <a:r>
-              <a:rPr lang="en-US" dirty="0" err="1" smtClean="0"/>
-              <a:t>args</a:t>
-            </a:r>
-            <a:r>
-              <a:rPr lang="en-US" dirty="0" smtClean="0"/>
-              <a:t> looks for </a:t>
-            </a:r>
-            <a:r>
-              <a:rPr lang="en-US" dirty="0" err="1" smtClean="0"/>
-              <a:t>package.json</a:t>
-            </a:r>
-            <a:r>
-              <a:rPr lang="en-US" dirty="0" smtClean="0"/>
-              <a:t> in current working </a:t>
-            </a:r>
-            <a:r>
-              <a:rPr lang="en-US" dirty="0" err="1" smtClean="0"/>
-              <a:t>dir</a:t>
-            </a:r>
+              <a:t>V4 abandoned</a:t>
+            </a:r>
+          </a:p>
+          <a:p>
+            <a:pPr marL="342900" indent="-342900" algn="l">
+              <a:buFont typeface="Arial"/>
+              <a:buChar char="•"/>
+            </a:pPr>
+            <a:r>
+              <a:rPr lang="en-US" dirty="0" smtClean="0"/>
+              <a:t>V5 released 2009</a:t>
+            </a:r>
+          </a:p>
+          <a:p>
+            <a:pPr marL="342900" indent="-342900" algn="l">
+              <a:buFont typeface="Arial"/>
+              <a:buChar char="•"/>
+            </a:pPr>
+            <a:r>
+              <a:rPr lang="en-US" dirty="0" smtClean="0"/>
+              <a:t>V6 released 2015</a:t>
+            </a:r>
+          </a:p>
+          <a:p>
+            <a:pPr marL="342900" indent="-342900" algn="l">
+              <a:buFont typeface="Arial"/>
+              <a:buChar char="•"/>
+            </a:pPr>
+            <a:r>
+              <a:rPr lang="en-US" dirty="0" smtClean="0"/>
+              <a:t>V7 released 2016</a:t>
+            </a:r>
+          </a:p>
+          <a:p>
+            <a:pPr marL="342900" indent="-342900" algn="l">
+              <a:buFont typeface="Arial"/>
+              <a:buChar char="•"/>
+            </a:pPr>
             <a:endParaRPr lang="en-US" dirty="0"/>
           </a:p>
         </p:txBody>
@@ -4373,7 +4465,7 @@
     </p:spTree>
     <p:extLst>
       <p:ext uri="{BB962C8B-B14F-4D97-AF65-F5344CB8AC3E}">
-        <p14:creationId xmlns:p14="http://schemas.microsoft.com/office/powerpoint/2010/main" val="3257634826"/>
+        <p14:creationId xmlns:p14="http://schemas.microsoft.com/office/powerpoint/2010/main" val="3916810543"/>
       </p:ext>
     </p:extLst>
   </p:cSld>
@@ -4420,9 +4512,10 @@
           <a:bodyPr/>
           <a:lstStyle/>
           <a:p>
-            <a:r>
-              <a:rPr lang="en-US" dirty="0" err="1" smtClean="0"/>
-              <a:t>npm</a:t>
+            <a:pPr marL="457200" indent="-457200"/>
+            <a:r>
+              <a:rPr lang="en-US" dirty="0" smtClean="0"/>
+              <a:t>JS Versions</a:t>
             </a:r>
             <a:endParaRPr lang="en-US" dirty="0"/>
           </a:p>
@@ -4446,18 +4539,52 @@
         </p:spPr>
         <p:txBody>
           <a:bodyPr>
-            <a:normAutofit fontScale="92500" lnSpcReduction="10000"/>
+            <a:normAutofit/>
           </a:bodyPr>
           <a:lstStyle/>
           <a:p>
             <a:pPr algn="l"/>
             <a:r>
-              <a:rPr lang="en-US" dirty="0" err="1" smtClean="0"/>
-              <a:t>Package.json</a:t>
-            </a:r>
-            <a:r>
-              <a:rPr lang="en-US" dirty="0" smtClean="0"/>
-              <a:t> contents</a:t>
+              <a:rPr lang="en-US" dirty="0" smtClean="0"/>
+              <a:t>Future versions </a:t>
+            </a:r>
+          </a:p>
+          <a:p>
+            <a:pPr marL="457200" indent="-457200" algn="l">
+              <a:buFont typeface="Arial"/>
+              <a:buChar char="•"/>
+            </a:pPr>
+            <a:r>
+              <a:rPr lang="en-US" dirty="0" smtClean="0"/>
+              <a:t>Will be referred to by year</a:t>
+            </a:r>
+          </a:p>
+          <a:p>
+            <a:pPr marL="457200" indent="-457200" algn="l">
+              <a:buFont typeface="Arial"/>
+              <a:buChar char="•"/>
+            </a:pPr>
+            <a:r>
+              <a:rPr lang="en-US" dirty="0" smtClean="0"/>
+              <a:t>Hence, ES6 === ES2015</a:t>
+            </a:r>
+          </a:p>
+          <a:p>
+            <a:pPr marL="457200" indent="-457200" algn="l">
+              <a:buFont typeface="Arial"/>
+              <a:buChar char="•"/>
+            </a:pPr>
+            <a:r>
+              <a:rPr lang="en-US" dirty="0" smtClean="0"/>
+              <a:t>"</a:t>
+            </a:r>
+            <a:r>
+              <a:rPr lang="en-US" dirty="0" err="1" smtClean="0"/>
+              <a:t>ES.Next</a:t>
+            </a:r>
+            <a:r>
+              <a:rPr lang="en-US" dirty="0" smtClean="0"/>
+              <a:t>" points at next release</a:t>
             </a:r>
           </a:p>
           <a:p>
@@ -4465,160 +4592,14 @@
               <a:buFont typeface="Arial"/>
               <a:buChar char="•"/>
             </a:pPr>
-            <a:r>
-              <a:rPr lang="en-US" dirty="0" smtClean="0"/>
-              <a:t>Metadata: name, version, author, </a:t>
-            </a:r>
-            <a:r>
-              <a:rPr lang="en-US" dirty="0" err="1" smtClean="0"/>
-              <a:t>etc</a:t>
-            </a:r>
             <a:endParaRPr lang="en-US" dirty="0"/>
-          </a:p>
-          <a:p>
-            <a:pPr marL="342900" indent="-342900" algn="l">
-              <a:buFont typeface="Arial"/>
-              <a:buChar char="•"/>
-            </a:pPr>
-            <a:r>
-              <a:rPr lang="en-US" dirty="0" smtClean="0"/>
-              <a:t>Lists </a:t>
-            </a:r>
-            <a:r>
-              <a:rPr lang="en-US" dirty="0"/>
-              <a:t>of packages</a:t>
-            </a:r>
-          </a:p>
-          <a:p>
-            <a:pPr marL="800100" lvl="1" indent="-342900" algn="l">
-              <a:buFont typeface="Arial"/>
-              <a:buChar char="•"/>
-            </a:pPr>
-            <a:r>
-              <a:rPr lang="en-US" dirty="0" smtClean="0"/>
-              <a:t>Name or repo address</a:t>
-            </a:r>
-          </a:p>
-          <a:p>
-            <a:pPr marL="800100" lvl="1" indent="-342900" algn="l">
-              <a:buFont typeface="Arial"/>
-              <a:buChar char="•"/>
-            </a:pPr>
-            <a:r>
-              <a:rPr lang="en-US" dirty="0" smtClean="0"/>
-              <a:t>Version info</a:t>
-            </a:r>
-          </a:p>
-          <a:p>
-            <a:pPr marL="800100" lvl="1" indent="-342900" algn="l">
-              <a:buFont typeface="Arial"/>
-              <a:buChar char="•"/>
-            </a:pPr>
-            <a:r>
-              <a:rPr lang="en-US" dirty="0" smtClean="0"/>
-              <a:t>Dependencies and </a:t>
-            </a:r>
-            <a:r>
-              <a:rPr lang="en-US" dirty="0" err="1" smtClean="0"/>
-              <a:t>dev</a:t>
-            </a:r>
-            <a:r>
-              <a:rPr lang="en-US" dirty="0" smtClean="0"/>
-              <a:t>-dependencies</a:t>
-            </a:r>
-            <a:endParaRPr lang="en-US" dirty="0"/>
-          </a:p>
-          <a:p>
-            <a:pPr marL="342900" indent="-342900" algn="l">
-              <a:buFont typeface="Arial"/>
-              <a:buChar char="•"/>
-            </a:pPr>
-            <a:r>
-              <a:rPr lang="en-US" dirty="0" smtClean="0"/>
-              <a:t>"</a:t>
-            </a:r>
-            <a:r>
-              <a:rPr lang="en-US" dirty="0"/>
-              <a:t>hooks" for installation </a:t>
-            </a:r>
-            <a:r>
-              <a:rPr lang="en-US" dirty="0" smtClean="0"/>
-              <a:t>lifecycle</a:t>
-            </a:r>
-          </a:p>
-          <a:p>
-            <a:pPr marL="800100" lvl="1" indent="-342900" algn="l">
-              <a:buFont typeface="Arial"/>
-              <a:buChar char="•"/>
-            </a:pPr>
-            <a:r>
-              <a:rPr lang="en-US" dirty="0" smtClean="0"/>
-              <a:t>Preinstall, </a:t>
-            </a:r>
-            <a:r>
-              <a:rPr lang="en-US" dirty="0" err="1" smtClean="0"/>
-              <a:t>postinstall</a:t>
-            </a:r>
-            <a:r>
-              <a:rPr lang="en-US" dirty="0" smtClean="0"/>
-              <a:t>, </a:t>
-            </a:r>
-            <a:r>
-              <a:rPr lang="en-US" dirty="0" err="1" smtClean="0"/>
-              <a:t>postuninstall</a:t>
-            </a:r>
-            <a:r>
-              <a:rPr lang="en-US" dirty="0" smtClean="0"/>
-              <a:t>, </a:t>
-            </a:r>
-            <a:r>
-              <a:rPr lang="en-US" dirty="0" err="1" smtClean="0"/>
-              <a:t>etc</a:t>
-            </a:r>
-            <a:endParaRPr lang="en-US" dirty="0"/>
-          </a:p>
-          <a:p>
-            <a:pPr marL="800100" lvl="1" indent="-342900" algn="l">
-              <a:buFont typeface="Arial"/>
-              <a:buChar char="•"/>
-            </a:pPr>
-            <a:r>
-              <a:rPr lang="en-US" dirty="0" smtClean="0"/>
-              <a:t>Custom hooks can drive </a:t>
-            </a:r>
-            <a:r>
-              <a:rPr lang="en-US" dirty="0" err="1" smtClean="0"/>
-              <a:t>npm</a:t>
-            </a:r>
-            <a:r>
-              <a:rPr lang="en-US" dirty="0" smtClean="0"/>
-              <a:t> as build </a:t>
-            </a:r>
-            <a:r>
-              <a:rPr lang="en-US" dirty="0"/>
-              <a:t>tool / task runner</a:t>
-            </a:r>
-          </a:p>
-          <a:p>
-            <a:pPr marL="342900" indent="-342900" algn="l">
-              <a:buFont typeface="Arial"/>
-              <a:buChar char="•"/>
-            </a:pPr>
-            <a:endParaRPr lang="en-US" dirty="0" smtClean="0"/>
-          </a:p>
-          <a:p>
-            <a:pPr marL="342900" indent="-342900" algn="l">
-              <a:buFont typeface="Arial"/>
-              <a:buChar char="•"/>
-            </a:pPr>
-            <a:endParaRPr lang="en-US" dirty="0" smtClean="0"/>
           </a:p>
         </p:txBody>
       </p:sp>
     </p:spTree>
     <p:extLst>
       <p:ext uri="{BB962C8B-B14F-4D97-AF65-F5344CB8AC3E}">
-        <p14:creationId xmlns:p14="http://schemas.microsoft.com/office/powerpoint/2010/main" val="1532976699"/>
+        <p14:creationId xmlns:p14="http://schemas.microsoft.com/office/powerpoint/2010/main" val="1674664141"/>
       </p:ext>
     </p:extLst>
   </p:cSld>
@@ -4665,9 +4646,10 @@
           <a:bodyPr/>
           <a:lstStyle/>
           <a:p>
-            <a:r>
-              <a:rPr lang="en-US" dirty="0" err="1" smtClean="0"/>
-              <a:t>npm</a:t>
+            <a:pPr marL="457200" indent="-457200"/>
+            <a:r>
+              <a:rPr lang="en-US" dirty="0" smtClean="0"/>
+              <a:t>JS Versions</a:t>
             </a:r>
             <a:endParaRPr lang="en-US" dirty="0"/>
           </a:p>
@@ -4691,18 +4673,84 @@
         </p:spPr>
         <p:txBody>
           <a:bodyPr>
-            <a:normAutofit/>
+            <a:normAutofit lnSpcReduction="10000"/>
           </a:bodyPr>
           <a:lstStyle/>
           <a:p>
             <a:pPr algn="l"/>
             <a:r>
-              <a:rPr lang="en-US" dirty="0" err="1" smtClean="0"/>
-              <a:t>Package.json</a:t>
-            </a:r>
-            <a:r>
-              <a:rPr lang="en-US" dirty="0" smtClean="0"/>
-              <a:t> creation</a:t>
+              <a:rPr lang="en-US" dirty="0" smtClean="0"/>
+              <a:t>ES6</a:t>
+            </a:r>
+          </a:p>
+          <a:p>
+            <a:pPr marL="457200" indent="-457200" algn="l">
+              <a:buFont typeface="Arial"/>
+              <a:buChar char="•"/>
+            </a:pPr>
+            <a:r>
+              <a:rPr lang="en-US" dirty="0" smtClean="0"/>
+              <a:t>Arrow functions (lexical scope)</a:t>
+            </a:r>
+          </a:p>
+          <a:p>
+            <a:pPr marL="457200" indent="-457200" algn="l">
+              <a:buFont typeface="Arial"/>
+              <a:buChar char="•"/>
+            </a:pPr>
+            <a:r>
+              <a:rPr lang="en-US" dirty="0"/>
+              <a:t>Import/export for modules</a:t>
+            </a:r>
+          </a:p>
+          <a:p>
+            <a:pPr marL="457200" indent="-457200" algn="l">
+              <a:buFont typeface="Arial"/>
+              <a:buChar char="•"/>
+            </a:pPr>
+            <a:r>
+              <a:rPr lang="en-US" dirty="0" smtClean="0"/>
+              <a:t>Promises</a:t>
+            </a:r>
+          </a:p>
+          <a:p>
+            <a:pPr marL="457200" indent="-457200" algn="l">
+              <a:buFont typeface="Arial"/>
+              <a:buChar char="•"/>
+            </a:pPr>
+            <a:r>
+              <a:rPr lang="en-US" dirty="0" smtClean="0"/>
+              <a:t>Template literals</a:t>
+            </a:r>
+          </a:p>
+          <a:p>
+            <a:pPr marL="457200" indent="-457200" algn="l">
+              <a:buFont typeface="Arial"/>
+              <a:buChar char="•"/>
+            </a:pPr>
+            <a:r>
+              <a:rPr lang="en-US" dirty="0" smtClean="0"/>
+              <a:t>Iterator support</a:t>
+            </a:r>
+          </a:p>
+          <a:p>
+            <a:pPr marL="457200" indent="-457200" algn="l">
+              <a:buFont typeface="Arial"/>
+              <a:buChar char="•"/>
+            </a:pPr>
+            <a:r>
+              <a:rPr lang="en-US" dirty="0" smtClean="0"/>
+              <a:t>Block-scope variables with "let"</a:t>
+            </a:r>
+          </a:p>
+          <a:p>
+            <a:pPr marL="457200" indent="-457200" algn="l">
+              <a:buFont typeface="Arial"/>
+              <a:buChar char="•"/>
+            </a:pPr>
+            <a:r>
+              <a:rPr lang="en-US" dirty="0" smtClean="0"/>
+              <a:t>Lots more</a:t>
             </a:r>
           </a:p>
           <a:p>
@@ -4710,87 +4758,14 @@
               <a:buFont typeface="Arial"/>
               <a:buChar char="•"/>
             </a:pPr>
-            <a:r>
-              <a:rPr lang="en-US" dirty="0" smtClean="0"/>
-              <a:t>'</a:t>
-            </a:r>
-            <a:r>
-              <a:rPr lang="en-US" dirty="0" err="1" smtClean="0"/>
-              <a:t>npm</a:t>
-            </a:r>
-            <a:r>
-              <a:rPr lang="en-US" dirty="0" smtClean="0"/>
-              <a:t> </a:t>
-            </a:r>
-            <a:r>
-              <a:rPr lang="en-US" dirty="0" err="1" smtClean="0"/>
-              <a:t>init</a:t>
-            </a:r>
-            <a:r>
-              <a:rPr lang="en-US" dirty="0" smtClean="0"/>
-              <a:t>' starts wizard</a:t>
-            </a:r>
-          </a:p>
-          <a:p>
-            <a:pPr marL="342900" indent="-342900" algn="l">
-              <a:buFont typeface="Arial"/>
-              <a:buChar char="•"/>
-            </a:pPr>
-            <a:r>
-              <a:rPr lang="en-US" dirty="0" smtClean="0"/>
-              <a:t>--force to accept all defaults</a:t>
-            </a:r>
-          </a:p>
-          <a:p>
-            <a:pPr marL="342900" indent="-342900" algn="l">
-              <a:buFont typeface="Arial"/>
-              <a:buChar char="•"/>
-            </a:pPr>
-            <a:r>
-              <a:rPr lang="en-US" dirty="0" smtClean="0"/>
-              <a:t>No connection to current state</a:t>
-            </a:r>
-          </a:p>
-          <a:p>
-            <a:pPr marL="800100" lvl="1" indent="-342900" algn="l">
-              <a:buFont typeface="Arial"/>
-              <a:buChar char="•"/>
-            </a:pPr>
-            <a:r>
-              <a:rPr lang="en-US" dirty="0" smtClean="0"/>
-              <a:t>Does not scan installed packages</a:t>
-            </a:r>
-          </a:p>
-          <a:p>
-            <a:pPr marL="800100" lvl="1" indent="-342900" algn="l">
-              <a:buFont typeface="Arial"/>
-              <a:buChar char="•"/>
-            </a:pPr>
-            <a:r>
-              <a:rPr lang="en-US" dirty="0" smtClean="0"/>
-              <a:t>Packages un- or installed later must also be synced</a:t>
-            </a:r>
-          </a:p>
-          <a:p>
-            <a:pPr marL="342900" indent="-342900" algn="l">
-              <a:buFont typeface="Arial"/>
-              <a:buChar char="•"/>
-            </a:pPr>
-            <a:endParaRPr lang="en-US" dirty="0" smtClean="0"/>
-          </a:p>
-          <a:p>
-            <a:pPr marL="342900" indent="-342900" algn="l">
-              <a:buFont typeface="Arial"/>
-              <a:buChar char="•"/>
-            </a:pPr>
-            <a:endParaRPr lang="en-US" dirty="0" smtClean="0"/>
+            <a:endParaRPr lang="en-US" dirty="0"/>
           </a:p>
         </p:txBody>
       </p:sp>
     </p:spTree>
     <p:extLst>
       <p:ext uri="{BB962C8B-B14F-4D97-AF65-F5344CB8AC3E}">
-        <p14:creationId xmlns:p14="http://schemas.microsoft.com/office/powerpoint/2010/main" val="732598952"/>
+        <p14:creationId xmlns:p14="http://schemas.microsoft.com/office/powerpoint/2010/main" val="2565773087"/>
       </p:ext>
     </p:extLst>
   </p:cSld>
@@ -4863,7 +4838,7 @@
         </p:spPr>
         <p:txBody>
           <a:bodyPr>
-            <a:normAutofit/>
+            <a:normAutofit lnSpcReduction="10000"/>
           </a:bodyPr>
           <a:lstStyle/>
           <a:p>
@@ -4884,6 +4859,16 @@
             <a:r>
               <a:rPr lang="en-US" dirty="0" smtClean="0"/>
               <a:t>Course overview &amp; housekeeping</a:t>
+            </a:r>
+          </a:p>
+          <a:p>
+            <a:pPr marL="457200" indent="-457200" algn="l">
+              <a:buFont typeface="Arial"/>
+              <a:buChar char="•"/>
+            </a:pPr>
+            <a:r>
+              <a:rPr lang="en-US" dirty="0" smtClean="0"/>
+              <a:t>Computer architecture review</a:t>
             </a:r>
           </a:p>
           <a:p>
@@ -4950,7 +4935,7 @@
             </a:r>
             <a:r>
               <a:rPr lang="en-US" dirty="0" smtClean="0"/>
-              <a:t>architecture (event loop)</a:t>
+              <a:t>event loop</a:t>
             </a:r>
             <a:endParaRPr lang="en-US" dirty="0"/>
           </a:p>
@@ -5007,8 +4992,8 @@
           <a:lstStyle/>
           <a:p>
             <a:r>
-              <a:rPr lang="en-US" dirty="0" err="1" smtClean="0"/>
-              <a:t>npm</a:t>
+              <a:rPr lang="en-US" dirty="0" err="1"/>
+              <a:t>Transpilers</a:t>
             </a:r>
             <a:endParaRPr lang="en-US" dirty="0"/>
           </a:p>
@@ -5036,24 +5021,13 @@
           </a:bodyPr>
           <a:lstStyle/>
           <a:p>
-            <a:pPr algn="l"/>
-            <a:r>
-              <a:rPr lang="en-US" dirty="0" err="1" smtClean="0"/>
-              <a:t>npm</a:t>
-            </a:r>
-            <a:r>
-              <a:rPr lang="en-US" dirty="0" smtClean="0"/>
-              <a:t> install, generally:</a:t>
-            </a:r>
-          </a:p>
-          <a:p>
             <a:pPr marL="342900" indent="-342900" algn="l">
               <a:buFont typeface="Arial"/>
               <a:buChar char="•"/>
             </a:pPr>
             <a:r>
               <a:rPr lang="en-US" dirty="0" smtClean="0"/>
-              <a:t>Fetches module(s) from repo(s)</a:t>
+              <a:t>If ES6 feature supported, use as native</a:t>
             </a:r>
           </a:p>
           <a:p>
@@ -5063,7 +5037,15 @@
             </a:pPr>
             <a:r>
               <a:rPr lang="en-US" dirty="0" smtClean="0"/>
-              <a:t>Fetches recursive dependencies</a:t>
+              <a:t>If not, "</a:t>
+            </a:r>
+            <a:r>
+              <a:rPr lang="en-US" dirty="0" err="1" smtClean="0"/>
+              <a:t>transpile</a:t>
+            </a:r>
+            <a:r>
+              <a:rPr lang="en-US" dirty="0" smtClean="0"/>
+              <a:t>" to ES5</a:t>
             </a:r>
           </a:p>
           <a:p>
@@ -5072,36 +5054,31 @@
               <a:buChar char="•"/>
             </a:pPr>
             <a:r>
-              <a:rPr lang="en-US" dirty="0" smtClean="0"/>
-              <a:t>Installs to </a:t>
-            </a:r>
-            <a:r>
-              <a:rPr lang="en-US" dirty="0" err="1" smtClean="0"/>
-              <a:t>node_modules</a:t>
-            </a:r>
-            <a:r>
-              <a:rPr lang="en-US" dirty="0" smtClean="0"/>
-              <a:t> </a:t>
-            </a:r>
-            <a:r>
-              <a:rPr lang="en-US" dirty="0" err="1" smtClean="0"/>
-              <a:t>dir</a:t>
-            </a:r>
-            <a:endParaRPr lang="en-US" dirty="0" smtClean="0"/>
+              <a:rPr lang="en-US" dirty="0" err="1" smtClean="0"/>
+              <a:t>Transpilation</a:t>
+            </a:r>
+            <a:r>
+              <a:rPr lang="en-US" dirty="0" smtClean="0"/>
+              <a:t> creates helper functions</a:t>
+            </a:r>
           </a:p>
           <a:p>
             <a:pPr marL="342900" indent="-342900" algn="l">
               <a:buFont typeface="Arial"/>
               <a:buChar char="•"/>
             </a:pPr>
-            <a:endParaRPr lang="en-US" dirty="0" smtClean="0"/>
+            <a:r>
+              <a:rPr lang="en-US" dirty="0" smtClean="0"/>
+              <a:t>Alters ES6 code to call helper</a:t>
+            </a:r>
+            <a:endParaRPr lang="en-US" dirty="0"/>
           </a:p>
         </p:txBody>
       </p:sp>
     </p:spTree>
     <p:extLst>
       <p:ext uri="{BB962C8B-B14F-4D97-AF65-F5344CB8AC3E}">
-        <p14:creationId xmlns:p14="http://schemas.microsoft.com/office/powerpoint/2010/main" val="1870917487"/>
+        <p14:creationId xmlns:p14="http://schemas.microsoft.com/office/powerpoint/2010/main" val="401803650"/>
       </p:ext>
     </p:extLst>
   </p:cSld>
@@ -5149,8 +5126,8 @@
           <a:lstStyle/>
           <a:p>
             <a:r>
-              <a:rPr lang="en-US" dirty="0" err="1" smtClean="0"/>
-              <a:t>npm</a:t>
+              <a:rPr lang="en-US" dirty="0" err="1"/>
+              <a:t>Transpilers</a:t>
             </a:r>
             <a:endParaRPr lang="en-US" dirty="0"/>
           </a:p>
@@ -5174,28 +5151,17 @@
         </p:spPr>
         <p:txBody>
           <a:bodyPr>
-            <a:normAutofit fontScale="92500" lnSpcReduction="10000"/>
+            <a:normAutofit/>
           </a:bodyPr>
           <a:lstStyle/>
           <a:p>
-            <a:pPr algn="l"/>
-            <a:r>
-              <a:rPr lang="en-US" dirty="0" err="1" smtClean="0"/>
-              <a:t>npm</a:t>
-            </a:r>
-            <a:r>
-              <a:rPr lang="en-US" dirty="0" smtClean="0"/>
-              <a:t> install &lt;name&gt;</a:t>
-            </a:r>
-          </a:p>
-          <a:p>
             <a:pPr marL="342900" indent="-342900" algn="l">
               <a:buFont typeface="Arial"/>
               <a:buChar char="•"/>
             </a:pPr>
             <a:r>
               <a:rPr lang="en-US" dirty="0" smtClean="0"/>
-              <a:t>Checks if &lt;name&gt; exists</a:t>
+              <a:t>Babel (Open source)</a:t>
             </a:r>
           </a:p>
           <a:p>
@@ -5205,7 +5171,7 @@
             </a:pPr>
             <a:r>
               <a:rPr lang="en-US" dirty="0" smtClean="0"/>
-              <a:t>If not, fetches and saves locally</a:t>
+              <a:t>Closure (Google)</a:t>
             </a:r>
           </a:p>
           <a:p>
@@ -5215,112 +5181,16 @@
             </a:pPr>
             <a:r>
               <a:rPr lang="en-US" dirty="0" smtClean="0"/>
-              <a:t>Default location: </a:t>
-            </a:r>
-            <a:r>
-              <a:rPr lang="en-US" dirty="0" err="1" smtClean="0"/>
-              <a:t>node_modules</a:t>
-            </a:r>
-            <a:endParaRPr lang="en-US" dirty="0" smtClean="0"/>
-          </a:p>
-          <a:p>
-            <a:pPr marL="342900" indent="-342900" algn="l">
-              <a:buFont typeface="Arial"/>
-              <a:buChar char="•"/>
-            </a:pPr>
-            <a:r>
-              <a:rPr lang="en-US" dirty="0" smtClean="0"/>
-              <a:t>Project root</a:t>
-            </a:r>
-          </a:p>
-          <a:p>
-            <a:pPr marL="800100" lvl="1" indent="-342900" algn="l">
-              <a:buFont typeface="Arial"/>
-              <a:buChar char="•"/>
-            </a:pPr>
-            <a:r>
-              <a:rPr lang="en-US" dirty="0" smtClean="0"/>
-              <a:t>Looks up tree for </a:t>
-            </a:r>
-            <a:r>
-              <a:rPr lang="en-US" dirty="0" err="1" smtClean="0"/>
-              <a:t>package.json</a:t>
-            </a:r>
-            <a:r>
-              <a:rPr lang="en-US" dirty="0" smtClean="0"/>
-              <a:t> or </a:t>
-            </a:r>
-            <a:r>
-              <a:rPr lang="en-US" dirty="0" err="1" smtClean="0"/>
-              <a:t>node_modules</a:t>
-            </a:r>
-            <a:r>
-              <a:rPr lang="en-US" dirty="0" smtClean="0"/>
-              <a:t> </a:t>
-            </a:r>
-            <a:r>
-              <a:rPr lang="en-US" dirty="0" err="1" smtClean="0"/>
-              <a:t>dir</a:t>
-            </a:r>
-            <a:endParaRPr lang="en-US" dirty="0" smtClean="0"/>
-          </a:p>
-          <a:p>
-            <a:pPr marL="800100" lvl="1" indent="-342900" algn="l">
-              <a:buFont typeface="Arial"/>
-              <a:buChar char="•"/>
-            </a:pPr>
-            <a:r>
-              <a:rPr lang="en-US" dirty="0" smtClean="0"/>
-              <a:t>Uses that </a:t>
-            </a:r>
-            <a:r>
-              <a:rPr lang="en-US" dirty="0" err="1" smtClean="0"/>
-              <a:t>dir</a:t>
-            </a:r>
-            <a:r>
-              <a:rPr lang="en-US" dirty="0" smtClean="0"/>
-              <a:t> as root – run command anywhere underneath</a:t>
-            </a:r>
-          </a:p>
-          <a:p>
-            <a:pPr marL="342900" indent="-342900" algn="l">
-              <a:buFont typeface="Arial"/>
-              <a:buChar char="•"/>
-            </a:pPr>
-            <a:r>
-              <a:rPr lang="en-US" dirty="0" smtClean="0"/>
-              <a:t>'</a:t>
-            </a:r>
-            <a:r>
-              <a:rPr lang="en-US" dirty="0" err="1" smtClean="0"/>
-              <a:t>npm</a:t>
-            </a:r>
-            <a:r>
-              <a:rPr lang="en-US" dirty="0" smtClean="0"/>
-              <a:t> </a:t>
-            </a:r>
-            <a:r>
-              <a:rPr lang="en-US" dirty="0" err="1" smtClean="0"/>
-              <a:t>i</a:t>
-            </a:r>
-            <a:r>
-              <a:rPr lang="en-US" dirty="0" smtClean="0"/>
-              <a:t>' short version</a:t>
-            </a:r>
-          </a:p>
-          <a:p>
-            <a:pPr marL="342900" indent="-342900" algn="l">
-              <a:buFont typeface="Arial"/>
-              <a:buChar char="•"/>
-            </a:pPr>
-            <a:endParaRPr lang="en-US" dirty="0" smtClean="0"/>
+              <a:t>Typescript (Microsoft)</a:t>
+            </a:r>
+            <a:endParaRPr lang="en-US" dirty="0"/>
           </a:p>
         </p:txBody>
       </p:sp>
     </p:spTree>
     <p:extLst>
       <p:ext uri="{BB962C8B-B14F-4D97-AF65-F5344CB8AC3E}">
-        <p14:creationId xmlns:p14="http://schemas.microsoft.com/office/powerpoint/2010/main" val="1044463551"/>
+        <p14:creationId xmlns:p14="http://schemas.microsoft.com/office/powerpoint/2010/main" val="1831059713"/>
       </p:ext>
     </p:extLst>
   </p:cSld>
@@ -5368,8 +5238,16 @@
           <a:lstStyle/>
           <a:p>
             <a:r>
-              <a:rPr lang="en-US" dirty="0" err="1" smtClean="0"/>
-              <a:t>npm</a:t>
+              <a:rPr lang="en-US" dirty="0" smtClean="0"/>
+              <a:t>Lab: explore </a:t>
+            </a:r>
+            <a:r>
+              <a:rPr lang="en-US" dirty="0" err="1" smtClean="0"/>
+              <a:t>Node.js</a:t>
+            </a:r>
+            <a:r>
+              <a:rPr lang="en-US" dirty="0" smtClean="0"/>
+              <a:t> REPL</a:t>
             </a:r>
             <a:endParaRPr lang="en-US" dirty="0"/>
           </a:p>
@@ -5397,85 +5275,23 @@
           </a:bodyPr>
           <a:lstStyle/>
           <a:p>
-            <a:pPr algn="l"/>
-            <a:r>
-              <a:rPr lang="en-US" dirty="0" err="1" smtClean="0"/>
-              <a:t>npm</a:t>
-            </a:r>
-            <a:r>
-              <a:rPr lang="en-US" dirty="0" smtClean="0"/>
-              <a:t> install --save &lt;name&gt;</a:t>
-            </a:r>
-          </a:p>
-          <a:p>
-            <a:pPr marL="342900" indent="-342900" algn="l">
-              <a:buFont typeface="Arial"/>
-              <a:buChar char="•"/>
-            </a:pPr>
-            <a:r>
-              <a:rPr lang="en-US" dirty="0" smtClean="0"/>
-              <a:t>Installs, and then writes to </a:t>
-            </a:r>
-            <a:r>
-              <a:rPr lang="en-US" dirty="0" err="1" smtClean="0"/>
-              <a:t>package.json</a:t>
-            </a:r>
-            <a:endParaRPr lang="en-US" dirty="0" smtClean="0"/>
-          </a:p>
-          <a:p>
-            <a:pPr marL="342900" indent="-342900" algn="l">
-              <a:buFont typeface="Arial"/>
-              <a:buChar char="•"/>
-            </a:pPr>
-            <a:r>
-              <a:rPr lang="en-US" dirty="0" smtClean="0"/>
-              <a:t>Also </a:t>
-            </a:r>
-          </a:p>
-          <a:p>
-            <a:pPr marL="800100" lvl="1" indent="-342900" algn="l">
-              <a:buFont typeface="Arial"/>
-              <a:buChar char="•"/>
-            </a:pPr>
-            <a:r>
-              <a:rPr lang="en-US" dirty="0" smtClean="0"/>
-              <a:t>-S short version</a:t>
-            </a:r>
-          </a:p>
-          <a:p>
-            <a:pPr marL="800100" lvl="1" indent="-342900" algn="l">
-              <a:buFont typeface="Arial"/>
-              <a:buChar char="•"/>
-            </a:pPr>
-            <a:r>
-              <a:rPr lang="en-US" dirty="0" smtClean="0"/>
-              <a:t>--save-</a:t>
-            </a:r>
-            <a:r>
-              <a:rPr lang="en-US" dirty="0" err="1" smtClean="0"/>
-              <a:t>dev</a:t>
-            </a:r>
-            <a:r>
-              <a:rPr lang="en-US" dirty="0" smtClean="0"/>
-              <a:t> for </a:t>
-            </a:r>
-            <a:r>
-              <a:rPr lang="en-US" dirty="0" err="1" smtClean="0"/>
-              <a:t>dev</a:t>
-            </a:r>
-            <a:r>
-              <a:rPr lang="en-US" dirty="0" smtClean="0"/>
-              <a:t>-dependencies (-D)</a:t>
-            </a:r>
-          </a:p>
-          <a:p>
-            <a:pPr marL="800100" lvl="1" indent="-342900" algn="l">
-              <a:buFont typeface="Arial"/>
-              <a:buChar char="•"/>
-            </a:pPr>
-            <a:r>
-              <a:rPr lang="en-US" dirty="0" smtClean="0"/>
-              <a:t>--save-exact to pin version</a:t>
+            <a:pPr lvl="1" indent="-457200" algn="l">
+              <a:buFont typeface="Arial"/>
+              <a:buChar char="•"/>
+            </a:pPr>
+            <a:r>
+              <a:rPr lang="en-US" dirty="0" smtClean="0"/>
+              <a:t>Code-along</a:t>
+            </a:r>
+          </a:p>
+          <a:p>
+            <a:pPr lvl="1" indent="-457200" algn="l">
+              <a:buFont typeface="Arial"/>
+              <a:buChar char="•"/>
+            </a:pPr>
+            <a:r>
+              <a:rPr lang="en-US" dirty="0" smtClean="0"/>
+              <a:t>Review advanced JS concepts</a:t>
             </a:r>
           </a:p>
         </p:txBody>
@@ -5483,7 +5299,7 @@
     </p:spTree>
     <p:extLst>
       <p:ext uri="{BB962C8B-B14F-4D97-AF65-F5344CB8AC3E}">
-        <p14:creationId xmlns:p14="http://schemas.microsoft.com/office/powerpoint/2010/main" val="3155300736"/>
+        <p14:creationId xmlns:p14="http://schemas.microsoft.com/office/powerpoint/2010/main" val="3466214640"/>
       </p:ext>
     </p:extLst>
   </p:cSld>
@@ -5560,62 +5376,68 @@
           </a:bodyPr>
           <a:lstStyle/>
           <a:p>
-            <a:pPr algn="l"/>
-            <a:r>
-              <a:rPr lang="en-US" dirty="0" err="1" smtClean="0"/>
-              <a:t>npm</a:t>
-            </a:r>
-            <a:r>
-              <a:rPr lang="en-US" dirty="0" smtClean="0"/>
-              <a:t> install &lt;name&gt;@&lt;tag&gt;</a:t>
-            </a:r>
-          </a:p>
-          <a:p>
             <a:pPr marL="342900" indent="-342900" algn="l">
               <a:buFont typeface="Arial"/>
               <a:buChar char="•"/>
             </a:pPr>
             <a:r>
               <a:rPr lang="en-US" dirty="0" smtClean="0"/>
-              <a:t>&lt;tag&gt; may be</a:t>
-            </a:r>
-          </a:p>
-          <a:p>
-            <a:pPr marL="800100" lvl="1" indent="-342900" algn="l">
-              <a:buFont typeface="Arial"/>
-              <a:buChar char="•"/>
-            </a:pPr>
-            <a:r>
-              <a:rPr lang="en-US" dirty="0" smtClean="0"/>
-              <a:t>A </a:t>
-            </a:r>
-            <a:r>
-              <a:rPr lang="en-US" dirty="0" err="1" smtClean="0"/>
-              <a:t>git</a:t>
-            </a:r>
-            <a:r>
-              <a:rPr lang="en-US" dirty="0" smtClean="0"/>
-              <a:t> tag</a:t>
-            </a:r>
-          </a:p>
-          <a:p>
-            <a:pPr marL="800100" lvl="1" indent="-342900" algn="l">
-              <a:buFont typeface="Arial"/>
-              <a:buChar char="•"/>
-            </a:pPr>
-            <a:r>
-              <a:rPr lang="en-US" dirty="0" smtClean="0"/>
-              <a:t>Version number</a:t>
-            </a:r>
-          </a:p>
-          <a:p>
-            <a:pPr marL="800100" lvl="1" indent="-342900" algn="l">
-              <a:buFont typeface="Arial"/>
-              <a:buChar char="•"/>
-            </a:pPr>
-            <a:r>
-              <a:rPr lang="en-US" dirty="0" smtClean="0"/>
-              <a:t>Version range</a:t>
+              <a:t>Node Package Manager</a:t>
+            </a:r>
+          </a:p>
+          <a:p>
+            <a:pPr marL="342900" indent="-342900" algn="l">
+              <a:buFont typeface="Arial"/>
+              <a:buChar char="•"/>
+            </a:pPr>
+            <a:r>
+              <a:rPr lang="en-US" dirty="0" smtClean="0"/>
+              <a:t>Included with </a:t>
+            </a:r>
+            <a:r>
+              <a:rPr lang="en-US" dirty="0" err="1" smtClean="0"/>
+              <a:t>Node.js</a:t>
+            </a:r>
+            <a:endParaRPr lang="en-US" dirty="0" smtClean="0"/>
+          </a:p>
+          <a:p>
+            <a:pPr marL="342900" indent="-342900" algn="l">
+              <a:buFont typeface="Arial"/>
+              <a:buChar char="•"/>
+            </a:pPr>
+            <a:r>
+              <a:rPr lang="en-US" dirty="0" smtClean="0"/>
+              <a:t>Intentionally lowercase</a:t>
+            </a:r>
+          </a:p>
+          <a:p>
+            <a:pPr marL="342900" indent="-342900" algn="l">
+              <a:buFont typeface="Arial"/>
+              <a:buChar char="•"/>
+            </a:pPr>
+            <a:r>
+              <a:rPr lang="en-US" dirty="0" smtClean="0"/>
+              <a:t>Execute via CLI</a:t>
+            </a:r>
+          </a:p>
+          <a:p>
+            <a:pPr marL="342900" indent="-342900" algn="l">
+              <a:buFont typeface="Arial"/>
+              <a:buChar char="•"/>
+            </a:pPr>
+            <a:r>
+              <a:rPr lang="en-US" dirty="0" smtClean="0"/>
+              <a:t>Install a project's packages</a:t>
+            </a:r>
+          </a:p>
+          <a:p>
+            <a:pPr marL="342900" indent="-342900" algn="l">
+              <a:buFont typeface="Arial"/>
+              <a:buChar char="•"/>
+            </a:pPr>
+            <a:r>
+              <a:rPr lang="en-US" dirty="0" smtClean="0"/>
+              <a:t>And those packages' dependencies, recursively</a:t>
             </a:r>
           </a:p>
         </p:txBody>
@@ -5623,7 +5445,7 @@
     </p:spTree>
     <p:extLst>
       <p:ext uri="{BB962C8B-B14F-4D97-AF65-F5344CB8AC3E}">
-        <p14:creationId xmlns:p14="http://schemas.microsoft.com/office/powerpoint/2010/main" val="2656399053"/>
+        <p14:creationId xmlns:p14="http://schemas.microsoft.com/office/powerpoint/2010/main" val="494886650"/>
       </p:ext>
     </p:extLst>
   </p:cSld>
@@ -5703,125 +5525,97 @@
             <a:pPr algn="l"/>
             <a:r>
               <a:rPr lang="en-US" dirty="0" err="1" smtClean="0"/>
+              <a:t>Package.json</a:t>
+            </a:r>
+            <a:endParaRPr lang="en-US" dirty="0" smtClean="0"/>
+          </a:p>
+          <a:p>
+            <a:pPr marL="342900" indent="-342900" algn="l">
+              <a:buFont typeface="Arial"/>
+              <a:buChar char="•"/>
+            </a:pPr>
+            <a:r>
+              <a:rPr lang="en-US" dirty="0" smtClean="0"/>
+              <a:t>Manifest file for project</a:t>
+            </a:r>
+          </a:p>
+          <a:p>
+            <a:pPr marL="342900" indent="-342900" algn="l">
+              <a:buFont typeface="Arial"/>
+              <a:buChar char="•"/>
+            </a:pPr>
+            <a:r>
+              <a:rPr lang="en-US" dirty="0"/>
+              <a:t>JSON </a:t>
+            </a:r>
+            <a:r>
+              <a:rPr lang="en-US" dirty="0" smtClean="0"/>
+              <a:t>format</a:t>
+            </a:r>
+          </a:p>
+          <a:p>
+            <a:pPr marL="342900" indent="-342900" algn="l">
+              <a:buFont typeface="Arial"/>
+              <a:buChar char="•"/>
+            </a:pPr>
+            <a:r>
+              <a:rPr lang="en-US" dirty="0" smtClean="0"/>
+              <a:t>Used to </a:t>
+            </a:r>
+            <a:r>
+              <a:rPr lang="en-US" dirty="0" err="1" smtClean="0"/>
+              <a:t>init</a:t>
+            </a:r>
+            <a:r>
+              <a:rPr lang="en-US" dirty="0" smtClean="0"/>
+              <a:t> a fresh checkout</a:t>
+            </a:r>
+          </a:p>
+          <a:p>
+            <a:pPr marL="342900" indent="-342900" algn="l">
+              <a:buFont typeface="Arial"/>
+              <a:buChar char="•"/>
+            </a:pPr>
+            <a:r>
+              <a:rPr lang="en-US" dirty="0" smtClean="0"/>
+              <a:t>'</a:t>
+            </a:r>
+            <a:r>
+              <a:rPr lang="en-US" dirty="0" err="1" smtClean="0"/>
               <a:t>npm</a:t>
             </a:r>
             <a:r>
               <a:rPr lang="en-US" dirty="0" smtClean="0"/>
-              <a:t> install &lt;name&gt;@&lt;tag&gt;</a:t>
-            </a:r>
-          </a:p>
-          <a:p>
-            <a:pPr marL="342900" lvl="1" indent="-342900" algn="l">
-              <a:buFont typeface="Arial"/>
-              <a:buChar char="•"/>
-            </a:pPr>
-            <a:r>
-              <a:rPr lang="en-US" dirty="0" smtClean="0"/>
-              <a:t>Version range === '</a:t>
-            </a:r>
-            <a:r>
-              <a:rPr lang="en-US" dirty="0" err="1" smtClean="0"/>
-              <a:t>semver</a:t>
-            </a:r>
-            <a:r>
-              <a:rPr lang="en-US" dirty="0" smtClean="0"/>
-              <a:t>'</a:t>
-            </a:r>
-          </a:p>
-          <a:p>
-            <a:pPr marL="800100" lvl="2" indent="-342900" algn="l">
-              <a:buFont typeface="Arial"/>
-              <a:buChar char="•"/>
-            </a:pPr>
-            <a:r>
-              <a:rPr lang="en-US" dirty="0" err="1" smtClean="0"/>
-              <a:t>major.minor.patch</a:t>
-            </a:r>
-            <a:r>
-              <a:rPr lang="en-US" dirty="0" smtClean="0"/>
-              <a:t>, </a:t>
-            </a:r>
-            <a:r>
-              <a:rPr lang="en-US" dirty="0" err="1" smtClean="0"/>
-              <a:t>eg</a:t>
-            </a:r>
-            <a:r>
-              <a:rPr lang="en-US" dirty="0" smtClean="0"/>
-              <a:t> 1.2.7</a:t>
-            </a:r>
-          </a:p>
-          <a:p>
-            <a:pPr marL="800100" lvl="2" indent="-342900" algn="l">
-              <a:buFont typeface="Arial"/>
-              <a:buChar char="•"/>
-            </a:pPr>
-            <a:r>
-              <a:rPr lang="en-US" dirty="0" smtClean="0"/>
-              <a:t>Comparison operators: </a:t>
-            </a:r>
-            <a:r>
-              <a:rPr lang="en-US" dirty="0"/>
-              <a:t>&gt;/&lt;/</a:t>
-            </a:r>
-            <a:r>
-              <a:rPr lang="en-US" dirty="0" smtClean="0"/>
-              <a:t>=/&gt;=/&lt;=</a:t>
-            </a:r>
-          </a:p>
-          <a:p>
-            <a:pPr marL="800100" lvl="2" indent="-342900" algn="l">
-              <a:buFont typeface="Arial"/>
-              <a:buChar char="•"/>
-            </a:pPr>
-            <a:r>
-              <a:rPr lang="en-US" dirty="0" smtClean="0"/>
-              <a:t>* works as expected: 1.2.*</a:t>
-            </a:r>
-          </a:p>
-          <a:p>
-            <a:pPr marL="800100" lvl="2" indent="-342900" algn="l">
-              <a:buFont typeface="Arial"/>
-              <a:buChar char="•"/>
-            </a:pPr>
-            <a:r>
-              <a:rPr lang="en-US" dirty="0" smtClean="0"/>
-              <a:t>'x' same as *: 1.2.x </a:t>
-            </a:r>
-          </a:p>
-          <a:p>
-            <a:pPr marL="800100" lvl="2" indent="-342900" algn="l">
-              <a:buFont typeface="Arial"/>
-              <a:buChar char="•"/>
-            </a:pPr>
-            <a:r>
-              <a:rPr lang="en-US" dirty="0" smtClean="0"/>
-              <a:t>~ prefix same as *: ~1.2</a:t>
-            </a:r>
-          </a:p>
-          <a:p>
-            <a:pPr marL="800100" lvl="2" indent="-342900" algn="l">
-              <a:buFont typeface="Arial"/>
-              <a:buChar char="•"/>
-            </a:pPr>
-            <a:r>
-              <a:rPr lang="en-US" dirty="0" smtClean="0"/>
-              <a:t>^ prefix means 'up to': ^1.2.3 allows .3-.9, but not 1.3.x. ^1.2 allows 1.2-1.9</a:t>
+              <a:t> install' with no </a:t>
+            </a:r>
+            <a:r>
+              <a:rPr lang="en-US" dirty="0" err="1" smtClean="0"/>
+              <a:t>args</a:t>
+            </a:r>
+            <a:r>
+              <a:rPr lang="en-US" dirty="0" smtClean="0"/>
+              <a:t> looks for </a:t>
+            </a:r>
+            <a:r>
+              <a:rPr lang="en-US" dirty="0" err="1" smtClean="0"/>
+              <a:t>package.json</a:t>
+            </a:r>
+            <a:r>
+              <a:rPr lang="en-US" dirty="0" smtClean="0"/>
+              <a:t> in current working </a:t>
+            </a:r>
+            <a:r>
+              <a:rPr lang="en-US" dirty="0" err="1" smtClean="0"/>
+              <a:t>dir</a:t>
             </a:r>
             <a:endParaRPr lang="en-US" dirty="0"/>
-          </a:p>
-          <a:p>
-            <a:pPr marL="342900" indent="-342900" algn="l">
-              <a:buFont typeface="Arial"/>
-              <a:buChar char="•"/>
-            </a:pPr>
-            <a:endParaRPr lang="en-US" dirty="0" smtClean="0"/>
           </a:p>
         </p:txBody>
       </p:sp>
     </p:spTree>
     <p:extLst>
       <p:ext uri="{BB962C8B-B14F-4D97-AF65-F5344CB8AC3E}">
-        <p14:creationId xmlns:p14="http://schemas.microsoft.com/office/powerpoint/2010/main" val="3723432946"/>
+        <p14:creationId xmlns:p14="http://schemas.microsoft.com/office/powerpoint/2010/main" val="3257634826"/>
       </p:ext>
     </p:extLst>
   </p:cSld>
@@ -5894,79 +5688,179 @@
         </p:spPr>
         <p:txBody>
           <a:bodyPr>
-            <a:normAutofit/>
+            <a:normAutofit fontScale="92500" lnSpcReduction="10000"/>
           </a:bodyPr>
           <a:lstStyle/>
           <a:p>
             <a:pPr algn="l"/>
             <a:r>
               <a:rPr lang="en-US" dirty="0" err="1" smtClean="0"/>
+              <a:t>Package.json</a:t>
+            </a:r>
+            <a:r>
+              <a:rPr lang="en-US" dirty="0" smtClean="0"/>
+              <a:t> contents</a:t>
+            </a:r>
+          </a:p>
+          <a:p>
+            <a:pPr marL="342900" indent="-342900" algn="l">
+              <a:buFont typeface="Arial"/>
+              <a:buChar char="•"/>
+            </a:pPr>
+            <a:r>
+              <a:rPr lang="en-US" dirty="0" smtClean="0"/>
+              <a:t>Metadata: name, version, author, </a:t>
+            </a:r>
+            <a:r>
+              <a:rPr lang="en-US" dirty="0" err="1" smtClean="0"/>
+              <a:t>etc</a:t>
+            </a:r>
+            <a:endParaRPr lang="en-US" dirty="0"/>
+          </a:p>
+          <a:p>
+            <a:pPr marL="342900" indent="-342900" algn="l">
+              <a:buFont typeface="Arial"/>
+              <a:buChar char="•"/>
+            </a:pPr>
+            <a:r>
+              <a:rPr lang="en-US" dirty="0" smtClean="0"/>
+              <a:t>Lists </a:t>
+            </a:r>
+            <a:r>
+              <a:rPr lang="en-US" dirty="0"/>
+              <a:t>of packages</a:t>
+            </a:r>
+          </a:p>
+          <a:p>
+            <a:pPr marL="800100" lvl="1" indent="-342900" algn="l">
+              <a:buFont typeface="Arial"/>
+              <a:buChar char="•"/>
+            </a:pPr>
+            <a:r>
+              <a:rPr lang="en-US" dirty="0" smtClean="0"/>
+              <a:t>Name or repo address</a:t>
+            </a:r>
+          </a:p>
+          <a:p>
+            <a:pPr marL="800100" lvl="1" indent="-342900" algn="l">
+              <a:buFont typeface="Arial"/>
+              <a:buChar char="•"/>
+            </a:pPr>
+            <a:r>
+              <a:rPr lang="en-US" dirty="0" smtClean="0"/>
+              <a:t>Version info</a:t>
+            </a:r>
+          </a:p>
+          <a:p>
+            <a:pPr marL="800100" lvl="1" indent="-342900" algn="l">
+              <a:buFont typeface="Arial"/>
+              <a:buChar char="•"/>
+            </a:pPr>
+            <a:r>
+              <a:rPr lang="en-US" dirty="0" smtClean="0"/>
+              <a:t>Dependencies and </a:t>
+            </a:r>
+            <a:r>
+              <a:rPr lang="en-US" dirty="0" err="1" smtClean="0"/>
+              <a:t>dev</a:t>
+            </a:r>
+            <a:r>
+              <a:rPr lang="en-US" dirty="0" smtClean="0"/>
+              <a:t>-dependencies</a:t>
+            </a:r>
+            <a:endParaRPr lang="en-US" dirty="0"/>
+          </a:p>
+          <a:p>
+            <a:pPr marL="342900" indent="-342900" algn="l">
+              <a:buFont typeface="Arial"/>
+              <a:buChar char="•"/>
+            </a:pPr>
+            <a:r>
+              <a:rPr lang="en-US" dirty="0" smtClean="0"/>
+              <a:t>"</a:t>
+            </a:r>
+            <a:r>
+              <a:rPr lang="en-US" dirty="0"/>
+              <a:t>hooks" for installation </a:t>
+            </a:r>
+            <a:r>
+              <a:rPr lang="en-US" dirty="0" smtClean="0"/>
+              <a:t>lifecycle</a:t>
+            </a:r>
+          </a:p>
+          <a:p>
+            <a:pPr marL="800100" lvl="1" indent="-342900" algn="l">
+              <a:buFont typeface="Arial"/>
+              <a:buChar char="•"/>
+            </a:pPr>
+            <a:r>
+              <a:rPr lang="en-US" dirty="0" smtClean="0"/>
+              <a:t>Preinstall, </a:t>
+            </a:r>
+            <a:r>
+              <a:rPr lang="en-US" dirty="0" err="1" smtClean="0"/>
+              <a:t>postinstall</a:t>
+            </a:r>
+            <a:r>
+              <a:rPr lang="en-US" dirty="0" smtClean="0"/>
+              <a:t>, </a:t>
+            </a:r>
+            <a:r>
+              <a:rPr lang="en-US" dirty="0" err="1" smtClean="0"/>
+              <a:t>postuninstall</a:t>
+            </a:r>
+            <a:r>
+              <a:rPr lang="en-US" dirty="0" smtClean="0"/>
+              <a:t>, </a:t>
+            </a:r>
+            <a:r>
+              <a:rPr lang="en-US" dirty="0" err="1" smtClean="0"/>
+              <a:t>etc</a:t>
+            </a:r>
+            <a:endParaRPr lang="en-US" dirty="0"/>
+          </a:p>
+          <a:p>
+            <a:pPr marL="800100" lvl="1" indent="-342900" algn="l">
+              <a:buFont typeface="Arial"/>
+              <a:buChar char="•"/>
+            </a:pPr>
+            <a:r>
+              <a:rPr lang="en-US" dirty="0" smtClean="0"/>
+              <a:t>Custom hooks can drive </a:t>
+            </a:r>
+            <a:r>
+              <a:rPr lang="en-US" dirty="0" err="1" smtClean="0"/>
               <a:t>npm</a:t>
             </a:r>
             <a:r>
               <a:rPr lang="en-US" dirty="0" smtClean="0"/>
-              <a:t> install</a:t>
-            </a:r>
-          </a:p>
-          <a:p>
-            <a:pPr marL="342900" lvl="1" indent="-342900" algn="l">
-              <a:buFont typeface="Arial"/>
-              <a:buChar char="•"/>
-            </a:pPr>
-            <a:r>
-              <a:rPr lang="en-US" dirty="0" smtClean="0"/>
-              <a:t>With no </a:t>
-            </a:r>
-            <a:r>
-              <a:rPr lang="en-US" dirty="0" err="1" smtClean="0"/>
-              <a:t>args</a:t>
-            </a:r>
-            <a:r>
-              <a:rPr lang="en-US" dirty="0" smtClean="0"/>
-              <a:t>, defaults to </a:t>
-            </a:r>
-            <a:r>
-              <a:rPr lang="en-US" dirty="0" err="1" smtClean="0"/>
-              <a:t>package.json</a:t>
-            </a:r>
+              <a:t> as build </a:t>
+            </a:r>
+            <a:r>
+              <a:rPr lang="en-US" dirty="0"/>
+              <a:t>tool / task runner</a:t>
+            </a:r>
+          </a:p>
+          <a:p>
+            <a:pPr marL="342900" indent="-342900" algn="l">
+              <a:buFont typeface="Arial"/>
+              <a:buChar char="•"/>
+            </a:pPr>
             <a:endParaRPr lang="en-US" dirty="0" smtClean="0"/>
           </a:p>
           <a:p>
-            <a:pPr marL="342900" lvl="1" indent="-342900" algn="l">
-              <a:buFont typeface="Arial"/>
-              <a:buChar char="•"/>
-            </a:pPr>
-            <a:r>
-              <a:rPr lang="en-US" dirty="0" smtClean="0"/>
-              <a:t>Installs everything found there</a:t>
-            </a:r>
-          </a:p>
-          <a:p>
-            <a:pPr marL="342900" lvl="1" indent="-342900" algn="l">
-              <a:buFont typeface="Arial"/>
-              <a:buChar char="•"/>
-            </a:pPr>
-            <a:r>
-              <a:rPr lang="en-US" dirty="0" smtClean="0"/>
-              <a:t>Based on NODE_ENV variable</a:t>
-            </a:r>
-          </a:p>
-          <a:p>
-            <a:pPr marL="342900" lvl="1" indent="-342900" algn="l">
-              <a:buFont typeface="Arial"/>
-              <a:buChar char="•"/>
-            </a:pPr>
-            <a:r>
-              <a:rPr lang="en-US" dirty="0" smtClean="0"/>
-              <a:t>(development or production)</a:t>
-            </a:r>
+            <a:pPr marL="342900" indent="-342900" algn="l">
+              <a:buFont typeface="Arial"/>
+              <a:buChar char="•"/>
+            </a:pPr>
+            <a:endParaRPr lang="en-US" dirty="0" smtClean="0"/>
           </a:p>
         </p:txBody>
       </p:sp>
     </p:spTree>
     <p:extLst>
       <p:ext uri="{BB962C8B-B14F-4D97-AF65-F5344CB8AC3E}">
-        <p14:creationId xmlns:p14="http://schemas.microsoft.com/office/powerpoint/2010/main" val="3752917407"/>
+        <p14:creationId xmlns:p14="http://schemas.microsoft.com/office/powerpoint/2010/main" val="1532976699"/>
       </p:ext>
     </p:extLst>
   </p:cSld>
@@ -6046,111 +5940,99 @@
             <a:pPr algn="l"/>
             <a:r>
               <a:rPr lang="en-US" dirty="0" err="1" smtClean="0"/>
+              <a:t>Package.json</a:t>
+            </a:r>
+            <a:r>
+              <a:rPr lang="en-US" dirty="0" smtClean="0"/>
+              <a:t> creation</a:t>
+            </a:r>
+          </a:p>
+          <a:p>
+            <a:pPr marL="342900" indent="-342900" algn="l">
+              <a:buFont typeface="Arial"/>
+              <a:buChar char="•"/>
+            </a:pPr>
+            <a:r>
+              <a:rPr lang="en-US" dirty="0" smtClean="0"/>
+              <a:t>'</a:t>
+            </a:r>
+            <a:r>
+              <a:rPr lang="en-US" dirty="0" err="1" smtClean="0"/>
               <a:t>npm</a:t>
             </a:r>
             <a:r>
               <a:rPr lang="en-US" dirty="0" smtClean="0"/>
-              <a:t> install --global &lt;name&gt;</a:t>
-            </a:r>
-          </a:p>
-          <a:p>
-            <a:pPr marL="342900" lvl="1" indent="-342900" algn="l">
-              <a:buFont typeface="Arial"/>
-              <a:buChar char="•"/>
-            </a:pPr>
-            <a:r>
-              <a:rPr lang="en-US" dirty="0" smtClean="0"/>
-              <a:t>Overrides default location (</a:t>
-            </a:r>
-            <a:r>
-              <a:rPr lang="en-US" dirty="0" err="1" smtClean="0"/>
-              <a:t>node_modules</a:t>
-            </a:r>
-            <a:r>
-              <a:rPr lang="en-US" dirty="0" smtClean="0"/>
-              <a:t>)</a:t>
-            </a:r>
-          </a:p>
-          <a:p>
-            <a:pPr marL="342900" lvl="1" indent="-342900" algn="l">
-              <a:buFont typeface="Arial"/>
-              <a:buChar char="•"/>
-            </a:pPr>
-            <a:r>
-              <a:rPr lang="en-US" dirty="0" smtClean="0"/>
-              <a:t>Installs wherever node is (/</a:t>
-            </a:r>
-            <a:r>
-              <a:rPr lang="en-US" dirty="0" err="1" smtClean="0"/>
-              <a:t>usr</a:t>
-            </a:r>
-            <a:r>
-              <a:rPr lang="en-US" dirty="0" smtClean="0"/>
-              <a:t>/local)</a:t>
-            </a:r>
-          </a:p>
-          <a:p>
-            <a:pPr marL="342900" lvl="1" indent="-342900" algn="l">
-              <a:buFont typeface="Arial"/>
-              <a:buChar char="•"/>
-            </a:pPr>
-            <a:r>
-              <a:rPr lang="en-US" dirty="0" smtClean="0"/>
-              <a:t>Install locally if your project requires it</a:t>
-            </a:r>
-          </a:p>
-          <a:p>
-            <a:pPr marL="342900" lvl="1" indent="-342900" algn="l">
-              <a:buFont typeface="Arial"/>
-              <a:buChar char="•"/>
-            </a:pPr>
-            <a:r>
-              <a:rPr lang="en-US" dirty="0" smtClean="0"/>
-              <a:t>Install globally if run from CLI (</a:t>
-            </a:r>
-            <a:r>
-              <a:rPr lang="en-US" dirty="0" err="1" smtClean="0"/>
-              <a:t>utils</a:t>
-            </a:r>
-            <a:r>
-              <a:rPr lang="en-US" dirty="0" smtClean="0"/>
-              <a:t>)</a:t>
-            </a:r>
-          </a:p>
-          <a:p>
-            <a:pPr marL="342900" lvl="1" indent="-342900" algn="l">
-              <a:buFont typeface="Arial"/>
-              <a:buChar char="•"/>
-            </a:pPr>
-            <a:r>
-              <a:rPr lang="en-US" dirty="0" smtClean="0"/>
-              <a:t>If both, install both, or use </a:t>
-            </a:r>
-            <a:r>
-              <a:rPr lang="en-US" dirty="0" err="1" smtClean="0"/>
-              <a:t>npm</a:t>
-            </a:r>
-            <a:r>
-              <a:rPr lang="en-US" dirty="0" smtClean="0"/>
-              <a:t> link</a:t>
-            </a:r>
-          </a:p>
-          <a:p>
-            <a:pPr marL="342900" lvl="1" indent="-342900" algn="l">
-              <a:buFont typeface="Arial"/>
-              <a:buChar char="•"/>
-            </a:pPr>
-            <a:r>
-              <a:rPr lang="en-US" dirty="0" smtClean="0"/>
-              <a:t>-g short version</a:t>
-            </a:r>
+              <a:t> </a:t>
+            </a:r>
+            <a:r>
+              <a:rPr lang="en-US" dirty="0" err="1" smtClean="0"/>
+              <a:t>init</a:t>
+            </a:r>
+            <a:r>
+              <a:rPr lang="en-US" dirty="0" smtClean="0"/>
+              <a:t>' starts wizard</a:t>
+            </a:r>
+          </a:p>
+          <a:p>
+            <a:pPr marL="342900" indent="-342900" algn="l">
+              <a:buFont typeface="Arial"/>
+              <a:buChar char="•"/>
+            </a:pPr>
+            <a:r>
+              <a:rPr lang="en-US" dirty="0" smtClean="0"/>
+              <a:t>--force to accept all defaults</a:t>
+            </a:r>
+          </a:p>
+          <a:p>
+            <a:pPr marL="342900" indent="-342900" algn="l">
+              <a:buFont typeface="Arial"/>
+              <a:buChar char="•"/>
+            </a:pPr>
+            <a:r>
+              <a:rPr lang="en-US" dirty="0" smtClean="0"/>
+              <a:t>No connection to current state</a:t>
+            </a:r>
+          </a:p>
+          <a:p>
+            <a:pPr marL="800100" lvl="1" indent="-342900" algn="l">
+              <a:buFont typeface="Arial"/>
+              <a:buChar char="•"/>
+            </a:pPr>
+            <a:r>
+              <a:rPr lang="en-US" dirty="0" smtClean="0"/>
+              <a:t>Does not scan installed packages</a:t>
+            </a:r>
+          </a:p>
+          <a:p>
+            <a:pPr marL="800100" lvl="1" indent="-342900" algn="l">
+              <a:buFont typeface="Arial"/>
+              <a:buChar char="•"/>
+            </a:pPr>
+            <a:r>
+              <a:rPr lang="en-US" dirty="0" smtClean="0"/>
+              <a:t>Packages un- or installed later must also be synced</a:t>
+            </a:r>
+          </a:p>
+          <a:p>
+            <a:pPr marL="342900" indent="-342900" algn="l">
+              <a:buFont typeface="Arial"/>
+              <a:buChar char="•"/>
+            </a:pPr>
+            <a:endParaRPr lang="en-US" dirty="0" smtClean="0"/>
+          </a:p>
+          <a:p>
+            <a:pPr marL="342900" indent="-342900" algn="l">
+              <a:buFont typeface="Arial"/>
+              <a:buChar char="•"/>
+            </a:pPr>
+            <a:endParaRPr lang="en-US" dirty="0" smtClean="0"/>
           </a:p>
         </p:txBody>
       </p:sp>
     </p:spTree>
     <p:extLst>
       <p:ext uri="{BB962C8B-B14F-4D97-AF65-F5344CB8AC3E}">
-        <p14:creationId xmlns:p14="http://schemas.microsoft.com/office/powerpoint/2010/main" val="1772899321"/>
+        <p14:creationId xmlns:p14="http://schemas.microsoft.com/office/powerpoint/2010/main" val="732598952"/>
       </p:ext>
     </p:extLst>
   </p:cSld>
@@ -6234,40 +6116,57 @@
             </a:r>
             <a:r>
               <a:rPr lang="en-US" dirty="0" smtClean="0"/>
-              <a:t> uninstall</a:t>
-            </a:r>
-          </a:p>
-          <a:p>
-            <a:pPr marL="342900" lvl="1" indent="-342900" algn="l">
-              <a:buFont typeface="Arial"/>
-              <a:buChar char="•"/>
-            </a:pPr>
-            <a:r>
-              <a:rPr lang="en-US" dirty="0" smtClean="0"/>
-              <a:t>Uninstalls everything </a:t>
-            </a:r>
-            <a:r>
-              <a:rPr lang="en-US" dirty="0" err="1" smtClean="0"/>
-              <a:t>npm</a:t>
-            </a:r>
-            <a:r>
-              <a:rPr lang="en-US" dirty="0" smtClean="0"/>
-              <a:t> installed</a:t>
-            </a:r>
-          </a:p>
-          <a:p>
-            <a:pPr marL="342900" lvl="1" indent="-342900" algn="l">
-              <a:buFont typeface="Arial"/>
-              <a:buChar char="•"/>
-            </a:pPr>
-            <a:r>
-              <a:rPr lang="en-US" dirty="0" smtClean="0"/>
-              <a:t>-S and -D flags also modify </a:t>
-            </a:r>
-            <a:r>
-              <a:rPr lang="en-US" dirty="0" err="1" smtClean="0"/>
-              <a:t>package.json</a:t>
-            </a:r>
+              <a:t> install, generally:</a:t>
+            </a:r>
+          </a:p>
+          <a:p>
+            <a:pPr marL="342900" indent="-342900" algn="l">
+              <a:buFont typeface="Arial"/>
+              <a:buChar char="•"/>
+            </a:pPr>
+            <a:r>
+              <a:rPr lang="en-US" dirty="0" smtClean="0"/>
+              <a:t>Fetches module(s) from repo(s)</a:t>
+            </a:r>
+          </a:p>
+          <a:p>
+            <a:pPr marL="342900" indent="-342900" algn="l">
+              <a:buFont typeface="Arial"/>
+              <a:buChar char="•"/>
+            </a:pPr>
+            <a:r>
+              <a:rPr lang="en-US" dirty="0" smtClean="0"/>
+              <a:t>Fetches recursive dependencies</a:t>
+            </a:r>
+          </a:p>
+          <a:p>
+            <a:pPr marL="342900" indent="-342900" algn="l">
+              <a:buFont typeface="Arial"/>
+              <a:buChar char="•"/>
+            </a:pPr>
+            <a:r>
+              <a:rPr lang="en-US" dirty="0" smtClean="0"/>
+              <a:t>Installs to </a:t>
+            </a:r>
+            <a:r>
+              <a:rPr lang="en-US" dirty="0" err="1" smtClean="0"/>
+              <a:t>node_modules</a:t>
+            </a:r>
+            <a:r>
+              <a:rPr lang="en-US" dirty="0" smtClean="0"/>
+              <a:t> </a:t>
+            </a:r>
+            <a:r>
+              <a:rPr lang="en-US" dirty="0" err="1" smtClean="0"/>
+              <a:t>dir</a:t>
+            </a:r>
+            <a:endParaRPr lang="en-US" dirty="0" smtClean="0"/>
+          </a:p>
+          <a:p>
+            <a:pPr marL="342900" indent="-342900" algn="l">
+              <a:buFont typeface="Arial"/>
+              <a:buChar char="•"/>
+            </a:pPr>
             <a:endParaRPr lang="en-US" dirty="0" smtClean="0"/>
           </a:p>
         </p:txBody>
@@ -6275,7 +6174,7 @@
     </p:spTree>
     <p:extLst>
       <p:ext uri="{BB962C8B-B14F-4D97-AF65-F5344CB8AC3E}">
-        <p14:creationId xmlns:p14="http://schemas.microsoft.com/office/powerpoint/2010/main" val="3719859161"/>
+        <p14:creationId xmlns:p14="http://schemas.microsoft.com/office/powerpoint/2010/main" val="1870917487"/>
       </p:ext>
     </p:extLst>
   </p:cSld>
@@ -6348,7 +6247,7 @@
         </p:spPr>
         <p:txBody>
           <a:bodyPr>
-            <a:normAutofit/>
+            <a:normAutofit fontScale="92500" lnSpcReduction="10000"/>
           </a:bodyPr>
           <a:lstStyle/>
           <a:p>
@@ -6359,86 +6258,142 @@
             </a:r>
             <a:r>
               <a:rPr lang="en-US" dirty="0" smtClean="0"/>
-              <a:t> update [name]</a:t>
-            </a:r>
-          </a:p>
-          <a:p>
-            <a:pPr marL="342900" lvl="1" indent="-342900" algn="l">
-              <a:buFont typeface="Arial"/>
-              <a:buChar char="•"/>
-            </a:pPr>
-            <a:r>
-              <a:rPr lang="en-US" dirty="0" smtClean="0"/>
-              <a:t>Installs if not present</a:t>
-            </a:r>
-          </a:p>
-          <a:p>
-            <a:pPr marL="342900" lvl="1" indent="-342900" algn="l">
-              <a:buFont typeface="Arial"/>
-              <a:buChar char="•"/>
-            </a:pPr>
-            <a:r>
-              <a:rPr lang="en-US" dirty="0" smtClean="0"/>
-              <a:t>Else, gets latest possible version(s)</a:t>
-            </a:r>
-          </a:p>
-          <a:p>
-            <a:pPr marL="342900" lvl="1" indent="-342900" algn="l">
-              <a:buFont typeface="Arial"/>
-              <a:buChar char="•"/>
-            </a:pPr>
-            <a:r>
-              <a:rPr lang="en-US" dirty="0" smtClean="0"/>
-              <a:t>Just one </a:t>
-            </a:r>
-            <a:r>
-              <a:rPr lang="en-US" dirty="0" err="1" smtClean="0"/>
-              <a:t>pkg</a:t>
-            </a:r>
-            <a:r>
-              <a:rPr lang="en-US" dirty="0" smtClean="0"/>
-              <a:t> or all (optional name </a:t>
-            </a:r>
-            <a:r>
-              <a:rPr lang="en-US" dirty="0" err="1" smtClean="0"/>
-              <a:t>arg</a:t>
-            </a:r>
-            <a:r>
-              <a:rPr lang="en-US" dirty="0" smtClean="0"/>
-              <a:t>)</a:t>
-            </a:r>
-          </a:p>
-          <a:p>
-            <a:pPr marL="342900" lvl="1" indent="-342900" algn="l">
-              <a:buFont typeface="Arial"/>
-              <a:buChar char="•"/>
-            </a:pPr>
-            <a:r>
-              <a:rPr lang="en-US" dirty="0" smtClean="0"/>
-              <a:t>'Possible' as defined by </a:t>
-            </a:r>
-            <a:r>
-              <a:rPr lang="en-US" dirty="0" err="1" smtClean="0"/>
-              <a:t>semver</a:t>
+              <a:t> install &lt;name&gt;</a:t>
+            </a:r>
+          </a:p>
+          <a:p>
+            <a:pPr marL="342900" indent="-342900" algn="l">
+              <a:buFont typeface="Arial"/>
+              <a:buChar char="•"/>
+            </a:pPr>
+            <a:r>
+              <a:rPr lang="en-US" dirty="0" smtClean="0"/>
+              <a:t>Checks if &lt;name&gt; exists</a:t>
+            </a:r>
+          </a:p>
+          <a:p>
+            <a:pPr marL="342900" indent="-342900" algn="l">
+              <a:buFont typeface="Arial"/>
+              <a:buChar char="•"/>
+            </a:pPr>
+            <a:r>
+              <a:rPr lang="en-US" dirty="0" smtClean="0"/>
+              <a:t>If not, fetches and saves locally</a:t>
+            </a:r>
+          </a:p>
+          <a:p>
+            <a:pPr marL="342900" indent="-342900" algn="l">
+              <a:buFont typeface="Arial"/>
+              <a:buChar char="•"/>
+            </a:pPr>
+            <a:r>
+              <a:rPr lang="en-US" dirty="0" smtClean="0"/>
+              <a:t>Default location: </a:t>
+            </a:r>
+            <a:r>
+              <a:rPr lang="en-US" dirty="0" err="1" smtClean="0"/>
+              <a:t>node_modules</a:t>
             </a:r>
             <a:endParaRPr lang="en-US" dirty="0" smtClean="0"/>
           </a:p>
           <a:p>
-            <a:pPr marL="342900" lvl="1" indent="-342900" algn="l">
-              <a:buFont typeface="Arial"/>
-              <a:buChar char="•"/>
-            </a:pPr>
-            <a:r>
-              <a:rPr lang="en-US" dirty="0" smtClean="0"/>
-              <a:t>And other packages' requirements</a:t>
-            </a:r>
+            <a:pPr marL="342900" indent="-342900" algn="l">
+              <a:buFont typeface="Arial"/>
+              <a:buChar char="•"/>
+            </a:pPr>
+            <a:r>
+              <a:rPr lang="en-US" dirty="0" smtClean="0"/>
+              <a:t>Project root</a:t>
+            </a:r>
+          </a:p>
+          <a:p>
+            <a:pPr marL="800100" lvl="1" indent="-342900" algn="l">
+              <a:buFont typeface="Arial"/>
+              <a:buChar char="•"/>
+            </a:pPr>
+            <a:r>
+              <a:rPr lang="en-US" dirty="0" smtClean="0"/>
+              <a:t>Looks up tree for </a:t>
+            </a:r>
+            <a:r>
+              <a:rPr lang="en-US" dirty="0" err="1" smtClean="0"/>
+              <a:t>package.json</a:t>
+            </a:r>
+            <a:r>
+              <a:rPr lang="en-US" dirty="0" smtClean="0"/>
+              <a:t> or </a:t>
+            </a:r>
+            <a:r>
+              <a:rPr lang="en-US" dirty="0" err="1" smtClean="0"/>
+              <a:t>node_modules</a:t>
+            </a:r>
+            <a:r>
+              <a:rPr lang="en-US" dirty="0" smtClean="0"/>
+              <a:t> </a:t>
+            </a:r>
+            <a:r>
+              <a:rPr lang="en-US" dirty="0" err="1" smtClean="0"/>
+              <a:t>dir</a:t>
+            </a:r>
+            <a:endParaRPr lang="en-US" dirty="0" smtClean="0"/>
+          </a:p>
+          <a:p>
+            <a:pPr marL="800100" lvl="1" indent="-342900" algn="l">
+              <a:buFont typeface="Arial"/>
+              <a:buChar char="•"/>
+            </a:pPr>
+            <a:r>
+              <a:rPr lang="en-US" dirty="0" smtClean="0"/>
+              <a:t>Uses that </a:t>
+            </a:r>
+            <a:r>
+              <a:rPr lang="en-US" dirty="0" err="1" smtClean="0"/>
+              <a:t>dir</a:t>
+            </a:r>
+            <a:r>
+              <a:rPr lang="en-US" dirty="0" smtClean="0"/>
+              <a:t> as root – run command anywhere underneath</a:t>
+            </a:r>
+          </a:p>
+          <a:p>
+            <a:pPr marL="342900" indent="-342900" algn="l">
+              <a:buFont typeface="Arial"/>
+              <a:buChar char="•"/>
+            </a:pPr>
+            <a:r>
+              <a:rPr lang="en-US" dirty="0" smtClean="0"/>
+              <a:t>'</a:t>
+            </a:r>
+            <a:r>
+              <a:rPr lang="en-US" dirty="0" err="1" smtClean="0"/>
+              <a:t>npm</a:t>
+            </a:r>
+            <a:r>
+              <a:rPr lang="en-US" dirty="0" smtClean="0"/>
+              <a:t> </a:t>
+            </a:r>
+            <a:r>
+              <a:rPr lang="en-US" dirty="0" err="1" smtClean="0"/>
+              <a:t>i</a:t>
+            </a:r>
+            <a:r>
+              <a:rPr lang="en-US" dirty="0" smtClean="0"/>
+              <a:t>' short version</a:t>
+            </a:r>
+          </a:p>
+          <a:p>
+            <a:pPr marL="342900" indent="-342900" algn="l">
+              <a:buFont typeface="Arial"/>
+              <a:buChar char="•"/>
+            </a:pPr>
+            <a:endParaRPr lang="en-US" dirty="0" smtClean="0"/>
           </a:p>
         </p:txBody>
       </p:sp>
     </p:spTree>
     <p:extLst>
       <p:ext uri="{BB962C8B-B14F-4D97-AF65-F5344CB8AC3E}">
-        <p14:creationId xmlns:p14="http://schemas.microsoft.com/office/powerpoint/2010/main" val="3030563720"/>
+        <p14:creationId xmlns:p14="http://schemas.microsoft.com/office/powerpoint/2010/main" val="1044463551"/>
       </p:ext>
     </p:extLst>
   </p:cSld>
@@ -6522,35 +6477,52 @@
             </a:r>
             <a:r>
               <a:rPr lang="en-US" dirty="0" smtClean="0"/>
-              <a:t> link</a:t>
-            </a:r>
-          </a:p>
-          <a:p>
-            <a:pPr marL="342900" lvl="1" indent="-342900" algn="l">
-              <a:buFont typeface="Arial"/>
-              <a:buChar char="•"/>
-            </a:pPr>
-            <a:r>
-              <a:rPr lang="en-US" dirty="0" smtClean="0"/>
-              <a:t>Built-in </a:t>
-            </a:r>
-            <a:r>
-              <a:rPr lang="en-US" dirty="0" err="1" smtClean="0"/>
-              <a:t>symlink</a:t>
-            </a:r>
-            <a:r>
-              <a:rPr lang="en-US" dirty="0" smtClean="0"/>
-              <a:t> tool</a:t>
-            </a:r>
-          </a:p>
-          <a:p>
-            <a:pPr marL="342900" lvl="1" indent="-342900" algn="l">
-              <a:buFont typeface="Arial"/>
-              <a:buChar char="•"/>
-            </a:pPr>
-            <a:r>
-              <a:rPr lang="en-US" dirty="0" smtClean="0"/>
-              <a:t>Most useful when doing local </a:t>
+              <a:t> install --save &lt;name&gt;</a:t>
+            </a:r>
+          </a:p>
+          <a:p>
+            <a:pPr marL="342900" indent="-342900" algn="l">
+              <a:buFont typeface="Arial"/>
+              <a:buChar char="•"/>
+            </a:pPr>
+            <a:r>
+              <a:rPr lang="en-US" dirty="0" smtClean="0"/>
+              <a:t>Installs, and then writes to </a:t>
+            </a:r>
+            <a:r>
+              <a:rPr lang="en-US" dirty="0" err="1" smtClean="0"/>
+              <a:t>package.json</a:t>
+            </a:r>
+            <a:endParaRPr lang="en-US" dirty="0" smtClean="0"/>
+          </a:p>
+          <a:p>
+            <a:pPr marL="342900" indent="-342900" algn="l">
+              <a:buFont typeface="Arial"/>
+              <a:buChar char="•"/>
+            </a:pPr>
+            <a:r>
+              <a:rPr lang="en-US" dirty="0" smtClean="0"/>
+              <a:t>Also </a:t>
+            </a:r>
+          </a:p>
+          <a:p>
+            <a:pPr marL="800100" lvl="1" indent="-342900" algn="l">
+              <a:buFont typeface="Arial"/>
+              <a:buChar char="•"/>
+            </a:pPr>
+            <a:r>
+              <a:rPr lang="en-US" dirty="0" smtClean="0"/>
+              <a:t>-S short version</a:t>
+            </a:r>
+          </a:p>
+          <a:p>
+            <a:pPr marL="800100" lvl="1" indent="-342900" algn="l">
+              <a:buFont typeface="Arial"/>
+              <a:buChar char="•"/>
+            </a:pPr>
+            <a:r>
+              <a:rPr lang="en-US" dirty="0" smtClean="0"/>
+              <a:t>--save-</a:t>
             </a:r>
             <a:r>
               <a:rPr lang="en-US" dirty="0" err="1" smtClean="0"/>
@@ -6558,17 +6530,25 @@
             </a:r>
             <a:r>
               <a:rPr lang="en-US" dirty="0" smtClean="0"/>
-              <a:t> on a module for later publishing</a:t>
-            </a:r>
-          </a:p>
-          <a:p>
-            <a:pPr marL="342900" lvl="1" indent="-342900" algn="l">
-              <a:buFont typeface="Arial"/>
-              <a:buChar char="•"/>
-            </a:pPr>
-            <a:r>
-              <a:rPr lang="en-US" dirty="0" smtClean="0"/>
-              <a:t>Or include one package under another without reinstalling</a:t>
+              <a:t> for </a:t>
+            </a:r>
+            <a:r>
+              <a:rPr lang="en-US" dirty="0" err="1" smtClean="0"/>
+              <a:t>dev</a:t>
+            </a:r>
+            <a:r>
+              <a:rPr lang="en-US" dirty="0" smtClean="0"/>
+              <a:t>-dependencies (-D)</a:t>
+            </a:r>
+          </a:p>
+          <a:p>
+            <a:pPr marL="800100" lvl="1" indent="-342900" algn="l">
+              <a:buFont typeface="Arial"/>
+              <a:buChar char="•"/>
+            </a:pPr>
+            <a:r>
+              <a:rPr lang="en-US" dirty="0" smtClean="0"/>
+              <a:t>--save-exact to pin version</a:t>
             </a:r>
           </a:p>
         </p:txBody>
@@ -6576,7 +6556,7 @@
     </p:spTree>
     <p:extLst>
       <p:ext uri="{BB962C8B-B14F-4D97-AF65-F5344CB8AC3E}">
-        <p14:creationId xmlns:p14="http://schemas.microsoft.com/office/powerpoint/2010/main" val="3100954694"/>
+        <p14:creationId xmlns:p14="http://schemas.microsoft.com/office/powerpoint/2010/main" val="3155300736"/>
       </p:ext>
     </p:extLst>
   </p:cSld>
@@ -6761,69 +6741,63 @@
             </a:r>
             <a:r>
               <a:rPr lang="en-US" dirty="0" smtClean="0"/>
-              <a:t> settings come from:</a:t>
-            </a:r>
-          </a:p>
-          <a:p>
-            <a:pPr marL="342900" lvl="1" indent="-342900" algn="l">
-              <a:buFont typeface="Arial"/>
-              <a:buChar char="•"/>
-            </a:pPr>
-            <a:r>
-              <a:rPr lang="en-US" dirty="0"/>
-              <a:t>command </a:t>
-            </a:r>
-            <a:r>
-              <a:rPr lang="en-US" dirty="0" smtClean="0"/>
-              <a:t>line</a:t>
-            </a:r>
-            <a:endParaRPr lang="en-US" dirty="0"/>
-          </a:p>
-          <a:p>
-            <a:pPr marL="342900" lvl="1" indent="-342900" algn="l">
-              <a:buFont typeface="Arial"/>
-              <a:buChar char="•"/>
-            </a:pPr>
-            <a:r>
-              <a:rPr lang="en-US" dirty="0" smtClean="0"/>
-              <a:t>environment variables</a:t>
-            </a:r>
-          </a:p>
-          <a:p>
-            <a:pPr marL="342900" lvl="1" indent="-342900" algn="l">
-              <a:buFont typeface="Arial"/>
-              <a:buChar char="•"/>
-            </a:pPr>
-            <a:r>
-              <a:rPr lang="en-US" dirty="0" smtClean="0"/>
-              <a:t>.</a:t>
-            </a:r>
-            <a:r>
-              <a:rPr lang="en-US" dirty="0" err="1" smtClean="0"/>
-              <a:t>npmrc</a:t>
-            </a:r>
-            <a:r>
-              <a:rPr lang="en-US" dirty="0" smtClean="0"/>
-              <a:t> file</a:t>
-            </a:r>
-          </a:p>
-          <a:p>
-            <a:pPr marL="342900" lvl="1" indent="-342900" algn="l">
-              <a:buFont typeface="Arial"/>
-              <a:buChar char="•"/>
-            </a:pPr>
-            <a:r>
-              <a:rPr lang="en-US" dirty="0" err="1" smtClean="0"/>
-              <a:t>package.json</a:t>
-            </a:r>
-            <a:endParaRPr lang="en-US" dirty="0" smtClean="0"/>
+              <a:t> install &lt;name&gt;@&lt;tag&gt;</a:t>
+            </a:r>
+          </a:p>
+          <a:p>
+            <a:pPr marL="342900" indent="-342900" algn="l">
+              <a:buFont typeface="Arial"/>
+              <a:buChar char="•"/>
+            </a:pPr>
+            <a:r>
+              <a:rPr lang="en-US" dirty="0" smtClean="0"/>
+              <a:t>&lt;tag&gt; may be</a:t>
+            </a:r>
+          </a:p>
+          <a:p>
+            <a:pPr marL="800100" lvl="1" indent="-342900" algn="l">
+              <a:buFont typeface="Arial"/>
+              <a:buChar char="•"/>
+            </a:pPr>
+            <a:r>
+              <a:rPr lang="en-US" dirty="0" smtClean="0"/>
+              <a:t>A </a:t>
+            </a:r>
+            <a:r>
+              <a:rPr lang="en-US" dirty="0" err="1" smtClean="0"/>
+              <a:t>git</a:t>
+            </a:r>
+            <a:r>
+              <a:rPr lang="en-US" dirty="0" smtClean="0"/>
+              <a:t> tag</a:t>
+            </a:r>
+          </a:p>
+          <a:p>
+            <a:pPr marL="800100" lvl="1" indent="-342900" algn="l">
+              <a:buFont typeface="Arial"/>
+              <a:buChar char="•"/>
+            </a:pPr>
+            <a:r>
+              <a:rPr lang="en-US" dirty="0" smtClean="0"/>
+              <a:t>Version number</a:t>
+            </a:r>
+          </a:p>
+          <a:p>
+            <a:pPr marL="800100" lvl="1" indent="-342900" algn="l">
+              <a:buFont typeface="Arial"/>
+              <a:buChar char="•"/>
+            </a:pPr>
+            <a:r>
+              <a:rPr lang="en-US" dirty="0" smtClean="0"/>
+              <a:t>Version range</a:t>
+            </a:r>
           </a:p>
         </p:txBody>
       </p:sp>
     </p:spTree>
     <p:extLst>
       <p:ext uri="{BB962C8B-B14F-4D97-AF65-F5344CB8AC3E}">
-        <p14:creationId xmlns:p14="http://schemas.microsoft.com/office/powerpoint/2010/main" val="3792337774"/>
+        <p14:creationId xmlns:p14="http://schemas.microsoft.com/office/powerpoint/2010/main" val="2656399053"/>
       </p:ext>
     </p:extLst>
   </p:cSld>
@@ -6907,132 +6881,121 @@
             </a:r>
             <a:r>
               <a:rPr lang="en-US" dirty="0" smtClean="0"/>
-              <a:t> </a:t>
-            </a:r>
-            <a:r>
-              <a:rPr lang="en-US" dirty="0" err="1" smtClean="0"/>
-              <a:t>config</a:t>
-            </a:r>
+              <a:t> install &lt;name&gt;@&lt;tag&gt;</a:t>
+            </a:r>
+          </a:p>
+          <a:p>
+            <a:pPr marL="342900" lvl="1" indent="-342900" algn="l">
+              <a:buFont typeface="Arial"/>
+              <a:buChar char="•"/>
+            </a:pPr>
+            <a:r>
+              <a:rPr lang="en-US" dirty="0" smtClean="0"/>
+              <a:t>Version range === '</a:t>
+            </a:r>
+            <a:r>
+              <a:rPr lang="en-US" dirty="0" err="1" smtClean="0"/>
+              <a:t>semver</a:t>
+            </a:r>
+            <a:r>
+              <a:rPr lang="en-US" dirty="0" smtClean="0"/>
+              <a:t>'</a:t>
+            </a:r>
+          </a:p>
+          <a:p>
+            <a:pPr marL="800100" lvl="2" indent="-342900" algn="l">
+              <a:buFont typeface="Arial"/>
+              <a:buChar char="•"/>
+            </a:pPr>
+            <a:r>
+              <a:rPr lang="en-US" dirty="0" err="1" smtClean="0"/>
+              <a:t>major.minor.patch</a:t>
+            </a:r>
+            <a:r>
+              <a:rPr lang="en-US" dirty="0" smtClean="0"/>
+              <a:t>, </a:t>
+            </a:r>
+            <a:r>
+              <a:rPr lang="en-US" dirty="0" err="1" smtClean="0"/>
+              <a:t>eg</a:t>
+            </a:r>
+            <a:r>
+              <a:rPr lang="en-US" dirty="0" smtClean="0"/>
+              <a:t> 1.2.7</a:t>
+            </a:r>
+          </a:p>
+          <a:p>
+            <a:pPr marL="800100" lvl="2" indent="-342900" algn="l">
+              <a:buFont typeface="Arial"/>
+              <a:buChar char="•"/>
+            </a:pPr>
+            <a:r>
+              <a:rPr lang="en-US" dirty="0" smtClean="0"/>
+              <a:t>Comparison operators: </a:t>
+            </a:r>
+            <a:r>
+              <a:rPr lang="en-US" dirty="0"/>
+              <a:t>&gt;/&lt;/</a:t>
+            </a:r>
+            <a:r>
+              <a:rPr lang="en-US" dirty="0" smtClean="0"/>
+              <a:t>=/&gt;=/&lt;=</a:t>
+            </a:r>
+          </a:p>
+          <a:p>
+            <a:pPr marL="800100" lvl="2" indent="-342900" algn="l">
+              <a:buFont typeface="Arial"/>
+              <a:buChar char="•"/>
+            </a:pPr>
+            <a:r>
+              <a:rPr lang="en-US" dirty="0" smtClean="0"/>
+              <a:t>* works as expected: 1.2.*</a:t>
+            </a:r>
+          </a:p>
+          <a:p>
+            <a:pPr marL="800100" lvl="2" indent="-342900" algn="l">
+              <a:buFont typeface="Arial"/>
+              <a:buChar char="•"/>
+            </a:pPr>
+            <a:r>
+              <a:rPr lang="en-US" dirty="0" smtClean="0"/>
+              <a:t>'x' same as *: 1.2.x </a:t>
+            </a:r>
+          </a:p>
+          <a:p>
+            <a:pPr marL="800100" lvl="2" indent="-342900" algn="l">
+              <a:buFont typeface="Arial"/>
+              <a:buChar char="•"/>
+            </a:pPr>
+            <a:r>
+              <a:rPr lang="en-US" dirty="0" smtClean="0"/>
+              <a:t>~ prefix same as *: ~1.2</a:t>
+            </a:r>
+          </a:p>
+          <a:p>
+            <a:pPr marL="800100" lvl="2" indent="-342900" algn="l">
+              <a:buFont typeface="Arial"/>
+              <a:buChar char="•"/>
+            </a:pPr>
+            <a:r>
+              <a:rPr lang="en-US" dirty="0" smtClean="0"/>
+              <a:t>^ prefix means 'up to': ^1.2.3 allows .3-.9, but not 1.3.x. ^1.2 allows 1.2-1.9</a:t>
+            </a:r>
+            <a:endParaRPr lang="en-US" dirty="0"/>
+          </a:p>
+          <a:p>
+            <a:pPr marL="342900" indent="-342900" algn="l">
+              <a:buFont typeface="Arial"/>
+              <a:buChar char="•"/>
+            </a:pPr>
             <a:endParaRPr lang="en-US" dirty="0" smtClean="0"/>
-          </a:p>
-          <a:p>
-            <a:pPr marL="342900" lvl="1" indent="-342900" algn="l">
-              <a:buFont typeface="Arial"/>
-              <a:buChar char="•"/>
-            </a:pPr>
-            <a:r>
-              <a:rPr lang="en-US" dirty="0" err="1"/>
-              <a:t>npm</a:t>
-            </a:r>
-            <a:r>
-              <a:rPr lang="en-US" dirty="0"/>
-              <a:t> </a:t>
-            </a:r>
-            <a:r>
-              <a:rPr lang="en-US" dirty="0" err="1"/>
-              <a:t>config</a:t>
-            </a:r>
-            <a:r>
-              <a:rPr lang="en-US" dirty="0"/>
-              <a:t> set </a:t>
-            </a:r>
-            <a:r>
-              <a:rPr lang="en-US" dirty="0" smtClean="0"/>
-              <a:t>&lt;key&gt; &lt;[</a:t>
-            </a:r>
-            <a:r>
-              <a:rPr lang="en-US" dirty="0" err="1" smtClean="0"/>
-              <a:t>value:true</a:t>
-            </a:r>
-            <a:r>
-              <a:rPr lang="en-US" dirty="0" smtClean="0"/>
-              <a:t>]&gt;</a:t>
-            </a:r>
-          </a:p>
-          <a:p>
-            <a:pPr marL="342900" lvl="1" indent="-342900" algn="l">
-              <a:buFont typeface="Arial"/>
-              <a:buChar char="•"/>
-            </a:pPr>
-            <a:r>
-              <a:rPr lang="en-US" dirty="0" smtClean="0"/>
-              <a:t>Also get, list, delete</a:t>
-            </a:r>
-          </a:p>
-          <a:p>
-            <a:pPr marL="342900" lvl="1" indent="-342900" algn="l">
-              <a:buFont typeface="Arial"/>
-              <a:buChar char="•"/>
-            </a:pPr>
-            <a:r>
-              <a:rPr lang="en-US" dirty="0" smtClean="0"/>
-              <a:t>'edit' opens </a:t>
-            </a:r>
-            <a:r>
-              <a:rPr lang="en-US" dirty="0" err="1" smtClean="0"/>
-              <a:t>config</a:t>
-            </a:r>
-            <a:r>
-              <a:rPr lang="en-US" dirty="0" smtClean="0"/>
-              <a:t> file in editor</a:t>
-            </a:r>
-          </a:p>
-          <a:p>
-            <a:pPr marL="342900" lvl="1" indent="-342900" algn="l">
-              <a:buFont typeface="Arial"/>
-              <a:buChar char="•"/>
-            </a:pPr>
-            <a:r>
-              <a:rPr lang="en-US" dirty="0" smtClean="0"/>
-              <a:t>Also --global </a:t>
-            </a:r>
-          </a:p>
-          <a:p>
-            <a:pPr marL="342900" lvl="1" indent="-342900" algn="l">
-              <a:buFont typeface="Arial"/>
-              <a:buChar char="•"/>
-            </a:pPr>
-            <a:r>
-              <a:rPr lang="en-US" dirty="0" smtClean="0"/>
-              <a:t>Set </a:t>
-            </a:r>
-          </a:p>
-          <a:p>
-            <a:pPr marL="800100" lvl="2" indent="-342900" algn="l">
-              <a:buFont typeface="Arial"/>
-              <a:buChar char="•"/>
-            </a:pPr>
-            <a:r>
-              <a:rPr lang="en-US" dirty="0" smtClean="0"/>
-              <a:t>Author name</a:t>
-            </a:r>
-          </a:p>
-          <a:p>
-            <a:pPr marL="800100" lvl="2" indent="-342900" algn="l">
-              <a:buFont typeface="Arial"/>
-              <a:buChar char="•"/>
-            </a:pPr>
-            <a:r>
-              <a:rPr lang="en-US" dirty="0" smtClean="0"/>
-              <a:t>Email</a:t>
-            </a:r>
-          </a:p>
-          <a:p>
-            <a:pPr marL="800100" lvl="2" indent="-342900" algn="l">
-              <a:buFont typeface="Arial"/>
-              <a:buChar char="•"/>
-            </a:pPr>
-            <a:r>
-              <a:rPr lang="en-US" dirty="0" smtClean="0"/>
-              <a:t>Proxy server (maybe)</a:t>
-            </a:r>
           </a:p>
         </p:txBody>
       </p:sp>
     </p:spTree>
     <p:extLst>
       <p:ext uri="{BB962C8B-B14F-4D97-AF65-F5344CB8AC3E}">
-        <p14:creationId xmlns:p14="http://schemas.microsoft.com/office/powerpoint/2010/main" val="3868869233"/>
+        <p14:creationId xmlns:p14="http://schemas.microsoft.com/office/powerpoint/2010/main" val="3723432946"/>
       </p:ext>
     </p:extLst>
   </p:cSld>
@@ -7105,26 +7068,18 @@
         </p:spPr>
         <p:txBody>
           <a:bodyPr>
-            <a:normAutofit lnSpcReduction="10000"/>
+            <a:normAutofit/>
           </a:bodyPr>
           <a:lstStyle/>
           <a:p>
             <a:pPr algn="l"/>
             <a:r>
               <a:rPr lang="en-US" dirty="0" err="1" smtClean="0"/>
-              <a:t>Npm</a:t>
-            </a:r>
-            <a:r>
-              <a:rPr lang="en-US" dirty="0" smtClean="0"/>
-              <a:t> without </a:t>
-            </a:r>
-            <a:r>
-              <a:rPr lang="en-US" dirty="0" err="1" smtClean="0"/>
-              <a:t>sudo</a:t>
-            </a:r>
-            <a:r>
-              <a:rPr lang="en-US" dirty="0" smtClean="0"/>
-              <a:t> on *nix</a:t>
+              <a:t>npm</a:t>
+            </a:r>
+            <a:r>
+              <a:rPr lang="en-US" dirty="0" smtClean="0"/>
+              <a:t> install</a:t>
             </a:r>
           </a:p>
           <a:p>
@@ -7133,29 +7088,22 @@
               <a:buChar char="•"/>
             </a:pPr>
             <a:r>
-              <a:rPr lang="en-US" dirty="0" err="1" smtClean="0"/>
-              <a:t>npm</a:t>
-            </a:r>
-            <a:r>
-              <a:rPr lang="en-US" dirty="0" smtClean="0"/>
-              <a:t> global </a:t>
-            </a:r>
-            <a:r>
-              <a:rPr lang="en-US" dirty="0" err="1" smtClean="0"/>
-              <a:t>dir</a:t>
-            </a:r>
-            <a:r>
-              <a:rPr lang="en-US" dirty="0" smtClean="0"/>
-              <a:t> defaults to /</a:t>
-            </a:r>
-            <a:r>
-              <a:rPr lang="en-US" dirty="0" err="1" smtClean="0"/>
-              <a:t>usr</a:t>
-            </a:r>
-            <a:r>
-              <a:rPr lang="en-US" dirty="0" smtClean="0"/>
-              <a:t>/local</a:t>
-            </a:r>
+              <a:rPr lang="en-US" dirty="0" smtClean="0"/>
+              <a:t>With no </a:t>
+            </a:r>
+            <a:r>
+              <a:rPr lang="en-US" dirty="0" err="1" smtClean="0"/>
+              <a:t>args</a:t>
+            </a:r>
+            <a:r>
+              <a:rPr lang="en-US" dirty="0" smtClean="0"/>
+              <a:t>, defaults to </a:t>
+            </a:r>
+            <a:r>
+              <a:rPr lang="en-US" dirty="0" err="1" smtClean="0"/>
+              <a:t>package.json</a:t>
+            </a:r>
+            <a:endParaRPr lang="en-US" dirty="0" smtClean="0"/>
           </a:p>
           <a:p>
             <a:pPr marL="342900" lvl="1" indent="-342900" algn="l">
@@ -7164,21 +7112,8 @@
             </a:pPr>
             <a:r>
               <a:rPr lang="en-US" dirty="0" smtClean="0"/>
-              <a:t>System owns that </a:t>
-            </a:r>
-            <a:r>
-              <a:rPr lang="en-US" dirty="0" err="1" smtClean="0"/>
-              <a:t>dir</a:t>
-            </a:r>
-            <a:r>
-              <a:rPr lang="en-US" dirty="0" smtClean="0"/>
-              <a:t> so must use </a:t>
-            </a:r>
-            <a:r>
-              <a:rPr lang="en-US" dirty="0" err="1" smtClean="0"/>
-              <a:t>sudo</a:t>
-            </a:r>
-            <a:endParaRPr lang="en-US" dirty="0" smtClean="0"/>
+              <a:t>Installs everything found there</a:t>
+            </a:r>
           </a:p>
           <a:p>
             <a:pPr marL="342900" lvl="1" indent="-342900" algn="l">
@@ -7187,15 +7122,7 @@
             </a:pPr>
             <a:r>
               <a:rPr lang="en-US" dirty="0" smtClean="0"/>
-              <a:t>Installing packages using </a:t>
-            </a:r>
-            <a:r>
-              <a:rPr lang="en-US" dirty="0" err="1" smtClean="0"/>
-              <a:t>sudo</a:t>
-            </a:r>
-            <a:r>
-              <a:rPr lang="en-US" dirty="0" smtClean="0"/>
-              <a:t> not okay</a:t>
+              <a:t>Based on NODE_ENV variable</a:t>
             </a:r>
           </a:p>
           <a:p>
@@ -7205,95 +7132,15 @@
             </a:pPr>
             <a:r>
               <a:rPr lang="en-US" dirty="0" smtClean="0"/>
-              <a:t>Create new </a:t>
-            </a:r>
-            <a:r>
-              <a:rPr lang="en-US" dirty="0" err="1" smtClean="0"/>
-              <a:t>dir</a:t>
-            </a:r>
-            <a:endParaRPr lang="en-US" dirty="0" smtClean="0"/>
-          </a:p>
-          <a:p>
-            <a:pPr marL="342900" lvl="1" indent="-342900" algn="l">
-              <a:buFont typeface="Arial"/>
-              <a:buChar char="•"/>
-            </a:pPr>
-            <a:r>
-              <a:rPr lang="en-US" dirty="0" smtClean="0"/>
-              <a:t>Add to .</a:t>
-            </a:r>
-            <a:r>
-              <a:rPr lang="en-US" dirty="0" err="1" smtClean="0"/>
-              <a:t>npmrc</a:t>
-            </a:r>
-            <a:r>
-              <a:rPr lang="en-US" dirty="0" smtClean="0"/>
-              <a:t> as 'prefix'</a:t>
-            </a:r>
-          </a:p>
-          <a:p>
-            <a:pPr marL="342900" lvl="1" indent="-342900" algn="l">
-              <a:buFont typeface="Arial"/>
-              <a:buChar char="•"/>
-            </a:pPr>
-            <a:r>
-              <a:rPr lang="en-US" dirty="0" smtClean="0"/>
-              <a:t>Add to PATH in .</a:t>
-            </a:r>
-            <a:r>
-              <a:rPr lang="en-US" dirty="0" err="1" smtClean="0"/>
-              <a:t>bashrc</a:t>
-            </a:r>
-            <a:r>
-              <a:rPr lang="en-US" dirty="0" smtClean="0"/>
-              <a:t> </a:t>
-            </a:r>
-          </a:p>
-          <a:p>
-            <a:pPr marL="342900" lvl="1" indent="-342900" algn="l">
-              <a:buFont typeface="Arial"/>
-              <a:buChar char="•"/>
-            </a:pPr>
-            <a:r>
-              <a:rPr lang="en-US" dirty="0"/>
-              <a:t>https://</a:t>
-            </a:r>
-            <a:r>
-              <a:rPr lang="en-US" dirty="0" err="1"/>
-              <a:t>github.com</a:t>
-            </a:r>
-            <a:r>
-              <a:rPr lang="en-US" dirty="0"/>
-              <a:t>/</a:t>
-            </a:r>
-            <a:r>
-              <a:rPr lang="en-US" dirty="0" err="1"/>
-              <a:t>sindresorhus</a:t>
-            </a:r>
-            <a:r>
-              <a:rPr lang="en-US" dirty="0"/>
-              <a:t>/guides/blob/master/</a:t>
-            </a:r>
-            <a:r>
-              <a:rPr lang="en-US" dirty="0" err="1"/>
-              <a:t>npm</a:t>
-            </a:r>
-            <a:r>
-              <a:rPr lang="en-US" dirty="0"/>
-              <a:t>-global-without-</a:t>
-            </a:r>
-            <a:r>
-              <a:rPr lang="en-US" dirty="0" err="1"/>
-              <a:t>sudo.md</a:t>
-            </a:r>
-            <a:endParaRPr lang="en-US" dirty="0" smtClean="0"/>
+              <a:t>(development or production)</a:t>
+            </a:r>
           </a:p>
         </p:txBody>
       </p:sp>
     </p:spTree>
     <p:extLst>
       <p:ext uri="{BB962C8B-B14F-4D97-AF65-F5344CB8AC3E}">
-        <p14:creationId xmlns:p14="http://schemas.microsoft.com/office/powerpoint/2010/main" val="1665306885"/>
+        <p14:creationId xmlns:p14="http://schemas.microsoft.com/office/powerpoint/2010/main" val="3752917407"/>
       </p:ext>
     </p:extLst>
   </p:cSld>
@@ -7377,7 +7224,7 @@
             </a:r>
             <a:r>
               <a:rPr lang="en-US" dirty="0" smtClean="0"/>
-              <a:t> cache</a:t>
+              <a:t> install --global &lt;name&gt;</a:t>
             </a:r>
           </a:p>
           <a:p>
@@ -7387,7 +7234,71 @@
             </a:pPr>
             <a:r>
               <a:rPr lang="en-US" dirty="0" smtClean="0"/>
-              <a:t>Location: '</a:t>
+              <a:t>Overrides default location (</a:t>
+            </a:r>
+            <a:r>
+              <a:rPr lang="en-US" dirty="0" err="1" smtClean="0"/>
+              <a:t>node_modules</a:t>
+            </a:r>
+            <a:r>
+              <a:rPr lang="en-US" dirty="0" smtClean="0"/>
+              <a:t>)</a:t>
+            </a:r>
+          </a:p>
+          <a:p>
+            <a:pPr marL="342900" lvl="1" indent="-342900" algn="l">
+              <a:buFont typeface="Arial"/>
+              <a:buChar char="•"/>
+            </a:pPr>
+            <a:r>
+              <a:rPr lang="en-US" dirty="0" smtClean="0"/>
+              <a:t>Installs wherever node is (/</a:t>
+            </a:r>
+            <a:r>
+              <a:rPr lang="en-US" dirty="0" err="1" smtClean="0"/>
+              <a:t>usr</a:t>
+            </a:r>
+            <a:r>
+              <a:rPr lang="en-US" dirty="0" smtClean="0"/>
+              <a:t>/local)</a:t>
+            </a:r>
+          </a:p>
+          <a:p>
+            <a:pPr marL="342900" lvl="1" indent="-342900" algn="l">
+              <a:buFont typeface="Arial"/>
+              <a:buChar char="•"/>
+            </a:pPr>
+            <a:r>
+              <a:rPr lang="en-US" dirty="0" smtClean="0"/>
+              <a:t>Install locally if your project requires it</a:t>
+            </a:r>
+          </a:p>
+          <a:p>
+            <a:pPr marL="342900" lvl="1" indent="-342900" algn="l">
+              <a:buFont typeface="Arial"/>
+              <a:buChar char="•"/>
+            </a:pPr>
+            <a:r>
+              <a:rPr lang="en-US" dirty="0" smtClean="0"/>
+              <a:t>Install globally if run from CLI (</a:t>
+            </a:r>
+            <a:r>
+              <a:rPr lang="en-US" dirty="0" err="1" smtClean="0"/>
+              <a:t>utils</a:t>
+            </a:r>
+            <a:r>
+              <a:rPr lang="en-US" dirty="0" smtClean="0"/>
+              <a:t>)</a:t>
+            </a:r>
+          </a:p>
+          <a:p>
+            <a:pPr marL="342900" lvl="1" indent="-342900" algn="l">
+              <a:buFont typeface="Arial"/>
+              <a:buChar char="•"/>
+            </a:pPr>
+            <a:r>
+              <a:rPr lang="en-US" dirty="0" smtClean="0"/>
+              <a:t>If both, install both, or use </a:t>
             </a:r>
             <a:r>
               <a:rPr lang="en-US" dirty="0" err="1" smtClean="0"/>
@@ -7395,19 +7306,7 @@
             </a:r>
             <a:r>
               <a:rPr lang="en-US" dirty="0" smtClean="0"/>
-              <a:t> </a:t>
-            </a:r>
-            <a:r>
-              <a:rPr lang="en-US" dirty="0" err="1"/>
-              <a:t>config</a:t>
-            </a:r>
-            <a:r>
-              <a:rPr lang="en-US" dirty="0"/>
-              <a:t> </a:t>
-            </a:r>
-            <a:r>
-              <a:rPr lang="en-US" dirty="0" smtClean="0"/>
-              <a:t>get cache'</a:t>
+              <a:t> link</a:t>
             </a:r>
           </a:p>
           <a:p>
@@ -7416,50 +7315,8 @@
               <a:buChar char="•"/>
             </a:pPr>
             <a:r>
-              <a:rPr lang="en-US" dirty="0" err="1" smtClean="0"/>
-              <a:t>npm</a:t>
-            </a:r>
-            <a:r>
-              <a:rPr lang="en-US" dirty="0" smtClean="0"/>
-              <a:t> caches packages like browsers do</a:t>
-            </a:r>
-          </a:p>
-          <a:p>
-            <a:pPr marL="342900" lvl="1" indent="-342900" algn="l">
-              <a:buFont typeface="Arial"/>
-              <a:buChar char="•"/>
-            </a:pPr>
-            <a:r>
-              <a:rPr lang="en-US" dirty="0" smtClean="0"/>
-              <a:t>Normally this is A Good Thing</a:t>
-            </a:r>
-          </a:p>
-          <a:p>
-            <a:pPr marL="342900" lvl="1" indent="-342900" algn="l">
-              <a:buFont typeface="Arial"/>
-              <a:buChar char="•"/>
-            </a:pPr>
-            <a:r>
-              <a:rPr lang="en-US" dirty="0" smtClean="0"/>
-              <a:t>When having weird issues:</a:t>
-            </a:r>
-          </a:p>
-          <a:p>
-            <a:pPr marL="342900" lvl="1" indent="-342900" algn="l">
-              <a:buFont typeface="Arial"/>
-              <a:buChar char="•"/>
-            </a:pPr>
-            <a:r>
-              <a:rPr lang="en-US" dirty="0" smtClean="0"/>
-              <a:t>'</a:t>
-            </a:r>
-            <a:r>
-              <a:rPr lang="en-US" dirty="0" err="1" smtClean="0"/>
-              <a:t>npm</a:t>
-            </a:r>
-            <a:r>
-              <a:rPr lang="en-US" dirty="0" smtClean="0"/>
-              <a:t> cache clean'</a:t>
+              <a:rPr lang="en-US" dirty="0" smtClean="0"/>
+              <a:t>-g short version</a:t>
             </a:r>
           </a:p>
         </p:txBody>
@@ -7467,7 +7324,7 @@
     </p:spTree>
     <p:extLst>
       <p:ext uri="{BB962C8B-B14F-4D97-AF65-F5344CB8AC3E}">
-        <p14:creationId xmlns:p14="http://schemas.microsoft.com/office/powerpoint/2010/main" val="2673864716"/>
+        <p14:creationId xmlns:p14="http://schemas.microsoft.com/office/powerpoint/2010/main" val="1772899321"/>
       </p:ext>
     </p:extLst>
   </p:cSld>
@@ -7516,7 +7373,7 @@
           <a:p>
             <a:r>
               <a:rPr lang="en-US" dirty="0" err="1" smtClean="0"/>
-              <a:t>CommonJS</a:t>
+              <a:t>npm</a:t>
             </a:r>
             <a:endParaRPr lang="en-US" dirty="0"/>
           </a:p>
@@ -7544,13 +7401,32 @@
           </a:bodyPr>
           <a:lstStyle/>
           <a:p>
+            <a:pPr algn="l"/>
+            <a:r>
+              <a:rPr lang="en-US" dirty="0" err="1" smtClean="0"/>
+              <a:t>npm</a:t>
+            </a:r>
+            <a:r>
+              <a:rPr lang="en-US" dirty="0" smtClean="0"/>
+              <a:t> uninstall</a:t>
+            </a:r>
+          </a:p>
+          <a:p>
             <a:pPr marL="342900" lvl="1" indent="-342900" algn="l">
               <a:buFont typeface="Arial"/>
               <a:buChar char="•"/>
             </a:pPr>
             <a:r>
               <a:rPr lang="en-US" dirty="0" smtClean="0"/>
-              <a:t>JS &lt; ES6 has no built in module support</a:t>
+              <a:t>Uninstalls everything </a:t>
+            </a:r>
+            <a:r>
+              <a:rPr lang="en-US" dirty="0" err="1" smtClean="0"/>
+              <a:t>npm</a:t>
+            </a:r>
+            <a:r>
+              <a:rPr lang="en-US" dirty="0" smtClean="0"/>
+              <a:t> installed</a:t>
             </a:r>
           </a:p>
           <a:p>
@@ -7559,80 +7435,21 @@
               <a:buChar char="•"/>
             </a:pPr>
             <a:r>
-              <a:rPr lang="en-US" dirty="0" err="1" smtClean="0"/>
-              <a:t>CommonJS</a:t>
-            </a:r>
-            <a:r>
-              <a:rPr lang="en-US" dirty="0" smtClean="0"/>
-              <a:t> was a project ~2009</a:t>
-            </a:r>
-          </a:p>
-          <a:p>
-            <a:pPr marL="342900" lvl="1" indent="-342900" algn="l">
-              <a:buFont typeface="Arial"/>
-              <a:buChar char="•"/>
-            </a:pPr>
-            <a:r>
-              <a:rPr lang="en-US" dirty="0" smtClean="0"/>
-              <a:t>The working group stalled</a:t>
-            </a:r>
-          </a:p>
-          <a:p>
-            <a:pPr marL="342900" lvl="1" indent="-342900" algn="l">
-              <a:buFont typeface="Arial"/>
-              <a:buChar char="•"/>
-            </a:pPr>
-            <a:r>
-              <a:rPr lang="en-US" dirty="0" smtClean="0"/>
-              <a:t>Client-side users moved on to AMD</a:t>
-            </a:r>
-          </a:p>
-          <a:p>
-            <a:pPr marL="342900" lvl="1" indent="-342900" algn="l">
-              <a:buFont typeface="Arial"/>
-              <a:buChar char="•"/>
-            </a:pPr>
-            <a:r>
-              <a:rPr lang="en-US" dirty="0" smtClean="0"/>
-              <a:t>But </a:t>
-            </a:r>
-            <a:r>
-              <a:rPr lang="en-US" dirty="0" err="1" smtClean="0"/>
-              <a:t>Node.js</a:t>
-            </a:r>
-            <a:r>
-              <a:rPr lang="en-US" dirty="0" smtClean="0"/>
-              <a:t> adopted </a:t>
-            </a:r>
-            <a:r>
-              <a:rPr lang="en-US" dirty="0" err="1" smtClean="0"/>
-              <a:t>CommonJS</a:t>
-            </a:r>
-            <a:r>
-              <a:rPr lang="en-US" dirty="0" smtClean="0"/>
-              <a:t> </a:t>
-            </a:r>
-          </a:p>
-          <a:p>
-            <a:pPr marL="342900" lvl="1" indent="-342900" algn="l">
-              <a:buFont typeface="Arial"/>
-              <a:buChar char="•"/>
-            </a:pPr>
-            <a:r>
-              <a:rPr lang="en-US" dirty="0" err="1" smtClean="0"/>
-              <a:t>Node.js</a:t>
-            </a:r>
-            <a:r>
-              <a:rPr lang="en-US" dirty="0" smtClean="0"/>
-              <a:t> format &amp; CJS are now one and same</a:t>
-            </a:r>
+              <a:rPr lang="en-US" dirty="0" smtClean="0"/>
+              <a:t>-S and -D flags also modify </a:t>
+            </a:r>
+            <a:r>
+              <a:rPr lang="en-US" dirty="0" err="1" smtClean="0"/>
+              <a:t>package.json</a:t>
+            </a:r>
+            <a:endParaRPr lang="en-US" dirty="0" smtClean="0"/>
           </a:p>
         </p:txBody>
       </p:sp>
     </p:spTree>
     <p:extLst>
       <p:ext uri="{BB962C8B-B14F-4D97-AF65-F5344CB8AC3E}">
-        <p14:creationId xmlns:p14="http://schemas.microsoft.com/office/powerpoint/2010/main" val="1066210836"/>
+        <p14:creationId xmlns:p14="http://schemas.microsoft.com/office/powerpoint/2010/main" val="3719859161"/>
       </p:ext>
     </p:extLst>
   </p:cSld>
@@ -7681,7 +7498,7 @@
           <a:p>
             <a:r>
               <a:rPr lang="en-US" dirty="0" err="1" smtClean="0"/>
-              <a:t>CommonJS</a:t>
+              <a:t>npm</a:t>
             </a:r>
             <a:endParaRPr lang="en-US" dirty="0"/>
           </a:p>
@@ -7709,80 +7526,93 @@
           </a:bodyPr>
           <a:lstStyle/>
           <a:p>
+            <a:pPr algn="l"/>
+            <a:r>
+              <a:rPr lang="en-US" dirty="0" err="1" smtClean="0"/>
+              <a:t>npm</a:t>
+            </a:r>
+            <a:r>
+              <a:rPr lang="en-US" dirty="0" smtClean="0"/>
+              <a:t> update [name]</a:t>
+            </a:r>
+          </a:p>
+          <a:p>
             <a:pPr marL="342900" lvl="1" indent="-342900" algn="l">
               <a:buFont typeface="Arial"/>
               <a:buChar char="•"/>
             </a:pPr>
             <a:r>
               <a:rPr lang="en-US" dirty="0" smtClean="0"/>
-              <a:t>Two API functions assumed provided:</a:t>
-            </a:r>
-          </a:p>
-          <a:p>
-            <a:pPr marL="800100" lvl="2" indent="-342900" algn="l">
-              <a:buFont typeface="Arial"/>
-              <a:buChar char="•"/>
-            </a:pPr>
-            <a:r>
-              <a:rPr lang="en-US" dirty="0" smtClean="0"/>
-              <a:t>require - </a:t>
-            </a:r>
-            <a:r>
-              <a:rPr lang="en-US" dirty="0"/>
-              <a:t>loads modules</a:t>
+              <a:t>Installs if not present</a:t>
+            </a:r>
+          </a:p>
+          <a:p>
+            <a:pPr marL="342900" lvl="1" indent="-342900" algn="l">
+              <a:buFont typeface="Arial"/>
+              <a:buChar char="•"/>
+            </a:pPr>
+            <a:r>
+              <a:rPr lang="en-US" dirty="0" smtClean="0"/>
+              <a:t>Else, gets latest possible version(s)</a:t>
+            </a:r>
+          </a:p>
+          <a:p>
+            <a:pPr marL="342900" lvl="1" indent="-342900" algn="l">
+              <a:buFont typeface="Arial"/>
+              <a:buChar char="•"/>
+            </a:pPr>
+            <a:r>
+              <a:rPr lang="en-US" dirty="0" smtClean="0"/>
+              <a:t>Just one </a:t>
+            </a:r>
+            <a:r>
+              <a:rPr lang="en-US" dirty="0" err="1" smtClean="0"/>
+              <a:t>pkg</a:t>
+            </a:r>
+            <a:r>
+              <a:rPr lang="en-US" dirty="0" smtClean="0"/>
+              <a:t> or all (optional name </a:t>
+            </a:r>
+            <a:r>
+              <a:rPr lang="en-US" dirty="0" err="1" smtClean="0"/>
+              <a:t>arg</a:t>
+            </a:r>
+            <a:r>
+              <a:rPr lang="en-US" dirty="0" smtClean="0"/>
+              <a:t>)</a:t>
+            </a:r>
+          </a:p>
+          <a:p>
+            <a:pPr marL="342900" lvl="1" indent="-342900" algn="l">
+              <a:buFont typeface="Arial"/>
+              <a:buChar char="•"/>
+            </a:pPr>
+            <a:r>
+              <a:rPr lang="en-US" dirty="0" smtClean="0"/>
+              <a:t>'Possible' as defined by </a:t>
+            </a:r>
+            <a:r>
+              <a:rPr lang="en-US" dirty="0" err="1" smtClean="0"/>
+              <a:t>semver</a:t>
             </a:r>
             <a:endParaRPr lang="en-US" dirty="0" smtClean="0"/>
           </a:p>
           <a:p>
-            <a:pPr marL="800100" lvl="2" indent="-342900" algn="l">
-              <a:buFont typeface="Arial"/>
-              <a:buChar char="•"/>
-            </a:pPr>
-            <a:r>
-              <a:rPr lang="en-US" dirty="0" smtClean="0"/>
-              <a:t>exports - </a:t>
-            </a:r>
-            <a:r>
-              <a:rPr lang="en-US" dirty="0"/>
-              <a:t>declares </a:t>
-            </a:r>
-            <a:r>
-              <a:rPr lang="en-US" dirty="0" smtClean="0"/>
-              <a:t>modules</a:t>
-            </a:r>
-          </a:p>
-          <a:p>
             <a:pPr marL="342900" lvl="1" indent="-342900" algn="l">
               <a:buFont typeface="Arial"/>
               <a:buChar char="•"/>
             </a:pPr>
             <a:r>
               <a:rPr lang="en-US" dirty="0" smtClean="0"/>
-              <a:t>Both </a:t>
-            </a:r>
-            <a:r>
-              <a:rPr lang="en-US" dirty="0"/>
-              <a:t>are methods of </a:t>
-            </a:r>
-            <a:r>
-              <a:rPr lang="en-US" dirty="0" smtClean="0"/>
-              <a:t>Module class</a:t>
-            </a:r>
-            <a:endParaRPr lang="en-US" dirty="0"/>
-          </a:p>
-          <a:p>
-            <a:pPr marL="342900" lvl="1" indent="-342900" algn="l">
-              <a:buFont typeface="Arial"/>
-              <a:buChar char="•"/>
-            </a:pPr>
-            <a:endParaRPr lang="en-US" dirty="0" smtClean="0"/>
+              <a:t>And other packages' requirements</a:t>
+            </a:r>
           </a:p>
         </p:txBody>
       </p:sp>
     </p:spTree>
     <p:extLst>
       <p:ext uri="{BB962C8B-B14F-4D97-AF65-F5344CB8AC3E}">
-        <p14:creationId xmlns:p14="http://schemas.microsoft.com/office/powerpoint/2010/main" val="1937802425"/>
+        <p14:creationId xmlns:p14="http://schemas.microsoft.com/office/powerpoint/2010/main" val="3030563720"/>
       </p:ext>
     </p:extLst>
   </p:cSld>
@@ -7831,7 +7661,7 @@
           <a:p>
             <a:r>
               <a:rPr lang="en-US" dirty="0" err="1" smtClean="0"/>
-              <a:t>CommonJS</a:t>
+              <a:t>npm</a:t>
             </a:r>
             <a:endParaRPr lang="en-US" dirty="0"/>
           </a:p>
@@ -7855,211 +7685,64 @@
         </p:spPr>
         <p:txBody>
           <a:bodyPr>
-            <a:normAutofit fontScale="85000" lnSpcReduction="20000"/>
+            <a:normAutofit/>
           </a:bodyPr>
           <a:lstStyle/>
           <a:p>
-            <a:pPr marL="0" lvl="1" algn="l"/>
-            <a:r>
-              <a:rPr lang="en-US" dirty="0" smtClean="0"/>
-              <a:t>require('</a:t>
-            </a:r>
-            <a:r>
-              <a:rPr lang="en-US" dirty="0" err="1" smtClean="0"/>
-              <a:t>package_name</a:t>
-            </a:r>
-            <a:r>
-              <a:rPr lang="en-US" dirty="0"/>
-              <a:t>'</a:t>
-            </a:r>
-            <a:r>
-              <a:rPr lang="en-US" dirty="0" smtClean="0"/>
-              <a:t>) load algorithm</a:t>
-            </a:r>
-          </a:p>
-          <a:p>
-            <a:pPr lvl="1" indent="-457200" algn="l">
-              <a:buFont typeface="+mj-lt"/>
-              <a:buAutoNum type="arabicPeriod"/>
-            </a:pPr>
-            <a:r>
-              <a:rPr lang="en-US" dirty="0" smtClean="0"/>
-              <a:t>Core Node module </a:t>
-            </a:r>
-            <a:r>
-              <a:rPr lang="en-US" dirty="0"/>
-              <a:t>'</a:t>
-            </a:r>
-            <a:r>
-              <a:rPr lang="en-US" dirty="0" err="1"/>
-              <a:t>package_name</a:t>
-            </a:r>
-            <a:r>
-              <a:rPr lang="en-US" dirty="0" smtClean="0"/>
-              <a:t>'</a:t>
-            </a:r>
-          </a:p>
-          <a:p>
-            <a:pPr lvl="1" indent="-457200" algn="l">
-              <a:buFont typeface="+mj-lt"/>
-              <a:buAutoNum type="arabicPeriod"/>
-            </a:pPr>
-            <a:r>
-              <a:rPr lang="en-US" dirty="0" smtClean="0"/>
-              <a:t>In ./</a:t>
-            </a:r>
-            <a:r>
-              <a:rPr lang="en-US" dirty="0" err="1" smtClean="0"/>
-              <a:t>node_modules</a:t>
-            </a:r>
-            <a:r>
-              <a:rPr lang="en-US" dirty="0" smtClean="0"/>
-              <a:t>:</a:t>
-            </a:r>
-          </a:p>
-          <a:p>
-            <a:pPr lvl="2" indent="-457200" algn="l">
-              <a:buFont typeface="+mj-lt"/>
-              <a:buAutoNum type="arabicPeriod"/>
-            </a:pPr>
-            <a:r>
-              <a:rPr lang="en-US" dirty="0" err="1" smtClean="0"/>
-              <a:t>package_name.js</a:t>
-            </a:r>
-            <a:endParaRPr lang="en-US" dirty="0"/>
-          </a:p>
-          <a:p>
-            <a:pPr lvl="2" indent="-457200" algn="l">
-              <a:buFont typeface="+mj-lt"/>
-              <a:buAutoNum type="arabicPeriod"/>
-            </a:pPr>
-            <a:r>
-              <a:rPr lang="en-US" dirty="0" err="1" smtClean="0"/>
-              <a:t>package_name</a:t>
-            </a:r>
-            <a:r>
-              <a:rPr lang="en-US" dirty="0" smtClean="0"/>
-              <a:t>/</a:t>
-            </a:r>
-            <a:r>
-              <a:rPr lang="en-US" dirty="0" err="1" smtClean="0"/>
-              <a:t>index.js</a:t>
-            </a:r>
-            <a:endParaRPr lang="en-US" dirty="0"/>
-          </a:p>
-          <a:p>
-            <a:pPr lvl="2" indent="-457200" algn="l">
-              <a:buFont typeface="+mj-lt"/>
-              <a:buAutoNum type="arabicPeriod"/>
-            </a:pPr>
-            <a:r>
-              <a:rPr lang="en-US" dirty="0" err="1"/>
-              <a:t>package_name</a:t>
-            </a:r>
-            <a:r>
-              <a:rPr lang="en-US" dirty="0" smtClean="0"/>
-              <a:t>/</a:t>
-            </a:r>
-            <a:r>
-              <a:rPr lang="en-US" dirty="0" err="1" smtClean="0"/>
-              <a:t>package.json</a:t>
-            </a:r>
-            <a:r>
-              <a:rPr lang="en-US" dirty="0" smtClean="0"/>
-              <a:t> &gt; 'main'</a:t>
-            </a:r>
-          </a:p>
-          <a:p>
-            <a:pPr lvl="1" indent="-457200" algn="l">
-              <a:buFont typeface="+mj-lt"/>
-              <a:buAutoNum type="arabicPeriod"/>
-            </a:pPr>
-            <a:r>
-              <a:rPr lang="en-US" dirty="0" smtClean="0"/>
-              <a:t>../</a:t>
-            </a:r>
-            <a:r>
-              <a:rPr lang="en-US" dirty="0" err="1" smtClean="0"/>
-              <a:t>node_modules</a:t>
-            </a:r>
-            <a:r>
-              <a:rPr lang="en-US" dirty="0" smtClean="0"/>
-              <a:t> back to root</a:t>
-            </a:r>
-          </a:p>
-          <a:p>
-            <a:pPr lvl="1" indent="-457200" algn="l">
-              <a:buFont typeface="+mj-lt"/>
-              <a:buAutoNum type="arabicPeriod"/>
-            </a:pPr>
-            <a:r>
-              <a:rPr lang="en-US" dirty="0" smtClean="0"/>
-              <a:t>Folders listed in NODE_PATH</a:t>
-            </a:r>
-          </a:p>
-          <a:p>
-            <a:pPr lvl="1" indent="-457200" algn="l">
-              <a:buFont typeface="+mj-lt"/>
-              <a:buAutoNum type="arabicPeriod"/>
-            </a:pPr>
-            <a:r>
-              <a:rPr lang="en-US" dirty="0" smtClean="0"/>
-              <a:t>Additional folders</a:t>
-            </a:r>
-          </a:p>
-          <a:p>
-            <a:pPr lvl="2" indent="-457200" algn="l">
-              <a:buFont typeface="+mj-lt"/>
-              <a:buAutoNum type="arabicPeriod"/>
-            </a:pPr>
-            <a:r>
-              <a:rPr lang="en-US" dirty="0"/>
-              <a:t>$HOME/.</a:t>
-            </a:r>
-            <a:r>
-              <a:rPr lang="en-US" dirty="0" err="1" smtClean="0"/>
-              <a:t>node_modules</a:t>
-            </a:r>
-            <a:endParaRPr lang="en-US" dirty="0" smtClean="0"/>
-          </a:p>
-          <a:p>
-            <a:pPr lvl="2" indent="-457200" algn="l">
-              <a:buFont typeface="+mj-lt"/>
-              <a:buAutoNum type="arabicPeriod"/>
-            </a:pPr>
-            <a:r>
-              <a:rPr lang="en-US" dirty="0"/>
-              <a:t>$HOME/.</a:t>
-            </a:r>
-            <a:r>
-              <a:rPr lang="en-US" dirty="0" err="1" smtClean="0"/>
-              <a:t>node_libraries</a:t>
-            </a:r>
-            <a:endParaRPr lang="en-US" dirty="0" smtClean="0"/>
-          </a:p>
-          <a:p>
-            <a:pPr lvl="2" indent="-457200" algn="l">
-              <a:buFont typeface="+mj-lt"/>
-              <a:buAutoNum type="arabicPeriod"/>
-            </a:pPr>
-            <a:r>
-              <a:rPr lang="en-US" dirty="0"/>
-              <a:t>$PREFIX/lib/</a:t>
-            </a:r>
-            <a:r>
-              <a:rPr lang="en-US" dirty="0" smtClean="0"/>
-              <a:t>node</a:t>
-            </a:r>
-          </a:p>
-          <a:p>
-            <a:pPr marL="0" lvl="1" algn="l"/>
-            <a:r>
-              <a:rPr lang="en-US" dirty="0" err="1" smtClean="0"/>
-              <a:t>require.resolve</a:t>
-            </a:r>
-            <a:r>
-              <a:rPr lang="en-US" dirty="0" smtClean="0"/>
-              <a:t>(…) will provide filename</a:t>
+            <a:pPr algn="l"/>
+            <a:r>
+              <a:rPr lang="en-US" dirty="0" err="1" smtClean="0"/>
+              <a:t>npm</a:t>
+            </a:r>
+            <a:r>
+              <a:rPr lang="en-US" dirty="0" smtClean="0"/>
+              <a:t> link</a:t>
+            </a:r>
+          </a:p>
+          <a:p>
+            <a:pPr marL="342900" lvl="1" indent="-342900" algn="l">
+              <a:buFont typeface="Arial"/>
+              <a:buChar char="•"/>
+            </a:pPr>
+            <a:r>
+              <a:rPr lang="en-US" dirty="0" smtClean="0"/>
+              <a:t>Built-in </a:t>
+            </a:r>
+            <a:r>
+              <a:rPr lang="en-US" dirty="0" err="1" smtClean="0"/>
+              <a:t>symlink</a:t>
+            </a:r>
+            <a:r>
+              <a:rPr lang="en-US" dirty="0" smtClean="0"/>
+              <a:t> tool</a:t>
+            </a:r>
+          </a:p>
+          <a:p>
+            <a:pPr marL="342900" lvl="1" indent="-342900" algn="l">
+              <a:buFont typeface="Arial"/>
+              <a:buChar char="•"/>
+            </a:pPr>
+            <a:r>
+              <a:rPr lang="en-US" dirty="0" smtClean="0"/>
+              <a:t>Most useful when doing local </a:t>
+            </a:r>
+            <a:r>
+              <a:rPr lang="en-US" dirty="0" err="1" smtClean="0"/>
+              <a:t>dev</a:t>
+            </a:r>
+            <a:r>
+              <a:rPr lang="en-US" dirty="0" smtClean="0"/>
+              <a:t> on a module for later publishing</a:t>
+            </a:r>
+          </a:p>
+          <a:p>
+            <a:pPr marL="342900" lvl="1" indent="-342900" algn="l">
+              <a:buFont typeface="Arial"/>
+              <a:buChar char="•"/>
+            </a:pPr>
+            <a:r>
+              <a:rPr lang="en-US" dirty="0" smtClean="0"/>
+              <a:t>Or include one package under another without reinstalling</a:t>
             </a:r>
           </a:p>
         </p:txBody>
@@ -8067,7 +7750,7 @@
     </p:spTree>
     <p:extLst>
       <p:ext uri="{BB962C8B-B14F-4D97-AF65-F5344CB8AC3E}">
-        <p14:creationId xmlns:p14="http://schemas.microsoft.com/office/powerpoint/2010/main" val="1937802425"/>
+        <p14:creationId xmlns:p14="http://schemas.microsoft.com/office/powerpoint/2010/main" val="3100954694"/>
       </p:ext>
     </p:extLst>
   </p:cSld>
@@ -8116,7 +7799,7 @@
           <a:p>
             <a:r>
               <a:rPr lang="en-US" dirty="0" err="1" smtClean="0"/>
-              <a:t>CommonJS</a:t>
+              <a:t>npm</a:t>
             </a:r>
             <a:endParaRPr lang="en-US" dirty="0"/>
           </a:p>
@@ -8144,26 +7827,45 @@
           </a:bodyPr>
           <a:lstStyle/>
           <a:p>
-            <a:pPr marL="0" lvl="1" algn="l"/>
-            <a:r>
-              <a:rPr lang="en-US" dirty="0" smtClean="0"/>
-              <a:t>More require</a:t>
-            </a:r>
-          </a:p>
-          <a:p>
-            <a:pPr lvl="1" indent="-457200" algn="l">
-              <a:buFont typeface="Arial"/>
-              <a:buChar char="•"/>
-            </a:pPr>
-            <a:r>
-              <a:rPr lang="en-US" dirty="0" smtClean="0"/>
-              <a:t>If not found, will retry with extensions</a:t>
-            </a:r>
-          </a:p>
-          <a:p>
-            <a:pPr lvl="2" indent="-457200" algn="l">
-              <a:buFont typeface="+mj-lt"/>
-              <a:buAutoNum type="arabicPeriod"/>
+            <a:pPr algn="l"/>
+            <a:r>
+              <a:rPr lang="en-US" dirty="0" err="1" smtClean="0"/>
+              <a:t>npm</a:t>
+            </a:r>
+            <a:r>
+              <a:rPr lang="en-US" dirty="0" smtClean="0"/>
+              <a:t> settings come from:</a:t>
+            </a:r>
+          </a:p>
+          <a:p>
+            <a:pPr marL="342900" lvl="1" indent="-342900" algn="l">
+              <a:buFont typeface="Arial"/>
+              <a:buChar char="•"/>
+            </a:pPr>
+            <a:r>
+              <a:rPr lang="en-US" dirty="0"/>
+              <a:t>command </a:t>
+            </a:r>
+            <a:r>
+              <a:rPr lang="en-US" dirty="0" smtClean="0"/>
+              <a:t>line</a:t>
+            </a:r>
+            <a:endParaRPr lang="en-US" dirty="0"/>
+          </a:p>
+          <a:p>
+            <a:pPr marL="342900" lvl="1" indent="-342900" algn="l">
+              <a:buFont typeface="Arial"/>
+              <a:buChar char="•"/>
+            </a:pPr>
+            <a:r>
+              <a:rPr lang="en-US" dirty="0" smtClean="0"/>
+              <a:t>environment variables</a:t>
+            </a:r>
+          </a:p>
+          <a:p>
+            <a:pPr marL="342900" lvl="1" indent="-342900" algn="l">
+              <a:buFont typeface="Arial"/>
+              <a:buChar char="•"/>
             </a:pPr>
             <a:r>
               <a:rPr lang="en-US" dirty="0" smtClean="0"/>
@@ -8171,55 +7873,30 @@
             </a:r>
             <a:r>
               <a:rPr lang="en-US" dirty="0" err="1" smtClean="0"/>
-              <a:t>js</a:t>
+              <a:t>npmrc</a:t>
+            </a:r>
+            <a:r>
+              <a:rPr lang="en-US" dirty="0" smtClean="0"/>
+              <a:t> file</a:t>
+            </a:r>
+          </a:p>
+          <a:p>
+            <a:pPr marL="342900" lvl="1" indent="-342900" algn="l">
+              <a:buFont typeface="Arial"/>
+              <a:buChar char="•"/>
+            </a:pPr>
+            <a:r>
+              <a:rPr lang="en-US" dirty="0" err="1" smtClean="0"/>
+              <a:t>package.json</a:t>
             </a:r>
             <a:endParaRPr lang="en-US" dirty="0" smtClean="0"/>
-          </a:p>
-          <a:p>
-            <a:pPr lvl="2" indent="-457200" algn="l">
-              <a:buFont typeface="+mj-lt"/>
-              <a:buAutoNum type="arabicPeriod"/>
-            </a:pPr>
-            <a:r>
-              <a:rPr lang="en-US" dirty="0" smtClean="0"/>
-              <a:t>.</a:t>
-            </a:r>
-            <a:r>
-              <a:rPr lang="en-US" dirty="0" err="1" smtClean="0"/>
-              <a:t>json</a:t>
-            </a:r>
-            <a:endParaRPr lang="en-US" dirty="0" smtClean="0"/>
-          </a:p>
-          <a:p>
-            <a:pPr lvl="2" indent="-457200" algn="l">
-              <a:buFont typeface="+mj-lt"/>
-              <a:buAutoNum type="arabicPeriod"/>
-            </a:pPr>
-            <a:r>
-              <a:rPr lang="en-US" dirty="0" smtClean="0"/>
-              <a:t>.node</a:t>
-            </a:r>
-          </a:p>
-          <a:p>
-            <a:pPr lvl="1" indent="-457200" algn="l">
-              <a:buFont typeface="Arial"/>
-              <a:buChar char="•"/>
-            </a:pPr>
-            <a:r>
-              <a:rPr lang="en-US" dirty="0" err="1" smtClean="0"/>
-              <a:t>require.resolve</a:t>
-            </a:r>
-            <a:r>
-              <a:rPr lang="en-US" dirty="0" smtClean="0"/>
-              <a:t>(…) will provide filename</a:t>
-            </a:r>
           </a:p>
         </p:txBody>
       </p:sp>
     </p:spTree>
     <p:extLst>
       <p:ext uri="{BB962C8B-B14F-4D97-AF65-F5344CB8AC3E}">
-        <p14:creationId xmlns:p14="http://schemas.microsoft.com/office/powerpoint/2010/main" val="1170233164"/>
+        <p14:creationId xmlns:p14="http://schemas.microsoft.com/office/powerpoint/2010/main" val="3792337774"/>
       </p:ext>
     </p:extLst>
   </p:cSld>
@@ -8268,7 +7945,7 @@
           <a:p>
             <a:r>
               <a:rPr lang="en-US" dirty="0" err="1" smtClean="0"/>
-              <a:t>CommonJS</a:t>
+              <a:t>npm</a:t>
             </a:r>
             <a:endParaRPr lang="en-US" dirty="0"/>
           </a:p>
@@ -8296,79 +7973,131 @@
           </a:bodyPr>
           <a:lstStyle/>
           <a:p>
-            <a:pPr marL="0" lvl="1" algn="l"/>
-            <a:r>
-              <a:rPr lang="en-US" dirty="0" smtClean="0"/>
-              <a:t>More require</a:t>
-            </a:r>
-          </a:p>
-          <a:p>
-            <a:pPr lvl="1" indent="-457200" algn="l">
-              <a:buFont typeface="Arial"/>
-              <a:buChar char="•"/>
-            </a:pPr>
-            <a:r>
-              <a:rPr lang="en-US" dirty="0" smtClean="0"/>
-              <a:t>On load, Node makes </a:t>
-            </a:r>
+            <a:pPr algn="l"/>
+            <a:r>
+              <a:rPr lang="en-US" dirty="0" err="1" smtClean="0"/>
+              <a:t>npm</a:t>
+            </a:r>
+            <a:r>
+              <a:rPr lang="en-US" dirty="0" smtClean="0"/>
+              <a:t> </a:t>
+            </a:r>
+            <a:r>
+              <a:rPr lang="en-US" dirty="0" err="1" smtClean="0"/>
+              <a:t>config</a:t>
+            </a:r>
+            <a:endParaRPr lang="en-US" dirty="0" smtClean="0"/>
+          </a:p>
+          <a:p>
+            <a:pPr marL="342900" lvl="1" indent="-342900" algn="l">
+              <a:buFont typeface="Arial"/>
+              <a:buChar char="•"/>
+            </a:pPr>
             <a:r>
               <a:rPr lang="en-US" dirty="0" err="1"/>
-              <a:t>M</a:t>
-            </a:r>
-            <a:r>
-              <a:rPr lang="en-US" dirty="0" err="1" smtClean="0"/>
-              <a:t>odule.cache</a:t>
-            </a:r>
-            <a:endParaRPr lang="en-US" dirty="0" smtClean="0"/>
-          </a:p>
-          <a:p>
-            <a:pPr lvl="1" indent="-457200" algn="l">
-              <a:buFont typeface="Arial"/>
-              <a:buChar char="•"/>
-            </a:pPr>
-            <a:r>
-              <a:rPr lang="en-US" dirty="0" smtClean="0"/>
-              <a:t>As load progresses, cache updates</a:t>
-            </a:r>
-          </a:p>
-          <a:p>
-            <a:pPr lvl="1" indent="-457200" algn="l">
-              <a:buFont typeface="Arial"/>
-              <a:buChar char="•"/>
-            </a:pPr>
-            <a:r>
-              <a:rPr lang="en-US" dirty="0" smtClean="0"/>
-              <a:t>On another require(), executes that</a:t>
-            </a:r>
-          </a:p>
-          <a:p>
-            <a:pPr lvl="1" indent="-457200" algn="l">
-              <a:buFont typeface="Arial"/>
-              <a:buChar char="•"/>
-            </a:pPr>
-            <a:r>
-              <a:rPr lang="en-US" dirty="0" smtClean="0"/>
-              <a:t>Synchronously returns result</a:t>
-            </a:r>
-          </a:p>
-          <a:p>
-            <a:pPr lvl="1" indent="-457200" algn="l">
-              <a:buFont typeface="Arial"/>
-              <a:buChar char="•"/>
-            </a:pPr>
-            <a:r>
-              <a:rPr lang="en-US" dirty="0" smtClean="0"/>
-              <a:t>Updates cache</a:t>
-            </a:r>
-          </a:p>
-          <a:p>
-            <a:pPr lvl="1" indent="-457200" algn="l">
-              <a:buFont typeface="Arial"/>
-              <a:buChar char="•"/>
-            </a:pPr>
-            <a:r>
-              <a:rPr lang="en-US" dirty="0" smtClean="0"/>
-              <a:t>For circular dependencies, returns (unfinished) cached module</a:t>
+              <a:t>npm</a:t>
+            </a:r>
+            <a:r>
+              <a:rPr lang="en-US" dirty="0"/>
+              <a:t> </a:t>
+            </a:r>
+            <a:r>
+              <a:rPr lang="en-US" dirty="0" err="1"/>
+              <a:t>config</a:t>
+            </a:r>
+            <a:r>
+              <a:rPr lang="en-US" dirty="0"/>
+              <a:t> set </a:t>
+            </a:r>
+            <a:r>
+              <a:rPr lang="en-US" dirty="0" smtClean="0"/>
+              <a:t>&lt;key&gt; &lt;[</a:t>
+            </a:r>
+            <a:r>
+              <a:rPr lang="en-US" dirty="0" err="1" smtClean="0"/>
+              <a:t>value:true</a:t>
+            </a:r>
+            <a:r>
+              <a:rPr lang="en-US" dirty="0" smtClean="0"/>
+              <a:t>]&gt;</a:t>
+            </a:r>
+          </a:p>
+          <a:p>
+            <a:pPr marL="342900" lvl="1" indent="-342900" algn="l">
+              <a:buFont typeface="Arial"/>
+              <a:buChar char="•"/>
+            </a:pPr>
+            <a:r>
+              <a:rPr lang="en-US" dirty="0" smtClean="0"/>
+              <a:t>Also get, list, delete</a:t>
+            </a:r>
+          </a:p>
+          <a:p>
+            <a:pPr marL="342900" lvl="1" indent="-342900" algn="l">
+              <a:buFont typeface="Arial"/>
+              <a:buChar char="•"/>
+            </a:pPr>
+            <a:r>
+              <a:rPr lang="en-US" dirty="0" smtClean="0"/>
+              <a:t>'edit' opens </a:t>
+            </a:r>
+            <a:r>
+              <a:rPr lang="en-US" dirty="0" err="1" smtClean="0"/>
+              <a:t>config</a:t>
+            </a:r>
+            <a:r>
+              <a:rPr lang="en-US" dirty="0" smtClean="0"/>
+              <a:t> file in editor</a:t>
+            </a:r>
+          </a:p>
+          <a:p>
+            <a:pPr marL="342900" lvl="1" indent="-342900" algn="l">
+              <a:buFont typeface="Arial"/>
+              <a:buChar char="•"/>
+            </a:pPr>
+            <a:r>
+              <a:rPr lang="en-US" dirty="0" smtClean="0"/>
+              <a:t>Also --global </a:t>
+            </a:r>
+          </a:p>
+          <a:p>
+            <a:pPr marL="342900" lvl="1" indent="-342900" algn="l">
+              <a:buFont typeface="Arial"/>
+              <a:buChar char="•"/>
+            </a:pPr>
+            <a:r>
+              <a:rPr lang="en-US" dirty="0" smtClean="0"/>
+              <a:t>Set </a:t>
+            </a:r>
+          </a:p>
+          <a:p>
+            <a:pPr marL="800100" lvl="2" indent="-342900" algn="l">
+              <a:buFont typeface="Arial"/>
+              <a:buChar char="•"/>
+            </a:pPr>
+            <a:r>
+              <a:rPr lang="en-US" dirty="0" smtClean="0"/>
+              <a:t>Author name</a:t>
+            </a:r>
+          </a:p>
+          <a:p>
+            <a:pPr marL="800100" lvl="2" indent="-342900" algn="l">
+              <a:buFont typeface="Arial"/>
+              <a:buChar char="•"/>
+            </a:pPr>
+            <a:r>
+              <a:rPr lang="en-US" dirty="0" smtClean="0"/>
+              <a:t>Email</a:t>
+            </a:r>
+          </a:p>
+          <a:p>
+            <a:pPr marL="800100" lvl="2" indent="-342900" algn="l">
+              <a:buFont typeface="Arial"/>
+              <a:buChar char="•"/>
+            </a:pPr>
+            <a:r>
+              <a:rPr lang="en-US" dirty="0" smtClean="0"/>
+              <a:t>Proxy server (maybe)</a:t>
             </a:r>
           </a:p>
         </p:txBody>
@@ -8376,7 +8105,7 @@
     </p:spTree>
     <p:extLst>
       <p:ext uri="{BB962C8B-B14F-4D97-AF65-F5344CB8AC3E}">
-        <p14:creationId xmlns:p14="http://schemas.microsoft.com/office/powerpoint/2010/main" val="4135064335"/>
+        <p14:creationId xmlns:p14="http://schemas.microsoft.com/office/powerpoint/2010/main" val="3868869233"/>
       </p:ext>
     </p:extLst>
   </p:cSld>
@@ -8425,7 +8154,7 @@
           <a:p>
             <a:r>
               <a:rPr lang="en-US" dirty="0" err="1" smtClean="0"/>
-              <a:t>CommonJS</a:t>
+              <a:t>npm</a:t>
             </a:r>
             <a:endParaRPr lang="en-US" dirty="0"/>
           </a:p>
@@ -8449,83 +8178,195 @@
         </p:spPr>
         <p:txBody>
           <a:bodyPr>
-            <a:normAutofit/>
+            <a:normAutofit lnSpcReduction="10000"/>
           </a:bodyPr>
           <a:lstStyle/>
           <a:p>
-            <a:pPr marL="0" lvl="1" algn="l"/>
-            <a:r>
-              <a:rPr lang="en-US" dirty="0" smtClean="0"/>
-              <a:t>Exports</a:t>
-            </a:r>
-          </a:p>
-          <a:p>
-            <a:pPr lvl="1" indent="-457200" algn="l">
-              <a:buFont typeface="Arial"/>
-              <a:buChar char="•"/>
-            </a:pPr>
-            <a:r>
-              <a:rPr lang="en-US" dirty="0" smtClean="0"/>
-              <a:t>One module per file</a:t>
-            </a:r>
-          </a:p>
-          <a:p>
-            <a:pPr lvl="1" indent="-457200" algn="l">
-              <a:buFont typeface="Arial"/>
-              <a:buChar char="•"/>
-            </a:pPr>
-            <a:r>
-              <a:rPr lang="en-US" dirty="0" smtClean="0"/>
-              <a:t>Node wraps file in expression:</a:t>
-            </a:r>
-          </a:p>
-          <a:p>
-            <a:pPr marL="0" lvl="1" algn="l"/>
+            <a:pPr algn="l"/>
+            <a:r>
+              <a:rPr lang="en-US" dirty="0" err="1" smtClean="0"/>
+              <a:t>Npm</a:t>
+            </a:r>
+            <a:r>
+              <a:rPr lang="en-US" dirty="0" smtClean="0"/>
+              <a:t> without </a:t>
+            </a:r>
+            <a:r>
+              <a:rPr lang="en-US" dirty="0" err="1" smtClean="0"/>
+              <a:t>sudo</a:t>
+            </a:r>
+            <a:r>
+              <a:rPr lang="en-US" dirty="0" smtClean="0"/>
+              <a:t> on *nix</a:t>
+            </a:r>
+          </a:p>
+          <a:p>
+            <a:pPr marL="342900" lvl="1" indent="-342900" algn="l">
+              <a:buFont typeface="Arial"/>
+              <a:buChar char="•"/>
+            </a:pPr>
+            <a:r>
+              <a:rPr lang="en-US" dirty="0" err="1" smtClean="0"/>
+              <a:t>npm</a:t>
+            </a:r>
+            <a:r>
+              <a:rPr lang="en-US" dirty="0" smtClean="0"/>
+              <a:t> global </a:t>
+            </a:r>
+            <a:r>
+              <a:rPr lang="en-US" dirty="0" err="1" smtClean="0"/>
+              <a:t>dir</a:t>
+            </a:r>
+            <a:r>
+              <a:rPr lang="en-US" dirty="0" smtClean="0"/>
+              <a:t> defaults to /</a:t>
+            </a:r>
+            <a:r>
+              <a:rPr lang="en-US" dirty="0" err="1" smtClean="0"/>
+              <a:t>usr</a:t>
+            </a:r>
+            <a:r>
+              <a:rPr lang="en-US" dirty="0" smtClean="0"/>
+              <a:t>/local</a:t>
+            </a:r>
+          </a:p>
+          <a:p>
+            <a:pPr marL="342900" lvl="1" indent="-342900" algn="l">
+              <a:buFont typeface="Arial"/>
+              <a:buChar char="•"/>
+            </a:pPr>
+            <a:r>
+              <a:rPr lang="en-US" dirty="0" smtClean="0"/>
+              <a:t>System owns that </a:t>
+            </a:r>
+            <a:r>
+              <a:rPr lang="en-US" dirty="0" err="1" smtClean="0"/>
+              <a:t>dir</a:t>
+            </a:r>
+            <a:r>
+              <a:rPr lang="en-US" dirty="0" smtClean="0"/>
+              <a:t> so must use </a:t>
+            </a:r>
+            <a:r>
+              <a:rPr lang="en-US" dirty="0" err="1" smtClean="0"/>
+              <a:t>sudo</a:t>
+            </a:r>
+            <a:endParaRPr lang="en-US" dirty="0" smtClean="0"/>
+          </a:p>
+          <a:p>
+            <a:pPr marL="342900" lvl="1" indent="-342900" algn="l">
+              <a:buFont typeface="Arial"/>
+              <a:buChar char="•"/>
+            </a:pPr>
+            <a:r>
+              <a:rPr lang="en-US" dirty="0" smtClean="0"/>
+              <a:t>Installing packages using </a:t>
+            </a:r>
+            <a:r>
+              <a:rPr lang="en-US" dirty="0" err="1" smtClean="0"/>
+              <a:t>sudo</a:t>
+            </a:r>
+            <a:r>
+              <a:rPr lang="en-US" dirty="0" smtClean="0"/>
+              <a:t> not okay</a:t>
+            </a:r>
+          </a:p>
+          <a:p>
+            <a:pPr marL="342900" lvl="1" indent="-342900" algn="l">
+              <a:buFont typeface="Arial"/>
+              <a:buChar char="•"/>
+            </a:pPr>
+            <a:r>
+              <a:rPr lang="en-US" dirty="0" smtClean="0"/>
+              <a:t>Create new </a:t>
+            </a:r>
+            <a:r>
+              <a:rPr lang="en-US" dirty="0" err="1" smtClean="0"/>
+              <a:t>dir</a:t>
+            </a:r>
+            <a:endParaRPr lang="en-US" dirty="0" smtClean="0"/>
+          </a:p>
+          <a:p>
+            <a:pPr marL="342900" lvl="1" indent="-342900" algn="l">
+              <a:buFont typeface="Arial"/>
+              <a:buChar char="•"/>
+            </a:pPr>
+            <a:r>
+              <a:rPr lang="en-US" dirty="0" smtClean="0"/>
+              <a:t>Add to .</a:t>
+            </a:r>
+            <a:r>
+              <a:rPr lang="en-US" dirty="0" err="1" smtClean="0"/>
+              <a:t>npmrc</a:t>
+            </a:r>
+            <a:r>
+              <a:rPr lang="en-US" dirty="0" smtClean="0"/>
+              <a:t> as 'prefix'</a:t>
+            </a:r>
+          </a:p>
+          <a:p>
+            <a:pPr marL="342900" lvl="1" indent="-342900" algn="l">
+              <a:buFont typeface="Arial"/>
+              <a:buChar char="•"/>
+            </a:pPr>
+            <a:r>
+              <a:rPr lang="en-US" dirty="0" smtClean="0"/>
+              <a:t>Add to PATH in .</a:t>
+            </a:r>
+            <a:r>
+              <a:rPr lang="en-US" dirty="0" err="1" smtClean="0"/>
+              <a:t>bashrc</a:t>
+            </a:r>
+            <a:r>
+              <a:rPr lang="en-US" dirty="0" smtClean="0"/>
+              <a:t> </a:t>
+            </a:r>
+          </a:p>
+          <a:p>
+            <a:pPr marL="342900" lvl="1" indent="-342900" algn="l">
+              <a:buFont typeface="Arial"/>
+              <a:buChar char="•"/>
+            </a:pPr>
             <a:r>
               <a:rPr lang="en-US" dirty="0"/>
-              <a:t>(function (exports, require, module, __filename, __</a:t>
+              <a:t>https://</a:t>
             </a:r>
             <a:r>
               <a:rPr lang="en-US" dirty="0" err="1"/>
-              <a:t>dirname</a:t>
+              <a:t>github.com</a:t>
             </a:r>
             <a:r>
               <a:rPr lang="en-US" dirty="0"/>
-              <a:t>) {</a:t>
-            </a:r>
-          </a:p>
-          <a:p>
-            <a:pPr marL="0" lvl="1" algn="l"/>
-            <a:r>
-              <a:rPr lang="en-US" dirty="0" smtClean="0"/>
-              <a:t>    /</a:t>
+              <a:t>/</a:t>
+            </a:r>
+            <a:r>
+              <a:rPr lang="en-US" dirty="0" err="1"/>
+              <a:t>sindresorhus</a:t>
             </a:r>
             <a:r>
               <a:rPr lang="en-US" dirty="0"/>
-              <a:t>/ </a:t>
-            </a:r>
-            <a:r>
-              <a:rPr lang="en-US" dirty="0" smtClean="0"/>
-              <a:t>file code wrapped inside </a:t>
+              <a:t>/guides/blob/master/</a:t>
+            </a:r>
+            <a:r>
+              <a:rPr lang="en-US" dirty="0" err="1"/>
+              <a:t>npm</a:t>
             </a:r>
             <a:r>
               <a:rPr lang="en-US" dirty="0"/>
-              <a:t>here</a:t>
-            </a:r>
-          </a:p>
-          <a:p>
-            <a:pPr marL="0" lvl="1" algn="l"/>
-            <a:r>
-              <a:rPr lang="en-US" dirty="0"/>
-              <a:t>});</a:t>
-            </a:r>
+              <a:t>-global-without-</a:t>
+            </a:r>
+            <a:r>
+              <a:rPr lang="en-US" dirty="0" err="1"/>
+              <a:t>sudo.md</a:t>
+            </a:r>
+            <a:endParaRPr lang="en-US" dirty="0" smtClean="0"/>
           </a:p>
         </p:txBody>
       </p:sp>
     </p:spTree>
     <p:extLst>
       <p:ext uri="{BB962C8B-B14F-4D97-AF65-F5344CB8AC3E}">
-        <p14:creationId xmlns:p14="http://schemas.microsoft.com/office/powerpoint/2010/main" val="2868561985"/>
+        <p14:creationId xmlns:p14="http://schemas.microsoft.com/office/powerpoint/2010/main" val="1665306885"/>
       </p:ext>
     </p:extLst>
   </p:cSld>
@@ -8599,7 +8440,7 @@
         </p:spPr>
         <p:txBody>
           <a:bodyPr>
-            <a:normAutofit lnSpcReduction="10000"/>
+            <a:normAutofit fontScale="92500" lnSpcReduction="10000"/>
           </a:bodyPr>
           <a:lstStyle/>
           <a:p>
@@ -8616,7 +8457,21 @@
             </a:pPr>
             <a:r>
               <a:rPr lang="en-US" dirty="0"/>
-              <a:t>Intro to </a:t>
+              <a:t>Computer architecture review</a:t>
+            </a:r>
+          </a:p>
+          <a:p>
+            <a:pPr marL="457200" indent="-457200" algn="l">
+              <a:buFont typeface="Arial"/>
+              <a:buChar char="•"/>
+            </a:pPr>
+            <a:r>
+              <a:rPr lang="en-US" dirty="0" smtClean="0"/>
+              <a:t>Intro </a:t>
+            </a:r>
+            <a:r>
+              <a:rPr lang="en-US" dirty="0"/>
+              <a:t>to </a:t>
             </a:r>
             <a:r>
               <a:rPr lang="en-US" dirty="0" err="1"/>
@@ -8671,11 +8526,7 @@
             <a:pPr algn="l"/>
             <a:r>
               <a:rPr lang="en-US" dirty="0" smtClean="0"/>
-              <a:t>Day </a:t>
-            </a:r>
-            <a:r>
-              <a:rPr lang="en-US" dirty="0" smtClean="0"/>
-              <a:t>2</a:t>
+              <a:t>Day 2</a:t>
             </a:r>
           </a:p>
           <a:p>
@@ -8765,7 +8616,7 @@
           <a:p>
             <a:r>
               <a:rPr lang="en-US" dirty="0" err="1" smtClean="0"/>
-              <a:t>CommonJS</a:t>
+              <a:t>npm</a:t>
             </a:r>
             <a:endParaRPr lang="en-US" dirty="0"/>
           </a:p>
@@ -8793,122 +8644,104 @@
           </a:bodyPr>
           <a:lstStyle/>
           <a:p>
-            <a:pPr marL="0" lvl="1" algn="l"/>
-            <a:r>
-              <a:rPr lang="en-US" dirty="0" smtClean="0"/>
-              <a:t>Exports wrapper</a:t>
-            </a:r>
-          </a:p>
-          <a:p>
-            <a:pPr lvl="1" indent="-457200" algn="l">
-              <a:buFont typeface="Arial"/>
-              <a:buChar char="•"/>
-            </a:pPr>
+            <a:pPr algn="l"/>
+            <a:r>
+              <a:rPr lang="en-US" dirty="0" err="1" smtClean="0"/>
+              <a:t>npm</a:t>
+            </a:r>
+            <a:r>
+              <a:rPr lang="en-US" dirty="0" smtClean="0"/>
+              <a:t> cache</a:t>
+            </a:r>
+          </a:p>
+          <a:p>
+            <a:pPr marL="342900" lvl="1" indent="-342900" algn="l">
+              <a:buFont typeface="Arial"/>
+              <a:buChar char="•"/>
+            </a:pPr>
+            <a:r>
+              <a:rPr lang="en-US" dirty="0" smtClean="0"/>
+              <a:t>Location: '</a:t>
+            </a:r>
+            <a:r>
+              <a:rPr lang="en-US" dirty="0" err="1" smtClean="0"/>
+              <a:t>npm</a:t>
+            </a:r>
+            <a:r>
+              <a:rPr lang="en-US" dirty="0" smtClean="0"/>
+              <a:t> </a:t>
+            </a:r>
+            <a:r>
+              <a:rPr lang="en-US" dirty="0" err="1"/>
+              <a:t>config</a:t>
+            </a:r>
             <a:r>
               <a:rPr lang="en-US" dirty="0"/>
-              <a:t>Prevents variables escaping to </a:t>
-            </a:r>
-            <a:r>
-              <a:rPr lang="en-US" dirty="0" smtClean="0"/>
-              <a:t>global</a:t>
-            </a:r>
-          </a:p>
-          <a:p>
-            <a:pPr lvl="1" indent="-457200" algn="l">
-              <a:buFont typeface="Arial"/>
-              <a:buChar char="•"/>
-            </a:pPr>
-            <a:r>
-              <a:rPr lang="en-US" dirty="0" smtClean="0"/>
-              <a:t>Provides utilities</a:t>
-            </a:r>
-          </a:p>
-          <a:p>
-            <a:pPr lvl="2" indent="-457200" algn="l">
-              <a:buFont typeface="Arial"/>
-              <a:buChar char="•"/>
-            </a:pPr>
-            <a:r>
-              <a:rPr lang="en-US" dirty="0" smtClean="0"/>
-              <a:t>exports </a:t>
-            </a:r>
-            <a:r>
-              <a:rPr lang="en-US" dirty="0"/>
-              <a:t>– alias to </a:t>
-            </a:r>
-            <a:r>
-              <a:rPr lang="en-US" dirty="0" smtClean="0"/>
-              <a:t>declaring </a:t>
-            </a:r>
-            <a:r>
-              <a:rPr lang="en-US" dirty="0"/>
-              <a:t>function</a:t>
-            </a:r>
-          </a:p>
-          <a:p>
-            <a:pPr lvl="2" indent="-457200" algn="l">
-              <a:buFont typeface="Arial"/>
-              <a:buChar char="•"/>
-            </a:pPr>
-            <a:r>
-              <a:rPr lang="en-US" dirty="0" smtClean="0"/>
-              <a:t>require – alias to loading function</a:t>
-            </a:r>
-          </a:p>
-          <a:p>
-            <a:pPr lvl="2" indent="-457200" algn="l">
-              <a:buFont typeface="Arial"/>
-              <a:buChar char="•"/>
-            </a:pPr>
-            <a:r>
-              <a:rPr lang="en-US" dirty="0" smtClean="0"/>
-              <a:t>module – actual loading class</a:t>
-            </a:r>
-          </a:p>
-          <a:p>
-            <a:pPr lvl="2" indent="-457200" algn="l">
-              <a:buFont typeface="Arial"/>
-              <a:buChar char="•"/>
-            </a:pPr>
-            <a:r>
-              <a:rPr lang="en-US" dirty="0" smtClean="0"/>
-              <a:t>__filename – convenience </a:t>
-            </a:r>
-            <a:r>
-              <a:rPr lang="en-US" dirty="0" err="1"/>
-              <a:t>var</a:t>
-            </a:r>
-            <a:endParaRPr lang="en-US" dirty="0" smtClean="0"/>
-          </a:p>
-          <a:p>
-            <a:pPr lvl="2" indent="-457200" algn="l">
-              <a:buFont typeface="Arial"/>
-              <a:buChar char="•"/>
-            </a:pPr>
-            <a:r>
-              <a:rPr lang="en-US" dirty="0" smtClean="0"/>
-              <a:t>__</a:t>
-            </a:r>
-            <a:r>
-              <a:rPr lang="en-US" dirty="0" err="1" smtClean="0"/>
-              <a:t>dirname</a:t>
-            </a:r>
-            <a:r>
-              <a:rPr lang="en-US" dirty="0"/>
-              <a:t> – convenience </a:t>
-            </a:r>
-            <a:r>
-              <a:rPr lang="en-US" dirty="0" err="1" smtClean="0"/>
-              <a:t>var</a:t>
-            </a:r>
-            <a:endParaRPr lang="en-US" dirty="0" smtClean="0"/>
+              <a:t> </a:t>
+            </a:r>
+            <a:r>
+              <a:rPr lang="en-US" dirty="0" smtClean="0"/>
+              <a:t>get cache'</a:t>
+            </a:r>
+          </a:p>
+          <a:p>
+            <a:pPr marL="342900" lvl="1" indent="-342900" algn="l">
+              <a:buFont typeface="Arial"/>
+              <a:buChar char="•"/>
+            </a:pPr>
+            <a:r>
+              <a:rPr lang="en-US" dirty="0" err="1" smtClean="0"/>
+              <a:t>npm</a:t>
+            </a:r>
+            <a:r>
+              <a:rPr lang="en-US" dirty="0" smtClean="0"/>
+              <a:t> caches packages like browsers do</a:t>
+            </a:r>
+          </a:p>
+          <a:p>
+            <a:pPr marL="342900" lvl="1" indent="-342900" algn="l">
+              <a:buFont typeface="Arial"/>
+              <a:buChar char="•"/>
+            </a:pPr>
+            <a:r>
+              <a:rPr lang="en-US" dirty="0" smtClean="0"/>
+              <a:t>Normally this is A Good Thing</a:t>
+            </a:r>
+          </a:p>
+          <a:p>
+            <a:pPr marL="342900" lvl="1" indent="-342900" algn="l">
+              <a:buFont typeface="Arial"/>
+              <a:buChar char="•"/>
+            </a:pPr>
+            <a:r>
+              <a:rPr lang="en-US" dirty="0" smtClean="0"/>
+              <a:t>When having weird issues:</a:t>
+            </a:r>
+          </a:p>
+          <a:p>
+            <a:pPr marL="342900" lvl="1" indent="-342900" algn="l">
+              <a:buFont typeface="Arial"/>
+              <a:buChar char="•"/>
+            </a:pPr>
+            <a:r>
+              <a:rPr lang="en-US" dirty="0" smtClean="0"/>
+              <a:t>'</a:t>
+            </a:r>
+            <a:r>
+              <a:rPr lang="en-US" dirty="0" err="1" smtClean="0"/>
+              <a:t>npm</a:t>
+            </a:r>
+            <a:r>
+              <a:rPr lang="en-US" dirty="0" smtClean="0"/>
+              <a:t> cache clean'</a:t>
+            </a:r>
           </a:p>
         </p:txBody>
       </p:sp>
     </p:spTree>
     <p:extLst>
       <p:ext uri="{BB962C8B-B14F-4D97-AF65-F5344CB8AC3E}">
-        <p14:creationId xmlns:p14="http://schemas.microsoft.com/office/powerpoint/2010/main" val="1768740354"/>
+        <p14:creationId xmlns:p14="http://schemas.microsoft.com/office/powerpoint/2010/main" val="2673864716"/>
       </p:ext>
     </p:extLst>
   </p:cSld>
@@ -8985,144 +8818,87 @@
           </a:bodyPr>
           <a:lstStyle/>
           <a:p>
-            <a:pPr marL="0" lvl="1" algn="l"/>
-            <a:r>
-              <a:rPr lang="en-US" dirty="0" smtClean="0"/>
-              <a:t>Exports usage</a:t>
-            </a:r>
-          </a:p>
-          <a:p>
-            <a:pPr lvl="1" indent="-457200" algn="l">
-              <a:buFont typeface="Arial"/>
-              <a:buChar char="•"/>
-            </a:pPr>
-            <a:r>
-              <a:rPr lang="en-US" dirty="0" smtClean="0"/>
-              <a:t>Simple object – just assign</a:t>
-            </a:r>
-          </a:p>
-          <a:p>
-            <a:pPr lvl="2" indent="-457200" algn="l">
-              <a:buFont typeface="Arial"/>
-              <a:buChar char="•"/>
-            </a:pPr>
-            <a:r>
-              <a:rPr lang="en-US" dirty="0" err="1" smtClean="0"/>
-              <a:t>exports.key</a:t>
-            </a:r>
-            <a:r>
-              <a:rPr lang="en-US" dirty="0" smtClean="0"/>
-              <a:t> = 'value'</a:t>
-            </a:r>
-          </a:p>
-          <a:p>
-            <a:pPr lvl="1" indent="-457200" algn="l">
-              <a:buFont typeface="Arial"/>
-              <a:buChar char="•"/>
-            </a:pPr>
-            <a:r>
-              <a:rPr lang="en-US" dirty="0" smtClean="0"/>
-              <a:t>Constructor</a:t>
-            </a:r>
-          </a:p>
-          <a:p>
-            <a:pPr lvl="2" indent="-457200" algn="l">
-              <a:buFont typeface="Arial"/>
-              <a:buChar char="•"/>
-            </a:pPr>
-            <a:r>
-              <a:rPr lang="en-US" dirty="0" err="1" smtClean="0"/>
-              <a:t>module.exports</a:t>
-            </a:r>
-            <a:r>
-              <a:rPr lang="en-US" dirty="0" smtClean="0"/>
-              <a:t> = function ( </a:t>
-            </a:r>
-            <a:r>
-              <a:rPr lang="en-US" dirty="0" err="1" smtClean="0"/>
-              <a:t>constr_args</a:t>
-            </a:r>
-            <a:r>
-              <a:rPr lang="en-US" dirty="0" smtClean="0"/>
-              <a:t> )</a:t>
-            </a:r>
-          </a:p>
-          <a:p>
-            <a:pPr lvl="2" indent="-457200" algn="l">
-              <a:buFont typeface="Arial"/>
-              <a:buChar char="•"/>
-            </a:pPr>
-            <a:r>
-              <a:rPr lang="en-US" dirty="0" err="1" smtClean="0"/>
-              <a:t>var</a:t>
+            <a:pPr marL="342900" lvl="1" indent="-342900" algn="l">
+              <a:buFont typeface="Arial"/>
+              <a:buChar char="•"/>
+            </a:pPr>
+            <a:r>
+              <a:rPr lang="en-US" dirty="0" smtClean="0"/>
+              <a:t>JS &lt; ES6 has no built in module support</a:t>
+            </a:r>
+          </a:p>
+          <a:p>
+            <a:pPr marL="342900" lvl="1" indent="-342900" algn="l">
+              <a:buFont typeface="Arial"/>
+              <a:buChar char="•"/>
+            </a:pPr>
+            <a:r>
+              <a:rPr lang="en-US" dirty="0" err="1" smtClean="0"/>
+              <a:t>CommonJS</a:t>
+            </a:r>
+            <a:r>
+              <a:rPr lang="en-US" dirty="0" smtClean="0"/>
+              <a:t> was a project ~2009</a:t>
+            </a:r>
+          </a:p>
+          <a:p>
+            <a:pPr marL="342900" lvl="1" indent="-342900" algn="l">
+              <a:buFont typeface="Arial"/>
+              <a:buChar char="•"/>
+            </a:pPr>
+            <a:r>
+              <a:rPr lang="en-US" dirty="0" smtClean="0"/>
+              <a:t>The working group stalled</a:t>
+            </a:r>
+          </a:p>
+          <a:p>
+            <a:pPr marL="342900" lvl="1" indent="-342900" algn="l">
+              <a:buFont typeface="Arial"/>
+              <a:buChar char="•"/>
+            </a:pPr>
+            <a:r>
+              <a:rPr lang="en-US" dirty="0" smtClean="0"/>
+              <a:t>Client-side users moved on to AMD</a:t>
+            </a:r>
+          </a:p>
+          <a:p>
+            <a:pPr marL="342900" lvl="1" indent="-342900" algn="l">
+              <a:buFont typeface="Arial"/>
+              <a:buChar char="•"/>
+            </a:pPr>
+            <a:r>
+              <a:rPr lang="en-US" dirty="0" smtClean="0"/>
+              <a:t>But </a:t>
+            </a:r>
+            <a:r>
+              <a:rPr lang="en-US" dirty="0" err="1" smtClean="0"/>
+              <a:t>Node.js</a:t>
+            </a:r>
+            <a:r>
+              <a:rPr lang="en-US" dirty="0" smtClean="0"/>
+              <a:t> adopted </a:t>
+            </a:r>
+            <a:r>
+              <a:rPr lang="en-US" dirty="0" err="1" smtClean="0"/>
+              <a:t>CommonJS</a:t>
             </a:r>
             <a:r>
               <a:rPr lang="en-US" dirty="0" smtClean="0"/>
               <a:t> </a:t>
             </a:r>
-            <a:r>
-              <a:rPr lang="en-US" dirty="0" err="1" smtClean="0"/>
-              <a:t>myClass</a:t>
-            </a:r>
-            <a:r>
-              <a:rPr lang="en-US" dirty="0" smtClean="0"/>
-              <a:t> = require( '</a:t>
-            </a:r>
-            <a:r>
-              <a:rPr lang="en-US" dirty="0" err="1" smtClean="0"/>
-              <a:t>someClass</a:t>
-            </a:r>
-            <a:r>
-              <a:rPr lang="en-US" dirty="0" smtClean="0"/>
-              <a:t>' );</a:t>
-            </a:r>
-          </a:p>
-          <a:p>
-            <a:pPr lvl="2" indent="-457200" algn="l">
-              <a:buFont typeface="Arial"/>
-              <a:buChar char="•"/>
-            </a:pPr>
-            <a:r>
-              <a:rPr lang="en-US" dirty="0" err="1" smtClean="0"/>
-              <a:t>var</a:t>
-            </a:r>
-            <a:r>
-              <a:rPr lang="en-US" dirty="0" smtClean="0"/>
-              <a:t> </a:t>
-            </a:r>
-            <a:r>
-              <a:rPr lang="en-US" dirty="0" err="1" smtClean="0"/>
-              <a:t>myInstance</a:t>
-            </a:r>
-            <a:r>
-              <a:rPr lang="en-US" dirty="0" smtClean="0"/>
-              <a:t> = </a:t>
-            </a:r>
-            <a:r>
-              <a:rPr lang="en-US" dirty="0" err="1" smtClean="0"/>
-              <a:t>myClass</a:t>
-            </a:r>
-            <a:r>
-              <a:rPr lang="en-US" dirty="0" smtClean="0"/>
-              <a:t>( 'yes!' );</a:t>
-            </a:r>
-          </a:p>
-          <a:p>
-            <a:pPr lvl="1" indent="-457200" algn="l">
-              <a:buFont typeface="Arial"/>
-              <a:buChar char="•"/>
-            </a:pPr>
-            <a:r>
-              <a:rPr lang="en-US" dirty="0" smtClean="0"/>
-              <a:t>Setting </a:t>
-            </a:r>
-            <a:r>
-              <a:rPr lang="en-US" dirty="0" err="1" smtClean="0"/>
-              <a:t>module.exports</a:t>
-            </a:r>
-            <a:r>
-              <a:rPr lang="en-US" dirty="0" smtClean="0"/>
-              <a:t> overrides exports</a:t>
+          </a:p>
+          <a:p>
+            <a:pPr marL="342900" lvl="1" indent="-342900" algn="l">
+              <a:buFont typeface="Arial"/>
+              <a:buChar char="•"/>
+            </a:pPr>
+            <a:r>
+              <a:rPr lang="en-US" dirty="0" err="1" smtClean="0"/>
+              <a:t>Node.js</a:t>
+            </a:r>
+            <a:r>
+              <a:rPr lang="en-US" dirty="0" smtClean="0"/>
+              <a:t> format &amp; CJS are now one and same</a:t>
             </a:r>
           </a:p>
         </p:txBody>
@@ -9130,7 +8906,7 @@
     </p:spTree>
     <p:extLst>
       <p:ext uri="{BB962C8B-B14F-4D97-AF65-F5344CB8AC3E}">
-        <p14:creationId xmlns:p14="http://schemas.microsoft.com/office/powerpoint/2010/main" val="3466214640"/>
+        <p14:creationId xmlns:p14="http://schemas.microsoft.com/office/powerpoint/2010/main" val="1066210836"/>
       </p:ext>
     </p:extLst>
   </p:cSld>
@@ -9178,8 +8954,8 @@
           <a:lstStyle/>
           <a:p>
             <a:r>
-              <a:rPr lang="en-US" dirty="0" smtClean="0"/>
-              <a:t>Lab: create a package</a:t>
+              <a:rPr lang="en-US" dirty="0" err="1" smtClean="0"/>
+              <a:t>CommonJS</a:t>
             </a:r>
             <a:endParaRPr lang="en-US" dirty="0"/>
           </a:p>
@@ -9207,109 +8983,80 @@
           </a:bodyPr>
           <a:lstStyle/>
           <a:p>
-            <a:pPr lvl="1" indent="-457200" algn="l">
-              <a:buFont typeface="Arial"/>
-              <a:buChar char="•"/>
-            </a:pPr>
-            <a:r>
-              <a:rPr lang="en-US" dirty="0" smtClean="0"/>
-              <a:t>Create </a:t>
-            </a:r>
-            <a:r>
-              <a:rPr lang="en-US" dirty="0" err="1" smtClean="0"/>
-              <a:t>package.json</a:t>
+            <a:pPr marL="342900" lvl="1" indent="-342900" algn="l">
+              <a:buFont typeface="Arial"/>
+              <a:buChar char="•"/>
+            </a:pPr>
+            <a:r>
+              <a:rPr lang="en-US" dirty="0" smtClean="0"/>
+              <a:t>Two API functions assumed provided:</a:t>
+            </a:r>
+          </a:p>
+          <a:p>
+            <a:pPr marL="800100" lvl="2" indent="-342900" algn="l">
+              <a:buFont typeface="Arial"/>
+              <a:buChar char="•"/>
+            </a:pPr>
+            <a:r>
+              <a:rPr lang="en-US" dirty="0" smtClean="0"/>
+              <a:t>require - </a:t>
+            </a:r>
+            <a:r>
+              <a:rPr lang="en-US" dirty="0"/>
+              <a:t>loads modules</a:t>
             </a:r>
             <a:endParaRPr lang="en-US" dirty="0" smtClean="0"/>
           </a:p>
           <a:p>
-            <a:pPr lvl="2" indent="-457200" algn="l">
-              <a:buFont typeface="Arial"/>
-              <a:buChar char="•"/>
-            </a:pPr>
-            <a:r>
-              <a:rPr lang="en-US" dirty="0" smtClean="0"/>
-              <a:t>Add '</a:t>
-            </a:r>
-            <a:r>
-              <a:rPr lang="en-US" dirty="0" err="1" smtClean="0"/>
-              <a:t>asciify</a:t>
-            </a:r>
-            <a:r>
-              <a:rPr lang="en-US" dirty="0" smtClean="0"/>
-              <a:t>' library</a:t>
-            </a:r>
-          </a:p>
-          <a:p>
-            <a:pPr lvl="2" indent="-457200" algn="l">
-              <a:buFont typeface="Arial"/>
-              <a:buChar char="•"/>
-            </a:pPr>
+            <a:pPr marL="800100" lvl="2" indent="-342900" algn="l">
+              <a:buFont typeface="Arial"/>
+              <a:buChar char="•"/>
+            </a:pPr>
+            <a:r>
+              <a:rPr lang="en-US" dirty="0" smtClean="0"/>
+              <a:t>exports - </a:t>
+            </a:r>
             <a:r>
               <a:rPr lang="en-US" dirty="0"/>
-              <a:t>https://</a:t>
-            </a:r>
-            <a:r>
-              <a:rPr lang="en-US" dirty="0" err="1"/>
-              <a:t>www.npmjs.com</a:t>
+              <a:t>declares </a:t>
+            </a:r>
+            <a:r>
+              <a:rPr lang="en-US" dirty="0" smtClean="0"/>
+              <a:t>modules</a:t>
+            </a:r>
+          </a:p>
+          <a:p>
+            <a:pPr marL="342900" lvl="1" indent="-342900" algn="l">
+              <a:buFont typeface="Arial"/>
+              <a:buChar char="•"/>
+            </a:pPr>
+            <a:r>
+              <a:rPr lang="en-US" dirty="0" smtClean="0"/>
+              <a:t>Both </a:t>
             </a:r>
             <a:r>
               <a:rPr lang="en-US" dirty="0"/>
-              <a:t>/package/</a:t>
-            </a:r>
-            <a:r>
-              <a:rPr lang="en-US" dirty="0" err="1"/>
-              <a:t>asciify</a:t>
-            </a:r>
+              <a:t>are methods of </a:t>
+            </a:r>
+            <a:r>
+              <a:rPr lang="en-US" dirty="0" smtClean="0"/>
+              <a:t>Module class</a:t>
+            </a:r>
+            <a:endParaRPr lang="en-US" dirty="0"/>
+          </a:p>
+          <a:p>
+            <a:pPr marL="342900" lvl="1" indent="-342900" algn="l">
+              <a:buFont typeface="Arial"/>
+              <a:buChar char="•"/>
+            </a:pPr>
             <a:endParaRPr lang="en-US" dirty="0" smtClean="0"/>
-          </a:p>
-          <a:p>
-            <a:pPr lvl="1" indent="-457200" algn="l">
-              <a:buFont typeface="Arial"/>
-              <a:buChar char="•"/>
-            </a:pPr>
-            <a:r>
-              <a:rPr lang="en-US" dirty="0" smtClean="0"/>
-              <a:t>Wrapper</a:t>
-            </a:r>
-          </a:p>
-          <a:p>
-            <a:pPr lvl="2" indent="-457200" algn="l">
-              <a:buFont typeface="Arial"/>
-              <a:buChar char="•"/>
-            </a:pPr>
-            <a:r>
-              <a:rPr lang="en-US" dirty="0" smtClean="0"/>
-              <a:t>Create a module</a:t>
-            </a:r>
-          </a:p>
-          <a:p>
-            <a:pPr lvl="2" indent="-457200" algn="l">
-              <a:buFont typeface="Arial"/>
-              <a:buChar char="•"/>
-            </a:pPr>
-            <a:r>
-              <a:rPr lang="en-US" smtClean="0"/>
-              <a:t>Takes input </a:t>
-            </a:r>
-            <a:r>
-              <a:rPr lang="en-US" dirty="0" smtClean="0"/>
-              <a:t>&amp; prints </a:t>
-            </a:r>
-            <a:r>
-              <a:rPr lang="en-US" dirty="0" err="1" smtClean="0"/>
-              <a:t>ascii</a:t>
-            </a:r>
-            <a:r>
-              <a:rPr lang="en-US" dirty="0" smtClean="0"/>
-              <a:t> output</a:t>
-            </a:r>
           </a:p>
         </p:txBody>
       </p:sp>
     </p:spTree>
     <p:extLst>
       <p:ext uri="{BB962C8B-B14F-4D97-AF65-F5344CB8AC3E}">
-        <p14:creationId xmlns:p14="http://schemas.microsoft.com/office/powerpoint/2010/main" val="245128068"/>
+        <p14:creationId xmlns:p14="http://schemas.microsoft.com/office/powerpoint/2010/main" val="1937802425"/>
       </p:ext>
     </p:extLst>
   </p:cSld>
@@ -9358,11 +9105,7 @@
           <a:p>
             <a:r>
               <a:rPr lang="en-US" dirty="0" err="1" smtClean="0"/>
-              <a:t>Node.js</a:t>
-            </a:r>
-            <a:r>
-              <a:rPr lang="en-US" dirty="0" smtClean="0"/>
-              <a:t> architecture</a:t>
+              <a:t>CommonJS</a:t>
             </a:r>
             <a:endParaRPr lang="en-US" dirty="0"/>
           </a:p>
@@ -9386,62 +9129,211 @@
         </p:spPr>
         <p:txBody>
           <a:bodyPr>
-            <a:normAutofit/>
+            <a:normAutofit fontScale="85000" lnSpcReduction="20000"/>
           </a:bodyPr>
           <a:lstStyle/>
           <a:p>
             <a:pPr marL="0" lvl="1" algn="l"/>
             <a:r>
               <a:rPr lang="en-US" dirty="0" smtClean="0"/>
-              <a:t>Why </a:t>
-            </a:r>
-            <a:r>
-              <a:rPr lang="en-US" dirty="0" err="1" smtClean="0"/>
-              <a:t>Node.js</a:t>
-            </a:r>
-            <a:r>
-              <a:rPr lang="en-US" dirty="0" smtClean="0"/>
-              <a:t>?</a:t>
+              <a:t>require('</a:t>
+            </a:r>
+            <a:r>
+              <a:rPr lang="en-US" dirty="0" err="1" smtClean="0"/>
+              <a:t>package_name</a:t>
+            </a:r>
+            <a:r>
+              <a:rPr lang="en-US" dirty="0"/>
+              <a:t>'</a:t>
+            </a:r>
+            <a:r>
+              <a:rPr lang="en-US" dirty="0" smtClean="0"/>
+              <a:t>) load algorithm</a:t>
             </a:r>
           </a:p>
           <a:p>
             <a:pPr lvl="1" indent="-457200" algn="l">
-              <a:buFont typeface="Arial"/>
-              <a:buChar char="•"/>
-            </a:pPr>
-            <a:r>
-              <a:rPr lang="en-US" dirty="0" smtClean="0"/>
-              <a:t>The dirty secret of web servers</a:t>
+              <a:buFont typeface="+mj-lt"/>
+              <a:buAutoNum type="arabicPeriod"/>
+            </a:pPr>
+            <a:r>
+              <a:rPr lang="en-US" dirty="0" smtClean="0"/>
+              <a:t>Core Node module </a:t>
+            </a:r>
+            <a:r>
+              <a:rPr lang="en-US" dirty="0"/>
+              <a:t>'</a:t>
+            </a:r>
+            <a:r>
+              <a:rPr lang="en-US" dirty="0" err="1"/>
+              <a:t>package_name</a:t>
+            </a:r>
+            <a:r>
+              <a:rPr lang="en-US" dirty="0" smtClean="0"/>
+              <a:t>'</a:t>
             </a:r>
           </a:p>
           <a:p>
             <a:pPr lvl="1" indent="-457200" algn="l">
-              <a:buFont typeface="Arial"/>
-              <a:buChar char="•"/>
-            </a:pPr>
-            <a:r>
-              <a:rPr lang="en-US" dirty="0" smtClean="0"/>
-              <a:t>Most of the time the CPU is idle</a:t>
+              <a:buFont typeface="+mj-lt"/>
+              <a:buAutoNum type="arabicPeriod"/>
+            </a:pPr>
+            <a:r>
+              <a:rPr lang="en-US" dirty="0" smtClean="0"/>
+              <a:t>In ./</a:t>
+            </a:r>
+            <a:r>
+              <a:rPr lang="en-US" dirty="0" err="1" smtClean="0"/>
+              <a:t>node_modules</a:t>
+            </a:r>
+            <a:r>
+              <a:rPr lang="en-US" dirty="0" smtClean="0"/>
+              <a:t>:</a:t>
+            </a:r>
+          </a:p>
+          <a:p>
+            <a:pPr lvl="2" indent="-457200" algn="l">
+              <a:buFont typeface="+mj-lt"/>
+              <a:buAutoNum type="arabicPeriod"/>
+            </a:pPr>
+            <a:r>
+              <a:rPr lang="en-US" dirty="0" err="1" smtClean="0"/>
+              <a:t>package_name.js</a:t>
+            </a:r>
+            <a:endParaRPr lang="en-US" dirty="0"/>
+          </a:p>
+          <a:p>
+            <a:pPr lvl="2" indent="-457200" algn="l">
+              <a:buFont typeface="+mj-lt"/>
+              <a:buAutoNum type="arabicPeriod"/>
+            </a:pPr>
+            <a:r>
+              <a:rPr lang="en-US" dirty="0" err="1" smtClean="0"/>
+              <a:t>package_name</a:t>
+            </a:r>
+            <a:r>
+              <a:rPr lang="en-US" dirty="0" smtClean="0"/>
+              <a:t>/</a:t>
+            </a:r>
+            <a:r>
+              <a:rPr lang="en-US" dirty="0" err="1" smtClean="0"/>
+              <a:t>index.js</a:t>
+            </a:r>
+            <a:endParaRPr lang="en-US" dirty="0"/>
+          </a:p>
+          <a:p>
+            <a:pPr lvl="2" indent="-457200" algn="l">
+              <a:buFont typeface="+mj-lt"/>
+              <a:buAutoNum type="arabicPeriod"/>
+            </a:pPr>
+            <a:r>
+              <a:rPr lang="en-US" dirty="0" err="1"/>
+              <a:t>package_name</a:t>
+            </a:r>
+            <a:r>
+              <a:rPr lang="en-US" dirty="0" smtClean="0"/>
+              <a:t>/</a:t>
+            </a:r>
+            <a:r>
+              <a:rPr lang="en-US" dirty="0" err="1" smtClean="0"/>
+              <a:t>package.json</a:t>
+            </a:r>
+            <a:r>
+              <a:rPr lang="en-US" dirty="0" smtClean="0"/>
+              <a:t> &gt; 'main'</a:t>
             </a:r>
           </a:p>
           <a:p>
             <a:pPr lvl="1" indent="-457200" algn="l">
-              <a:buFont typeface="Arial"/>
-              <a:buChar char="•"/>
-            </a:pPr>
-            <a:r>
-              <a:rPr lang="en-US" dirty="0" smtClean="0"/>
-              <a:t>Waiting on data from somewhere else</a:t>
+              <a:buFont typeface="+mj-lt"/>
+              <a:buAutoNum type="arabicPeriod"/>
+            </a:pPr>
+            <a:r>
+              <a:rPr lang="en-US" dirty="0" smtClean="0"/>
+              <a:t>../</a:t>
+            </a:r>
+            <a:r>
+              <a:rPr lang="en-US" dirty="0" err="1" smtClean="0"/>
+              <a:t>node_modules</a:t>
+            </a:r>
+            <a:r>
+              <a:rPr lang="en-US" dirty="0" smtClean="0"/>
+              <a:t> back to root</a:t>
             </a:r>
           </a:p>
           <a:p>
             <a:pPr lvl="1" indent="-457200" algn="l">
-              <a:buFont typeface="Arial"/>
-              <a:buChar char="•"/>
-            </a:pPr>
-            <a:r>
-              <a:rPr lang="en-US" dirty="0" smtClean="0"/>
-              <a:t>Concurrency &gt; Computation</a:t>
+              <a:buFont typeface="+mj-lt"/>
+              <a:buAutoNum type="arabicPeriod"/>
+            </a:pPr>
+            <a:r>
+              <a:rPr lang="en-US" dirty="0" smtClean="0"/>
+              <a:t>Folders listed in NODE_PATH</a:t>
+            </a:r>
+          </a:p>
+          <a:p>
+            <a:pPr lvl="1" indent="-457200" algn="l">
+              <a:buFont typeface="+mj-lt"/>
+              <a:buAutoNum type="arabicPeriod"/>
+            </a:pPr>
+            <a:r>
+              <a:rPr lang="en-US" dirty="0" smtClean="0"/>
+              <a:t>Additional folders</a:t>
+            </a:r>
+          </a:p>
+          <a:p>
+            <a:pPr lvl="2" indent="-457200" algn="l">
+              <a:buFont typeface="+mj-lt"/>
+              <a:buAutoNum type="arabicPeriod"/>
+            </a:pPr>
+            <a:r>
+              <a:rPr lang="en-US" dirty="0"/>
+              <a:t>$HOME/.</a:t>
+            </a:r>
+            <a:r>
+              <a:rPr lang="en-US" dirty="0" err="1" smtClean="0"/>
+              <a:t>node_modules</a:t>
+            </a:r>
+            <a:endParaRPr lang="en-US" dirty="0" smtClean="0"/>
+          </a:p>
+          <a:p>
+            <a:pPr lvl="2" indent="-457200" algn="l">
+              <a:buFont typeface="+mj-lt"/>
+              <a:buAutoNum type="arabicPeriod"/>
+            </a:pPr>
+            <a:r>
+              <a:rPr lang="en-US" dirty="0"/>
+              <a:t>$HOME/.</a:t>
+            </a:r>
+            <a:r>
+              <a:rPr lang="en-US" dirty="0" err="1" smtClean="0"/>
+              <a:t>node_libraries</a:t>
+            </a:r>
+            <a:endParaRPr lang="en-US" dirty="0" smtClean="0"/>
+          </a:p>
+          <a:p>
+            <a:pPr lvl="2" indent="-457200" algn="l">
+              <a:buFont typeface="+mj-lt"/>
+              <a:buAutoNum type="arabicPeriod"/>
+            </a:pPr>
+            <a:r>
+              <a:rPr lang="en-US" dirty="0"/>
+              <a:t>$PREFIX/lib/</a:t>
+            </a:r>
+            <a:r>
+              <a:rPr lang="en-US" dirty="0" smtClean="0"/>
+              <a:t>node</a:t>
+            </a:r>
+          </a:p>
+          <a:p>
+            <a:pPr marL="0" lvl="1" algn="l"/>
+            <a:r>
+              <a:rPr lang="en-US" dirty="0" err="1" smtClean="0"/>
+              <a:t>require.resolve</a:t>
+            </a:r>
+            <a:r>
+              <a:rPr lang="en-US" dirty="0" smtClean="0"/>
+              <a:t>(…) will provide filename</a:t>
             </a:r>
           </a:p>
         </p:txBody>
@@ -9449,7 +9341,7 @@
     </p:spTree>
     <p:extLst>
       <p:ext uri="{BB962C8B-B14F-4D97-AF65-F5344CB8AC3E}">
-        <p14:creationId xmlns:p14="http://schemas.microsoft.com/office/powerpoint/2010/main" val="781477868"/>
+        <p14:creationId xmlns:p14="http://schemas.microsoft.com/office/powerpoint/2010/main" val="1937802425"/>
       </p:ext>
     </p:extLst>
   </p:cSld>
@@ -9498,11 +9390,7 @@
           <a:p>
             <a:r>
               <a:rPr lang="en-US" dirty="0" err="1" smtClean="0"/>
-              <a:t>Node.js</a:t>
-            </a:r>
-            <a:r>
-              <a:rPr lang="en-US" dirty="0" smtClean="0"/>
-              <a:t> architecture</a:t>
+              <a:t>CommonJS</a:t>
             </a:r>
             <a:endParaRPr lang="en-US" dirty="0"/>
           </a:p>
@@ -9526,98 +9414,86 @@
         </p:spPr>
         <p:txBody>
           <a:bodyPr>
-            <a:normAutofit fontScale="92500" lnSpcReduction="10000"/>
+            <a:normAutofit/>
           </a:bodyPr>
           <a:lstStyle/>
           <a:p>
             <a:pPr marL="0" lvl="1" algn="l"/>
             <a:r>
               <a:rPr lang="en-US" dirty="0" smtClean="0"/>
-              <a:t>Set up new connection – 50ms</a:t>
-            </a:r>
-          </a:p>
-          <a:p>
-            <a:pPr marL="0" lvl="1" algn="l"/>
-            <a:r>
-              <a:rPr lang="en-US" dirty="0" smtClean="0"/>
-              <a:t>Send query to dB – 20ms</a:t>
-            </a:r>
-          </a:p>
-          <a:p>
-            <a:pPr marL="0" lvl="1" algn="l"/>
-            <a:r>
-              <a:rPr lang="en-US" dirty="0" smtClean="0"/>
-              <a:t>(wait) – 125-400ms</a:t>
-            </a:r>
-          </a:p>
-          <a:p>
-            <a:pPr marL="0" lvl="1" algn="l"/>
-            <a:r>
-              <a:rPr lang="en-US" dirty="0" smtClean="0"/>
-              <a:t>Process</a:t>
-            </a:r>
-            <a:r>
-              <a:rPr lang="en-US" dirty="0" smtClean="0"/>
-              <a:t> query results – 50ms</a:t>
-            </a:r>
-          </a:p>
-          <a:p>
-            <a:pPr marL="0" lvl="1" algn="l"/>
-            <a:r>
-              <a:rPr lang="en-US" dirty="0"/>
-              <a:t>Business logic – 20</a:t>
-            </a:r>
-            <a:r>
-              <a:rPr lang="en-US" dirty="0" smtClean="0"/>
-              <a:t>-75ms</a:t>
-            </a:r>
-          </a:p>
-          <a:p>
-            <a:pPr marL="0" lvl="1" algn="l"/>
-            <a:r>
-              <a:rPr lang="en-US" dirty="0" smtClean="0"/>
-              <a:t>Call a web service – 35ms</a:t>
-            </a:r>
-          </a:p>
-          <a:p>
-            <a:pPr marL="0" lvl="1" algn="l"/>
-            <a:r>
-              <a:rPr lang="en-US" dirty="0" smtClean="0"/>
-              <a:t>(wait) – 200-750ms</a:t>
-            </a:r>
-          </a:p>
-          <a:p>
-            <a:pPr marL="0" lvl="1" algn="l"/>
-            <a:r>
-              <a:rPr lang="en-US" dirty="0" smtClean="0"/>
-              <a:t>Process results – 20ms</a:t>
-            </a:r>
-          </a:p>
-          <a:p>
-            <a:pPr marL="0" lvl="1" algn="l"/>
-            <a:r>
-              <a:rPr lang="en-US" dirty="0" smtClean="0"/>
-              <a:t>Send to network – 20ms</a:t>
-            </a:r>
-          </a:p>
-          <a:p>
-            <a:pPr marL="0" lvl="1" algn="l"/>
-            <a:r>
-              <a:rPr lang="en-US" dirty="0" smtClean="0"/>
-              <a:t>(end)</a:t>
-            </a:r>
-            <a:endParaRPr lang="en-US" dirty="0"/>
-          </a:p>
-          <a:p>
-            <a:pPr marL="0" lvl="1" algn="l"/>
+              <a:t>More require</a:t>
+            </a:r>
+          </a:p>
+          <a:p>
+            <a:pPr lvl="1" indent="-457200" algn="l">
+              <a:buFont typeface="Arial"/>
+              <a:buChar char="•"/>
+            </a:pPr>
+            <a:r>
+              <a:rPr lang="en-US" dirty="0" smtClean="0"/>
+              <a:t>If not found, will retry with extensions</a:t>
+            </a:r>
+          </a:p>
+          <a:p>
+            <a:pPr lvl="2" indent="-457200" algn="l">
+              <a:buFont typeface="+mj-lt"/>
+              <a:buAutoNum type="arabicPeriod"/>
+            </a:pPr>
+            <a:r>
+              <a:rPr lang="en-US" dirty="0" smtClean="0"/>
+              <a:t>.</a:t>
+            </a:r>
+            <a:r>
+              <a:rPr lang="en-US" dirty="0" err="1" smtClean="0"/>
+              <a:t>js</a:t>
+            </a:r>
             <a:endParaRPr lang="en-US" dirty="0" smtClean="0"/>
+          </a:p>
+          <a:p>
+            <a:pPr lvl="2" indent="-457200" algn="l">
+              <a:buFont typeface="+mj-lt"/>
+              <a:buAutoNum type="arabicPeriod"/>
+            </a:pPr>
+            <a:r>
+              <a:rPr lang="en-US" dirty="0" smtClean="0"/>
+              <a:t>.</a:t>
+            </a:r>
+            <a:r>
+              <a:rPr lang="en-US" dirty="0" err="1" smtClean="0"/>
+              <a:t>json</a:t>
+            </a:r>
+            <a:endParaRPr lang="en-US" dirty="0" smtClean="0"/>
+          </a:p>
+          <a:p>
+            <a:pPr lvl="2" indent="-457200" algn="l">
+              <a:buFont typeface="+mj-lt"/>
+              <a:buAutoNum type="arabicPeriod"/>
+            </a:pPr>
+            <a:r>
+              <a:rPr lang="en-US" dirty="0" smtClean="0"/>
+              <a:t>.node</a:t>
+            </a:r>
+          </a:p>
+          <a:p>
+            <a:pPr lvl="1" indent="-457200" algn="l">
+              <a:buFont typeface="Arial"/>
+              <a:buChar char="•"/>
+            </a:pPr>
+            <a:r>
+              <a:rPr lang="en-US" dirty="0" err="1" smtClean="0"/>
+              <a:t>require.resolve</a:t>
+            </a:r>
+            <a:r>
+              <a:rPr lang="en-US" dirty="0" smtClean="0"/>
+              <a:t>(…) will provide filename</a:t>
+            </a:r>
           </a:p>
         </p:txBody>
       </p:sp>
     </p:spTree>
     <p:extLst>
       <p:ext uri="{BB962C8B-B14F-4D97-AF65-F5344CB8AC3E}">
-        <p14:creationId xmlns:p14="http://schemas.microsoft.com/office/powerpoint/2010/main" val="1417984726"/>
+        <p14:creationId xmlns:p14="http://schemas.microsoft.com/office/powerpoint/2010/main" val="1170233164"/>
       </p:ext>
     </p:extLst>
   </p:cSld>
@@ -9666,6 +9542,1330 @@
           <a:p>
             <a:r>
               <a:rPr lang="en-US" dirty="0" err="1" smtClean="0"/>
+              <a:t>CommonJS</a:t>
+            </a:r>
+            <a:endParaRPr lang="en-US" dirty="0"/>
+          </a:p>
+        </p:txBody>
+      </p:sp>
+      <p:sp>
+        <p:nvSpPr>
+          <p:cNvPr id="3" name="Subtitle 2"/>
+          <p:cNvSpPr>
+            <a:spLocks noGrp="1"/>
+          </p:cNvSpPr>
+          <p:nvPr>
+            <p:ph type="subTitle" idx="1"/>
+          </p:nvPr>
+        </p:nvSpPr>
+        <p:spPr>
+          <a:xfrm>
+            <a:off x="1371600" y="1630710"/>
+            <a:ext cx="6400800" cy="4609893"/>
+          </a:xfrm>
+        </p:spPr>
+        <p:txBody>
+          <a:bodyPr>
+            <a:normAutofit/>
+          </a:bodyPr>
+          <a:lstStyle/>
+          <a:p>
+            <a:pPr marL="0" lvl="1" algn="l"/>
+            <a:r>
+              <a:rPr lang="en-US" dirty="0" smtClean="0"/>
+              <a:t>More require</a:t>
+            </a:r>
+          </a:p>
+          <a:p>
+            <a:pPr lvl="1" indent="-457200" algn="l">
+              <a:buFont typeface="Arial"/>
+              <a:buChar char="•"/>
+            </a:pPr>
+            <a:r>
+              <a:rPr lang="en-US" dirty="0" smtClean="0"/>
+              <a:t>On load, Node makes </a:t>
+            </a:r>
+            <a:r>
+              <a:rPr lang="en-US" dirty="0" err="1"/>
+              <a:t>M</a:t>
+            </a:r>
+            <a:r>
+              <a:rPr lang="en-US" dirty="0" err="1" smtClean="0"/>
+              <a:t>odule.cache</a:t>
+            </a:r>
+            <a:endParaRPr lang="en-US" dirty="0" smtClean="0"/>
+          </a:p>
+          <a:p>
+            <a:pPr lvl="1" indent="-457200" algn="l">
+              <a:buFont typeface="Arial"/>
+              <a:buChar char="•"/>
+            </a:pPr>
+            <a:r>
+              <a:rPr lang="en-US" dirty="0" smtClean="0"/>
+              <a:t>As load progresses, cache updates</a:t>
+            </a:r>
+          </a:p>
+          <a:p>
+            <a:pPr lvl="1" indent="-457200" algn="l">
+              <a:buFont typeface="Arial"/>
+              <a:buChar char="•"/>
+            </a:pPr>
+            <a:r>
+              <a:rPr lang="en-US" dirty="0" smtClean="0"/>
+              <a:t>On another require(), executes that</a:t>
+            </a:r>
+          </a:p>
+          <a:p>
+            <a:pPr lvl="1" indent="-457200" algn="l">
+              <a:buFont typeface="Arial"/>
+              <a:buChar char="•"/>
+            </a:pPr>
+            <a:r>
+              <a:rPr lang="en-US" dirty="0" smtClean="0"/>
+              <a:t>Synchronously returns result</a:t>
+            </a:r>
+          </a:p>
+          <a:p>
+            <a:pPr lvl="1" indent="-457200" algn="l">
+              <a:buFont typeface="Arial"/>
+              <a:buChar char="•"/>
+            </a:pPr>
+            <a:r>
+              <a:rPr lang="en-US" dirty="0" smtClean="0"/>
+              <a:t>Updates cache</a:t>
+            </a:r>
+          </a:p>
+          <a:p>
+            <a:pPr lvl="1" indent="-457200" algn="l">
+              <a:buFont typeface="Arial"/>
+              <a:buChar char="•"/>
+            </a:pPr>
+            <a:r>
+              <a:rPr lang="en-US" dirty="0" smtClean="0"/>
+              <a:t>For circular dependencies, returns (unfinished) cached module</a:t>
+            </a:r>
+          </a:p>
+        </p:txBody>
+      </p:sp>
+    </p:spTree>
+    <p:extLst>
+      <p:ext uri="{BB962C8B-B14F-4D97-AF65-F5344CB8AC3E}">
+        <p14:creationId xmlns:p14="http://schemas.microsoft.com/office/powerpoint/2010/main" val="4135064335"/>
+      </p:ext>
+    </p:extLst>
+  </p:cSld>
+  <p:clrMapOvr>
+    <a:masterClrMapping/>
+  </p:clrMapOvr>
+</p:sld>
+</file>
+
+<file path=ppt/slides/slide46.xml><?xml version="1.0" encoding="utf-8"?>
+<p:sld xmlns:a="http://schemas.openxmlformats.org/drawingml/2006/main" xmlns:r="http://schemas.openxmlformats.org/officeDocument/2006/relationships" xmlns:p="http://schemas.openxmlformats.org/presentationml/2006/main">
+  <p:cSld>
+    <p:spTree>
+      <p:nvGrpSpPr>
+        <p:cNvPr id="1" name=""/>
+        <p:cNvGrpSpPr/>
+        <p:nvPr/>
+      </p:nvGrpSpPr>
+      <p:grpSpPr>
+        <a:xfrm>
+          <a:off x="0" y="0"/>
+          <a:ext cx="0" cy="0"/>
+          <a:chOff x="0" y="0"/>
+          <a:chExt cx="0" cy="0"/>
+        </a:xfrm>
+      </p:grpSpPr>
+      <p:sp>
+        <p:nvSpPr>
+          <p:cNvPr id="2" name="Title 1"/>
+          <p:cNvSpPr>
+            <a:spLocks noGrp="1"/>
+          </p:cNvSpPr>
+          <p:nvPr>
+            <p:ph type="ctrTitle"/>
+          </p:nvPr>
+        </p:nvSpPr>
+        <p:spPr>
+          <a:xfrm>
+            <a:off x="685800" y="160685"/>
+            <a:ext cx="7772400" cy="1470025"/>
+          </a:xfrm>
+        </p:spPr>
+        <p:txBody>
+          <a:bodyPr/>
+          <a:lstStyle/>
+          <a:p>
+            <a:r>
+              <a:rPr lang="en-US" dirty="0" err="1" smtClean="0"/>
+              <a:t>CommonJS</a:t>
+            </a:r>
+            <a:endParaRPr lang="en-US" dirty="0"/>
+          </a:p>
+        </p:txBody>
+      </p:sp>
+      <p:sp>
+        <p:nvSpPr>
+          <p:cNvPr id="3" name="Subtitle 2"/>
+          <p:cNvSpPr>
+            <a:spLocks noGrp="1"/>
+          </p:cNvSpPr>
+          <p:nvPr>
+            <p:ph type="subTitle" idx="1"/>
+          </p:nvPr>
+        </p:nvSpPr>
+        <p:spPr>
+          <a:xfrm>
+            <a:off x="1371600" y="1630710"/>
+            <a:ext cx="6400800" cy="4609893"/>
+          </a:xfrm>
+        </p:spPr>
+        <p:txBody>
+          <a:bodyPr>
+            <a:normAutofit/>
+          </a:bodyPr>
+          <a:lstStyle/>
+          <a:p>
+            <a:pPr marL="0" lvl="1" algn="l"/>
+            <a:r>
+              <a:rPr lang="en-US" dirty="0" smtClean="0"/>
+              <a:t>Exports</a:t>
+            </a:r>
+          </a:p>
+          <a:p>
+            <a:pPr lvl="1" indent="-457200" algn="l">
+              <a:buFont typeface="Arial"/>
+              <a:buChar char="•"/>
+            </a:pPr>
+            <a:r>
+              <a:rPr lang="en-US" dirty="0" smtClean="0"/>
+              <a:t>One module per file</a:t>
+            </a:r>
+          </a:p>
+          <a:p>
+            <a:pPr lvl="1" indent="-457200" algn="l">
+              <a:buFont typeface="Arial"/>
+              <a:buChar char="•"/>
+            </a:pPr>
+            <a:r>
+              <a:rPr lang="en-US" dirty="0" smtClean="0"/>
+              <a:t>Node wraps file in expression:</a:t>
+            </a:r>
+          </a:p>
+          <a:p>
+            <a:pPr marL="0" lvl="1" algn="l"/>
+            <a:r>
+              <a:rPr lang="en-US" dirty="0"/>
+              <a:t>(function (exports, require, module, __filename, __</a:t>
+            </a:r>
+            <a:r>
+              <a:rPr lang="en-US" dirty="0" err="1"/>
+              <a:t>dirname</a:t>
+            </a:r>
+            <a:r>
+              <a:rPr lang="en-US" dirty="0"/>
+              <a:t>) {</a:t>
+            </a:r>
+          </a:p>
+          <a:p>
+            <a:pPr marL="0" lvl="1" algn="l"/>
+            <a:r>
+              <a:rPr lang="en-US" dirty="0" smtClean="0"/>
+              <a:t>    /</a:t>
+            </a:r>
+            <a:r>
+              <a:rPr lang="en-US" dirty="0"/>
+              <a:t>/ </a:t>
+            </a:r>
+            <a:r>
+              <a:rPr lang="en-US" dirty="0" smtClean="0"/>
+              <a:t>file code wrapped inside </a:t>
+            </a:r>
+            <a:r>
+              <a:rPr lang="en-US" dirty="0"/>
+              <a:t>here</a:t>
+            </a:r>
+          </a:p>
+          <a:p>
+            <a:pPr marL="0" lvl="1" algn="l"/>
+            <a:r>
+              <a:rPr lang="en-US" dirty="0"/>
+              <a:t>});</a:t>
+            </a:r>
+          </a:p>
+        </p:txBody>
+      </p:sp>
+    </p:spTree>
+    <p:extLst>
+      <p:ext uri="{BB962C8B-B14F-4D97-AF65-F5344CB8AC3E}">
+        <p14:creationId xmlns:p14="http://schemas.microsoft.com/office/powerpoint/2010/main" val="2868561985"/>
+      </p:ext>
+    </p:extLst>
+  </p:cSld>
+  <p:clrMapOvr>
+    <a:masterClrMapping/>
+  </p:clrMapOvr>
+</p:sld>
+</file>
+
+<file path=ppt/slides/slide47.xml><?xml version="1.0" encoding="utf-8"?>
+<p:sld xmlns:a="http://schemas.openxmlformats.org/drawingml/2006/main" xmlns:r="http://schemas.openxmlformats.org/officeDocument/2006/relationships" xmlns:p="http://schemas.openxmlformats.org/presentationml/2006/main">
+  <p:cSld>
+    <p:spTree>
+      <p:nvGrpSpPr>
+        <p:cNvPr id="1" name=""/>
+        <p:cNvGrpSpPr/>
+        <p:nvPr/>
+      </p:nvGrpSpPr>
+      <p:grpSpPr>
+        <a:xfrm>
+          <a:off x="0" y="0"/>
+          <a:ext cx="0" cy="0"/>
+          <a:chOff x="0" y="0"/>
+          <a:chExt cx="0" cy="0"/>
+        </a:xfrm>
+      </p:grpSpPr>
+      <p:sp>
+        <p:nvSpPr>
+          <p:cNvPr id="2" name="Title 1"/>
+          <p:cNvSpPr>
+            <a:spLocks noGrp="1"/>
+          </p:cNvSpPr>
+          <p:nvPr>
+            <p:ph type="ctrTitle"/>
+          </p:nvPr>
+        </p:nvSpPr>
+        <p:spPr>
+          <a:xfrm>
+            <a:off x="685800" y="160685"/>
+            <a:ext cx="7772400" cy="1470025"/>
+          </a:xfrm>
+        </p:spPr>
+        <p:txBody>
+          <a:bodyPr/>
+          <a:lstStyle/>
+          <a:p>
+            <a:r>
+              <a:rPr lang="en-US" dirty="0" err="1" smtClean="0"/>
+              <a:t>CommonJS</a:t>
+            </a:r>
+            <a:endParaRPr lang="en-US" dirty="0"/>
+          </a:p>
+        </p:txBody>
+      </p:sp>
+      <p:sp>
+        <p:nvSpPr>
+          <p:cNvPr id="3" name="Subtitle 2"/>
+          <p:cNvSpPr>
+            <a:spLocks noGrp="1"/>
+          </p:cNvSpPr>
+          <p:nvPr>
+            <p:ph type="subTitle" idx="1"/>
+          </p:nvPr>
+        </p:nvSpPr>
+        <p:spPr>
+          <a:xfrm>
+            <a:off x="1371600" y="1630710"/>
+            <a:ext cx="6400800" cy="4609893"/>
+          </a:xfrm>
+        </p:spPr>
+        <p:txBody>
+          <a:bodyPr>
+            <a:normAutofit/>
+          </a:bodyPr>
+          <a:lstStyle/>
+          <a:p>
+            <a:pPr marL="0" lvl="1" algn="l"/>
+            <a:r>
+              <a:rPr lang="en-US" dirty="0" smtClean="0"/>
+              <a:t>Exports wrapper</a:t>
+            </a:r>
+          </a:p>
+          <a:p>
+            <a:pPr lvl="1" indent="-457200" algn="l">
+              <a:buFont typeface="Arial"/>
+              <a:buChar char="•"/>
+            </a:pPr>
+            <a:r>
+              <a:rPr lang="en-US" dirty="0"/>
+              <a:t>Prevents variables escaping to </a:t>
+            </a:r>
+            <a:r>
+              <a:rPr lang="en-US" dirty="0" smtClean="0"/>
+              <a:t>global</a:t>
+            </a:r>
+          </a:p>
+          <a:p>
+            <a:pPr lvl="1" indent="-457200" algn="l">
+              <a:buFont typeface="Arial"/>
+              <a:buChar char="•"/>
+            </a:pPr>
+            <a:r>
+              <a:rPr lang="en-US" dirty="0" smtClean="0"/>
+              <a:t>Provides utilities</a:t>
+            </a:r>
+          </a:p>
+          <a:p>
+            <a:pPr lvl="2" indent="-457200" algn="l">
+              <a:buFont typeface="Arial"/>
+              <a:buChar char="•"/>
+            </a:pPr>
+            <a:r>
+              <a:rPr lang="en-US" dirty="0" smtClean="0"/>
+              <a:t>exports </a:t>
+            </a:r>
+            <a:r>
+              <a:rPr lang="en-US" dirty="0"/>
+              <a:t>– alias to </a:t>
+            </a:r>
+            <a:r>
+              <a:rPr lang="en-US" dirty="0" smtClean="0"/>
+              <a:t>declaring </a:t>
+            </a:r>
+            <a:r>
+              <a:rPr lang="en-US" dirty="0"/>
+              <a:t>function</a:t>
+            </a:r>
+          </a:p>
+          <a:p>
+            <a:pPr lvl="2" indent="-457200" algn="l">
+              <a:buFont typeface="Arial"/>
+              <a:buChar char="•"/>
+            </a:pPr>
+            <a:r>
+              <a:rPr lang="en-US" dirty="0" smtClean="0"/>
+              <a:t>require – alias to loading function</a:t>
+            </a:r>
+          </a:p>
+          <a:p>
+            <a:pPr lvl="2" indent="-457200" algn="l">
+              <a:buFont typeface="Arial"/>
+              <a:buChar char="•"/>
+            </a:pPr>
+            <a:r>
+              <a:rPr lang="en-US" dirty="0" smtClean="0"/>
+              <a:t>module – actual loading class</a:t>
+            </a:r>
+          </a:p>
+          <a:p>
+            <a:pPr lvl="2" indent="-457200" algn="l">
+              <a:buFont typeface="Arial"/>
+              <a:buChar char="•"/>
+            </a:pPr>
+            <a:r>
+              <a:rPr lang="en-US" dirty="0" smtClean="0"/>
+              <a:t>__filename – convenience </a:t>
+            </a:r>
+            <a:r>
+              <a:rPr lang="en-US" dirty="0" err="1"/>
+              <a:t>var</a:t>
+            </a:r>
+            <a:endParaRPr lang="en-US" dirty="0" smtClean="0"/>
+          </a:p>
+          <a:p>
+            <a:pPr lvl="2" indent="-457200" algn="l">
+              <a:buFont typeface="Arial"/>
+              <a:buChar char="•"/>
+            </a:pPr>
+            <a:r>
+              <a:rPr lang="en-US" dirty="0" smtClean="0"/>
+              <a:t>__</a:t>
+            </a:r>
+            <a:r>
+              <a:rPr lang="en-US" dirty="0" err="1" smtClean="0"/>
+              <a:t>dirname</a:t>
+            </a:r>
+            <a:r>
+              <a:rPr lang="en-US" dirty="0"/>
+              <a:t> – convenience </a:t>
+            </a:r>
+            <a:r>
+              <a:rPr lang="en-US" dirty="0" err="1" smtClean="0"/>
+              <a:t>var</a:t>
+            </a:r>
+            <a:endParaRPr lang="en-US" dirty="0" smtClean="0"/>
+          </a:p>
+        </p:txBody>
+      </p:sp>
+    </p:spTree>
+    <p:extLst>
+      <p:ext uri="{BB962C8B-B14F-4D97-AF65-F5344CB8AC3E}">
+        <p14:creationId xmlns:p14="http://schemas.microsoft.com/office/powerpoint/2010/main" val="1768740354"/>
+      </p:ext>
+    </p:extLst>
+  </p:cSld>
+  <p:clrMapOvr>
+    <a:masterClrMapping/>
+  </p:clrMapOvr>
+</p:sld>
+</file>
+
+<file path=ppt/slides/slide48.xml><?xml version="1.0" encoding="utf-8"?>
+<p:sld xmlns:a="http://schemas.openxmlformats.org/drawingml/2006/main" xmlns:r="http://schemas.openxmlformats.org/officeDocument/2006/relationships" xmlns:p="http://schemas.openxmlformats.org/presentationml/2006/main">
+  <p:cSld>
+    <p:spTree>
+      <p:nvGrpSpPr>
+        <p:cNvPr id="1" name=""/>
+        <p:cNvGrpSpPr/>
+        <p:nvPr/>
+      </p:nvGrpSpPr>
+      <p:grpSpPr>
+        <a:xfrm>
+          <a:off x="0" y="0"/>
+          <a:ext cx="0" cy="0"/>
+          <a:chOff x="0" y="0"/>
+          <a:chExt cx="0" cy="0"/>
+        </a:xfrm>
+      </p:grpSpPr>
+      <p:sp>
+        <p:nvSpPr>
+          <p:cNvPr id="2" name="Title 1"/>
+          <p:cNvSpPr>
+            <a:spLocks noGrp="1"/>
+          </p:cNvSpPr>
+          <p:nvPr>
+            <p:ph type="ctrTitle"/>
+          </p:nvPr>
+        </p:nvSpPr>
+        <p:spPr>
+          <a:xfrm>
+            <a:off x="685800" y="160685"/>
+            <a:ext cx="7772400" cy="1470025"/>
+          </a:xfrm>
+        </p:spPr>
+        <p:txBody>
+          <a:bodyPr/>
+          <a:lstStyle/>
+          <a:p>
+            <a:r>
+              <a:rPr lang="en-US" dirty="0" err="1" smtClean="0"/>
+              <a:t>CommonJS</a:t>
+            </a:r>
+            <a:endParaRPr lang="en-US" dirty="0"/>
+          </a:p>
+        </p:txBody>
+      </p:sp>
+      <p:sp>
+        <p:nvSpPr>
+          <p:cNvPr id="3" name="Subtitle 2"/>
+          <p:cNvSpPr>
+            <a:spLocks noGrp="1"/>
+          </p:cNvSpPr>
+          <p:nvPr>
+            <p:ph type="subTitle" idx="1"/>
+          </p:nvPr>
+        </p:nvSpPr>
+        <p:spPr>
+          <a:xfrm>
+            <a:off x="1371600" y="1630710"/>
+            <a:ext cx="6400800" cy="4609893"/>
+          </a:xfrm>
+        </p:spPr>
+        <p:txBody>
+          <a:bodyPr>
+            <a:normAutofit/>
+          </a:bodyPr>
+          <a:lstStyle/>
+          <a:p>
+            <a:pPr marL="0" lvl="1" algn="l"/>
+            <a:r>
+              <a:rPr lang="en-US" dirty="0" smtClean="0"/>
+              <a:t>Exports usage</a:t>
+            </a:r>
+          </a:p>
+          <a:p>
+            <a:pPr lvl="1" indent="-457200" algn="l">
+              <a:buFont typeface="Arial"/>
+              <a:buChar char="•"/>
+            </a:pPr>
+            <a:r>
+              <a:rPr lang="en-US" dirty="0" smtClean="0"/>
+              <a:t>Simple object – just assign</a:t>
+            </a:r>
+          </a:p>
+          <a:p>
+            <a:pPr lvl="2" indent="-457200" algn="l">
+              <a:buFont typeface="Arial"/>
+              <a:buChar char="•"/>
+            </a:pPr>
+            <a:r>
+              <a:rPr lang="en-US" dirty="0" err="1" smtClean="0"/>
+              <a:t>exports.key</a:t>
+            </a:r>
+            <a:r>
+              <a:rPr lang="en-US" dirty="0" smtClean="0"/>
+              <a:t> = 'value'</a:t>
+            </a:r>
+          </a:p>
+          <a:p>
+            <a:pPr lvl="1" indent="-457200" algn="l">
+              <a:buFont typeface="Arial"/>
+              <a:buChar char="•"/>
+            </a:pPr>
+            <a:r>
+              <a:rPr lang="en-US" dirty="0" smtClean="0"/>
+              <a:t>Constructor</a:t>
+            </a:r>
+          </a:p>
+          <a:p>
+            <a:pPr lvl="2" indent="-457200" algn="l">
+              <a:buFont typeface="Arial"/>
+              <a:buChar char="•"/>
+            </a:pPr>
+            <a:r>
+              <a:rPr lang="en-US" dirty="0" err="1" smtClean="0"/>
+              <a:t>module.exports</a:t>
+            </a:r>
+            <a:r>
+              <a:rPr lang="en-US" dirty="0" smtClean="0"/>
+              <a:t> = function ( </a:t>
+            </a:r>
+            <a:r>
+              <a:rPr lang="en-US" dirty="0" err="1" smtClean="0"/>
+              <a:t>constr_args</a:t>
+            </a:r>
+            <a:r>
+              <a:rPr lang="en-US" dirty="0" smtClean="0"/>
+              <a:t> )</a:t>
+            </a:r>
+          </a:p>
+          <a:p>
+            <a:pPr lvl="2" indent="-457200" algn="l">
+              <a:buFont typeface="Arial"/>
+              <a:buChar char="•"/>
+            </a:pPr>
+            <a:r>
+              <a:rPr lang="en-US" dirty="0" err="1" smtClean="0"/>
+              <a:t>var</a:t>
+            </a:r>
+            <a:r>
+              <a:rPr lang="en-US" dirty="0" smtClean="0"/>
+              <a:t> </a:t>
+            </a:r>
+            <a:r>
+              <a:rPr lang="en-US" dirty="0" err="1" smtClean="0"/>
+              <a:t>myClass</a:t>
+            </a:r>
+            <a:r>
+              <a:rPr lang="en-US" dirty="0" smtClean="0"/>
+              <a:t> = require( '</a:t>
+            </a:r>
+            <a:r>
+              <a:rPr lang="en-US" dirty="0" err="1" smtClean="0"/>
+              <a:t>someClass</a:t>
+            </a:r>
+            <a:r>
+              <a:rPr lang="en-US" dirty="0" smtClean="0"/>
+              <a:t>' );</a:t>
+            </a:r>
+          </a:p>
+          <a:p>
+            <a:pPr lvl="2" indent="-457200" algn="l">
+              <a:buFont typeface="Arial"/>
+              <a:buChar char="•"/>
+            </a:pPr>
+            <a:r>
+              <a:rPr lang="en-US" dirty="0" err="1" smtClean="0"/>
+              <a:t>var</a:t>
+            </a:r>
+            <a:r>
+              <a:rPr lang="en-US" dirty="0" smtClean="0"/>
+              <a:t> </a:t>
+            </a:r>
+            <a:r>
+              <a:rPr lang="en-US" dirty="0" err="1" smtClean="0"/>
+              <a:t>myInstance</a:t>
+            </a:r>
+            <a:r>
+              <a:rPr lang="en-US" dirty="0" smtClean="0"/>
+              <a:t> = </a:t>
+            </a:r>
+            <a:r>
+              <a:rPr lang="en-US" dirty="0" err="1" smtClean="0"/>
+              <a:t>myClass</a:t>
+            </a:r>
+            <a:r>
+              <a:rPr lang="en-US" dirty="0" smtClean="0"/>
+              <a:t>( 'yes!' );</a:t>
+            </a:r>
+          </a:p>
+          <a:p>
+            <a:pPr lvl="1" indent="-457200" algn="l">
+              <a:buFont typeface="Arial"/>
+              <a:buChar char="•"/>
+            </a:pPr>
+            <a:r>
+              <a:rPr lang="en-US" dirty="0" smtClean="0"/>
+              <a:t>Setting </a:t>
+            </a:r>
+            <a:r>
+              <a:rPr lang="en-US" dirty="0" err="1" smtClean="0"/>
+              <a:t>module.exports</a:t>
+            </a:r>
+            <a:r>
+              <a:rPr lang="en-US" dirty="0" smtClean="0"/>
+              <a:t> overrides exports</a:t>
+            </a:r>
+          </a:p>
+        </p:txBody>
+      </p:sp>
+    </p:spTree>
+    <p:extLst>
+      <p:ext uri="{BB962C8B-B14F-4D97-AF65-F5344CB8AC3E}">
+        <p14:creationId xmlns:p14="http://schemas.microsoft.com/office/powerpoint/2010/main" val="3466214640"/>
+      </p:ext>
+    </p:extLst>
+  </p:cSld>
+  <p:clrMapOvr>
+    <a:masterClrMapping/>
+  </p:clrMapOvr>
+</p:sld>
+</file>
+
+<file path=ppt/slides/slide49.xml><?xml version="1.0" encoding="utf-8"?>
+<p:sld xmlns:a="http://schemas.openxmlformats.org/drawingml/2006/main" xmlns:r="http://schemas.openxmlformats.org/officeDocument/2006/relationships" xmlns:p="http://schemas.openxmlformats.org/presentationml/2006/main">
+  <p:cSld>
+    <p:spTree>
+      <p:nvGrpSpPr>
+        <p:cNvPr id="1" name=""/>
+        <p:cNvGrpSpPr/>
+        <p:nvPr/>
+      </p:nvGrpSpPr>
+      <p:grpSpPr>
+        <a:xfrm>
+          <a:off x="0" y="0"/>
+          <a:ext cx="0" cy="0"/>
+          <a:chOff x="0" y="0"/>
+          <a:chExt cx="0" cy="0"/>
+        </a:xfrm>
+      </p:grpSpPr>
+      <p:sp>
+        <p:nvSpPr>
+          <p:cNvPr id="2" name="Title 1"/>
+          <p:cNvSpPr>
+            <a:spLocks noGrp="1"/>
+          </p:cNvSpPr>
+          <p:nvPr>
+            <p:ph type="ctrTitle"/>
+          </p:nvPr>
+        </p:nvSpPr>
+        <p:spPr>
+          <a:xfrm>
+            <a:off x="685800" y="160685"/>
+            <a:ext cx="7772400" cy="1470025"/>
+          </a:xfrm>
+        </p:spPr>
+        <p:txBody>
+          <a:bodyPr/>
+          <a:lstStyle/>
+          <a:p>
+            <a:r>
+              <a:rPr lang="en-US" dirty="0" smtClean="0"/>
+              <a:t>Lab: create a package</a:t>
+            </a:r>
+            <a:endParaRPr lang="en-US" dirty="0"/>
+          </a:p>
+        </p:txBody>
+      </p:sp>
+      <p:sp>
+        <p:nvSpPr>
+          <p:cNvPr id="3" name="Subtitle 2"/>
+          <p:cNvSpPr>
+            <a:spLocks noGrp="1"/>
+          </p:cNvSpPr>
+          <p:nvPr>
+            <p:ph type="subTitle" idx="1"/>
+          </p:nvPr>
+        </p:nvSpPr>
+        <p:spPr>
+          <a:xfrm>
+            <a:off x="1371600" y="1630710"/>
+            <a:ext cx="6400800" cy="4609893"/>
+          </a:xfrm>
+        </p:spPr>
+        <p:txBody>
+          <a:bodyPr>
+            <a:normAutofit/>
+          </a:bodyPr>
+          <a:lstStyle/>
+          <a:p>
+            <a:pPr lvl="1" indent="-457200" algn="l">
+              <a:buFont typeface="Arial"/>
+              <a:buChar char="•"/>
+            </a:pPr>
+            <a:r>
+              <a:rPr lang="en-US" dirty="0" smtClean="0"/>
+              <a:t>Create </a:t>
+            </a:r>
+            <a:r>
+              <a:rPr lang="en-US" dirty="0" err="1" smtClean="0"/>
+              <a:t>package.json</a:t>
+            </a:r>
+            <a:endParaRPr lang="en-US" dirty="0" smtClean="0"/>
+          </a:p>
+          <a:p>
+            <a:pPr lvl="2" indent="-457200" algn="l">
+              <a:buFont typeface="Arial"/>
+              <a:buChar char="•"/>
+            </a:pPr>
+            <a:r>
+              <a:rPr lang="en-US" dirty="0" smtClean="0"/>
+              <a:t>Add '</a:t>
+            </a:r>
+            <a:r>
+              <a:rPr lang="en-US" dirty="0" err="1" smtClean="0"/>
+              <a:t>asciify</a:t>
+            </a:r>
+            <a:r>
+              <a:rPr lang="en-US" dirty="0" smtClean="0"/>
+              <a:t>' library</a:t>
+            </a:r>
+          </a:p>
+          <a:p>
+            <a:pPr lvl="2" indent="-457200" algn="l">
+              <a:buFont typeface="Arial"/>
+              <a:buChar char="•"/>
+            </a:pPr>
+            <a:r>
+              <a:rPr lang="en-US" dirty="0"/>
+              <a:t>https://</a:t>
+            </a:r>
+            <a:r>
+              <a:rPr lang="en-US" dirty="0" err="1"/>
+              <a:t>www.npmjs.com</a:t>
+            </a:r>
+            <a:r>
+              <a:rPr lang="en-US" dirty="0"/>
+              <a:t>/package/</a:t>
+            </a:r>
+            <a:r>
+              <a:rPr lang="en-US" dirty="0" err="1"/>
+              <a:t>asciify</a:t>
+            </a:r>
+            <a:endParaRPr lang="en-US" dirty="0" smtClean="0"/>
+          </a:p>
+          <a:p>
+            <a:pPr lvl="1" indent="-457200" algn="l">
+              <a:buFont typeface="Arial"/>
+              <a:buChar char="•"/>
+            </a:pPr>
+            <a:r>
+              <a:rPr lang="en-US" dirty="0" smtClean="0"/>
+              <a:t>Wrapper</a:t>
+            </a:r>
+          </a:p>
+          <a:p>
+            <a:pPr lvl="2" indent="-457200" algn="l">
+              <a:buFont typeface="Arial"/>
+              <a:buChar char="•"/>
+            </a:pPr>
+            <a:r>
+              <a:rPr lang="en-US" dirty="0" smtClean="0"/>
+              <a:t>Create a module</a:t>
+            </a:r>
+          </a:p>
+          <a:p>
+            <a:pPr lvl="2" indent="-457200" algn="l">
+              <a:buFont typeface="Arial"/>
+              <a:buChar char="•"/>
+            </a:pPr>
+            <a:r>
+              <a:rPr lang="en-US" smtClean="0"/>
+              <a:t>Takes input </a:t>
+            </a:r>
+            <a:r>
+              <a:rPr lang="en-US" dirty="0" smtClean="0"/>
+              <a:t>&amp; prints </a:t>
+            </a:r>
+            <a:r>
+              <a:rPr lang="en-US" dirty="0" err="1" smtClean="0"/>
+              <a:t>ascii</a:t>
+            </a:r>
+            <a:r>
+              <a:rPr lang="en-US" dirty="0" smtClean="0"/>
+              <a:t> output</a:t>
+            </a:r>
+          </a:p>
+        </p:txBody>
+      </p:sp>
+    </p:spTree>
+    <p:extLst>
+      <p:ext uri="{BB962C8B-B14F-4D97-AF65-F5344CB8AC3E}">
+        <p14:creationId xmlns:p14="http://schemas.microsoft.com/office/powerpoint/2010/main" val="245128068"/>
+      </p:ext>
+    </p:extLst>
+  </p:cSld>
+  <p:clrMapOvr>
+    <a:masterClrMapping/>
+  </p:clrMapOvr>
+</p:sld>
+</file>
+
+<file path=ppt/slides/slide5.xml><?xml version="1.0" encoding="utf-8"?>
+<p:sld xmlns:a="http://schemas.openxmlformats.org/drawingml/2006/main" xmlns:r="http://schemas.openxmlformats.org/officeDocument/2006/relationships" xmlns:p="http://schemas.openxmlformats.org/presentationml/2006/main">
+  <p:cSld>
+    <p:spTree>
+      <p:nvGrpSpPr>
+        <p:cNvPr id="1" name=""/>
+        <p:cNvGrpSpPr/>
+        <p:nvPr/>
+      </p:nvGrpSpPr>
+      <p:grpSpPr>
+        <a:xfrm>
+          <a:off x="0" y="0"/>
+          <a:ext cx="0" cy="0"/>
+          <a:chOff x="0" y="0"/>
+          <a:chExt cx="0" cy="0"/>
+        </a:xfrm>
+      </p:grpSpPr>
+      <p:sp>
+        <p:nvSpPr>
+          <p:cNvPr id="2" name="Title 1"/>
+          <p:cNvSpPr>
+            <a:spLocks noGrp="1"/>
+          </p:cNvSpPr>
+          <p:nvPr>
+            <p:ph type="ctrTitle"/>
+          </p:nvPr>
+        </p:nvSpPr>
+        <p:spPr>
+          <a:xfrm>
+            <a:off x="685800" y="160685"/>
+            <a:ext cx="7772400" cy="1470025"/>
+          </a:xfrm>
+        </p:spPr>
+        <p:txBody>
+          <a:bodyPr/>
+          <a:lstStyle/>
+          <a:p>
+            <a:pPr marL="457200" indent="-457200"/>
+            <a:r>
+              <a:rPr lang="en-US" dirty="0" smtClean="0"/>
+              <a:t>Course Overview</a:t>
+            </a:r>
+            <a:endParaRPr lang="en-US" dirty="0"/>
+          </a:p>
+        </p:txBody>
+      </p:sp>
+      <p:sp>
+        <p:nvSpPr>
+          <p:cNvPr id="3" name="Subtitle 2"/>
+          <p:cNvSpPr>
+            <a:spLocks noGrp="1"/>
+          </p:cNvSpPr>
+          <p:nvPr>
+            <p:ph type="subTitle" idx="1"/>
+          </p:nvPr>
+        </p:nvSpPr>
+        <p:spPr>
+          <a:xfrm>
+            <a:off x="1371600" y="1630710"/>
+            <a:ext cx="6400800" cy="4609893"/>
+          </a:xfrm>
+        </p:spPr>
+        <p:txBody>
+          <a:bodyPr>
+            <a:normAutofit/>
+          </a:bodyPr>
+          <a:lstStyle/>
+          <a:p>
+            <a:pPr algn="l"/>
+            <a:r>
+              <a:rPr lang="en-US" dirty="0" smtClean="0"/>
+              <a:t>Day 3</a:t>
+            </a:r>
+          </a:p>
+          <a:p>
+            <a:pPr marL="457200" indent="-457200" algn="l">
+              <a:buFont typeface="Arial"/>
+              <a:buChar char="•"/>
+            </a:pPr>
+            <a:r>
+              <a:rPr lang="en-US" dirty="0"/>
+              <a:t>Web, REST &amp; </a:t>
+            </a:r>
+            <a:r>
+              <a:rPr lang="en-US" dirty="0" err="1"/>
+              <a:t>GraphQL</a:t>
+            </a:r>
+            <a:r>
+              <a:rPr lang="en-US" dirty="0"/>
+              <a:t> </a:t>
+            </a:r>
+            <a:r>
+              <a:rPr lang="en-US" dirty="0" smtClean="0"/>
+              <a:t>Services</a:t>
+            </a:r>
+          </a:p>
+          <a:p>
+            <a:pPr marL="457200" indent="-457200" algn="l">
+              <a:buFont typeface="Arial"/>
+              <a:buChar char="•"/>
+            </a:pPr>
+            <a:r>
+              <a:rPr lang="en-US" dirty="0"/>
+              <a:t>Unit Testing</a:t>
+            </a:r>
+          </a:p>
+        </p:txBody>
+      </p:sp>
+    </p:spTree>
+    <p:extLst>
+      <p:ext uri="{BB962C8B-B14F-4D97-AF65-F5344CB8AC3E}">
+        <p14:creationId xmlns:p14="http://schemas.microsoft.com/office/powerpoint/2010/main" val="3309695354"/>
+      </p:ext>
+    </p:extLst>
+  </p:cSld>
+  <p:clrMapOvr>
+    <a:masterClrMapping/>
+  </p:clrMapOvr>
+</p:sld>
+</file>
+
+<file path=ppt/slides/slide50.xml><?xml version="1.0" encoding="utf-8"?>
+<p:sld xmlns:a="http://schemas.openxmlformats.org/drawingml/2006/main" xmlns:r="http://schemas.openxmlformats.org/officeDocument/2006/relationships" xmlns:p="http://schemas.openxmlformats.org/presentationml/2006/main">
+  <p:cSld>
+    <p:spTree>
+      <p:nvGrpSpPr>
+        <p:cNvPr id="1" name=""/>
+        <p:cNvGrpSpPr/>
+        <p:nvPr/>
+      </p:nvGrpSpPr>
+      <p:grpSpPr>
+        <a:xfrm>
+          <a:off x="0" y="0"/>
+          <a:ext cx="0" cy="0"/>
+          <a:chOff x="0" y="0"/>
+          <a:chExt cx="0" cy="0"/>
+        </a:xfrm>
+      </p:grpSpPr>
+      <p:sp>
+        <p:nvSpPr>
+          <p:cNvPr id="2" name="Title 1"/>
+          <p:cNvSpPr>
+            <a:spLocks noGrp="1"/>
+          </p:cNvSpPr>
+          <p:nvPr>
+            <p:ph type="ctrTitle"/>
+          </p:nvPr>
+        </p:nvSpPr>
+        <p:spPr>
+          <a:xfrm>
+            <a:off x="685800" y="160685"/>
+            <a:ext cx="7772400" cy="1470025"/>
+          </a:xfrm>
+        </p:spPr>
+        <p:txBody>
+          <a:bodyPr/>
+          <a:lstStyle/>
+          <a:p>
+            <a:r>
+              <a:rPr lang="en-US" dirty="0" err="1" smtClean="0"/>
+              <a:t>Node.js</a:t>
+            </a:r>
+            <a:r>
+              <a:rPr lang="en-US" dirty="0" smtClean="0"/>
+              <a:t> architecture</a:t>
+            </a:r>
+            <a:endParaRPr lang="en-US" dirty="0"/>
+          </a:p>
+        </p:txBody>
+      </p:sp>
+      <p:sp>
+        <p:nvSpPr>
+          <p:cNvPr id="3" name="Subtitle 2"/>
+          <p:cNvSpPr>
+            <a:spLocks noGrp="1"/>
+          </p:cNvSpPr>
+          <p:nvPr>
+            <p:ph type="subTitle" idx="1"/>
+          </p:nvPr>
+        </p:nvSpPr>
+        <p:spPr>
+          <a:xfrm>
+            <a:off x="1371600" y="1630710"/>
+            <a:ext cx="6400800" cy="4609893"/>
+          </a:xfrm>
+        </p:spPr>
+        <p:txBody>
+          <a:bodyPr>
+            <a:normAutofit/>
+          </a:bodyPr>
+          <a:lstStyle/>
+          <a:p>
+            <a:pPr marL="0" lvl="1" algn="l"/>
+            <a:r>
+              <a:rPr lang="en-US" dirty="0" smtClean="0"/>
+              <a:t>Why </a:t>
+            </a:r>
+            <a:r>
+              <a:rPr lang="en-US" dirty="0" err="1" smtClean="0"/>
+              <a:t>Node.js</a:t>
+            </a:r>
+            <a:r>
+              <a:rPr lang="en-US" dirty="0" smtClean="0"/>
+              <a:t>?</a:t>
+            </a:r>
+          </a:p>
+          <a:p>
+            <a:pPr lvl="1" indent="-457200" algn="l">
+              <a:buFont typeface="Arial"/>
+              <a:buChar char="•"/>
+            </a:pPr>
+            <a:r>
+              <a:rPr lang="en-US" dirty="0" smtClean="0"/>
+              <a:t>The dirty secret of web servers</a:t>
+            </a:r>
+          </a:p>
+          <a:p>
+            <a:pPr lvl="1" indent="-457200" algn="l">
+              <a:buFont typeface="Arial"/>
+              <a:buChar char="•"/>
+            </a:pPr>
+            <a:r>
+              <a:rPr lang="en-US" dirty="0" smtClean="0"/>
+              <a:t>Most of the time the CPU is idle</a:t>
+            </a:r>
+          </a:p>
+          <a:p>
+            <a:pPr lvl="1" indent="-457200" algn="l">
+              <a:buFont typeface="Arial"/>
+              <a:buChar char="•"/>
+            </a:pPr>
+            <a:r>
+              <a:rPr lang="en-US" dirty="0" smtClean="0"/>
+              <a:t>Waiting on data from somewhere else</a:t>
+            </a:r>
+          </a:p>
+          <a:p>
+            <a:pPr lvl="1" indent="-457200" algn="l">
+              <a:buFont typeface="Arial"/>
+              <a:buChar char="•"/>
+            </a:pPr>
+            <a:r>
+              <a:rPr lang="en-US" dirty="0" smtClean="0"/>
+              <a:t>Concurrency &gt; Computation</a:t>
+            </a:r>
+          </a:p>
+        </p:txBody>
+      </p:sp>
+    </p:spTree>
+    <p:extLst>
+      <p:ext uri="{BB962C8B-B14F-4D97-AF65-F5344CB8AC3E}">
+        <p14:creationId xmlns:p14="http://schemas.microsoft.com/office/powerpoint/2010/main" val="781477868"/>
+      </p:ext>
+    </p:extLst>
+  </p:cSld>
+  <p:clrMapOvr>
+    <a:masterClrMapping/>
+  </p:clrMapOvr>
+</p:sld>
+</file>
+
+<file path=ppt/slides/slide51.xml><?xml version="1.0" encoding="utf-8"?>
+<p:sld xmlns:a="http://schemas.openxmlformats.org/drawingml/2006/main" xmlns:r="http://schemas.openxmlformats.org/officeDocument/2006/relationships" xmlns:p="http://schemas.openxmlformats.org/presentationml/2006/main">
+  <p:cSld>
+    <p:spTree>
+      <p:nvGrpSpPr>
+        <p:cNvPr id="1" name=""/>
+        <p:cNvGrpSpPr/>
+        <p:nvPr/>
+      </p:nvGrpSpPr>
+      <p:grpSpPr>
+        <a:xfrm>
+          <a:off x="0" y="0"/>
+          <a:ext cx="0" cy="0"/>
+          <a:chOff x="0" y="0"/>
+          <a:chExt cx="0" cy="0"/>
+        </a:xfrm>
+      </p:grpSpPr>
+      <p:sp>
+        <p:nvSpPr>
+          <p:cNvPr id="2" name="Title 1"/>
+          <p:cNvSpPr>
+            <a:spLocks noGrp="1"/>
+          </p:cNvSpPr>
+          <p:nvPr>
+            <p:ph type="ctrTitle"/>
+          </p:nvPr>
+        </p:nvSpPr>
+        <p:spPr>
+          <a:xfrm>
+            <a:off x="685800" y="160685"/>
+            <a:ext cx="7772400" cy="1470025"/>
+          </a:xfrm>
+        </p:spPr>
+        <p:txBody>
+          <a:bodyPr/>
+          <a:lstStyle/>
+          <a:p>
+            <a:r>
+              <a:rPr lang="en-US" dirty="0" err="1" smtClean="0"/>
+              <a:t>Node.js</a:t>
+            </a:r>
+            <a:r>
+              <a:rPr lang="en-US" dirty="0" smtClean="0"/>
+              <a:t> architecture</a:t>
+            </a:r>
+            <a:endParaRPr lang="en-US" dirty="0"/>
+          </a:p>
+        </p:txBody>
+      </p:sp>
+      <p:sp>
+        <p:nvSpPr>
+          <p:cNvPr id="3" name="Subtitle 2"/>
+          <p:cNvSpPr>
+            <a:spLocks noGrp="1"/>
+          </p:cNvSpPr>
+          <p:nvPr>
+            <p:ph type="subTitle" idx="1"/>
+          </p:nvPr>
+        </p:nvSpPr>
+        <p:spPr>
+          <a:xfrm>
+            <a:off x="1371600" y="1630710"/>
+            <a:ext cx="6400800" cy="4609893"/>
+          </a:xfrm>
+        </p:spPr>
+        <p:txBody>
+          <a:bodyPr>
+            <a:normAutofit fontScale="92500" lnSpcReduction="10000"/>
+          </a:bodyPr>
+          <a:lstStyle/>
+          <a:p>
+            <a:pPr marL="0" lvl="1" algn="l"/>
+            <a:r>
+              <a:rPr lang="en-US" dirty="0" smtClean="0"/>
+              <a:t>Set up new connection – 50ms</a:t>
+            </a:r>
+          </a:p>
+          <a:p>
+            <a:pPr marL="0" lvl="1" algn="l"/>
+            <a:r>
+              <a:rPr lang="en-US" dirty="0" smtClean="0"/>
+              <a:t>Send query to dB – 20ms</a:t>
+            </a:r>
+          </a:p>
+          <a:p>
+            <a:pPr marL="0" lvl="1" algn="l"/>
+            <a:r>
+              <a:rPr lang="en-US" dirty="0" smtClean="0"/>
+              <a:t>(wait) – 125-400ms</a:t>
+            </a:r>
+          </a:p>
+          <a:p>
+            <a:pPr marL="0" lvl="1" algn="l"/>
+            <a:r>
+              <a:rPr lang="en-US" dirty="0" smtClean="0"/>
+              <a:t>Process query results – 50ms</a:t>
+            </a:r>
+          </a:p>
+          <a:p>
+            <a:pPr marL="0" lvl="1" algn="l"/>
+            <a:r>
+              <a:rPr lang="en-US" dirty="0"/>
+              <a:t>Business logic – 20</a:t>
+            </a:r>
+            <a:r>
+              <a:rPr lang="en-US" dirty="0" smtClean="0"/>
+              <a:t>-75ms</a:t>
+            </a:r>
+          </a:p>
+          <a:p>
+            <a:pPr marL="0" lvl="1" algn="l"/>
+            <a:r>
+              <a:rPr lang="en-US" dirty="0" smtClean="0"/>
+              <a:t>Call a web service – 35ms</a:t>
+            </a:r>
+          </a:p>
+          <a:p>
+            <a:pPr marL="0" lvl="1" algn="l"/>
+            <a:r>
+              <a:rPr lang="en-US" dirty="0" smtClean="0"/>
+              <a:t>(wait) – 200-750ms</a:t>
+            </a:r>
+          </a:p>
+          <a:p>
+            <a:pPr marL="0" lvl="1" algn="l"/>
+            <a:r>
+              <a:rPr lang="en-US" dirty="0" smtClean="0"/>
+              <a:t>Process results – 20ms</a:t>
+            </a:r>
+          </a:p>
+          <a:p>
+            <a:pPr marL="0" lvl="1" algn="l"/>
+            <a:r>
+              <a:rPr lang="en-US" dirty="0" smtClean="0"/>
+              <a:t>Send to network – 20ms</a:t>
+            </a:r>
+          </a:p>
+          <a:p>
+            <a:pPr marL="0" lvl="1" algn="l"/>
+            <a:r>
+              <a:rPr lang="en-US" dirty="0" smtClean="0"/>
+              <a:t>(end)</a:t>
+            </a:r>
+            <a:endParaRPr lang="en-US" dirty="0"/>
+          </a:p>
+          <a:p>
+            <a:pPr marL="0" lvl="1" algn="l"/>
+            <a:endParaRPr lang="en-US" dirty="0" smtClean="0"/>
+          </a:p>
+        </p:txBody>
+      </p:sp>
+    </p:spTree>
+    <p:extLst>
+      <p:ext uri="{BB962C8B-B14F-4D97-AF65-F5344CB8AC3E}">
+        <p14:creationId xmlns:p14="http://schemas.microsoft.com/office/powerpoint/2010/main" val="1417984726"/>
+      </p:ext>
+    </p:extLst>
+  </p:cSld>
+  <p:clrMapOvr>
+    <a:masterClrMapping/>
+  </p:clrMapOvr>
+</p:sld>
+</file>
+
+<file path=ppt/slides/slide52.xml><?xml version="1.0" encoding="utf-8"?>
+<p:sld xmlns:a="http://schemas.openxmlformats.org/drawingml/2006/main" xmlns:r="http://schemas.openxmlformats.org/officeDocument/2006/relationships" xmlns:p="http://schemas.openxmlformats.org/presentationml/2006/main">
+  <p:cSld>
+    <p:spTree>
+      <p:nvGrpSpPr>
+        <p:cNvPr id="1" name=""/>
+        <p:cNvGrpSpPr/>
+        <p:nvPr/>
+      </p:nvGrpSpPr>
+      <p:grpSpPr>
+        <a:xfrm>
+          <a:off x="0" y="0"/>
+          <a:ext cx="0" cy="0"/>
+          <a:chOff x="0" y="0"/>
+          <a:chExt cx="0" cy="0"/>
+        </a:xfrm>
+      </p:grpSpPr>
+      <p:sp>
+        <p:nvSpPr>
+          <p:cNvPr id="2" name="Title 1"/>
+          <p:cNvSpPr>
+            <a:spLocks noGrp="1"/>
+          </p:cNvSpPr>
+          <p:nvPr>
+            <p:ph type="ctrTitle"/>
+          </p:nvPr>
+        </p:nvSpPr>
+        <p:spPr>
+          <a:xfrm>
+            <a:off x="685800" y="160685"/>
+            <a:ext cx="7772400" cy="1470025"/>
+          </a:xfrm>
+        </p:spPr>
+        <p:txBody>
+          <a:bodyPr/>
+          <a:lstStyle/>
+          <a:p>
+            <a:r>
+              <a:rPr lang="en-US" dirty="0" err="1" smtClean="0"/>
               <a:t>Node.js</a:t>
             </a:r>
             <a:r>
@@ -9769,11 +10969,7 @@
             <a:pPr marL="0" lvl="1" algn="l"/>
             <a:r>
               <a:rPr lang="en-US" dirty="0" smtClean="0"/>
-              <a:t>Process</a:t>
-            </a:r>
-            <a:r>
-              <a:rPr lang="en-US" dirty="0" smtClean="0"/>
-              <a:t> query results</a:t>
+              <a:t>Process query results</a:t>
             </a:r>
           </a:p>
           <a:p>
@@ -10798,7 +11994,7 @@
 </p:sld>
 </file>
 
-<file path=ppt/slides/slide46.xml><?xml version="1.0" encoding="utf-8"?>
+<file path=ppt/slides/slide53.xml><?xml version="1.0" encoding="utf-8"?>
 <p:sld xmlns:a="http://schemas.openxmlformats.org/drawingml/2006/main" xmlns:r="http://schemas.openxmlformats.org/officeDocument/2006/relationships" xmlns:p="http://schemas.openxmlformats.org/presentationml/2006/main">
   <p:cSld>
     <p:spTree>
@@ -10970,7 +12166,6 @@
               <a:rPr lang="en-US" dirty="0" smtClean="0"/>
               <a:t>Threads – super computational, super complicated</a:t>
             </a:r>
-            <a:endParaRPr lang="en-US" dirty="0" smtClean="0"/>
           </a:p>
         </p:txBody>
       </p:sp>
@@ -10987,7 +12182,7 @@
 </p:sld>
 </file>
 
-<file path=ppt/slides/slide47.xml><?xml version="1.0" encoding="utf-8"?>
+<file path=ppt/slides/slide54.xml><?xml version="1.0" encoding="utf-8"?>
 <p:sld xmlns:a="http://schemas.openxmlformats.org/drawingml/2006/main" xmlns:r="http://schemas.openxmlformats.org/officeDocument/2006/relationships" xmlns:p="http://schemas.openxmlformats.org/presentationml/2006/main">
   <p:cSld>
     <p:spTree>
@@ -11101,7 +12296,6 @@
               <a:rPr lang="en-US" dirty="0" smtClean="0"/>
               <a:t>Relies on event paradigm</a:t>
             </a:r>
-            <a:endParaRPr lang="en-US" dirty="0" smtClean="0"/>
           </a:p>
         </p:txBody>
       </p:sp>
@@ -11118,7 +12312,7 @@
 </p:sld>
 </file>
 
-<file path=ppt/slides/slide48.xml><?xml version="1.0" encoding="utf-8"?>
+<file path=ppt/slides/slide55.xml><?xml version="1.0" encoding="utf-8"?>
 <p:sld xmlns:a="http://schemas.openxmlformats.org/drawingml/2006/main" xmlns:r="http://schemas.openxmlformats.org/officeDocument/2006/relationships" xmlns:p="http://schemas.openxmlformats.org/presentationml/2006/main">
   <p:cSld>
     <p:spTree>
@@ -11304,7 +12498,7 @@
 </p:sld>
 </file>
 
-<file path=ppt/slides/slide49.xml><?xml version="1.0" encoding="utf-8"?>
+<file path=ppt/slides/slide56.xml><?xml version="1.0" encoding="utf-8"?>
 <p:sld xmlns:a="http://schemas.openxmlformats.org/drawingml/2006/main" xmlns:r="http://schemas.openxmlformats.org/officeDocument/2006/relationships" xmlns:p="http://schemas.openxmlformats.org/presentationml/2006/main">
   <p:cSld>
     <p:spTree>
@@ -11528,7 +12722,7 @@
 </p:sld>
 </file>
 
-<file path=ppt/slides/slide5.xml><?xml version="1.0" encoding="utf-8"?>
+<file path=ppt/slides/slide57.xml><?xml version="1.0" encoding="utf-8"?>
 <p:sld xmlns:a="http://schemas.openxmlformats.org/drawingml/2006/main" xmlns:r="http://schemas.openxmlformats.org/officeDocument/2006/relationships" xmlns:p="http://schemas.openxmlformats.org/presentationml/2006/main">
   <p:cSld>
     <p:spTree>
@@ -11565,127 +12759,6 @@
           <a:bodyPr/>
           <a:lstStyle/>
           <a:p>
-            <a:pPr marL="457200" indent="-457200"/>
-            <a:r>
-              <a:rPr lang="en-US" dirty="0" smtClean="0"/>
-              <a:t>Course Overview</a:t>
-            </a:r>
-            <a:endParaRPr lang="en-US" dirty="0"/>
-          </a:p>
-        </p:txBody>
-      </p:sp>
-      <p:sp>
-        <p:nvSpPr>
-          <p:cNvPr id="3" name="Subtitle 2"/>
-          <p:cNvSpPr>
-            <a:spLocks noGrp="1"/>
-          </p:cNvSpPr>
-          <p:nvPr>
-            <p:ph type="subTitle" idx="1"/>
-          </p:nvPr>
-        </p:nvSpPr>
-        <p:spPr>
-          <a:xfrm>
-            <a:off x="1371600" y="1630710"/>
-            <a:ext cx="6400800" cy="4609893"/>
-          </a:xfrm>
-        </p:spPr>
-        <p:txBody>
-          <a:bodyPr>
-            <a:normAutofit/>
-          </a:bodyPr>
-          <a:lstStyle/>
-          <a:p>
-            <a:pPr algn="l"/>
-            <a:r>
-              <a:rPr lang="en-US" dirty="0" smtClean="0"/>
-              <a:t>Day 3</a:t>
-            </a:r>
-          </a:p>
-          <a:p>
-            <a:pPr marL="457200" indent="-457200" algn="l">
-              <a:buFont typeface="Arial"/>
-              <a:buChar char="•"/>
-            </a:pPr>
-            <a:r>
-              <a:rPr lang="en-US" dirty="0"/>
-              <a:t>Web, REST &amp; </a:t>
-            </a:r>
-            <a:r>
-              <a:rPr lang="en-US" dirty="0" err="1"/>
-              <a:t>GraphQL</a:t>
-            </a:r>
-            <a:r>
-              <a:rPr lang="en-US" dirty="0"/>
-              <a:t> </a:t>
-            </a:r>
-            <a:r>
-              <a:rPr lang="en-US" dirty="0" smtClean="0"/>
-              <a:t>Services</a:t>
-            </a:r>
-          </a:p>
-          <a:p>
-            <a:pPr marL="457200" indent="-457200" algn="l">
-              <a:buFont typeface="Arial"/>
-              <a:buChar char="•"/>
-            </a:pPr>
-            <a:r>
-              <a:rPr lang="en-US" dirty="0"/>
-              <a:t>Unit Testing</a:t>
-            </a:r>
-          </a:p>
-        </p:txBody>
-      </p:sp>
-    </p:spTree>
-    <p:extLst>
-      <p:ext uri="{BB962C8B-B14F-4D97-AF65-F5344CB8AC3E}">
-        <p14:creationId xmlns:p14="http://schemas.microsoft.com/office/powerpoint/2010/main" val="3309695354"/>
-      </p:ext>
-    </p:extLst>
-  </p:cSld>
-  <p:clrMapOvr>
-    <a:masterClrMapping/>
-  </p:clrMapOvr>
-</p:sld>
-</file>
-
-<file path=ppt/slides/slide50.xml><?xml version="1.0" encoding="utf-8"?>
-<p:sld xmlns:a="http://schemas.openxmlformats.org/drawingml/2006/main" xmlns:r="http://schemas.openxmlformats.org/officeDocument/2006/relationships" xmlns:p="http://schemas.openxmlformats.org/presentationml/2006/main">
-  <p:cSld>
-    <p:spTree>
-      <p:nvGrpSpPr>
-        <p:cNvPr id="1" name=""/>
-        <p:cNvGrpSpPr/>
-        <p:nvPr/>
-      </p:nvGrpSpPr>
-      <p:grpSpPr>
-        <a:xfrm>
-          <a:off x="0" y="0"/>
-          <a:ext cx="0" cy="0"/>
-          <a:chOff x="0" y="0"/>
-          <a:chExt cx="0" cy="0"/>
-        </a:xfrm>
-      </p:grpSpPr>
-      <p:sp>
-        <p:nvSpPr>
-          <p:cNvPr id="2" name="Title 1"/>
-          <p:cNvSpPr>
-            <a:spLocks noGrp="1"/>
-          </p:cNvSpPr>
-          <p:nvPr>
-            <p:ph type="ctrTitle"/>
-          </p:nvPr>
-        </p:nvSpPr>
-        <p:spPr>
-          <a:xfrm>
-            <a:off x="685800" y="160685"/>
-            <a:ext cx="7772400" cy="1470025"/>
-          </a:xfrm>
-        </p:spPr>
-        <p:txBody>
-          <a:bodyPr/>
-          <a:lstStyle/>
-          <a:p>
             <a:r>
               <a:rPr lang="en-US" dirty="0" err="1" smtClean="0"/>
               <a:t>Node.js</a:t>
@@ -11822,7 +12895,7 @@
 </p:sld>
 </file>
 
-<file path=ppt/slides/slide51.xml><?xml version="1.0" encoding="utf-8"?>
+<file path=ppt/slides/slide58.xml><?xml version="1.0" encoding="utf-8"?>
 <p:sld xmlns:a="http://schemas.openxmlformats.org/drawingml/2006/main" xmlns:r="http://schemas.openxmlformats.org/officeDocument/2006/relationships" xmlns:p="http://schemas.openxmlformats.org/presentationml/2006/main">
   <p:cSld>
     <p:spTree>
@@ -11962,7 +13035,7 @@
 </p:sld>
 </file>
 
-<file path=ppt/slides/slide52.xml><?xml version="1.0" encoding="utf-8"?>
+<file path=ppt/slides/slide59.xml><?xml version="1.0" encoding="utf-8"?>
 <p:sld xmlns:a="http://schemas.openxmlformats.org/drawingml/2006/main" xmlns:r="http://schemas.openxmlformats.org/officeDocument/2006/relationships" xmlns:p="http://schemas.openxmlformats.org/presentationml/2006/main">
   <p:cSld>
     <p:spTree>
@@ -12110,11 +13183,25 @@
             </a:pPr>
             <a:r>
               <a:rPr lang="en-US" dirty="0" smtClean="0"/>
-              <a:t>TLDR: Node JS can call C++ or Java code</a:t>
-            </a:r>
-          </a:p>
-          <a:p>
-            <a:pPr lvl="1" indent="-457200" algn="l">
+              <a:t>Extension to other languages</a:t>
+            </a:r>
+          </a:p>
+          <a:p>
+            <a:pPr lvl="2" indent="-457200" algn="l">
+              <a:buFont typeface="Arial"/>
+              <a:buChar char="•"/>
+            </a:pPr>
+            <a:r>
+              <a:rPr lang="en-US" dirty="0" err="1" smtClean="0"/>
+              <a:t>Node.js</a:t>
+            </a:r>
+            <a:r>
+              <a:rPr lang="en-US" dirty="0" smtClean="0"/>
+              <a:t> can call C++ or Java code</a:t>
+            </a:r>
+          </a:p>
+          <a:p>
+            <a:pPr lvl="2" indent="-457200" algn="l">
               <a:buFont typeface="Arial"/>
               <a:buChar char="•"/>
             </a:pPr>
@@ -12122,7 +13209,16 @@
               <a:rPr lang="en-US" dirty="0" smtClean="0"/>
               <a:t>Beyond the scope of this course</a:t>
             </a:r>
-            <a:endParaRPr lang="en-US" dirty="0" smtClean="0"/>
+          </a:p>
+          <a:p>
+            <a:pPr lvl="2" indent="-457200" algn="l">
+              <a:buFont typeface="Arial"/>
+              <a:buChar char="•"/>
+            </a:pPr>
+            <a:r>
+              <a:rPr lang="en-US" dirty="0" smtClean="0"/>
+              <a:t>Processes offer less hardcore solutions</a:t>
+            </a:r>
           </a:p>
         </p:txBody>
       </p:sp>
@@ -12341,9 +13437,10 @@
           <a:p>
             <a:pPr marL="457200" indent="-457200"/>
             <a:r>
-              <a:rPr lang="en-US" dirty="0"/>
-              <a:t>Node in a Nutshell</a:t>
-            </a:r>
+              <a:rPr lang="en-US" dirty="0" smtClean="0"/>
+              <a:t>Computer Architecture</a:t>
+            </a:r>
+            <a:endParaRPr lang="en-US" dirty="0"/>
           </a:p>
         </p:txBody>
       </p:sp>
@@ -12365,78 +13462,78 @@
         </p:spPr>
         <p:txBody>
           <a:bodyPr>
-            <a:normAutofit/>
+            <a:normAutofit fontScale="92500" lnSpcReduction="10000"/>
           </a:bodyPr>
           <a:lstStyle/>
           <a:p>
             <a:pPr algn="l"/>
             <a:r>
               <a:rPr lang="en-US" dirty="0" smtClean="0"/>
-              <a:t>V8</a:t>
-            </a:r>
-          </a:p>
-          <a:p>
-            <a:pPr marL="457200" indent="-457200" algn="l">
-              <a:buFont typeface="Arial"/>
-              <a:buChar char="•"/>
-            </a:pPr>
-            <a:r>
-              <a:rPr lang="en-US" dirty="0" smtClean="0"/>
-              <a:t>Chrome’s JS engine</a:t>
-            </a:r>
-          </a:p>
-          <a:p>
-            <a:pPr marL="457200" indent="-457200" algn="l">
-              <a:buFont typeface="Arial"/>
-              <a:buChar char="•"/>
-            </a:pPr>
-            <a:r>
-              <a:rPr lang="en-US" dirty="0" smtClean="0"/>
-              <a:t>Released 2008</a:t>
-            </a:r>
-          </a:p>
-          <a:p>
-            <a:pPr marL="457200" indent="-457200" algn="l">
-              <a:buFont typeface="Arial"/>
-              <a:buChar char="•"/>
-            </a:pPr>
-            <a:r>
-              <a:rPr lang="en-US" dirty="0" smtClean="0"/>
-              <a:t>Node released 2009</a:t>
+              <a:t>Terms to review*</a:t>
+            </a:r>
+          </a:p>
+          <a:p>
+            <a:pPr marL="342900" indent="-342900" algn="l">
+              <a:buFont typeface="Arial"/>
+              <a:buChar char="•"/>
+            </a:pPr>
+            <a:r>
+              <a:rPr lang="en-US" dirty="0" smtClean="0"/>
+              <a:t>Kernel</a:t>
+            </a:r>
+          </a:p>
+          <a:p>
+            <a:pPr marL="342900" indent="-342900" algn="l">
+              <a:buFont typeface="Arial"/>
+              <a:buChar char="•"/>
+            </a:pPr>
+            <a:r>
+              <a:rPr lang="en-US" dirty="0" smtClean="0"/>
+              <a:t>Process</a:t>
+            </a:r>
+          </a:p>
+          <a:p>
+            <a:pPr marL="342900" indent="-342900" algn="l">
+              <a:buFont typeface="Arial"/>
+              <a:buChar char="•"/>
+            </a:pPr>
+            <a:r>
+              <a:rPr lang="en-US" dirty="0"/>
+              <a:t>Shell</a:t>
+            </a:r>
+            <a:endParaRPr lang="en-US" dirty="0" smtClean="0"/>
+          </a:p>
+          <a:p>
+            <a:pPr marL="342900" indent="-342900" algn="l">
+              <a:buFont typeface="Arial"/>
+              <a:buChar char="•"/>
+            </a:pPr>
+            <a:r>
+              <a:rPr lang="en-US" dirty="0" smtClean="0"/>
+              <a:t>Thread</a:t>
             </a:r>
             <a:endParaRPr lang="en-US" dirty="0"/>
           </a:p>
           <a:p>
-            <a:pPr marL="457200" indent="-457200" algn="l">
-              <a:buFont typeface="Arial"/>
-              <a:buChar char="•"/>
-            </a:pPr>
-            <a:r>
-              <a:rPr lang="en-US" dirty="0" smtClean="0"/>
-              <a:t>Just</a:t>
-            </a:r>
-            <a:r>
-              <a:rPr lang="en-US" dirty="0" smtClean="0"/>
-              <a:t>-in-time (JIT) compiler</a:t>
-            </a:r>
-          </a:p>
-          <a:p>
-            <a:pPr marL="457200" indent="-457200" algn="l">
-              <a:buFont typeface="Arial"/>
-              <a:buChar char="•"/>
-            </a:pPr>
-            <a:r>
-              <a:rPr lang="en-US" dirty="0" smtClean="0"/>
-              <a:t>Produces machine language</a:t>
-            </a:r>
-            <a:endParaRPr lang="en-US" dirty="0"/>
+            <a:pPr marL="342900" indent="-342900" algn="l">
+              <a:buFont typeface="Arial"/>
+              <a:buChar char="•"/>
+            </a:pPr>
+            <a:endParaRPr lang="en-US" dirty="0" smtClean="0"/>
+          </a:p>
+          <a:p>
+            <a:pPr algn="l"/>
+            <a:r>
+              <a:rPr lang="en-US" dirty="0" smtClean="0"/>
+              <a:t>* = Review assumes Unix-family OS (*nix). Win-family may have differences.</a:t>
+            </a:r>
           </a:p>
         </p:txBody>
       </p:sp>
     </p:spTree>
     <p:extLst>
       <p:ext uri="{BB962C8B-B14F-4D97-AF65-F5344CB8AC3E}">
-        <p14:creationId xmlns:p14="http://schemas.microsoft.com/office/powerpoint/2010/main" val="1068526707"/>
+        <p14:creationId xmlns:p14="http://schemas.microsoft.com/office/powerpoint/2010/main" val="1217241993"/>
       </p:ext>
     </p:extLst>
   </p:cSld>
@@ -12485,9 +13582,10 @@
           <a:p>
             <a:pPr marL="457200" indent="-457200"/>
             <a:r>
-              <a:rPr lang="en-US" dirty="0"/>
-              <a:t>Node in a Nutshell</a:t>
-            </a:r>
+              <a:rPr lang="en-US" dirty="0" smtClean="0"/>
+              <a:t>Computer Architecture</a:t>
+            </a:r>
+            <a:endParaRPr lang="en-US" dirty="0"/>
           </a:p>
         </p:txBody>
       </p:sp>
@@ -12516,57 +13614,76 @@
             <a:pPr algn="l"/>
             <a:r>
               <a:rPr lang="en-US" dirty="0" smtClean="0"/>
-              <a:t>Host objects	</a:t>
+              <a:t>Kernel</a:t>
+            </a:r>
+          </a:p>
+          <a:p>
+            <a:pPr marL="342900" indent="-342900" algn="l">
+              <a:buFont typeface="Arial"/>
+              <a:buChar char="•"/>
+            </a:pPr>
+            <a:r>
+              <a:rPr lang="en-US" dirty="0" smtClean="0"/>
+              <a:t>First thing loaded on startup</a:t>
+            </a:r>
+          </a:p>
+          <a:p>
+            <a:pPr marL="342900" indent="-342900" algn="l">
+              <a:buFont typeface="Arial"/>
+              <a:buChar char="•"/>
+            </a:pPr>
+            <a:r>
+              <a:rPr lang="en-US" dirty="0"/>
+              <a:t>Complete control</a:t>
+            </a:r>
+          </a:p>
+          <a:p>
+            <a:pPr marL="800100" lvl="1" indent="-342900" algn="l">
+              <a:buFont typeface="Arial"/>
+              <a:buChar char="•"/>
+            </a:pPr>
+            <a:r>
+              <a:rPr lang="en-US" dirty="0" smtClean="0"/>
+              <a:t>CPU </a:t>
+            </a:r>
+          </a:p>
+          <a:p>
+            <a:pPr marL="800100" lvl="1" indent="-342900" algn="l">
+              <a:buFont typeface="Arial"/>
+              <a:buChar char="•"/>
+            </a:pPr>
+            <a:r>
+              <a:rPr lang="en-US" dirty="0" smtClean="0"/>
+              <a:t>Memory</a:t>
+            </a:r>
+          </a:p>
+          <a:p>
+            <a:pPr marL="800100" lvl="1" indent="-342900" algn="l">
+              <a:buFont typeface="Arial"/>
+              <a:buChar char="•"/>
+            </a:pPr>
+            <a:r>
+              <a:rPr lang="en-US" dirty="0" smtClean="0"/>
+              <a:t>Device drivers</a:t>
             </a:r>
             <a:endParaRPr lang="en-US" dirty="0"/>
           </a:p>
           <a:p>
-            <a:pPr marL="457200" indent="-457200" algn="l">
-              <a:buFont typeface="Arial"/>
-              <a:buChar char="•"/>
-            </a:pPr>
-            <a:r>
-              <a:rPr lang="en-US" dirty="0"/>
-              <a:t>File system I/O</a:t>
-            </a:r>
-          </a:p>
-          <a:p>
-            <a:pPr marL="457200" indent="-457200" algn="l">
-              <a:buFont typeface="Arial"/>
-              <a:buChar char="•"/>
-            </a:pPr>
-            <a:r>
-              <a:rPr lang="en-US" dirty="0"/>
-              <a:t>Networking/HTTP</a:t>
-            </a:r>
-          </a:p>
-          <a:p>
-            <a:pPr marL="457200" indent="-457200" algn="l">
-              <a:buFont typeface="Arial"/>
-              <a:buChar char="•"/>
-            </a:pPr>
-            <a:r>
-              <a:rPr lang="en-US" dirty="0" smtClean="0"/>
-              <a:t>Crypto</a:t>
-            </a:r>
-          </a:p>
-          <a:p>
-            <a:pPr marL="457200" indent="-457200" algn="l">
-              <a:buFont typeface="Arial"/>
-              <a:buChar char="•"/>
-            </a:pPr>
-            <a:r>
-              <a:rPr lang="en-US" dirty="0" smtClean="0"/>
-              <a:t>more</a:t>
-            </a:r>
-            <a:endParaRPr lang="en-US" dirty="0"/>
+            <a:pPr marL="342900" indent="-342900" algn="l">
+              <a:buFont typeface="Arial"/>
+              <a:buChar char="•"/>
+            </a:pPr>
+            <a:r>
+              <a:rPr lang="en-US" dirty="0" smtClean="0"/>
+              <a:t>Protected in 'kernel space'</a:t>
+            </a:r>
           </a:p>
         </p:txBody>
       </p:sp>
     </p:spTree>
     <p:extLst>
       <p:ext uri="{BB962C8B-B14F-4D97-AF65-F5344CB8AC3E}">
-        <p14:creationId xmlns:p14="http://schemas.microsoft.com/office/powerpoint/2010/main" val="876404458"/>
+        <p14:creationId xmlns:p14="http://schemas.microsoft.com/office/powerpoint/2010/main" val="507182123"/>
       </p:ext>
     </p:extLst>
   </p:cSld>
@@ -12615,9 +13732,10 @@
           <a:p>
             <a:pPr marL="457200" indent="-457200"/>
             <a:r>
-              <a:rPr lang="en-US" dirty="0"/>
-              <a:t>Node in a Nutshell</a:t>
-            </a:r>
+              <a:rPr lang="en-US" dirty="0" smtClean="0"/>
+              <a:t>Computer Architecture</a:t>
+            </a:r>
+            <a:endParaRPr lang="en-US" dirty="0"/>
           </a:p>
         </p:txBody>
       </p:sp>
@@ -12643,13 +13761,20 @@
           </a:bodyPr>
           <a:lstStyle/>
           <a:p>
+            <a:pPr algn="l"/>
+            <a:r>
+              <a:rPr lang="en-US" dirty="0" smtClean="0"/>
+              <a:t>Process </a:t>
+            </a:r>
+          </a:p>
+          <a:p>
             <a:pPr marL="342900" indent="-342900" algn="l">
               <a:buFont typeface="Arial"/>
               <a:buChar char="•"/>
             </a:pPr>
             <a:r>
-              <a:rPr lang="en-US" dirty="0"/>
-              <a:t>Single threaded</a:t>
+              <a:rPr lang="en-US" dirty="0" smtClean="0"/>
+              <a:t>Instance of an executing program</a:t>
             </a:r>
           </a:p>
           <a:p>
@@ -12659,49 +13784,57 @@
             </a:pPr>
             <a:r>
               <a:rPr lang="en-US" dirty="0" smtClean="0"/>
-              <a:t>Event </a:t>
-            </a:r>
-            <a:r>
-              <a:rPr lang="en-US" dirty="0"/>
-              <a:t>driven</a:t>
-            </a:r>
-          </a:p>
-          <a:p>
-            <a:pPr marL="342900" indent="-342900" algn="l">
-              <a:buFont typeface="Arial"/>
-              <a:buChar char="•"/>
-            </a:pPr>
-            <a:r>
-              <a:rPr lang="en-US" dirty="0" smtClean="0"/>
-              <a:t>Highly </a:t>
-            </a:r>
-            <a:r>
-              <a:rPr lang="en-US" dirty="0"/>
-              <a:t>concurrent</a:t>
-            </a:r>
-          </a:p>
-          <a:p>
-            <a:pPr marL="342900" indent="-342900" algn="l">
-              <a:buFont typeface="Arial"/>
-              <a:buChar char="•"/>
-            </a:pPr>
-            <a:r>
-              <a:rPr lang="en-US" dirty="0"/>
-              <a:t>Not vertically </a:t>
-            </a:r>
-            <a:r>
-              <a:rPr lang="en-US" dirty="0" smtClean="0"/>
-              <a:t>scalable</a:t>
-            </a:r>
-          </a:p>
-          <a:p>
-            <a:pPr marL="342900" indent="-342900" algn="l">
-              <a:buFont typeface="Arial"/>
-              <a:buChar char="•"/>
-            </a:pPr>
-            <a:r>
-              <a:rPr lang="en-US" dirty="0" smtClean="0"/>
-              <a:t>IOW, multi-core CPUs</a:t>
+              <a:t>Has its own </a:t>
+            </a:r>
+          </a:p>
+          <a:p>
+            <a:pPr marL="800100" lvl="1" indent="-342900" algn="l">
+              <a:buFont typeface="Arial"/>
+              <a:buChar char="•"/>
+            </a:pPr>
+            <a:r>
+              <a:rPr lang="en-US" dirty="0" smtClean="0"/>
+              <a:t>Process ID (PID)</a:t>
+            </a:r>
+          </a:p>
+          <a:p>
+            <a:pPr marL="800100" lvl="1" indent="-342900" algn="l">
+              <a:buFont typeface="Arial"/>
+              <a:buChar char="•"/>
+            </a:pPr>
+            <a:r>
+              <a:rPr lang="en-US" dirty="0" smtClean="0"/>
+              <a:t>Memory space</a:t>
+            </a:r>
+          </a:p>
+          <a:p>
+            <a:pPr marL="800100" lvl="1" indent="-342900" algn="l">
+              <a:buFont typeface="Arial"/>
+              <a:buChar char="•"/>
+            </a:pPr>
+            <a:r>
+              <a:rPr lang="en-US" dirty="0" smtClean="0"/>
+              <a:t>Threads (one or more)</a:t>
+            </a:r>
+          </a:p>
+          <a:p>
+            <a:pPr marL="800100" lvl="1" indent="-342900" algn="l">
+              <a:buFont typeface="Arial"/>
+              <a:buChar char="•"/>
+            </a:pPr>
+            <a:r>
+              <a:rPr lang="en-US" dirty="0" smtClean="0"/>
+              <a:t>Security context</a:t>
+            </a:r>
+          </a:p>
+          <a:p>
+            <a:pPr marL="800100" lvl="1" indent="-342900" algn="l">
+              <a:buFont typeface="Arial"/>
+              <a:buChar char="•"/>
+            </a:pPr>
+            <a:r>
+              <a:rPr lang="en-US" dirty="0" smtClean="0"/>
+              <a:t>Kernel-granted access to resources</a:t>
             </a:r>
             <a:endParaRPr lang="en-US" dirty="0"/>
           </a:p>
@@ -12710,7 +13843,7 @@
     </p:spTree>
     <p:extLst>
       <p:ext uri="{BB962C8B-B14F-4D97-AF65-F5344CB8AC3E}">
-        <p14:creationId xmlns:p14="http://schemas.microsoft.com/office/powerpoint/2010/main" val="507182123"/>
+        <p14:creationId xmlns:p14="http://schemas.microsoft.com/office/powerpoint/2010/main" val="1272673148"/>
       </p:ext>
     </p:extLst>
   </p:cSld>

--- a/slides/Node Slides Day 1.pptx
+++ b/slides/Node Slides Day 1.pptx
@@ -18,52 +18,54 @@
     <p:sldId id="350" r:id="rId12"/>
     <p:sldId id="348" r:id="rId13"/>
     <p:sldId id="344" r:id="rId14"/>
-    <p:sldId id="343" r:id="rId15"/>
-    <p:sldId id="296" r:id="rId16"/>
-    <p:sldId id="297" r:id="rId17"/>
-    <p:sldId id="299" r:id="rId18"/>
-    <p:sldId id="300" r:id="rId19"/>
-    <p:sldId id="301" r:id="rId20"/>
-    <p:sldId id="302" r:id="rId21"/>
-    <p:sldId id="303" r:id="rId22"/>
-    <p:sldId id="331" r:id="rId23"/>
-    <p:sldId id="304" r:id="rId24"/>
-    <p:sldId id="305" r:id="rId25"/>
-    <p:sldId id="306" r:id="rId26"/>
-    <p:sldId id="307" r:id="rId27"/>
-    <p:sldId id="309" r:id="rId28"/>
-    <p:sldId id="308" r:id="rId29"/>
-    <p:sldId id="310" r:id="rId30"/>
-    <p:sldId id="311" r:id="rId31"/>
-    <p:sldId id="312" r:id="rId32"/>
-    <p:sldId id="313" r:id="rId33"/>
-    <p:sldId id="315" r:id="rId34"/>
-    <p:sldId id="314" r:id="rId35"/>
-    <p:sldId id="320" r:id="rId36"/>
-    <p:sldId id="316" r:id="rId37"/>
-    <p:sldId id="317" r:id="rId38"/>
-    <p:sldId id="318" r:id="rId39"/>
-    <p:sldId id="321" r:id="rId40"/>
-    <p:sldId id="319" r:id="rId41"/>
-    <p:sldId id="322" r:id="rId42"/>
-    <p:sldId id="323" r:id="rId43"/>
-    <p:sldId id="324" r:id="rId44"/>
-    <p:sldId id="325" r:id="rId45"/>
-    <p:sldId id="326" r:id="rId46"/>
-    <p:sldId id="328" r:id="rId47"/>
-    <p:sldId id="329" r:id="rId48"/>
-    <p:sldId id="330" r:id="rId49"/>
-    <p:sldId id="332" r:id="rId50"/>
-    <p:sldId id="335" r:id="rId51"/>
-    <p:sldId id="336" r:id="rId52"/>
-    <p:sldId id="337" r:id="rId53"/>
-    <p:sldId id="333" r:id="rId54"/>
-    <p:sldId id="338" r:id="rId55"/>
-    <p:sldId id="339" r:id="rId56"/>
-    <p:sldId id="340" r:id="rId57"/>
-    <p:sldId id="341" r:id="rId58"/>
-    <p:sldId id="342" r:id="rId59"/>
-    <p:sldId id="334" r:id="rId60"/>
+    <p:sldId id="351" r:id="rId15"/>
+    <p:sldId id="352" r:id="rId16"/>
+    <p:sldId id="343" r:id="rId17"/>
+    <p:sldId id="296" r:id="rId18"/>
+    <p:sldId id="297" r:id="rId19"/>
+    <p:sldId id="299" r:id="rId20"/>
+    <p:sldId id="300" r:id="rId21"/>
+    <p:sldId id="301" r:id="rId22"/>
+    <p:sldId id="302" r:id="rId23"/>
+    <p:sldId id="303" r:id="rId24"/>
+    <p:sldId id="331" r:id="rId25"/>
+    <p:sldId id="304" r:id="rId26"/>
+    <p:sldId id="305" r:id="rId27"/>
+    <p:sldId id="306" r:id="rId28"/>
+    <p:sldId id="307" r:id="rId29"/>
+    <p:sldId id="309" r:id="rId30"/>
+    <p:sldId id="308" r:id="rId31"/>
+    <p:sldId id="310" r:id="rId32"/>
+    <p:sldId id="311" r:id="rId33"/>
+    <p:sldId id="312" r:id="rId34"/>
+    <p:sldId id="313" r:id="rId35"/>
+    <p:sldId id="315" r:id="rId36"/>
+    <p:sldId id="314" r:id="rId37"/>
+    <p:sldId id="320" r:id="rId38"/>
+    <p:sldId id="316" r:id="rId39"/>
+    <p:sldId id="317" r:id="rId40"/>
+    <p:sldId id="318" r:id="rId41"/>
+    <p:sldId id="321" r:id="rId42"/>
+    <p:sldId id="319" r:id="rId43"/>
+    <p:sldId id="322" r:id="rId44"/>
+    <p:sldId id="323" r:id="rId45"/>
+    <p:sldId id="324" r:id="rId46"/>
+    <p:sldId id="325" r:id="rId47"/>
+    <p:sldId id="326" r:id="rId48"/>
+    <p:sldId id="328" r:id="rId49"/>
+    <p:sldId id="329" r:id="rId50"/>
+    <p:sldId id="330" r:id="rId51"/>
+    <p:sldId id="332" r:id="rId52"/>
+    <p:sldId id="335" r:id="rId53"/>
+    <p:sldId id="336" r:id="rId54"/>
+    <p:sldId id="337" r:id="rId55"/>
+    <p:sldId id="333" r:id="rId56"/>
+    <p:sldId id="338" r:id="rId57"/>
+    <p:sldId id="339" r:id="rId58"/>
+    <p:sldId id="340" r:id="rId59"/>
+    <p:sldId id="341" r:id="rId60"/>
+    <p:sldId id="342" r:id="rId61"/>
+    <p:sldId id="334" r:id="rId62"/>
   </p:sldIdLst>
   <p:sldSz cx="9144000" cy="6858000" type="screen4x3"/>
   <p:notesSz cx="6858000" cy="9144000"/>
@@ -3481,7 +3483,6 @@
               <a:rPr lang="en-US" dirty="0" smtClean="0"/>
               <a:t>Inter-Process Communication (IPC)</a:t>
             </a:r>
-            <a:endParaRPr lang="en-US" dirty="0" smtClean="0"/>
           </a:p>
           <a:p>
             <a:pPr marL="342900" indent="-342900" algn="l">
@@ -3550,7 +3551,6 @@
               <a:rPr lang="en-US" dirty="0" smtClean="0"/>
               <a:t>Otherwise default signal handler</a:t>
             </a:r>
-            <a:endParaRPr lang="en-US" dirty="0" smtClean="0"/>
           </a:p>
         </p:txBody>
       </p:sp>
@@ -3925,9 +3925,10 @@
           <a:p>
             <a:pPr marL="457200" indent="-457200"/>
             <a:r>
-              <a:rPr lang="en-US" dirty="0"/>
-              <a:t>Node in a Nutshell</a:t>
-            </a:r>
+              <a:rPr lang="en-US" dirty="0" smtClean="0"/>
+              <a:t>Streams</a:t>
+            </a:r>
+            <a:endParaRPr lang="en-US" dirty="0"/>
           </a:p>
         </p:txBody>
       </p:sp>
@@ -3953,82 +3954,51 @@
           </a:bodyPr>
           <a:lstStyle/>
           <a:p>
-            <a:pPr marL="342900" indent="-342900" algn="l">
-              <a:buFont typeface="Arial"/>
-              <a:buChar char="•"/>
-            </a:pPr>
-            <a:r>
-              <a:rPr lang="en-US" dirty="0"/>
-              <a:t>Single threaded</a:t>
-            </a:r>
-          </a:p>
-          <a:p>
-            <a:pPr marL="342900" indent="-342900" algn="l">
-              <a:buFont typeface="Arial"/>
-              <a:buChar char="•"/>
-            </a:pPr>
-            <a:r>
-              <a:rPr lang="en-US" dirty="0" smtClean="0"/>
-              <a:t>Event </a:t>
-            </a:r>
-            <a:r>
-              <a:rPr lang="en-US" dirty="0"/>
-              <a:t>driven</a:t>
-            </a:r>
-          </a:p>
-          <a:p>
-            <a:pPr marL="342900" indent="-342900" algn="l">
-              <a:buFont typeface="Arial"/>
-              <a:buChar char="•"/>
-            </a:pPr>
-            <a:r>
-              <a:rPr lang="en-US" dirty="0" smtClean="0"/>
-              <a:t>Well suited to high concurrency</a:t>
-            </a:r>
-          </a:p>
-          <a:p>
-            <a:pPr marL="342900" indent="-342900" algn="l">
-              <a:buFont typeface="Arial"/>
-              <a:buChar char="•"/>
-            </a:pPr>
-            <a:r>
-              <a:rPr lang="en-US" dirty="0" smtClean="0"/>
-              <a:t>Perfect for front line web server</a:t>
-            </a:r>
-          </a:p>
-          <a:p>
-            <a:pPr marL="342900" indent="-342900" algn="l">
-              <a:buFont typeface="Arial"/>
-              <a:buChar char="•"/>
-            </a:pPr>
-            <a:r>
-              <a:rPr lang="en-US" dirty="0" smtClean="0"/>
-              <a:t>Poorly suited to computationally demanding tasks</a:t>
-            </a:r>
-          </a:p>
-          <a:p>
-            <a:pPr marL="342900" indent="-342900" algn="l">
-              <a:buFont typeface="Arial"/>
-              <a:buChar char="•"/>
-            </a:pPr>
-            <a:r>
-              <a:rPr lang="en-US" dirty="0" smtClean="0"/>
-              <a:t>Many strategies to accommodate</a:t>
-            </a:r>
-          </a:p>
-          <a:p>
-            <a:pPr marL="342900" indent="-342900" algn="l">
-              <a:buFont typeface="Arial"/>
-              <a:buChar char="•"/>
-            </a:pPr>
-            <a:endParaRPr lang="en-US" dirty="0"/>
+            <a:pPr marL="457200" indent="-457200" algn="l">
+              <a:buFont typeface="Arial"/>
+              <a:buChar char="•"/>
+            </a:pPr>
+            <a:r>
+              <a:rPr lang="en-US" dirty="0" smtClean="0"/>
+              <a:t>Data made available over time</a:t>
+            </a:r>
+          </a:p>
+          <a:p>
+            <a:pPr marL="457200" indent="-457200" algn="l">
+              <a:buFont typeface="Arial"/>
+              <a:buChar char="•"/>
+            </a:pPr>
+            <a:r>
+              <a:rPr lang="en-US" dirty="0" smtClean="0"/>
+              <a:t>Potentially infinite</a:t>
+            </a:r>
+          </a:p>
+          <a:p>
+            <a:pPr marL="457200" indent="-457200" algn="l">
+              <a:buFont typeface="Arial"/>
+              <a:buChar char="•"/>
+            </a:pPr>
+            <a:r>
+              <a:rPr lang="en-US" dirty="0" smtClean="0"/>
+              <a:t>Analogy: conveyor belt</a:t>
+            </a:r>
+          </a:p>
+          <a:p>
+            <a:pPr marL="457200" indent="-457200" algn="l">
+              <a:buFont typeface="Arial"/>
+              <a:buChar char="•"/>
+            </a:pPr>
+            <a:r>
+              <a:rPr lang="en-US" dirty="0" smtClean="0"/>
+              <a:t>Readable, writeable, or duplex</a:t>
+            </a:r>
           </a:p>
         </p:txBody>
       </p:sp>
     </p:spTree>
     <p:extLst>
       <p:ext uri="{BB962C8B-B14F-4D97-AF65-F5344CB8AC3E}">
-        <p14:creationId xmlns:p14="http://schemas.microsoft.com/office/powerpoint/2010/main" val="3595620345"/>
+        <p14:creationId xmlns:p14="http://schemas.microsoft.com/office/powerpoint/2010/main" val="2409244215"/>
       </p:ext>
     </p:extLst>
   </p:cSld>
@@ -4077,9 +4047,10 @@
           <a:p>
             <a:pPr marL="457200" indent="-457200"/>
             <a:r>
-              <a:rPr lang="en-US" dirty="0"/>
-              <a:t>Node in a Nutshell</a:t>
-            </a:r>
+              <a:rPr lang="en-US" dirty="0" smtClean="0"/>
+              <a:t>Streams</a:t>
+            </a:r>
+            <a:endParaRPr lang="en-US" dirty="0"/>
           </a:p>
         </p:txBody>
       </p:sp>
@@ -4101,24 +4072,17 @@
         </p:spPr>
         <p:txBody>
           <a:bodyPr>
-            <a:normAutofit/>
+            <a:normAutofit lnSpcReduction="10000"/>
           </a:bodyPr>
           <a:lstStyle/>
           <a:p>
-            <a:pPr algn="l"/>
-            <a:r>
-              <a:rPr lang="en-US" dirty="0" smtClean="0"/>
-              <a:t>V8</a:t>
-            </a:r>
-          </a:p>
-          <a:p>
             <a:pPr marL="457200" indent="-457200" algn="l">
               <a:buFont typeface="Arial"/>
               <a:buChar char="•"/>
             </a:pPr>
             <a:r>
               <a:rPr lang="en-US" dirty="0" smtClean="0"/>
-              <a:t>Chrome’s JS engine</a:t>
+              <a:t>A 'filter' modifies a stream</a:t>
             </a:r>
           </a:p>
           <a:p>
@@ -4128,7 +4092,7 @@
             </a:pPr>
             <a:r>
               <a:rPr lang="en-US" dirty="0" smtClean="0"/>
-              <a:t>Released 2008</a:t>
+              <a:t>Produces a new stream</a:t>
             </a:r>
           </a:p>
           <a:p>
@@ -4138,9 +4102,8 @@
             </a:pPr>
             <a:r>
               <a:rPr lang="en-US" dirty="0" smtClean="0"/>
-              <a:t>Node released 2009</a:t>
-            </a:r>
-            <a:endParaRPr lang="en-US" dirty="0"/>
+              <a:t>Strung together, called a pipeline</a:t>
+            </a:r>
           </a:p>
           <a:p>
             <a:pPr marL="457200" indent="-457200" algn="l">
@@ -4149,17 +4112,81 @@
             </a:pPr>
             <a:r>
               <a:rPr lang="en-US" dirty="0" smtClean="0"/>
-              <a:t>Just-in-time (JIT) compiler</a:t>
-            </a:r>
-          </a:p>
-          <a:p>
-            <a:pPr marL="457200" indent="-457200" algn="l">
-              <a:buFont typeface="Arial"/>
-              <a:buChar char="•"/>
-            </a:pPr>
-            <a:r>
-              <a:rPr lang="en-US" dirty="0" smtClean="0"/>
-              <a:t>Produces machine language</a:t>
+              <a:t>Operators</a:t>
+            </a:r>
+          </a:p>
+          <a:p>
+            <a:pPr marL="914400" lvl="1" indent="-457200" algn="l">
+              <a:buFont typeface="Arial"/>
+              <a:buChar char="•"/>
+            </a:pPr>
+            <a:r>
+              <a:rPr lang="en-US" dirty="0" smtClean="0"/>
+              <a:t>&lt; sends input left to right</a:t>
+            </a:r>
+          </a:p>
+          <a:p>
+            <a:pPr marL="914400" lvl="1" indent="-457200" algn="l">
+              <a:buFont typeface="Arial"/>
+              <a:buChar char="•"/>
+            </a:pPr>
+            <a:r>
+              <a:rPr lang="en-US" dirty="0" smtClean="0"/>
+              <a:t>&gt; sends output left to right</a:t>
+            </a:r>
+          </a:p>
+          <a:p>
+            <a:pPr marL="914400" lvl="1" indent="-457200" algn="l">
+              <a:buFont typeface="Arial"/>
+              <a:buChar char="•"/>
+            </a:pPr>
+            <a:r>
+              <a:rPr lang="en-US" dirty="0" smtClean="0"/>
+              <a:t>&gt;&gt; appends data to a file</a:t>
+            </a:r>
+          </a:p>
+          <a:p>
+            <a:pPr marL="914400" lvl="1" indent="-457200" algn="l">
+              <a:buFont typeface="Arial"/>
+              <a:buChar char="•"/>
+            </a:pPr>
+            <a:r>
+              <a:rPr lang="en-US" dirty="0" smtClean="0"/>
+              <a:t>| strings filters together</a:t>
+            </a:r>
+          </a:p>
+          <a:p>
+            <a:pPr marL="914400" lvl="1" indent="-457200" algn="l">
+              <a:buFont typeface="Arial"/>
+              <a:buChar char="•"/>
+            </a:pPr>
+            <a:r>
+              <a:rPr lang="en-US" dirty="0" smtClean="0"/>
+              <a:t>'</a:t>
+            </a:r>
+            <a:r>
+              <a:rPr lang="en-US" dirty="0" err="1" smtClean="0"/>
+              <a:t>ps</a:t>
+            </a:r>
+            <a:r>
+              <a:rPr lang="en-US" dirty="0" smtClean="0"/>
+              <a:t> aux | </a:t>
+            </a:r>
+            <a:r>
+              <a:rPr lang="en-US" dirty="0" err="1" smtClean="0"/>
+              <a:t>grep</a:t>
+            </a:r>
+            <a:r>
+              <a:rPr lang="en-US" dirty="0" smtClean="0"/>
+              <a:t> "</a:t>
+            </a:r>
+            <a:r>
+              <a:rPr lang="en-US" dirty="0" err="1" smtClean="0"/>
+              <a:t>ps</a:t>
+            </a:r>
+            <a:r>
+              <a:rPr lang="en-US" dirty="0" smtClean="0"/>
+              <a:t> aux"'</a:t>
             </a:r>
             <a:endParaRPr lang="en-US" dirty="0"/>
           </a:p>
@@ -4168,7 +4195,7 @@
     </p:spTree>
     <p:extLst>
       <p:ext uri="{BB962C8B-B14F-4D97-AF65-F5344CB8AC3E}">
-        <p14:creationId xmlns:p14="http://schemas.microsoft.com/office/powerpoint/2010/main" val="1068526707"/>
+        <p14:creationId xmlns:p14="http://schemas.microsoft.com/office/powerpoint/2010/main" val="2409244215"/>
       </p:ext>
     </p:extLst>
   </p:cSld>
@@ -4245,52 +4272,74 @@
           </a:bodyPr>
           <a:lstStyle/>
           <a:p>
-            <a:pPr algn="l"/>
-            <a:r>
-              <a:rPr lang="en-US" dirty="0" smtClean="0"/>
-              <a:t>Host objects	</a:t>
-            </a:r>
-            <a:endParaRPr lang="en-US" dirty="0"/>
-          </a:p>
-          <a:p>
-            <a:pPr marL="457200" indent="-457200" algn="l">
+            <a:pPr marL="342900" indent="-342900" algn="l">
               <a:buFont typeface="Arial"/>
               <a:buChar char="•"/>
             </a:pPr>
             <a:r>
               <a:rPr lang="en-US" dirty="0"/>
-              <a:t>File system I/O</a:t>
-            </a:r>
-          </a:p>
-          <a:p>
-            <a:pPr marL="457200" indent="-457200" algn="l">
-              <a:buFont typeface="Arial"/>
-              <a:buChar char="•"/>
-            </a:pPr>
+              <a:t>Single threaded</a:t>
+            </a:r>
+          </a:p>
+          <a:p>
+            <a:pPr marL="342900" indent="-342900" algn="l">
+              <a:buFont typeface="Arial"/>
+              <a:buChar char="•"/>
+            </a:pPr>
+            <a:r>
+              <a:rPr lang="en-US" dirty="0" smtClean="0"/>
+              <a:t>Event </a:t>
+            </a:r>
             <a:r>
               <a:rPr lang="en-US" dirty="0"/>
-              <a:t>Networking/HTTP</a:t>
-            </a:r>
-          </a:p>
-          <a:p>
-            <a:pPr marL="457200" indent="-457200" algn="l">
-              <a:buFont typeface="Arial"/>
-              <a:buChar char="•"/>
-            </a:pPr>
-            <a:r>
-              <a:rPr lang="en-US" dirty="0" smtClean="0"/>
-              <a:t>Crypto</a:t>
-            </a:r>
-          </a:p>
-          <a:p>
-            <a:pPr marL="457200" indent="-457200" algn="l">
-              <a:buFont typeface="Arial"/>
-              <a:buChar char="•"/>
-            </a:pPr>
-            <a:r>
-              <a:rPr lang="en-US" dirty="0" smtClean="0"/>
-              <a:t>more</a:t>
-            </a:r>
+              <a:t>driven</a:t>
+            </a:r>
+          </a:p>
+          <a:p>
+            <a:pPr marL="342900" indent="-342900" algn="l">
+              <a:buFont typeface="Arial"/>
+              <a:buChar char="•"/>
+            </a:pPr>
+            <a:r>
+              <a:rPr lang="en-US" dirty="0" smtClean="0"/>
+              <a:t>Well suited to high concurrency</a:t>
+            </a:r>
+          </a:p>
+          <a:p>
+            <a:pPr marL="342900" indent="-342900" algn="l">
+              <a:buFont typeface="Arial"/>
+              <a:buChar char="•"/>
+            </a:pPr>
+            <a:r>
+              <a:rPr lang="en-US" dirty="0" smtClean="0"/>
+              <a:t>Perfect for front line web server</a:t>
+            </a:r>
+          </a:p>
+          <a:p>
+            <a:pPr marL="342900" indent="-342900" algn="l">
+              <a:buFont typeface="Arial"/>
+              <a:buChar char="•"/>
+            </a:pPr>
+            <a:r>
+              <a:rPr lang="en-US" dirty="0" smtClean="0"/>
+              <a:t>Poorly suited to computationally demanding tasks</a:t>
+            </a:r>
+          </a:p>
+          <a:p>
+            <a:pPr marL="342900" indent="-342900" algn="l">
+              <a:buFont typeface="Arial"/>
+              <a:buChar char="•"/>
+            </a:pPr>
+            <a:r>
+              <a:rPr lang="en-US" dirty="0" smtClean="0"/>
+              <a:t>Many strategies to accommodate</a:t>
+            </a:r>
+          </a:p>
+          <a:p>
+            <a:pPr marL="342900" indent="-342900" algn="l">
+              <a:buFont typeface="Arial"/>
+              <a:buChar char="•"/>
+            </a:pPr>
             <a:endParaRPr lang="en-US" dirty="0"/>
           </a:p>
         </p:txBody>
@@ -4298,7 +4347,7 @@
     </p:spTree>
     <p:extLst>
       <p:ext uri="{BB962C8B-B14F-4D97-AF65-F5344CB8AC3E}">
-        <p14:creationId xmlns:p14="http://schemas.microsoft.com/office/powerpoint/2010/main" val="876404458"/>
+        <p14:creationId xmlns:p14="http://schemas.microsoft.com/office/powerpoint/2010/main" val="3595620345"/>
       </p:ext>
     </p:extLst>
   </p:cSld>
@@ -4347,10 +4396,9 @@
           <a:p>
             <a:pPr marL="457200" indent="-457200"/>
             <a:r>
-              <a:rPr lang="en-US" dirty="0" smtClean="0"/>
-              <a:t>JS Versions</a:t>
-            </a:r>
-            <a:endParaRPr lang="en-US" dirty="0"/>
+              <a:rPr lang="en-US" dirty="0"/>
+              <a:t>Node in a Nutshell</a:t>
+            </a:r>
           </a:p>
         </p:txBody>
       </p:sp>
@@ -4376,88 +4424,62 @@
           </a:bodyPr>
           <a:lstStyle/>
           <a:p>
-            <a:pPr marL="342900" indent="-342900" algn="l">
-              <a:buFont typeface="Arial"/>
-              <a:buChar char="•"/>
-            </a:pPr>
-            <a:r>
-              <a:rPr lang="en-US" dirty="0" smtClean="0"/>
-              <a:t>JS spec is "</a:t>
-            </a:r>
-            <a:r>
-              <a:rPr lang="en-US" dirty="0" err="1" smtClean="0"/>
-              <a:t>ECMAScript</a:t>
-            </a:r>
-            <a:r>
-              <a:rPr lang="en-US" dirty="0" smtClean="0"/>
-              <a:t>"</a:t>
-            </a:r>
-          </a:p>
-          <a:p>
-            <a:pPr marL="342900" indent="-342900" algn="l">
-              <a:buFont typeface="Arial"/>
-              <a:buChar char="•"/>
-            </a:pPr>
-            <a:r>
-              <a:rPr lang="en-US" dirty="0" smtClean="0"/>
-              <a:t>European Computer Mfg. Assn.</a:t>
-            </a:r>
-          </a:p>
-          <a:p>
-            <a:pPr marL="342900" indent="-342900" algn="l">
-              <a:buFont typeface="Arial"/>
-              <a:buChar char="•"/>
-            </a:pPr>
-            <a:r>
-              <a:rPr lang="en-US" dirty="0" smtClean="0"/>
-              <a:t>Version 3 released 1999</a:t>
-            </a:r>
-          </a:p>
-          <a:p>
-            <a:pPr marL="342900" indent="-342900" algn="l">
-              <a:buFont typeface="Arial"/>
-              <a:buChar char="•"/>
-            </a:pPr>
-            <a:r>
-              <a:rPr lang="en-US" dirty="0" smtClean="0"/>
-              <a:t>V4 abandoned</a:t>
-            </a:r>
-          </a:p>
-          <a:p>
-            <a:pPr marL="342900" indent="-342900" algn="l">
-              <a:buFont typeface="Arial"/>
-              <a:buChar char="•"/>
-            </a:pPr>
-            <a:r>
-              <a:rPr lang="en-US" dirty="0" smtClean="0"/>
-              <a:t>V5 released 2009</a:t>
-            </a:r>
-          </a:p>
-          <a:p>
-            <a:pPr marL="342900" indent="-342900" algn="l">
-              <a:buFont typeface="Arial"/>
-              <a:buChar char="•"/>
-            </a:pPr>
-            <a:r>
-              <a:rPr lang="en-US" dirty="0" smtClean="0"/>
-              <a:t>V6 released 2015</a:t>
-            </a:r>
-          </a:p>
-          <a:p>
-            <a:pPr marL="342900" indent="-342900" algn="l">
-              <a:buFont typeface="Arial"/>
-              <a:buChar char="•"/>
-            </a:pPr>
-            <a:r>
-              <a:rPr lang="en-US" dirty="0" smtClean="0"/>
-              <a:t>V7 released 2016</a:t>
-            </a:r>
-          </a:p>
-          <a:p>
-            <a:pPr marL="342900" indent="-342900" algn="l">
-              <a:buFont typeface="Arial"/>
-              <a:buChar char="•"/>
-            </a:pPr>
+            <a:pPr algn="l"/>
+            <a:r>
+              <a:rPr lang="en-US" dirty="0" smtClean="0"/>
+              <a:t>V8</a:t>
+            </a:r>
+          </a:p>
+          <a:p>
+            <a:pPr marL="457200" indent="-457200" algn="l">
+              <a:buFont typeface="Arial"/>
+              <a:buChar char="•"/>
+            </a:pPr>
+            <a:r>
+              <a:rPr lang="en-US" dirty="0" smtClean="0"/>
+              <a:t>Chrome’s JS engine</a:t>
+            </a:r>
+          </a:p>
+          <a:p>
+            <a:pPr marL="457200" indent="-457200" algn="l">
+              <a:buFont typeface="Arial"/>
+              <a:buChar char="•"/>
+            </a:pPr>
+            <a:r>
+              <a:rPr lang="en-US" dirty="0" smtClean="0"/>
+              <a:t>Released 2008</a:t>
+            </a:r>
+          </a:p>
+          <a:p>
+            <a:pPr marL="457200" indent="-457200" algn="l">
+              <a:buFont typeface="Arial"/>
+              <a:buChar char="•"/>
+            </a:pPr>
+            <a:r>
+              <a:rPr lang="en-US" dirty="0" smtClean="0"/>
+              <a:t>Node released 2009</a:t>
+            </a:r>
+            <a:endParaRPr lang="en-US" dirty="0"/>
+          </a:p>
+          <a:p>
+            <a:pPr marL="457200" indent="-457200" algn="l">
+              <a:buFont typeface="Arial"/>
+              <a:buChar char="•"/>
+            </a:pPr>
+            <a:r>
+              <a:rPr lang="en-US" dirty="0" smtClean="0"/>
+              <a:t>Just-in-time (JIT) compiler</a:t>
+            </a:r>
+          </a:p>
+          <a:p>
+            <a:pPr marL="457200" indent="-457200" algn="l">
+              <a:buFont typeface="Arial"/>
+              <a:buChar char="•"/>
+            </a:pPr>
+            <a:r>
+              <a:rPr lang="en-US" dirty="0" smtClean="0"/>
+              <a:t>Produces machine language</a:t>
+            </a:r>
             <a:endParaRPr lang="en-US" dirty="0"/>
           </a:p>
         </p:txBody>
@@ -4465,7 +4487,7 @@
     </p:spTree>
     <p:extLst>
       <p:ext uri="{BB962C8B-B14F-4D97-AF65-F5344CB8AC3E}">
-        <p14:creationId xmlns:p14="http://schemas.microsoft.com/office/powerpoint/2010/main" val="3916810543"/>
+        <p14:creationId xmlns:p14="http://schemas.microsoft.com/office/powerpoint/2010/main" val="1068526707"/>
       </p:ext>
     </p:extLst>
   </p:cSld>
@@ -4514,10 +4536,9 @@
           <a:p>
             <a:pPr marL="457200" indent="-457200"/>
             <a:r>
-              <a:rPr lang="en-US" dirty="0" smtClean="0"/>
-              <a:t>JS Versions</a:t>
-            </a:r>
-            <a:endParaRPr lang="en-US" dirty="0"/>
+              <a:rPr lang="en-US" dirty="0"/>
+              <a:t>Node in a Nutshell</a:t>
+            </a:r>
           </a:p>
         </p:txBody>
       </p:sp>
@@ -4546,8 +4567,9 @@
             <a:pPr algn="l"/>
             <a:r>
               <a:rPr lang="en-US" dirty="0" smtClean="0"/>
-              <a:t>Future versions </a:t>
-            </a:r>
+              <a:t>Host objects	</a:t>
+            </a:r>
+            <a:endParaRPr lang="en-US" dirty="0"/>
           </a:p>
           <a:p>
             <a:pPr marL="457200" indent="-457200" algn="l">
@@ -4555,8 +4577,8 @@
               <a:buChar char="•"/>
             </a:pPr>
             <a:r>
-              <a:rPr lang="en-US" dirty="0" smtClean="0"/>
-              <a:t>Will be referred to by year</a:t>
+              <a:rPr lang="en-US" dirty="0"/>
+              <a:t>File system I/O</a:t>
             </a:r>
           </a:p>
           <a:p>
@@ -4565,8 +4587,8 @@
               <a:buChar char="•"/>
             </a:pPr>
             <a:r>
-              <a:rPr lang="en-US" dirty="0" smtClean="0"/>
-              <a:t>Hence, ES6 === ES2015</a:t>
+              <a:rPr lang="en-US" dirty="0"/>
+              <a:t>Networking/HTTP</a:t>
             </a:r>
           </a:p>
           <a:p>
@@ -4576,22 +4598,18 @@
             </a:pPr>
             <a:r>
               <a:rPr lang="en-US" dirty="0" smtClean="0"/>
-              <a:t>"</a:t>
-            </a:r>
-            <a:r>
-              <a:rPr lang="en-US" dirty="0" err="1" smtClean="0"/>
-              <a:t>ES.Next</a:t>
-            </a:r>
-            <a:r>
-              <a:rPr lang="en-US" dirty="0" smtClean="0"/>
-              <a:t>" points at next release</a:t>
-            </a:r>
-          </a:p>
-          <a:p>
-            <a:pPr marL="342900" indent="-342900" algn="l">
-              <a:buFont typeface="Arial"/>
-              <a:buChar char="•"/>
-            </a:pPr>
+              <a:t>Crypto</a:t>
+            </a:r>
+          </a:p>
+          <a:p>
+            <a:pPr marL="457200" indent="-457200" algn="l">
+              <a:buFont typeface="Arial"/>
+              <a:buChar char="•"/>
+            </a:pPr>
+            <a:r>
+              <a:rPr lang="en-US" dirty="0" smtClean="0"/>
+              <a:t>more</a:t>
+            </a:r>
             <a:endParaRPr lang="en-US" dirty="0"/>
           </a:p>
         </p:txBody>
@@ -4599,7 +4617,7 @@
     </p:spTree>
     <p:extLst>
       <p:ext uri="{BB962C8B-B14F-4D97-AF65-F5344CB8AC3E}">
-        <p14:creationId xmlns:p14="http://schemas.microsoft.com/office/powerpoint/2010/main" val="1674664141"/>
+        <p14:creationId xmlns:p14="http://schemas.microsoft.com/office/powerpoint/2010/main" val="876404458"/>
       </p:ext>
     </p:extLst>
   </p:cSld>
@@ -4673,84 +4691,85 @@
         </p:spPr>
         <p:txBody>
           <a:bodyPr>
-            <a:normAutofit lnSpcReduction="10000"/>
+            <a:normAutofit/>
           </a:bodyPr>
           <a:lstStyle/>
           <a:p>
-            <a:pPr algn="l"/>
-            <a:r>
-              <a:rPr lang="en-US" dirty="0" smtClean="0"/>
-              <a:t>ES6</a:t>
-            </a:r>
-          </a:p>
-          <a:p>
-            <a:pPr marL="457200" indent="-457200" algn="l">
-              <a:buFont typeface="Arial"/>
-              <a:buChar char="•"/>
-            </a:pPr>
-            <a:r>
-              <a:rPr lang="en-US" dirty="0" smtClean="0"/>
-              <a:t>Arrow functions (lexical scope)</a:t>
-            </a:r>
-          </a:p>
-          <a:p>
-            <a:pPr marL="457200" indent="-457200" algn="l">
-              <a:buFont typeface="Arial"/>
-              <a:buChar char="•"/>
-            </a:pPr>
-            <a:r>
-              <a:rPr lang="en-US" dirty="0"/>
-              <a:t>Import/export for modules</a:t>
-            </a:r>
-          </a:p>
-          <a:p>
-            <a:pPr marL="457200" indent="-457200" algn="l">
-              <a:buFont typeface="Arial"/>
-              <a:buChar char="•"/>
-            </a:pPr>
-            <a:r>
-              <a:rPr lang="en-US" dirty="0" smtClean="0"/>
-              <a:t>Promises</a:t>
-            </a:r>
-          </a:p>
-          <a:p>
-            <a:pPr marL="457200" indent="-457200" algn="l">
-              <a:buFont typeface="Arial"/>
-              <a:buChar char="•"/>
-            </a:pPr>
-            <a:r>
-              <a:rPr lang="en-US" dirty="0" smtClean="0"/>
-              <a:t>Template literals</a:t>
-            </a:r>
-          </a:p>
-          <a:p>
-            <a:pPr marL="457200" indent="-457200" algn="l">
-              <a:buFont typeface="Arial"/>
-              <a:buChar char="•"/>
-            </a:pPr>
-            <a:r>
-              <a:rPr lang="en-US" dirty="0" smtClean="0"/>
-              <a:t>Iterator support</a:t>
-            </a:r>
-          </a:p>
-          <a:p>
-            <a:pPr marL="457200" indent="-457200" algn="l">
-              <a:buFont typeface="Arial"/>
-              <a:buChar char="•"/>
-            </a:pPr>
-            <a:r>
-              <a:rPr lang="en-US" dirty="0" smtClean="0"/>
-              <a:t>Block-scope variables with "let"</a:t>
-            </a:r>
-          </a:p>
-          <a:p>
-            <a:pPr marL="457200" indent="-457200" algn="l">
-              <a:buFont typeface="Arial"/>
-              <a:buChar char="•"/>
-            </a:pPr>
-            <a:r>
-              <a:rPr lang="en-US" dirty="0" smtClean="0"/>
-              <a:t>Lots more</a:t>
+            <a:pPr marL="342900" indent="-342900" algn="l">
+              <a:buFont typeface="Arial"/>
+              <a:buChar char="•"/>
+            </a:pPr>
+            <a:r>
+              <a:rPr lang="en-US" dirty="0" smtClean="0"/>
+              <a:t>JS spec is "</a:t>
+            </a:r>
+            <a:r>
+              <a:rPr lang="en-US" dirty="0" err="1" smtClean="0"/>
+              <a:t>ECMAScript</a:t>
+            </a:r>
+            <a:r>
+              <a:rPr lang="en-US" dirty="0" smtClean="0"/>
+              <a:t>"</a:t>
+            </a:r>
+          </a:p>
+          <a:p>
+            <a:pPr marL="342900" indent="-342900" algn="l">
+              <a:buFont typeface="Arial"/>
+              <a:buChar char="•"/>
+            </a:pPr>
+            <a:r>
+              <a:rPr lang="en-US" dirty="0" smtClean="0"/>
+              <a:t>European Computer Mfg. Assn.</a:t>
+            </a:r>
+          </a:p>
+          <a:p>
+            <a:pPr marL="342900" indent="-342900" algn="l">
+              <a:buFont typeface="Arial"/>
+              <a:buChar char="•"/>
+            </a:pPr>
+            <a:r>
+              <a:rPr lang="en-US" dirty="0" smtClean="0"/>
+              <a:t>Version 3 released 1999</a:t>
+            </a:r>
+          </a:p>
+          <a:p>
+            <a:pPr marL="342900" indent="-342900" algn="l">
+              <a:buFont typeface="Arial"/>
+              <a:buChar char="•"/>
+            </a:pPr>
+            <a:r>
+              <a:rPr lang="en-US" dirty="0" smtClean="0"/>
+              <a:t>V4 abandoned</a:t>
+            </a:r>
+          </a:p>
+          <a:p>
+            <a:pPr marL="342900" indent="-342900" algn="l">
+              <a:buFont typeface="Arial"/>
+              <a:buChar char="•"/>
+            </a:pPr>
+            <a:r>
+              <a:rPr lang="en-US" dirty="0" smtClean="0"/>
+              <a:t>V5 released 2009</a:t>
+            </a:r>
+          </a:p>
+          <a:p>
+            <a:pPr marL="342900" indent="-342900" algn="l">
+              <a:buFont typeface="Arial"/>
+              <a:buChar char="•"/>
+            </a:pPr>
+            <a:r>
+              <a:rPr lang="en-US" dirty="0" smtClean="0"/>
+              <a:t>V6 released 2015</a:t>
+            </a:r>
+          </a:p>
+          <a:p>
+            <a:pPr marL="342900" indent="-342900" algn="l">
+              <a:buFont typeface="Arial"/>
+              <a:buChar char="•"/>
+            </a:pPr>
+            <a:r>
+              <a:rPr lang="en-US" dirty="0" smtClean="0"/>
+              <a:t>V7 released 2016</a:t>
             </a:r>
           </a:p>
           <a:p>
@@ -4765,7 +4784,7 @@
     </p:spTree>
     <p:extLst>
       <p:ext uri="{BB962C8B-B14F-4D97-AF65-F5344CB8AC3E}">
-        <p14:creationId xmlns:p14="http://schemas.microsoft.com/office/powerpoint/2010/main" val="2565773087"/>
+        <p14:creationId xmlns:p14="http://schemas.microsoft.com/office/powerpoint/2010/main" val="3916810543"/>
       </p:ext>
     </p:extLst>
   </p:cSld>
@@ -4991,9 +5010,10 @@
           <a:bodyPr/>
           <a:lstStyle/>
           <a:p>
-            <a:r>
-              <a:rPr lang="en-US" dirty="0" err="1"/>
-              <a:t>Transpilers</a:t>
+            <a:pPr marL="457200" indent="-457200"/>
+            <a:r>
+              <a:rPr lang="en-US" dirty="0" smtClean="0"/>
+              <a:t>JS Versions</a:t>
             </a:r>
             <a:endParaRPr lang="en-US" dirty="0"/>
           </a:p>
@@ -5021,56 +5041,55 @@
           </a:bodyPr>
           <a:lstStyle/>
           <a:p>
+            <a:pPr algn="l"/>
+            <a:r>
+              <a:rPr lang="en-US" dirty="0" smtClean="0"/>
+              <a:t>Future versions </a:t>
+            </a:r>
+          </a:p>
+          <a:p>
+            <a:pPr marL="457200" indent="-457200" algn="l">
+              <a:buFont typeface="Arial"/>
+              <a:buChar char="•"/>
+            </a:pPr>
+            <a:r>
+              <a:rPr lang="en-US" dirty="0" smtClean="0"/>
+              <a:t>Will be referred to by year</a:t>
+            </a:r>
+          </a:p>
+          <a:p>
+            <a:pPr marL="457200" indent="-457200" algn="l">
+              <a:buFont typeface="Arial"/>
+              <a:buChar char="•"/>
+            </a:pPr>
+            <a:r>
+              <a:rPr lang="en-US" dirty="0" smtClean="0"/>
+              <a:t>Hence, ES6 === ES2015</a:t>
+            </a:r>
+          </a:p>
+          <a:p>
+            <a:pPr marL="457200" indent="-457200" algn="l">
+              <a:buFont typeface="Arial"/>
+              <a:buChar char="•"/>
+            </a:pPr>
+            <a:r>
+              <a:rPr lang="en-US" dirty="0" smtClean="0"/>
+              <a:t>"</a:t>
+            </a:r>
+            <a:r>
+              <a:rPr lang="en-US" dirty="0" err="1" smtClean="0"/>
+              <a:t>ES.Next</a:t>
+            </a:r>
+            <a:r>
+              <a:rPr lang="en-US" dirty="0" smtClean="0"/>
+              <a:t>" points at next release</a:t>
+            </a:r>
+          </a:p>
+          <a:p>
             <a:pPr marL="342900" indent="-342900" algn="l">
               <a:buFont typeface="Arial"/>
               <a:buChar char="•"/>
             </a:pPr>
-            <a:r>
-              <a:rPr lang="en-US" dirty="0" smtClean="0"/>
-              <a:t>If ES6 feature supported, use as native</a:t>
-            </a:r>
-          </a:p>
-          <a:p>
-            <a:pPr marL="342900" indent="-342900" algn="l">
-              <a:buFont typeface="Arial"/>
-              <a:buChar char="•"/>
-            </a:pPr>
-            <a:r>
-              <a:rPr lang="en-US" dirty="0" smtClean="0"/>
-              <a:t>If not, "</a:t>
-            </a:r>
-            <a:r>
-              <a:rPr lang="en-US" dirty="0" err="1" smtClean="0"/>
-              <a:t>transpile</a:t>
-            </a:r>
-            <a:r>
-              <a:rPr lang="en-US" dirty="0" smtClean="0"/>
-              <a:t>" to ES5</a:t>
-            </a:r>
-          </a:p>
-          <a:p>
-            <a:pPr marL="342900" indent="-342900" algn="l">
-              <a:buFont typeface="Arial"/>
-              <a:buChar char="•"/>
-            </a:pPr>
-            <a:r>
-              <a:rPr lang="en-US" dirty="0" err="1" smtClean="0"/>
-              <a:t>Transpilation</a:t>
-            </a:r>
-            <a:r>
-              <a:rPr lang="en-US" dirty="0" smtClean="0"/>
-              <a:t> creates helper functions</a:t>
-            </a:r>
-          </a:p>
-          <a:p>
-            <a:pPr marL="342900" indent="-342900" algn="l">
-              <a:buFont typeface="Arial"/>
-              <a:buChar char="•"/>
-            </a:pPr>
-            <a:r>
-              <a:rPr lang="en-US" dirty="0" smtClean="0"/>
-              <a:t>Alters ES6 code to call helper</a:t>
-            </a:r>
             <a:endParaRPr lang="en-US" dirty="0"/>
           </a:p>
         </p:txBody>
@@ -5078,7 +5097,7 @@
     </p:spTree>
     <p:extLst>
       <p:ext uri="{BB962C8B-B14F-4D97-AF65-F5344CB8AC3E}">
-        <p14:creationId xmlns:p14="http://schemas.microsoft.com/office/powerpoint/2010/main" val="401803650"/>
+        <p14:creationId xmlns:p14="http://schemas.microsoft.com/office/powerpoint/2010/main" val="1674664141"/>
       </p:ext>
     </p:extLst>
   </p:cSld>
@@ -5125,9 +5144,10 @@
           <a:bodyPr/>
           <a:lstStyle/>
           <a:p>
-            <a:r>
-              <a:rPr lang="en-US" dirty="0" err="1"/>
-              <a:t>Transpilers</a:t>
+            <a:pPr marL="457200" indent="-457200"/>
+            <a:r>
+              <a:rPr lang="en-US" dirty="0" smtClean="0"/>
+              <a:t>JS Versions</a:t>
             </a:r>
             <a:endParaRPr lang="en-US" dirty="0"/>
           </a:p>
@@ -5151,38 +5171,91 @@
         </p:spPr>
         <p:txBody>
           <a:bodyPr>
-            <a:normAutofit/>
+            <a:normAutofit lnSpcReduction="10000"/>
           </a:bodyPr>
           <a:lstStyle/>
           <a:p>
+            <a:pPr algn="l"/>
+            <a:r>
+              <a:rPr lang="en-US" dirty="0" smtClean="0"/>
+              <a:t>ES6</a:t>
+            </a:r>
+          </a:p>
+          <a:p>
+            <a:pPr marL="457200" indent="-457200" algn="l">
+              <a:buFont typeface="Arial"/>
+              <a:buChar char="•"/>
+            </a:pPr>
+            <a:r>
+              <a:rPr lang="en-US" dirty="0" smtClean="0"/>
+              <a:t>Arrow functions (lexical scope)</a:t>
+            </a:r>
+          </a:p>
+          <a:p>
+            <a:pPr marL="457200" indent="-457200" algn="l">
+              <a:buFont typeface="Arial"/>
+              <a:buChar char="•"/>
+            </a:pPr>
+            <a:r>
+              <a:rPr lang="en-US" dirty="0"/>
+              <a:t>Import/export for modules</a:t>
+            </a:r>
+          </a:p>
+          <a:p>
+            <a:pPr marL="457200" indent="-457200" algn="l">
+              <a:buFont typeface="Arial"/>
+              <a:buChar char="•"/>
+            </a:pPr>
+            <a:r>
+              <a:rPr lang="en-US" dirty="0" smtClean="0"/>
+              <a:t>Promises</a:t>
+            </a:r>
+          </a:p>
+          <a:p>
+            <a:pPr marL="457200" indent="-457200" algn="l">
+              <a:buFont typeface="Arial"/>
+              <a:buChar char="•"/>
+            </a:pPr>
+            <a:r>
+              <a:rPr lang="en-US" dirty="0" smtClean="0"/>
+              <a:t>Template literals</a:t>
+            </a:r>
+          </a:p>
+          <a:p>
+            <a:pPr marL="457200" indent="-457200" algn="l">
+              <a:buFont typeface="Arial"/>
+              <a:buChar char="•"/>
+            </a:pPr>
+            <a:r>
+              <a:rPr lang="en-US" dirty="0" smtClean="0"/>
+              <a:t>Iterator support</a:t>
+            </a:r>
+          </a:p>
+          <a:p>
+            <a:pPr marL="457200" indent="-457200" algn="l">
+              <a:buFont typeface="Arial"/>
+              <a:buChar char="•"/>
+            </a:pPr>
+            <a:r>
+              <a:rPr lang="en-US" dirty="0" smtClean="0"/>
+              <a:t>Block-scope variables with "let"</a:t>
+            </a:r>
+          </a:p>
+          <a:p>
+            <a:pPr marL="457200" indent="-457200" algn="l">
+              <a:buFont typeface="Arial"/>
+              <a:buChar char="•"/>
+            </a:pPr>
+            <a:r>
+              <a:rPr lang="en-US" dirty="0" smtClean="0"/>
+              <a:t>Lots more</a:t>
+            </a:r>
+          </a:p>
+          <a:p>
             <a:pPr marL="342900" indent="-342900" algn="l">
               <a:buFont typeface="Arial"/>
               <a:buChar char="•"/>
             </a:pPr>
-            <a:r>
-              <a:rPr lang="en-US" dirty="0" smtClean="0"/>
-              <a:t>Babel (Open source)</a:t>
-            </a:r>
-          </a:p>
-          <a:p>
-            <a:pPr marL="342900" indent="-342900" algn="l">
-              <a:buFont typeface="Arial"/>
-              <a:buChar char="•"/>
-            </a:pPr>
-            <a:r>
-              <a:rPr lang="en-US" dirty="0" smtClean="0"/>
-              <a:t>Closure (Google)</a:t>
-            </a:r>
-          </a:p>
-          <a:p>
-            <a:pPr marL="342900" indent="-342900" algn="l">
-              <a:buFont typeface="Arial"/>
-              <a:buChar char="•"/>
-            </a:pPr>
-            <a:r>
-              <a:rPr lang="en-US" dirty="0" smtClean="0"/>
-              <a:t>Typescript (Microsoft)</a:t>
-            </a:r>
             <a:endParaRPr lang="en-US" dirty="0"/>
           </a:p>
         </p:txBody>
@@ -5190,7 +5263,7 @@
     </p:spTree>
     <p:extLst>
       <p:ext uri="{BB962C8B-B14F-4D97-AF65-F5344CB8AC3E}">
-        <p14:creationId xmlns:p14="http://schemas.microsoft.com/office/powerpoint/2010/main" val="1831059713"/>
+        <p14:creationId xmlns:p14="http://schemas.microsoft.com/office/powerpoint/2010/main" val="2565773087"/>
       </p:ext>
     </p:extLst>
   </p:cSld>
@@ -5238,16 +5311,8 @@
           <a:lstStyle/>
           <a:p>
             <a:r>
-              <a:rPr lang="en-US" dirty="0" smtClean="0"/>
-              <a:t>Lab: explore </a:t>
-            </a:r>
-            <a:r>
-              <a:rPr lang="en-US" dirty="0" err="1" smtClean="0"/>
-              <a:t>Node.js</a:t>
-            </a:r>
-            <a:r>
-              <a:rPr lang="en-US" dirty="0" smtClean="0"/>
-              <a:t> REPL</a:t>
+              <a:rPr lang="en-US" dirty="0" err="1"/>
+              <a:t>Transpilers</a:t>
             </a:r>
             <a:endParaRPr lang="en-US" dirty="0"/>
           </a:p>
@@ -5275,31 +5340,64 @@
           </a:bodyPr>
           <a:lstStyle/>
           <a:p>
-            <a:pPr lvl="1" indent="-457200" algn="l">
-              <a:buFont typeface="Arial"/>
-              <a:buChar char="•"/>
-            </a:pPr>
-            <a:r>
-              <a:rPr lang="en-US" dirty="0" smtClean="0"/>
-              <a:t>Code-along</a:t>
-            </a:r>
-          </a:p>
-          <a:p>
-            <a:pPr lvl="1" indent="-457200" algn="l">
-              <a:buFont typeface="Arial"/>
-              <a:buChar char="•"/>
-            </a:pPr>
-            <a:r>
-              <a:rPr lang="en-US" dirty="0" smtClean="0"/>
-              <a:t>Review advanced JS concepts</a:t>
-            </a:r>
+            <a:pPr marL="342900" indent="-342900" algn="l">
+              <a:buFont typeface="Arial"/>
+              <a:buChar char="•"/>
+            </a:pPr>
+            <a:r>
+              <a:rPr lang="en-US" dirty="0" smtClean="0"/>
+              <a:t>If ES6 feature supported, use as native</a:t>
+            </a:r>
+          </a:p>
+          <a:p>
+            <a:pPr marL="342900" indent="-342900" algn="l">
+              <a:buFont typeface="Arial"/>
+              <a:buChar char="•"/>
+            </a:pPr>
+            <a:r>
+              <a:rPr lang="en-US" dirty="0" smtClean="0"/>
+              <a:t>If not, "</a:t>
+            </a:r>
+            <a:r>
+              <a:rPr lang="en-US" dirty="0" err="1" smtClean="0"/>
+              <a:t>transpile</a:t>
+            </a:r>
+            <a:r>
+              <a:rPr lang="en-US" dirty="0" smtClean="0"/>
+              <a:t>" to ES5</a:t>
+            </a:r>
+          </a:p>
+          <a:p>
+            <a:pPr marL="342900" indent="-342900" algn="l">
+              <a:buFont typeface="Arial"/>
+              <a:buChar char="•"/>
+            </a:pPr>
+            <a:r>
+              <a:rPr lang="en-US" dirty="0" err="1" smtClean="0"/>
+              <a:t>Transpilation</a:t>
+            </a:r>
+            <a:r>
+              <a:rPr lang="en-US" dirty="0" smtClean="0"/>
+              <a:t> creates helper functions</a:t>
+            </a:r>
+          </a:p>
+          <a:p>
+            <a:pPr marL="342900" indent="-342900" algn="l">
+              <a:buFont typeface="Arial"/>
+              <a:buChar char="•"/>
+            </a:pPr>
+            <a:r>
+              <a:rPr lang="en-US" dirty="0" smtClean="0"/>
+              <a:t>Alters ES6 code to call helper</a:t>
+            </a:r>
+            <a:endParaRPr lang="en-US" dirty="0"/>
           </a:p>
         </p:txBody>
       </p:sp>
     </p:spTree>
     <p:extLst>
       <p:ext uri="{BB962C8B-B14F-4D97-AF65-F5344CB8AC3E}">
-        <p14:creationId xmlns:p14="http://schemas.microsoft.com/office/powerpoint/2010/main" val="3466214640"/>
+        <p14:creationId xmlns:p14="http://schemas.microsoft.com/office/powerpoint/2010/main" val="401803650"/>
       </p:ext>
     </p:extLst>
   </p:cSld>
@@ -5347,8 +5445,8 @@
           <a:lstStyle/>
           <a:p>
             <a:r>
-              <a:rPr lang="en-US" dirty="0" err="1" smtClean="0"/>
-              <a:t>npm</a:t>
+              <a:rPr lang="en-US" dirty="0" err="1"/>
+              <a:t>Transpilers</a:t>
             </a:r>
             <a:endParaRPr lang="en-US" dirty="0"/>
           </a:p>
@@ -5382,7 +5480,7 @@
             </a:pPr>
             <a:r>
               <a:rPr lang="en-US" dirty="0" smtClean="0"/>
-              <a:t>Node Package Manager</a:t>
+              <a:t>Babel (Open source)</a:t>
             </a:r>
           </a:p>
           <a:p>
@@ -5392,13 +5490,8 @@
             </a:pPr>
             <a:r>
               <a:rPr lang="en-US" dirty="0" smtClean="0"/>
-              <a:t>Included with </a:t>
-            </a:r>
-            <a:r>
-              <a:rPr lang="en-US" dirty="0" err="1" smtClean="0"/>
-              <a:t>Node.js</a:t>
-            </a:r>
-            <a:endParaRPr lang="en-US" dirty="0" smtClean="0"/>
+              <a:t>Closure (Google)</a:t>
+            </a:r>
           </a:p>
           <a:p>
             <a:pPr marL="342900" indent="-342900" algn="l">
@@ -5407,45 +5500,16 @@
             </a:pPr>
             <a:r>
               <a:rPr lang="en-US" dirty="0" smtClean="0"/>
-              <a:t>Intentionally lowercase</a:t>
-            </a:r>
-          </a:p>
-          <a:p>
-            <a:pPr marL="342900" indent="-342900" algn="l">
-              <a:buFont typeface="Arial"/>
-              <a:buChar char="•"/>
-            </a:pPr>
-            <a:r>
-              <a:rPr lang="en-US" dirty="0" smtClean="0"/>
-              <a:t>Execute via CLI</a:t>
-            </a:r>
-          </a:p>
-          <a:p>
-            <a:pPr marL="342900" indent="-342900" algn="l">
-              <a:buFont typeface="Arial"/>
-              <a:buChar char="•"/>
-            </a:pPr>
-            <a:r>
-              <a:rPr lang="en-US" dirty="0" smtClean="0"/>
-              <a:t>Install a project's packages</a:t>
-            </a:r>
-          </a:p>
-          <a:p>
-            <a:pPr marL="342900" indent="-342900" algn="l">
-              <a:buFont typeface="Arial"/>
-              <a:buChar char="•"/>
-            </a:pPr>
-            <a:r>
-              <a:rPr lang="en-US" dirty="0" smtClean="0"/>
-              <a:t>And those packages' dependencies, recursively</a:t>
-            </a:r>
+              <a:t>Typescript (Microsoft)</a:t>
+            </a:r>
+            <a:endParaRPr lang="en-US" dirty="0"/>
           </a:p>
         </p:txBody>
       </p:sp>
     </p:spTree>
     <p:extLst>
       <p:ext uri="{BB962C8B-B14F-4D97-AF65-F5344CB8AC3E}">
-        <p14:creationId xmlns:p14="http://schemas.microsoft.com/office/powerpoint/2010/main" val="494886650"/>
+        <p14:creationId xmlns:p14="http://schemas.microsoft.com/office/powerpoint/2010/main" val="1831059713"/>
       </p:ext>
     </p:extLst>
   </p:cSld>
@@ -5493,8 +5557,16 @@
           <a:lstStyle/>
           <a:p>
             <a:r>
-              <a:rPr lang="en-US" dirty="0" err="1" smtClean="0"/>
-              <a:t>npm</a:t>
+              <a:rPr lang="en-US" dirty="0" smtClean="0"/>
+              <a:t>Lab: explore </a:t>
+            </a:r>
+            <a:r>
+              <a:rPr lang="en-US" dirty="0" err="1" smtClean="0"/>
+              <a:t>Node.js</a:t>
+            </a:r>
+            <a:r>
+              <a:rPr lang="en-US" dirty="0" smtClean="0"/>
+              <a:t> REPL</a:t>
             </a:r>
             <a:endParaRPr lang="en-US" dirty="0"/>
           </a:p>
@@ -5522,100 +5594,31 @@
           </a:bodyPr>
           <a:lstStyle/>
           <a:p>
-            <a:pPr algn="l"/>
-            <a:r>
-              <a:rPr lang="en-US" dirty="0" err="1" smtClean="0"/>
-              <a:t>Package.json</a:t>
-            </a:r>
-            <a:endParaRPr lang="en-US" dirty="0" smtClean="0"/>
-          </a:p>
-          <a:p>
-            <a:pPr marL="342900" indent="-342900" algn="l">
-              <a:buFont typeface="Arial"/>
-              <a:buChar char="•"/>
-            </a:pPr>
-            <a:r>
-              <a:rPr lang="en-US" dirty="0" smtClean="0"/>
-              <a:t>Manifest file for project</a:t>
-            </a:r>
-          </a:p>
-          <a:p>
-            <a:pPr marL="342900" indent="-342900" algn="l">
-              <a:buFont typeface="Arial"/>
-              <a:buChar char="•"/>
-            </a:pPr>
-            <a:r>
-              <a:rPr lang="en-US" dirty="0"/>
-              <a:t>JSON </a:t>
-            </a:r>
-            <a:r>
-              <a:rPr lang="en-US" dirty="0" smtClean="0"/>
-              <a:t>format</a:t>
-            </a:r>
-          </a:p>
-          <a:p>
-            <a:pPr marL="342900" indent="-342900" algn="l">
-              <a:buFont typeface="Arial"/>
-              <a:buChar char="•"/>
-            </a:pPr>
-            <a:r>
-              <a:rPr lang="en-US" dirty="0" smtClean="0"/>
-              <a:t>Used to </a:t>
-            </a:r>
-            <a:r>
-              <a:rPr lang="en-US" dirty="0" err="1" smtClean="0"/>
-              <a:t>init</a:t>
-            </a:r>
-            <a:r>
-              <a:rPr lang="en-US" dirty="0" smtClean="0"/>
-              <a:t> a fresh checkout</a:t>
-            </a:r>
-          </a:p>
-          <a:p>
-            <a:pPr marL="342900" indent="-342900" algn="l">
-              <a:buFont typeface="Arial"/>
-              <a:buChar char="•"/>
-            </a:pPr>
-            <a:r>
-              <a:rPr lang="en-US" dirty="0" smtClean="0"/>
-              <a:t>'</a:t>
-            </a:r>
-            <a:r>
-              <a:rPr lang="en-US" dirty="0" err="1" smtClean="0"/>
-              <a:t>npm</a:t>
-            </a:r>
-            <a:r>
-              <a:rPr lang="en-US" dirty="0" smtClean="0"/>
-              <a:t> install' with no </a:t>
-            </a:r>
-            <a:r>
-              <a:rPr lang="en-US" dirty="0" err="1" smtClean="0"/>
-              <a:t>args</a:t>
-            </a:r>
-            <a:r>
-              <a:rPr lang="en-US" dirty="0" smtClean="0"/>
-              <a:t> looks for </a:t>
-            </a:r>
-            <a:r>
-              <a:rPr lang="en-US" dirty="0" err="1" smtClean="0"/>
-              <a:t>package.json</a:t>
-            </a:r>
-            <a:r>
-              <a:rPr lang="en-US" dirty="0" smtClean="0"/>
-              <a:t> in current working </a:t>
-            </a:r>
-            <a:r>
-              <a:rPr lang="en-US" dirty="0" err="1" smtClean="0"/>
-              <a:t>dir</a:t>
-            </a:r>
-            <a:endParaRPr lang="en-US" dirty="0"/>
+            <a:pPr lvl="1" indent="-457200" algn="l">
+              <a:buFont typeface="Arial"/>
+              <a:buChar char="•"/>
+            </a:pPr>
+            <a:r>
+              <a:rPr lang="en-US" dirty="0" smtClean="0"/>
+              <a:t>Code-along</a:t>
+            </a:r>
+          </a:p>
+          <a:p>
+            <a:pPr lvl="1" indent="-457200" algn="l">
+              <a:buFont typeface="Arial"/>
+              <a:buChar char="•"/>
+            </a:pPr>
+            <a:r>
+              <a:rPr lang="en-US" dirty="0" smtClean="0"/>
+              <a:t>Review advanced JS concepts</a:t>
+            </a:r>
           </a:p>
         </p:txBody>
       </p:sp>
     </p:spTree>
     <p:extLst>
       <p:ext uri="{BB962C8B-B14F-4D97-AF65-F5344CB8AC3E}">
-        <p14:creationId xmlns:p14="http://schemas.microsoft.com/office/powerpoint/2010/main" val="3257634826"/>
+        <p14:creationId xmlns:p14="http://schemas.microsoft.com/office/powerpoint/2010/main" val="3466214640"/>
       </p:ext>
     </p:extLst>
   </p:cSld>
@@ -5688,34 +5691,18 @@
         </p:spPr>
         <p:txBody>
           <a:bodyPr>
-            <a:normAutofit fontScale="92500" lnSpcReduction="10000"/>
+            <a:normAutofit/>
           </a:bodyPr>
           <a:lstStyle/>
           <a:p>
-            <a:pPr algn="l"/>
-            <a:r>
-              <a:rPr lang="en-US" dirty="0" err="1" smtClean="0"/>
-              <a:t>Package.json</a:t>
-            </a:r>
-            <a:r>
-              <a:rPr lang="en-US" dirty="0" smtClean="0"/>
-              <a:t> contents</a:t>
-            </a:r>
-          </a:p>
-          <a:p>
             <a:pPr marL="342900" indent="-342900" algn="l">
               <a:buFont typeface="Arial"/>
               <a:buChar char="•"/>
             </a:pPr>
             <a:r>
               <a:rPr lang="en-US" dirty="0" smtClean="0"/>
-              <a:t>Metadata: name, version, author, </a:t>
-            </a:r>
-            <a:r>
-              <a:rPr lang="en-US" dirty="0" err="1" smtClean="0"/>
-              <a:t>etc</a:t>
-            </a:r>
-            <a:endParaRPr lang="en-US" dirty="0"/>
+              <a:t>Node Package Manager</a:t>
+            </a:r>
           </a:p>
           <a:p>
             <a:pPr marL="342900" indent="-342900" algn="l">
@@ -5724,51 +5711,13 @@
             </a:pPr>
             <a:r>
               <a:rPr lang="en-US" dirty="0" smtClean="0"/>
-              <a:t>Lists </a:t>
-            </a:r>
-            <a:r>
-              <a:rPr lang="en-US" dirty="0"/>
-              <a:t>of packages</a:t>
-            </a:r>
-          </a:p>
-          <a:p>
-            <a:pPr marL="800100" lvl="1" indent="-342900" algn="l">
-              <a:buFont typeface="Arial"/>
-              <a:buChar char="•"/>
-            </a:pPr>
-            <a:r>
-              <a:rPr lang="en-US" dirty="0" smtClean="0"/>
-              <a:t>Name or repo address</a:t>
-            </a:r>
-          </a:p>
-          <a:p>
-            <a:pPr marL="800100" lvl="1" indent="-342900" algn="l">
-              <a:buFont typeface="Arial"/>
-              <a:buChar char="•"/>
-            </a:pPr>
-            <a:r>
-              <a:rPr lang="en-US" dirty="0" smtClean="0"/>
-              <a:t>Version info</a:t>
-            </a:r>
-          </a:p>
-          <a:p>
-            <a:pPr marL="800100" lvl="1" indent="-342900" algn="l">
-              <a:buFont typeface="Arial"/>
-              <a:buChar char="•"/>
-            </a:pPr>
-            <a:r>
-              <a:rPr lang="en-US" dirty="0" smtClean="0"/>
-              <a:t>Dependencies and </a:t>
-            </a:r>
-            <a:r>
-              <a:rPr lang="en-US" dirty="0" err="1" smtClean="0"/>
-              <a:t>dev</a:t>
-            </a:r>
-            <a:r>
-              <a:rPr lang="en-US" dirty="0" smtClean="0"/>
-              <a:t>-dependencies</a:t>
-            </a:r>
-            <a:endParaRPr lang="en-US" dirty="0"/>
+              <a:t>Included with </a:t>
+            </a:r>
+            <a:r>
+              <a:rPr lang="en-US" dirty="0" err="1" smtClean="0"/>
+              <a:t>Node.js</a:t>
+            </a:r>
+            <a:endParaRPr lang="en-US" dirty="0" smtClean="0"/>
           </a:p>
           <a:p>
             <a:pPr marL="342900" indent="-342900" algn="l">
@@ -5777,68 +5726,7 @@
             </a:pPr>
             <a:r>
               <a:rPr lang="en-US" dirty="0" smtClean="0"/>
-              <a:t>"</a:t>
-            </a:r>
-            <a:r>
-              <a:rPr lang="en-US" dirty="0"/>
-              <a:t>hooks" for installation </a:t>
-            </a:r>
-            <a:r>
-              <a:rPr lang="en-US" dirty="0" smtClean="0"/>
-              <a:t>lifecycle</a:t>
-            </a:r>
-          </a:p>
-          <a:p>
-            <a:pPr marL="800100" lvl="1" indent="-342900" algn="l">
-              <a:buFont typeface="Arial"/>
-              <a:buChar char="•"/>
-            </a:pPr>
-            <a:r>
-              <a:rPr lang="en-US" dirty="0" smtClean="0"/>
-              <a:t>Preinstall, </a:t>
-            </a:r>
-            <a:r>
-              <a:rPr lang="en-US" dirty="0" err="1" smtClean="0"/>
-              <a:t>postinstall</a:t>
-            </a:r>
-            <a:r>
-              <a:rPr lang="en-US" dirty="0" smtClean="0"/>
-              <a:t>, </a:t>
-            </a:r>
-            <a:r>
-              <a:rPr lang="en-US" dirty="0" err="1" smtClean="0"/>
-              <a:t>postuninstall</a:t>
-            </a:r>
-            <a:r>
-              <a:rPr lang="en-US" dirty="0" smtClean="0"/>
-              <a:t>, </a:t>
-            </a:r>
-            <a:r>
-              <a:rPr lang="en-US" dirty="0" err="1" smtClean="0"/>
-              <a:t>etc</a:t>
-            </a:r>
-            <a:endParaRPr lang="en-US" dirty="0"/>
-          </a:p>
-          <a:p>
-            <a:pPr marL="800100" lvl="1" indent="-342900" algn="l">
-              <a:buFont typeface="Arial"/>
-              <a:buChar char="•"/>
-            </a:pPr>
-            <a:r>
-              <a:rPr lang="en-US" dirty="0" smtClean="0"/>
-              <a:t>Custom hooks can drive </a:t>
-            </a:r>
-            <a:r>
-              <a:rPr lang="en-US" dirty="0" err="1" smtClean="0"/>
-              <a:t>npm</a:t>
-            </a:r>
-            <a:r>
-              <a:rPr lang="en-US" dirty="0" smtClean="0"/>
-              <a:t> as build </a:t>
-            </a:r>
-            <a:r>
-              <a:rPr lang="en-US" dirty="0"/>
-              <a:t>tool / task runner</a:t>
+              <a:t>Intentionally lowercase</a:t>
             </a:r>
           </a:p>
           <a:p>
@@ -5846,21 +5734,37 @@
               <a:buFont typeface="Arial"/>
               <a:buChar char="•"/>
             </a:pPr>
-            <a:endParaRPr lang="en-US" dirty="0" smtClean="0"/>
+            <a:r>
+              <a:rPr lang="en-US" dirty="0" smtClean="0"/>
+              <a:t>Execute via CLI</a:t>
+            </a:r>
           </a:p>
           <a:p>
             <a:pPr marL="342900" indent="-342900" algn="l">
               <a:buFont typeface="Arial"/>
               <a:buChar char="•"/>
             </a:pPr>
-            <a:endParaRPr lang="en-US" dirty="0" smtClean="0"/>
+            <a:r>
+              <a:rPr lang="en-US" dirty="0" smtClean="0"/>
+              <a:t>Install a project's packages</a:t>
+            </a:r>
+          </a:p>
+          <a:p>
+            <a:pPr marL="342900" indent="-342900" algn="l">
+              <a:buFont typeface="Arial"/>
+              <a:buChar char="•"/>
+            </a:pPr>
+            <a:r>
+              <a:rPr lang="en-US" dirty="0" smtClean="0"/>
+              <a:t>And those packages' dependencies, recursively</a:t>
+            </a:r>
           </a:p>
         </p:txBody>
       </p:sp>
     </p:spTree>
     <p:extLst>
       <p:ext uri="{BB962C8B-B14F-4D97-AF65-F5344CB8AC3E}">
-        <p14:creationId xmlns:p14="http://schemas.microsoft.com/office/powerpoint/2010/main" val="1532976699"/>
+        <p14:creationId xmlns:p14="http://schemas.microsoft.com/office/powerpoint/2010/main" val="494886650"/>
       </p:ext>
     </p:extLst>
   </p:cSld>
@@ -5942,10 +5846,7 @@
               <a:rPr lang="en-US" dirty="0" err="1" smtClean="0"/>
               <a:t>Package.json</a:t>
             </a:r>
-            <a:r>
-              <a:rPr lang="en-US" dirty="0" smtClean="0"/>
-              <a:t> creation</a:t>
-            </a:r>
+            <a:endParaRPr lang="en-US" dirty="0" smtClean="0"/>
           </a:p>
           <a:p>
             <a:pPr marL="342900" indent="-342900" algn="l">
@@ -5954,6 +5855,48 @@
             </a:pPr>
             <a:r>
               <a:rPr lang="en-US" dirty="0" smtClean="0"/>
+              <a:t>Manifest file for project</a:t>
+            </a:r>
+          </a:p>
+          <a:p>
+            <a:pPr marL="342900" indent="-342900" algn="l">
+              <a:buFont typeface="Arial"/>
+              <a:buChar char="•"/>
+            </a:pPr>
+            <a:r>
+              <a:rPr lang="en-US" dirty="0"/>
+              <a:t>JSON </a:t>
+            </a:r>
+            <a:r>
+              <a:rPr lang="en-US" dirty="0" smtClean="0"/>
+              <a:t>format</a:t>
+            </a:r>
+          </a:p>
+          <a:p>
+            <a:pPr marL="342900" indent="-342900" algn="l">
+              <a:buFont typeface="Arial"/>
+              <a:buChar char="•"/>
+            </a:pPr>
+            <a:r>
+              <a:rPr lang="en-US" dirty="0" smtClean="0"/>
+              <a:t>Used to </a:t>
+            </a:r>
+            <a:r>
+              <a:rPr lang="en-US" dirty="0" err="1" smtClean="0"/>
+              <a:t>init</a:t>
+            </a:r>
+            <a:r>
+              <a:rPr lang="en-US" dirty="0" smtClean="0"/>
+              <a:t> a fresh checkout</a:t>
+            </a:r>
+          </a:p>
+          <a:p>
+            <a:pPr marL="342900" indent="-342900" algn="l">
+              <a:buFont typeface="Arial"/>
+              <a:buChar char="•"/>
+            </a:pPr>
+            <a:r>
+              <a:rPr lang="en-US" dirty="0" smtClean="0"/>
               <a:t>'</a:t>
             </a:r>
             <a:r>
@@ -5962,77 +5905,36 @@
             </a:r>
             <a:r>
               <a:rPr lang="en-US" dirty="0" smtClean="0"/>
-              <a:t> </a:t>
-            </a:r>
-            <a:r>
-              <a:rPr lang="en-US" dirty="0" err="1" smtClean="0"/>
-              <a:t>init</a:t>
-            </a:r>
-            <a:r>
-              <a:rPr lang="en-US" dirty="0" smtClean="0"/>
-              <a:t>' starts wizard</a:t>
-            </a:r>
-          </a:p>
-          <a:p>
-            <a:pPr marL="342900" indent="-342900" algn="l">
-              <a:buFont typeface="Arial"/>
-              <a:buChar char="•"/>
-            </a:pPr>
-            <a:r>
-              <a:rPr lang="en-US" dirty="0" smtClean="0"/>
-              <a:t>--force to accept all defaults</a:t>
-            </a:r>
-          </a:p>
-          <a:p>
-            <a:pPr marL="342900" indent="-342900" algn="l">
-              <a:buFont typeface="Arial"/>
-              <a:buChar char="•"/>
-            </a:pPr>
-            <a:r>
-              <a:rPr lang="en-US" dirty="0" smtClean="0"/>
-              <a:t>No connection to current state</a:t>
-            </a:r>
-          </a:p>
-          <a:p>
-            <a:pPr marL="800100" lvl="1" indent="-342900" algn="l">
-              <a:buFont typeface="Arial"/>
-              <a:buChar char="•"/>
-            </a:pPr>
-            <a:r>
-              <a:rPr lang="en-US" dirty="0" smtClean="0"/>
-              <a:t>Does not scan installed packages</a:t>
-            </a:r>
-          </a:p>
-          <a:p>
-            <a:pPr marL="800100" lvl="1" indent="-342900" algn="l">
-              <a:buFont typeface="Arial"/>
-              <a:buChar char="•"/>
-            </a:pPr>
-            <a:r>
-              <a:rPr lang="en-US" dirty="0" smtClean="0"/>
-              <a:t>Packages un- or installed later must also be synced</a:t>
-            </a:r>
-          </a:p>
-          <a:p>
-            <a:pPr marL="342900" indent="-342900" algn="l">
-              <a:buFont typeface="Arial"/>
-              <a:buChar char="•"/>
-            </a:pPr>
-            <a:endParaRPr lang="en-US" dirty="0" smtClean="0"/>
-          </a:p>
-          <a:p>
-            <a:pPr marL="342900" indent="-342900" algn="l">
-              <a:buFont typeface="Arial"/>
-              <a:buChar char="•"/>
-            </a:pPr>
-            <a:endParaRPr lang="en-US" dirty="0" smtClean="0"/>
+              <a:t> install' with no </a:t>
+            </a:r>
+            <a:r>
+              <a:rPr lang="en-US" dirty="0" err="1" smtClean="0"/>
+              <a:t>args</a:t>
+            </a:r>
+            <a:r>
+              <a:rPr lang="en-US" dirty="0" smtClean="0"/>
+              <a:t> looks for </a:t>
+            </a:r>
+            <a:r>
+              <a:rPr lang="en-US" dirty="0" err="1" smtClean="0"/>
+              <a:t>package.json</a:t>
+            </a:r>
+            <a:r>
+              <a:rPr lang="en-US" dirty="0" smtClean="0"/>
+              <a:t> in current working </a:t>
+            </a:r>
+            <a:r>
+              <a:rPr lang="en-US" dirty="0" err="1" smtClean="0"/>
+              <a:t>dir</a:t>
+            </a:r>
+            <a:endParaRPr lang="en-US" dirty="0"/>
           </a:p>
         </p:txBody>
       </p:sp>
     </p:spTree>
     <p:extLst>
       <p:ext uri="{BB962C8B-B14F-4D97-AF65-F5344CB8AC3E}">
-        <p14:creationId xmlns:p14="http://schemas.microsoft.com/office/powerpoint/2010/main" val="732598952"/>
+        <p14:creationId xmlns:p14="http://schemas.microsoft.com/office/powerpoint/2010/main" val="3257634826"/>
       </p:ext>
     </p:extLst>
   </p:cSld>
@@ -6105,18 +6007,157 @@
         </p:spPr>
         <p:txBody>
           <a:bodyPr>
-            <a:normAutofit/>
+            <a:normAutofit fontScale="92500" lnSpcReduction="10000"/>
           </a:bodyPr>
           <a:lstStyle/>
           <a:p>
             <a:pPr algn="l"/>
             <a:r>
               <a:rPr lang="en-US" dirty="0" err="1" smtClean="0"/>
+              <a:t>Package.json</a:t>
+            </a:r>
+            <a:r>
+              <a:rPr lang="en-US" dirty="0" smtClean="0"/>
+              <a:t> contents</a:t>
+            </a:r>
+          </a:p>
+          <a:p>
+            <a:pPr marL="342900" indent="-342900" algn="l">
+              <a:buFont typeface="Arial"/>
+              <a:buChar char="•"/>
+            </a:pPr>
+            <a:r>
+              <a:rPr lang="en-US" dirty="0" smtClean="0"/>
+              <a:t>Metadata: name, version, author, </a:t>
+            </a:r>
+            <a:r>
+              <a:rPr lang="en-US" dirty="0" err="1" smtClean="0"/>
+              <a:t>etc</a:t>
+            </a:r>
+            <a:endParaRPr lang="en-US" dirty="0"/>
+          </a:p>
+          <a:p>
+            <a:pPr marL="342900" indent="-342900" algn="l">
+              <a:buFont typeface="Arial"/>
+              <a:buChar char="•"/>
+            </a:pPr>
+            <a:r>
+              <a:rPr lang="en-US" dirty="0" smtClean="0"/>
+              <a:t>Lists </a:t>
+            </a:r>
+            <a:r>
+              <a:rPr lang="en-US" dirty="0"/>
+              <a:t>of packages</a:t>
+            </a:r>
+          </a:p>
+          <a:p>
+            <a:pPr marL="800100" lvl="1" indent="-342900" algn="l">
+              <a:buFont typeface="Arial"/>
+              <a:buChar char="•"/>
+            </a:pPr>
+            <a:r>
+              <a:rPr lang="en-US" dirty="0" smtClean="0"/>
+              <a:t>Name or repo address</a:t>
+            </a:r>
+          </a:p>
+          <a:p>
+            <a:pPr marL="800100" lvl="1" indent="-342900" algn="l">
+              <a:buFont typeface="Arial"/>
+              <a:buChar char="•"/>
+            </a:pPr>
+            <a:r>
+              <a:rPr lang="en-US" dirty="0" smtClean="0"/>
+              <a:t>Version info</a:t>
+            </a:r>
+          </a:p>
+          <a:p>
+            <a:pPr marL="800100" lvl="1" indent="-342900" algn="l">
+              <a:buFont typeface="Arial"/>
+              <a:buChar char="•"/>
+            </a:pPr>
+            <a:r>
+              <a:rPr lang="en-US" dirty="0" smtClean="0"/>
+              <a:t>Dependencies and </a:t>
+            </a:r>
+            <a:r>
+              <a:rPr lang="en-US" dirty="0" err="1" smtClean="0"/>
+              <a:t>dev</a:t>
+            </a:r>
+            <a:r>
+              <a:rPr lang="en-US" dirty="0" smtClean="0"/>
+              <a:t>-dependencies</a:t>
+            </a:r>
+            <a:endParaRPr lang="en-US" dirty="0"/>
+          </a:p>
+          <a:p>
+            <a:pPr marL="342900" indent="-342900" algn="l">
+              <a:buFont typeface="Arial"/>
+              <a:buChar char="•"/>
+            </a:pPr>
+            <a:r>
+              <a:rPr lang="en-US" dirty="0" smtClean="0"/>
+              <a:t>"</a:t>
+            </a:r>
+            <a:r>
+              <a:rPr lang="en-US" dirty="0"/>
+              <a:t>hooks" for installation </a:t>
+            </a:r>
+            <a:r>
+              <a:rPr lang="en-US" dirty="0" smtClean="0"/>
+              <a:t>lifecycle</a:t>
+            </a:r>
+          </a:p>
+          <a:p>
+            <a:pPr marL="800100" lvl="1" indent="-342900" algn="l">
+              <a:buFont typeface="Arial"/>
+              <a:buChar char="•"/>
+            </a:pPr>
+            <a:r>
+              <a:rPr lang="en-US" dirty="0" smtClean="0"/>
+              <a:t>Preinstall, </a:t>
+            </a:r>
+            <a:r>
+              <a:rPr lang="en-US" dirty="0" err="1" smtClean="0"/>
+              <a:t>postinstall</a:t>
+            </a:r>
+            <a:r>
+              <a:rPr lang="en-US" dirty="0" smtClean="0"/>
+              <a:t>, </a:t>
+            </a:r>
+            <a:r>
+              <a:rPr lang="en-US" dirty="0" err="1" smtClean="0"/>
+              <a:t>postuninstall</a:t>
+            </a:r>
+            <a:r>
+              <a:rPr lang="en-US" dirty="0" smtClean="0"/>
+              <a:t>, </a:t>
+            </a:r>
+            <a:r>
+              <a:rPr lang="en-US" dirty="0" err="1" smtClean="0"/>
+              <a:t>etc</a:t>
+            </a:r>
+            <a:endParaRPr lang="en-US" dirty="0"/>
+          </a:p>
+          <a:p>
+            <a:pPr marL="800100" lvl="1" indent="-342900" algn="l">
+              <a:buFont typeface="Arial"/>
+              <a:buChar char="•"/>
+            </a:pPr>
+            <a:r>
+              <a:rPr lang="en-US" dirty="0" smtClean="0"/>
+              <a:t>Custom hooks can drive </a:t>
+            </a:r>
+            <a:r>
+              <a:rPr lang="en-US" dirty="0" err="1" smtClean="0"/>
               <a:t>npm</a:t>
             </a:r>
             <a:r>
               <a:rPr lang="en-US" dirty="0" smtClean="0"/>
-              <a:t> install, generally:</a:t>
+              <a:t> as build </a:t>
+            </a:r>
+            <a:r>
+              <a:rPr lang="en-US" dirty="0"/>
+              <a:t>tool / task runner</a:t>
             </a:r>
           </a:p>
           <a:p>
@@ -6124,42 +6165,6 @@
               <a:buFont typeface="Arial"/>
               <a:buChar char="•"/>
             </a:pPr>
-            <a:r>
-              <a:rPr lang="en-US" dirty="0" smtClean="0"/>
-              <a:t>Fetches module(s) from repo(s)</a:t>
-            </a:r>
-          </a:p>
-          <a:p>
-            <a:pPr marL="342900" indent="-342900" algn="l">
-              <a:buFont typeface="Arial"/>
-              <a:buChar char="•"/>
-            </a:pPr>
-            <a:r>
-              <a:rPr lang="en-US" dirty="0" smtClean="0"/>
-              <a:t>Fetches recursive dependencies</a:t>
-            </a:r>
-          </a:p>
-          <a:p>
-            <a:pPr marL="342900" indent="-342900" algn="l">
-              <a:buFont typeface="Arial"/>
-              <a:buChar char="•"/>
-            </a:pPr>
-            <a:r>
-              <a:rPr lang="en-US" dirty="0" smtClean="0"/>
-              <a:t>Installs to </a:t>
-            </a:r>
-            <a:r>
-              <a:rPr lang="en-US" dirty="0" err="1" smtClean="0"/>
-              <a:t>node_modules</a:t>
-            </a:r>
-            <a:r>
-              <a:rPr lang="en-US" dirty="0" smtClean="0"/>
-              <a:t> </a:t>
-            </a:r>
-            <a:r>
-              <a:rPr lang="en-US" dirty="0" err="1" smtClean="0"/>
-              <a:t>dir</a:t>
-            </a:r>
             <a:endParaRPr lang="en-US" dirty="0" smtClean="0"/>
           </a:p>
           <a:p>
@@ -6174,7 +6179,7 @@
     </p:spTree>
     <p:extLst>
       <p:ext uri="{BB962C8B-B14F-4D97-AF65-F5344CB8AC3E}">
-        <p14:creationId xmlns:p14="http://schemas.microsoft.com/office/powerpoint/2010/main" val="1870917487"/>
+        <p14:creationId xmlns:p14="http://schemas.microsoft.com/office/powerpoint/2010/main" val="1532976699"/>
       </p:ext>
     </p:extLst>
   </p:cSld>
@@ -6247,18 +6252,44 @@
         </p:spPr>
         <p:txBody>
           <a:bodyPr>
-            <a:normAutofit fontScale="92500" lnSpcReduction="10000"/>
+            <a:normAutofit/>
           </a:bodyPr>
           <a:lstStyle/>
           <a:p>
             <a:pPr algn="l"/>
             <a:r>
               <a:rPr lang="en-US" dirty="0" err="1" smtClean="0"/>
+              <a:t>Package.json</a:t>
+            </a:r>
+            <a:r>
+              <a:rPr lang="en-US" dirty="0" smtClean="0"/>
+              <a:t> creation</a:t>
+            </a:r>
+          </a:p>
+          <a:p>
+            <a:pPr marL="342900" indent="-342900" algn="l">
+              <a:buFont typeface="Arial"/>
+              <a:buChar char="•"/>
+            </a:pPr>
+            <a:r>
+              <a:rPr lang="en-US" dirty="0" smtClean="0"/>
+              <a:t>'</a:t>
+            </a:r>
+            <a:r>
+              <a:rPr lang="en-US" dirty="0" err="1" smtClean="0"/>
               <a:t>npm</a:t>
             </a:r>
             <a:r>
               <a:rPr lang="en-US" dirty="0" smtClean="0"/>
-              <a:t> install &lt;name&gt;</a:t>
+              <a:t> </a:t>
+            </a:r>
+            <a:r>
+              <a:rPr lang="en-US" dirty="0" err="1" smtClean="0"/>
+              <a:t>init</a:t>
+            </a:r>
+            <a:r>
+              <a:rPr lang="en-US" dirty="0" smtClean="0"/>
+              <a:t>' starts wizard</a:t>
             </a:r>
           </a:p>
           <a:p>
@@ -6268,7 +6299,7 @@
             </a:pPr>
             <a:r>
               <a:rPr lang="en-US" dirty="0" smtClean="0"/>
-              <a:t>Checks if &lt;name&gt; exists</a:t>
+              <a:t>--force to accept all defaults</a:t>
             </a:r>
           </a:p>
           <a:p>
@@ -6278,7 +6309,27 @@
             </a:pPr>
             <a:r>
               <a:rPr lang="en-US" dirty="0" smtClean="0"/>
-              <a:t>If not, fetches and saves locally</a:t>
+              <a:t>No connection to current state</a:t>
+            </a:r>
+          </a:p>
+          <a:p>
+            <a:pPr marL="800100" lvl="1" indent="-342900" algn="l">
+              <a:buFont typeface="Arial"/>
+              <a:buChar char="•"/>
+            </a:pPr>
+            <a:r>
+              <a:rPr lang="en-US" dirty="0" smtClean="0"/>
+              <a:t>Does not scan installed packages</a:t>
+            </a:r>
+          </a:p>
+          <a:p>
+            <a:pPr marL="800100" lvl="1" indent="-342900" algn="l">
+              <a:buFont typeface="Arial"/>
+              <a:buChar char="•"/>
+            </a:pPr>
+            <a:r>
+              <a:rPr lang="en-US" dirty="0" smtClean="0"/>
+              <a:t>Packages un- or installed later must also be synced</a:t>
             </a:r>
           </a:p>
           <a:p>
@@ -6286,100 +6337,7 @@
               <a:buFont typeface="Arial"/>
               <a:buChar char="•"/>
             </a:pPr>
-            <a:r>
-              <a:rPr lang="en-US" dirty="0" smtClean="0"/>
-              <a:t>Default location: </a:t>
-            </a:r>
-            <a:r>
-              <a:rPr lang="en-US" dirty="0" err="1" smtClean="0"/>
-              <a:t>node_modules</a:t>
-            </a:r>
             <a:endParaRPr lang="en-US" dirty="0" smtClean="0"/>
-          </a:p>
-          <a:p>
-            <a:pPr marL="342900" indent="-342900" algn="l">
-              <a:buFont typeface="Arial"/>
-              <a:buChar char="•"/>
-            </a:pPr>
-            <a:r>
-              <a:rPr lang="en-US" dirty="0" smtClean="0"/>
-              <a:t>Project root</a:t>
-            </a:r>
-          </a:p>
-          <a:p>
-            <a:pPr marL="800100" lvl="1" indent="-342900" algn="l">
-              <a:buFont typeface="Arial"/>
-              <a:buChar char="•"/>
-            </a:pPr>
-            <a:r>
-              <a:rPr lang="en-US" dirty="0" smtClean="0"/>
-              <a:t>Looks up tree for </a:t>
-            </a:r>
-            <a:r>
-              <a:rPr lang="en-US" dirty="0" err="1" smtClean="0"/>
-              <a:t>package.json</a:t>
-            </a:r>
-            <a:r>
-              <a:rPr lang="en-US" dirty="0" smtClean="0"/>
-              <a:t> or </a:t>
-            </a:r>
-            <a:r>
-              <a:rPr lang="en-US" dirty="0" err="1" smtClean="0"/>
-              <a:t>node_modules</a:t>
-            </a:r>
-            <a:r>
-              <a:rPr lang="en-US" dirty="0" smtClean="0"/>
-              <a:t> </a:t>
-            </a:r>
-            <a:r>
-              <a:rPr lang="en-US" dirty="0" err="1" smtClean="0"/>
-              <a:t>dir</a:t>
-            </a:r>
-            <a:endParaRPr lang="en-US" dirty="0" smtClean="0"/>
-          </a:p>
-          <a:p>
-            <a:pPr marL="800100" lvl="1" indent="-342900" algn="l">
-              <a:buFont typeface="Arial"/>
-              <a:buChar char="•"/>
-            </a:pPr>
-            <a:r>
-              <a:rPr lang="en-US" dirty="0" smtClean="0"/>
-              <a:t>Uses that </a:t>
-            </a:r>
-            <a:r>
-              <a:rPr lang="en-US" dirty="0" err="1" smtClean="0"/>
-              <a:t>dir</a:t>
-            </a:r>
-            <a:r>
-              <a:rPr lang="en-US" dirty="0" smtClean="0"/>
-              <a:t> as root – run command anywhere underneath</a:t>
-            </a:r>
-          </a:p>
-          <a:p>
-            <a:pPr marL="342900" indent="-342900" algn="l">
-              <a:buFont typeface="Arial"/>
-              <a:buChar char="•"/>
-            </a:pPr>
-            <a:r>
-              <a:rPr lang="en-US" dirty="0" smtClean="0"/>
-              <a:t>'</a:t>
-            </a:r>
-            <a:r>
-              <a:rPr lang="en-US" dirty="0" err="1" smtClean="0"/>
-              <a:t>npm</a:t>
-            </a:r>
-            <a:r>
-              <a:rPr lang="en-US" dirty="0" smtClean="0"/>
-              <a:t> </a:t>
-            </a:r>
-            <a:r>
-              <a:rPr lang="en-US" dirty="0" err="1" smtClean="0"/>
-              <a:t>i</a:t>
-            </a:r>
-            <a:r>
-              <a:rPr lang="en-US" dirty="0" smtClean="0"/>
-              <a:t>' short version</a:t>
-            </a:r>
           </a:p>
           <a:p>
             <a:pPr marL="342900" indent="-342900" algn="l">
@@ -6393,7 +6351,7 @@
     </p:spTree>
     <p:extLst>
       <p:ext uri="{BB962C8B-B14F-4D97-AF65-F5344CB8AC3E}">
-        <p14:creationId xmlns:p14="http://schemas.microsoft.com/office/powerpoint/2010/main" val="1044463551"/>
+        <p14:creationId xmlns:p14="http://schemas.microsoft.com/office/powerpoint/2010/main" val="732598952"/>
       </p:ext>
     </p:extLst>
   </p:cSld>
@@ -6477,7 +6435,7 @@
             </a:r>
             <a:r>
               <a:rPr lang="en-US" dirty="0" smtClean="0"/>
-              <a:t> install --save &lt;name&gt;</a:t>
+              <a:t> install, generally:</a:t>
             </a:r>
           </a:p>
           <a:p>
@@ -6487,11 +6445,39 @@
             </a:pPr>
             <a:r>
               <a:rPr lang="en-US" dirty="0" smtClean="0"/>
-              <a:t>Installs, and then writes to </a:t>
-            </a:r>
-            <a:r>
-              <a:rPr lang="en-US" dirty="0" err="1" smtClean="0"/>
-              <a:t>package.json</a:t>
+              <a:t>Fetches module(s) from repo(s)</a:t>
+            </a:r>
+          </a:p>
+          <a:p>
+            <a:pPr marL="342900" indent="-342900" algn="l">
+              <a:buFont typeface="Arial"/>
+              <a:buChar char="•"/>
+            </a:pPr>
+            <a:r>
+              <a:rPr lang="en-US" dirty="0" smtClean="0"/>
+              <a:t>Fetches recursive dependencies</a:t>
+            </a:r>
+          </a:p>
+          <a:p>
+            <a:pPr marL="342900" indent="-342900" algn="l">
+              <a:buFont typeface="Arial"/>
+              <a:buChar char="•"/>
+            </a:pPr>
+            <a:r>
+              <a:rPr lang="en-US" dirty="0" smtClean="0"/>
+              <a:t>Installs to </a:t>
+            </a:r>
+            <a:r>
+              <a:rPr lang="en-US" dirty="0" err="1" smtClean="0"/>
+              <a:t>node_modules</a:t>
+            </a:r>
+            <a:r>
+              <a:rPr lang="en-US" dirty="0" smtClean="0"/>
+              <a:t> </a:t>
+            </a:r>
+            <a:r>
+              <a:rPr lang="en-US" dirty="0" err="1" smtClean="0"/>
+              <a:t>dir</a:t>
             </a:r>
             <a:endParaRPr lang="en-US" dirty="0" smtClean="0"/>
           </a:p>
@@ -6500,63 +6486,14 @@
               <a:buFont typeface="Arial"/>
               <a:buChar char="•"/>
             </a:pPr>
-            <a:r>
-              <a:rPr lang="en-US" dirty="0" smtClean="0"/>
-              <a:t>Also </a:t>
-            </a:r>
-          </a:p>
-          <a:p>
-            <a:pPr marL="800100" lvl="1" indent="-342900" algn="l">
-              <a:buFont typeface="Arial"/>
-              <a:buChar char="•"/>
-            </a:pPr>
-            <a:r>
-              <a:rPr lang="en-US" dirty="0" smtClean="0"/>
-              <a:t>-S short version</a:t>
-            </a:r>
-          </a:p>
-          <a:p>
-            <a:pPr marL="800100" lvl="1" indent="-342900" algn="l">
-              <a:buFont typeface="Arial"/>
-              <a:buChar char="•"/>
-            </a:pPr>
-            <a:r>
-              <a:rPr lang="en-US" dirty="0" smtClean="0"/>
-              <a:t>--save-</a:t>
-            </a:r>
-            <a:r>
-              <a:rPr lang="en-US" dirty="0" err="1" smtClean="0"/>
-              <a:t>dev</a:t>
-            </a:r>
-            <a:r>
-              <a:rPr lang="en-US" dirty="0" smtClean="0"/>
-              <a:t> for </a:t>
-            </a:r>
-            <a:r>
-              <a:rPr lang="en-US" dirty="0" err="1" smtClean="0"/>
-              <a:t>dev</a:t>
-            </a:r>
-            <a:r>
-              <a:rPr lang="en-US" dirty="0" smtClean="0"/>
-              <a:t>-dependencies (-D)</a:t>
-            </a:r>
-          </a:p>
-          <a:p>
-            <a:pPr marL="800100" lvl="1" indent="-342900" algn="l">
-              <a:buFont typeface="Arial"/>
-              <a:buChar char="•"/>
-            </a:pPr>
-            <a:r>
-              <a:rPr lang="en-US" dirty="0" smtClean="0"/>
-              <a:t>--save-exact to pin version</a:t>
-            </a:r>
+            <a:endParaRPr lang="en-US" dirty="0" smtClean="0"/>
           </a:p>
         </p:txBody>
       </p:sp>
     </p:spTree>
     <p:extLst>
       <p:ext uri="{BB962C8B-B14F-4D97-AF65-F5344CB8AC3E}">
-        <p14:creationId xmlns:p14="http://schemas.microsoft.com/office/powerpoint/2010/main" val="3155300736"/>
+        <p14:creationId xmlns:p14="http://schemas.microsoft.com/office/powerpoint/2010/main" val="1870917487"/>
       </p:ext>
     </p:extLst>
   </p:cSld>
@@ -6730,7 +6667,7 @@
         </p:spPr>
         <p:txBody>
           <a:bodyPr>
-            <a:normAutofit/>
+            <a:normAutofit fontScale="92500" lnSpcReduction="10000"/>
           </a:bodyPr>
           <a:lstStyle/>
           <a:p>
@@ -6741,7 +6678,7 @@
             </a:r>
             <a:r>
               <a:rPr lang="en-US" dirty="0" smtClean="0"/>
-              <a:t> install &lt;name&gt;@&lt;tag&gt;</a:t>
+              <a:t> install &lt;name&gt;</a:t>
             </a:r>
           </a:p>
           <a:p>
@@ -6751,7 +6688,42 @@
             </a:pPr>
             <a:r>
               <a:rPr lang="en-US" dirty="0" smtClean="0"/>
-              <a:t>&lt;tag&gt; may be</a:t>
+              <a:t>Checks if &lt;name&gt; exists</a:t>
+            </a:r>
+          </a:p>
+          <a:p>
+            <a:pPr marL="342900" indent="-342900" algn="l">
+              <a:buFont typeface="Arial"/>
+              <a:buChar char="•"/>
+            </a:pPr>
+            <a:r>
+              <a:rPr lang="en-US" dirty="0" smtClean="0"/>
+              <a:t>If not, fetches and saves locally</a:t>
+            </a:r>
+          </a:p>
+          <a:p>
+            <a:pPr marL="342900" indent="-342900" algn="l">
+              <a:buFont typeface="Arial"/>
+              <a:buChar char="•"/>
+            </a:pPr>
+            <a:r>
+              <a:rPr lang="en-US" dirty="0" smtClean="0"/>
+              <a:t>Default location: </a:t>
+            </a:r>
+            <a:r>
+              <a:rPr lang="en-US" dirty="0" err="1" smtClean="0"/>
+              <a:t>node_modules</a:t>
+            </a:r>
+            <a:endParaRPr lang="en-US" dirty="0" smtClean="0"/>
+          </a:p>
+          <a:p>
+            <a:pPr marL="342900" indent="-342900" algn="l">
+              <a:buFont typeface="Arial"/>
+              <a:buChar char="•"/>
+            </a:pPr>
+            <a:r>
+              <a:rPr lang="en-US" dirty="0" smtClean="0"/>
+              <a:t>Project root</a:t>
             </a:r>
           </a:p>
           <a:p>
@@ -6761,16 +6733,29 @@
             </a:pPr>
             <a:r>
               <a:rPr lang="en-US" dirty="0" smtClean="0"/>
-              <a:t>A </a:t>
-            </a:r>
-            <a:r>
-              <a:rPr lang="en-US" dirty="0" err="1" smtClean="0"/>
-              <a:t>git</a:t>
-            </a:r>
-            <a:r>
-              <a:rPr lang="en-US" dirty="0" smtClean="0"/>
-              <a:t> tag</a:t>
-            </a:r>
+              <a:t>Looks up tree for </a:t>
+            </a:r>
+            <a:r>
+              <a:rPr lang="en-US" dirty="0" err="1" smtClean="0"/>
+              <a:t>package.json</a:t>
+            </a:r>
+            <a:r>
+              <a:rPr lang="en-US" dirty="0" smtClean="0"/>
+              <a:t> or </a:t>
+            </a:r>
+            <a:r>
+              <a:rPr lang="en-US" dirty="0" err="1" smtClean="0"/>
+              <a:t>node_modules</a:t>
+            </a:r>
+            <a:r>
+              <a:rPr lang="en-US" dirty="0" smtClean="0"/>
+              <a:t> </a:t>
+            </a:r>
+            <a:r>
+              <a:rPr lang="en-US" dirty="0" err="1" smtClean="0"/>
+              <a:t>dir</a:t>
+            </a:r>
+            <a:endParaRPr lang="en-US" dirty="0" smtClean="0"/>
           </a:p>
           <a:p>
             <a:pPr marL="800100" lvl="1" indent="-342900" algn="l">
@@ -6779,25 +6764,56 @@
             </a:pPr>
             <a:r>
               <a:rPr lang="en-US" dirty="0" smtClean="0"/>
-              <a:t>Version number</a:t>
-            </a:r>
-          </a:p>
-          <a:p>
-            <a:pPr marL="800100" lvl="1" indent="-342900" algn="l">
-              <a:buFont typeface="Arial"/>
-              <a:buChar char="•"/>
-            </a:pPr>
-            <a:r>
-              <a:rPr lang="en-US" dirty="0" smtClean="0"/>
-              <a:t>Version range</a:t>
-            </a:r>
+              <a:t>Uses that </a:t>
+            </a:r>
+            <a:r>
+              <a:rPr lang="en-US" dirty="0" err="1" smtClean="0"/>
+              <a:t>dir</a:t>
+            </a:r>
+            <a:r>
+              <a:rPr lang="en-US" dirty="0" smtClean="0"/>
+              <a:t> as root – run command anywhere underneath</a:t>
+            </a:r>
+          </a:p>
+          <a:p>
+            <a:pPr marL="342900" indent="-342900" algn="l">
+              <a:buFont typeface="Arial"/>
+              <a:buChar char="•"/>
+            </a:pPr>
+            <a:r>
+              <a:rPr lang="en-US" dirty="0" smtClean="0"/>
+              <a:t>'</a:t>
+            </a:r>
+            <a:r>
+              <a:rPr lang="en-US" dirty="0" err="1" smtClean="0"/>
+              <a:t>npm</a:t>
+            </a:r>
+            <a:r>
+              <a:rPr lang="en-US" dirty="0" smtClean="0"/>
+              <a:t> </a:t>
+            </a:r>
+            <a:r>
+              <a:rPr lang="en-US" dirty="0" err="1" smtClean="0"/>
+              <a:t>i</a:t>
+            </a:r>
+            <a:r>
+              <a:rPr lang="en-US" dirty="0" smtClean="0"/>
+              <a:t>' short version</a:t>
+            </a:r>
+          </a:p>
+          <a:p>
+            <a:pPr marL="342900" indent="-342900" algn="l">
+              <a:buFont typeface="Arial"/>
+              <a:buChar char="•"/>
+            </a:pPr>
+            <a:endParaRPr lang="en-US" dirty="0" smtClean="0"/>
           </a:p>
         </p:txBody>
       </p:sp>
     </p:spTree>
     <p:extLst>
       <p:ext uri="{BB962C8B-B14F-4D97-AF65-F5344CB8AC3E}">
-        <p14:creationId xmlns:p14="http://schemas.microsoft.com/office/powerpoint/2010/main" val="2656399053"/>
+        <p14:creationId xmlns:p14="http://schemas.microsoft.com/office/powerpoint/2010/main" val="1044463551"/>
       </p:ext>
     </p:extLst>
   </p:cSld>
@@ -6881,121 +6897,86 @@
             </a:r>
             <a:r>
               <a:rPr lang="en-US" dirty="0" smtClean="0"/>
-              <a:t> install &lt;name&gt;@&lt;tag&gt;</a:t>
-            </a:r>
-          </a:p>
-          <a:p>
-            <a:pPr marL="342900" lvl="1" indent="-342900" algn="l">
-              <a:buFont typeface="Arial"/>
-              <a:buChar char="•"/>
-            </a:pPr>
-            <a:r>
-              <a:rPr lang="en-US" dirty="0" smtClean="0"/>
-              <a:t>Version range === '</a:t>
-            </a:r>
-            <a:r>
-              <a:rPr lang="en-US" dirty="0" err="1" smtClean="0"/>
-              <a:t>semver</a:t>
-            </a:r>
-            <a:r>
-              <a:rPr lang="en-US" dirty="0" smtClean="0"/>
-              <a:t>'</a:t>
-            </a:r>
-          </a:p>
-          <a:p>
-            <a:pPr marL="800100" lvl="2" indent="-342900" algn="l">
-              <a:buFont typeface="Arial"/>
-              <a:buChar char="•"/>
-            </a:pPr>
-            <a:r>
-              <a:rPr lang="en-US" dirty="0" err="1" smtClean="0"/>
-              <a:t>major.minor.patch</a:t>
-            </a:r>
-            <a:r>
-              <a:rPr lang="en-US" dirty="0" smtClean="0"/>
-              <a:t>, </a:t>
-            </a:r>
-            <a:r>
-              <a:rPr lang="en-US" dirty="0" err="1" smtClean="0"/>
-              <a:t>eg</a:t>
-            </a:r>
-            <a:r>
-              <a:rPr lang="en-US" dirty="0" smtClean="0"/>
-              <a:t> 1.2.7</a:t>
-            </a:r>
-          </a:p>
-          <a:p>
-            <a:pPr marL="800100" lvl="2" indent="-342900" algn="l">
-              <a:buFont typeface="Arial"/>
-              <a:buChar char="•"/>
-            </a:pPr>
-            <a:r>
-              <a:rPr lang="en-US" dirty="0" smtClean="0"/>
-              <a:t>Comparison operators: </a:t>
-            </a:r>
-            <a:r>
-              <a:rPr lang="en-US" dirty="0"/>
-              <a:t>&gt;/&lt;/</a:t>
-            </a:r>
-            <a:r>
-              <a:rPr lang="en-US" dirty="0" smtClean="0"/>
-              <a:t>=/&gt;=/&lt;=</a:t>
-            </a:r>
-          </a:p>
-          <a:p>
-            <a:pPr marL="800100" lvl="2" indent="-342900" algn="l">
-              <a:buFont typeface="Arial"/>
-              <a:buChar char="•"/>
-            </a:pPr>
-            <a:r>
-              <a:rPr lang="en-US" dirty="0" smtClean="0"/>
-              <a:t>* works as expected: 1.2.*</a:t>
-            </a:r>
-          </a:p>
-          <a:p>
-            <a:pPr marL="800100" lvl="2" indent="-342900" algn="l">
-              <a:buFont typeface="Arial"/>
-              <a:buChar char="•"/>
-            </a:pPr>
-            <a:r>
-              <a:rPr lang="en-US" dirty="0" smtClean="0"/>
-              <a:t>'x' same as *: 1.2.x </a:t>
-            </a:r>
-          </a:p>
-          <a:p>
-            <a:pPr marL="800100" lvl="2" indent="-342900" algn="l">
-              <a:buFont typeface="Arial"/>
-              <a:buChar char="•"/>
-            </a:pPr>
-            <a:r>
-              <a:rPr lang="en-US" dirty="0" smtClean="0"/>
-              <a:t>~ prefix same as *: ~1.2</a:t>
-            </a:r>
-          </a:p>
-          <a:p>
-            <a:pPr marL="800100" lvl="2" indent="-342900" algn="l">
-              <a:buFont typeface="Arial"/>
-              <a:buChar char="•"/>
-            </a:pPr>
-            <a:r>
-              <a:rPr lang="en-US" dirty="0" smtClean="0"/>
-              <a:t>^ prefix means 'up to': ^1.2.3 allows .3-.9, but not 1.3.x. ^1.2 allows 1.2-1.9</a:t>
-            </a:r>
-            <a:endParaRPr lang="en-US" dirty="0"/>
+              <a:t> install --save &lt;name&gt;</a:t>
+            </a:r>
           </a:p>
           <a:p>
             <a:pPr marL="342900" indent="-342900" algn="l">
               <a:buFont typeface="Arial"/>
               <a:buChar char="•"/>
             </a:pPr>
+            <a:r>
+              <a:rPr lang="en-US" dirty="0" smtClean="0"/>
+              <a:t>Installs, and then writes to </a:t>
+            </a:r>
+            <a:r>
+              <a:rPr lang="en-US" dirty="0" err="1" smtClean="0"/>
+              <a:t>package.json</a:t>
+            </a:r>
             <a:endParaRPr lang="en-US" dirty="0" smtClean="0"/>
+          </a:p>
+          <a:p>
+            <a:pPr marL="342900" indent="-342900" algn="l">
+              <a:buFont typeface="Arial"/>
+              <a:buChar char="•"/>
+            </a:pPr>
+            <a:r>
+              <a:rPr lang="en-US" dirty="0" smtClean="0"/>
+              <a:t>Also </a:t>
+            </a:r>
+          </a:p>
+          <a:p>
+            <a:pPr marL="800100" lvl="1" indent="-342900" algn="l">
+              <a:buFont typeface="Arial"/>
+              <a:buChar char="•"/>
+            </a:pPr>
+            <a:r>
+              <a:rPr lang="en-US" dirty="0" smtClean="0"/>
+              <a:t>-S short version</a:t>
+            </a:r>
+          </a:p>
+          <a:p>
+            <a:pPr marL="800100" lvl="1" indent="-342900" algn="l">
+              <a:buFont typeface="Arial"/>
+              <a:buChar char="•"/>
+            </a:pPr>
+            <a:r>
+              <a:rPr lang="en-US" dirty="0" smtClean="0"/>
+              <a:t>--save-</a:t>
+            </a:r>
+            <a:r>
+              <a:rPr lang="en-US" dirty="0" err="1" smtClean="0"/>
+              <a:t>dev</a:t>
+            </a:r>
+            <a:r>
+              <a:rPr lang="en-US" dirty="0" smtClean="0"/>
+              <a:t> for </a:t>
+            </a:r>
+            <a:r>
+              <a:rPr lang="en-US" dirty="0" err="1" smtClean="0"/>
+              <a:t>dev</a:t>
+            </a:r>
+            <a:r>
+              <a:rPr lang="en-US" dirty="0" smtClean="0"/>
+              <a:t>-dependencies (-D)</a:t>
+            </a:r>
+          </a:p>
+          <a:p>
+            <a:pPr marL="800100" lvl="1" indent="-342900" algn="l">
+              <a:buFont typeface="Arial"/>
+              <a:buChar char="•"/>
+            </a:pPr>
+            <a:r>
+              <a:rPr lang="en-US" dirty="0" smtClean="0"/>
+              <a:t>--save-exact to pin version</a:t>
+            </a:r>
           </a:p>
         </p:txBody>
       </p:sp>
     </p:spTree>
     <p:extLst>
       <p:ext uri="{BB962C8B-B14F-4D97-AF65-F5344CB8AC3E}">
-        <p14:creationId xmlns:p14="http://schemas.microsoft.com/office/powerpoint/2010/main" val="3723432946"/>
+        <p14:creationId xmlns:p14="http://schemas.microsoft.com/office/powerpoint/2010/main" val="3155300736"/>
       </p:ext>
     </p:extLst>
   </p:cSld>
@@ -7079,60 +7060,55 @@
             </a:r>
             <a:r>
               <a:rPr lang="en-US" dirty="0" smtClean="0"/>
-              <a:t> install</a:t>
-            </a:r>
-          </a:p>
-          <a:p>
-            <a:pPr marL="342900" lvl="1" indent="-342900" algn="l">
-              <a:buFont typeface="Arial"/>
-              <a:buChar char="•"/>
-            </a:pPr>
-            <a:r>
-              <a:rPr lang="en-US" dirty="0" smtClean="0"/>
-              <a:t>With no </a:t>
-            </a:r>
-            <a:r>
-              <a:rPr lang="en-US" dirty="0" err="1" smtClean="0"/>
-              <a:t>args</a:t>
-            </a:r>
-            <a:r>
-              <a:rPr lang="en-US" dirty="0" smtClean="0"/>
-              <a:t>, defaults to </a:t>
-            </a:r>
-            <a:r>
-              <a:rPr lang="en-US" dirty="0" err="1" smtClean="0"/>
-              <a:t>package.json</a:t>
-            </a:r>
-            <a:endParaRPr lang="en-US" dirty="0" smtClean="0"/>
-          </a:p>
-          <a:p>
-            <a:pPr marL="342900" lvl="1" indent="-342900" algn="l">
-              <a:buFont typeface="Arial"/>
-              <a:buChar char="•"/>
-            </a:pPr>
-            <a:r>
-              <a:rPr lang="en-US" dirty="0" smtClean="0"/>
-              <a:t>Installs everything found there</a:t>
-            </a:r>
-          </a:p>
-          <a:p>
-            <a:pPr marL="342900" lvl="1" indent="-342900" algn="l">
-              <a:buFont typeface="Arial"/>
-              <a:buChar char="•"/>
-            </a:pPr>
-            <a:r>
-              <a:rPr lang="en-US" dirty="0" smtClean="0"/>
-              <a:t>Based on NODE_ENV variable</a:t>
-            </a:r>
-          </a:p>
-          <a:p>
-            <a:pPr marL="342900" lvl="1" indent="-342900" algn="l">
-              <a:buFont typeface="Arial"/>
-              <a:buChar char="•"/>
-            </a:pPr>
-            <a:r>
-              <a:rPr lang="en-US" dirty="0" smtClean="0"/>
-              <a:t>(development or production)</a:t>
+              <a:t> install &lt;name&gt;@&lt;tag&gt;</a:t>
+            </a:r>
+          </a:p>
+          <a:p>
+            <a:pPr marL="342900" indent="-342900" algn="l">
+              <a:buFont typeface="Arial"/>
+              <a:buChar char="•"/>
+            </a:pPr>
+            <a:r>
+              <a:rPr lang="en-US" dirty="0" smtClean="0"/>
+              <a:t>&lt;tag&gt; may be</a:t>
+            </a:r>
+          </a:p>
+          <a:p>
+            <a:pPr marL="800100" lvl="1" indent="-342900" algn="l">
+              <a:buFont typeface="Arial"/>
+              <a:buChar char="•"/>
+            </a:pPr>
+            <a:r>
+              <a:rPr lang="en-US" dirty="0" smtClean="0"/>
+              <a:t>A </a:t>
+            </a:r>
+            <a:r>
+              <a:rPr lang="en-US" dirty="0" err="1" smtClean="0"/>
+              <a:t>git</a:t>
+            </a:r>
+            <a:r>
+              <a:rPr lang="en-US" dirty="0" smtClean="0"/>
+              <a:t> tag</a:t>
+            </a:r>
+          </a:p>
+          <a:p>
+            <a:pPr marL="800100" lvl="1" indent="-342900" algn="l">
+              <a:buFont typeface="Arial"/>
+              <a:buChar char="•"/>
+            </a:pPr>
+            <a:r>
+              <a:rPr lang="en-US" dirty="0" smtClean="0"/>
+              <a:t>Version number</a:t>
+            </a:r>
+          </a:p>
+          <a:p>
+            <a:pPr marL="800100" lvl="1" indent="-342900" algn="l">
+              <a:buFont typeface="Arial"/>
+              <a:buChar char="•"/>
+            </a:pPr>
+            <a:r>
+              <a:rPr lang="en-US" dirty="0" smtClean="0"/>
+              <a:t>Version range</a:t>
             </a:r>
           </a:p>
         </p:txBody>
@@ -7140,7 +7116,7 @@
     </p:spTree>
     <p:extLst>
       <p:ext uri="{BB962C8B-B14F-4D97-AF65-F5344CB8AC3E}">
-        <p14:creationId xmlns:p14="http://schemas.microsoft.com/office/powerpoint/2010/main" val="3752917407"/>
+        <p14:creationId xmlns:p14="http://schemas.microsoft.com/office/powerpoint/2010/main" val="2656399053"/>
       </p:ext>
     </p:extLst>
   </p:cSld>
@@ -7224,7 +7200,7 @@
             </a:r>
             <a:r>
               <a:rPr lang="en-US" dirty="0" smtClean="0"/>
-              <a:t> install --global &lt;name&gt;</a:t>
+              <a:t> install &lt;name&gt;@&lt;tag&gt;</a:t>
             </a:r>
           </a:p>
           <a:p>
@@ -7234,97 +7210,111 @@
             </a:pPr>
             <a:r>
               <a:rPr lang="en-US" dirty="0" smtClean="0"/>
-              <a:t>Overrides default location (</a:t>
-            </a:r>
-            <a:r>
-              <a:rPr lang="en-US" dirty="0" err="1" smtClean="0"/>
-              <a:t>node_modules</a:t>
-            </a:r>
-            <a:r>
-              <a:rPr lang="en-US" dirty="0" smtClean="0"/>
-              <a:t>)</a:t>
-            </a:r>
-          </a:p>
-          <a:p>
-            <a:pPr marL="342900" lvl="1" indent="-342900" algn="l">
-              <a:buFont typeface="Arial"/>
-              <a:buChar char="•"/>
-            </a:pPr>
-            <a:r>
-              <a:rPr lang="en-US" dirty="0" smtClean="0"/>
-              <a:t>Installs wherever node is (/</a:t>
-            </a:r>
-            <a:r>
-              <a:rPr lang="en-US" dirty="0" err="1" smtClean="0"/>
-              <a:t>usr</a:t>
-            </a:r>
-            <a:r>
-              <a:rPr lang="en-US" dirty="0" smtClean="0"/>
-              <a:t>/local)</a:t>
-            </a:r>
-          </a:p>
-          <a:p>
-            <a:pPr marL="342900" lvl="1" indent="-342900" algn="l">
-              <a:buFont typeface="Arial"/>
-              <a:buChar char="•"/>
-            </a:pPr>
-            <a:r>
-              <a:rPr lang="en-US" dirty="0" smtClean="0"/>
-              <a:t>Install locally if your project requires it</a:t>
-            </a:r>
-          </a:p>
-          <a:p>
-            <a:pPr marL="342900" lvl="1" indent="-342900" algn="l">
-              <a:buFont typeface="Arial"/>
-              <a:buChar char="•"/>
-            </a:pPr>
-            <a:r>
-              <a:rPr lang="en-US" dirty="0" smtClean="0"/>
-              <a:t>Install globally if run from CLI (</a:t>
-            </a:r>
-            <a:r>
-              <a:rPr lang="en-US" dirty="0" err="1" smtClean="0"/>
-              <a:t>utils</a:t>
-            </a:r>
-            <a:r>
-              <a:rPr lang="en-US" dirty="0" smtClean="0"/>
-              <a:t>)</a:t>
-            </a:r>
-          </a:p>
-          <a:p>
-            <a:pPr marL="342900" lvl="1" indent="-342900" algn="l">
-              <a:buFont typeface="Arial"/>
-              <a:buChar char="•"/>
-            </a:pPr>
-            <a:r>
-              <a:rPr lang="en-US" dirty="0" smtClean="0"/>
-              <a:t>If both, install both, or use </a:t>
-            </a:r>
-            <a:r>
-              <a:rPr lang="en-US" dirty="0" err="1" smtClean="0"/>
-              <a:t>npm</a:t>
-            </a:r>
-            <a:r>
-              <a:rPr lang="en-US" dirty="0" smtClean="0"/>
-              <a:t> link</a:t>
-            </a:r>
-          </a:p>
-          <a:p>
-            <a:pPr marL="342900" lvl="1" indent="-342900" algn="l">
-              <a:buFont typeface="Arial"/>
-              <a:buChar char="•"/>
-            </a:pPr>
-            <a:r>
-              <a:rPr lang="en-US" dirty="0" smtClean="0"/>
-              <a:t>-g short version</a:t>
-            </a:r>
+              <a:t>Version range === '</a:t>
+            </a:r>
+            <a:r>
+              <a:rPr lang="en-US" dirty="0" err="1" smtClean="0"/>
+              <a:t>semver</a:t>
+            </a:r>
+            <a:r>
+              <a:rPr lang="en-US" dirty="0" smtClean="0"/>
+              <a:t>'</a:t>
+            </a:r>
+          </a:p>
+          <a:p>
+            <a:pPr marL="800100" lvl="2" indent="-342900" algn="l">
+              <a:buFont typeface="Arial"/>
+              <a:buChar char="•"/>
+            </a:pPr>
+            <a:r>
+              <a:rPr lang="en-US" dirty="0" err="1" smtClean="0"/>
+              <a:t>major.minor.patch</a:t>
+            </a:r>
+            <a:r>
+              <a:rPr lang="en-US" dirty="0" smtClean="0"/>
+              <a:t>, </a:t>
+            </a:r>
+            <a:r>
+              <a:rPr lang="en-US" dirty="0" err="1" smtClean="0"/>
+              <a:t>eg</a:t>
+            </a:r>
+            <a:r>
+              <a:rPr lang="en-US" dirty="0" smtClean="0"/>
+              <a:t> 1.2.7</a:t>
+            </a:r>
+          </a:p>
+          <a:p>
+            <a:pPr marL="800100" lvl="2" indent="-342900" algn="l">
+              <a:buFont typeface="Arial"/>
+              <a:buChar char="•"/>
+            </a:pPr>
+            <a:r>
+              <a:rPr lang="en-US" dirty="0" smtClean="0"/>
+              <a:t>Comparison operators: </a:t>
+            </a:r>
+            <a:r>
+              <a:rPr lang="en-US" dirty="0"/>
+              <a:t>&gt;/&lt;/</a:t>
+            </a:r>
+            <a:r>
+              <a:rPr lang="en-US" dirty="0" smtClean="0"/>
+              <a:t>=/&gt;=/&lt;=</a:t>
+            </a:r>
+          </a:p>
+          <a:p>
+            <a:pPr marL="800100" lvl="2" indent="-342900" algn="l">
+              <a:buFont typeface="Arial"/>
+              <a:buChar char="•"/>
+            </a:pPr>
+            <a:r>
+              <a:rPr lang="en-US" dirty="0" smtClean="0"/>
+              <a:t>* works as expected: 1.2.*</a:t>
+            </a:r>
+          </a:p>
+          <a:p>
+            <a:pPr marL="800100" lvl="2" indent="-342900" algn="l">
+              <a:buFont typeface="Arial"/>
+              <a:buChar char="•"/>
+            </a:pPr>
+            <a:r>
+              <a:rPr lang="en-US" dirty="0" smtClean="0"/>
+              <a:t>'x' same as *: 1.2.x </a:t>
+            </a:r>
+          </a:p>
+          <a:p>
+            <a:pPr marL="800100" lvl="2" indent="-342900" algn="l">
+              <a:buFont typeface="Arial"/>
+              <a:buChar char="•"/>
+            </a:pPr>
+            <a:r>
+              <a:rPr lang="en-US" dirty="0" smtClean="0"/>
+              <a:t>~ prefix same as *: ~1.2</a:t>
+            </a:r>
+          </a:p>
+          <a:p>
+            <a:pPr marL="800100" lvl="2" indent="-342900" algn="l">
+              <a:buFont typeface="Arial"/>
+              <a:buChar char="•"/>
+            </a:pPr>
+            <a:r>
+              <a:rPr lang="en-US" dirty="0" smtClean="0"/>
+              <a:t>^ prefix means 'up to': ^1.2.3 allows .3-.9, but not 1.3.x. ^1.2 allows 1.2-1.9</a:t>
+            </a:r>
+            <a:endParaRPr lang="en-US" dirty="0"/>
+          </a:p>
+          <a:p>
+            <a:pPr marL="342900" indent="-342900" algn="l">
+              <a:buFont typeface="Arial"/>
+              <a:buChar char="•"/>
+            </a:pPr>
+            <a:endParaRPr lang="en-US" dirty="0" smtClean="0"/>
           </a:p>
         </p:txBody>
       </p:sp>
     </p:spTree>
     <p:extLst>
       <p:ext uri="{BB962C8B-B14F-4D97-AF65-F5344CB8AC3E}">
-        <p14:creationId xmlns:p14="http://schemas.microsoft.com/office/powerpoint/2010/main" val="1772899321"/>
+        <p14:creationId xmlns:p14="http://schemas.microsoft.com/office/powerpoint/2010/main" val="3723432946"/>
       </p:ext>
     </p:extLst>
   </p:cSld>
@@ -7408,7 +7398,7 @@
             </a:r>
             <a:r>
               <a:rPr lang="en-US" dirty="0" smtClean="0"/>
-              <a:t> uninstall</a:t>
+              <a:t> install</a:t>
             </a:r>
           </a:p>
           <a:p>
@@ -7418,16 +7408,21 @@
             </a:pPr>
             <a:r>
               <a:rPr lang="en-US" dirty="0" smtClean="0"/>
-              <a:t>Uninstalls everything </a:t>
-            </a:r>
-            <a:r>
-              <a:rPr lang="en-US" dirty="0" err="1" smtClean="0"/>
-              <a:t>npm</a:t>
-            </a:r>
-            <a:r>
-              <a:rPr lang="en-US" dirty="0" smtClean="0"/>
-              <a:t> installed</a:t>
-            </a:r>
+              <a:t>With no </a:t>
+            </a:r>
+            <a:r>
+              <a:rPr lang="en-US" dirty="0" err="1" smtClean="0"/>
+              <a:t>args</a:t>
+            </a:r>
+            <a:r>
+              <a:rPr lang="en-US" dirty="0" smtClean="0"/>
+              <a:t>, defaults to </a:t>
+            </a:r>
+            <a:r>
+              <a:rPr lang="en-US" dirty="0" err="1" smtClean="0"/>
+              <a:t>package.json</a:t>
+            </a:r>
+            <a:endParaRPr lang="en-US" dirty="0" smtClean="0"/>
           </a:p>
           <a:p>
             <a:pPr marL="342900" lvl="1" indent="-342900" algn="l">
@@ -7436,20 +7431,35 @@
             </a:pPr>
             <a:r>
               <a:rPr lang="en-US" dirty="0" smtClean="0"/>
-              <a:t>-S and -D flags also modify </a:t>
-            </a:r>
-            <a:r>
-              <a:rPr lang="en-US" dirty="0" err="1" smtClean="0"/>
-              <a:t>package.json</a:t>
-            </a:r>
-            <a:endParaRPr lang="en-US" dirty="0" smtClean="0"/>
+              <a:t>Installs everything found there</a:t>
+            </a:r>
+          </a:p>
+          <a:p>
+            <a:pPr marL="342900" lvl="1" indent="-342900" algn="l">
+              <a:buFont typeface="Arial"/>
+              <a:buChar char="•"/>
+            </a:pPr>
+            <a:r>
+              <a:rPr lang="en-US" dirty="0" smtClean="0"/>
+              <a:t>Based on NODE_ENV variable</a:t>
+            </a:r>
+          </a:p>
+          <a:p>
+            <a:pPr marL="342900" lvl="1" indent="-342900" algn="l">
+              <a:buFont typeface="Arial"/>
+              <a:buChar char="•"/>
+            </a:pPr>
+            <a:r>
+              <a:rPr lang="en-US" dirty="0" smtClean="0"/>
+              <a:t>(development or production)</a:t>
+            </a:r>
           </a:p>
         </p:txBody>
       </p:sp>
     </p:spTree>
     <p:extLst>
       <p:ext uri="{BB962C8B-B14F-4D97-AF65-F5344CB8AC3E}">
-        <p14:creationId xmlns:p14="http://schemas.microsoft.com/office/powerpoint/2010/main" val="3719859161"/>
+        <p14:creationId xmlns:p14="http://schemas.microsoft.com/office/powerpoint/2010/main" val="3752917407"/>
       </p:ext>
     </p:extLst>
   </p:cSld>
@@ -7533,7 +7543,7 @@
             </a:r>
             <a:r>
               <a:rPr lang="en-US" dirty="0" smtClean="0"/>
-              <a:t> update [name]</a:t>
+              <a:t> install --global &lt;name&gt;</a:t>
             </a:r>
           </a:p>
           <a:p>
@@ -7543,7 +7553,15 @@
             </a:pPr>
             <a:r>
               <a:rPr lang="en-US" dirty="0" smtClean="0"/>
-              <a:t>Installs if not present</a:t>
+              <a:t>Overrides default location (</a:t>
+            </a:r>
+            <a:r>
+              <a:rPr lang="en-US" dirty="0" err="1" smtClean="0"/>
+              <a:t>node_modules</a:t>
+            </a:r>
+            <a:r>
+              <a:rPr lang="en-US" dirty="0" smtClean="0"/>
+              <a:t>)</a:t>
             </a:r>
           </a:p>
           <a:p>
@@ -7553,7 +7571,15 @@
             </a:pPr>
             <a:r>
               <a:rPr lang="en-US" dirty="0" smtClean="0"/>
-              <a:t>Else, gets latest possible version(s)</a:t>
+              <a:t>Installs wherever node is (/</a:t>
+            </a:r>
+            <a:r>
+              <a:rPr lang="en-US" dirty="0" err="1" smtClean="0"/>
+              <a:t>usr</a:t>
+            </a:r>
+            <a:r>
+              <a:rPr lang="en-US" dirty="0" smtClean="0"/>
+              <a:t>/local)</a:t>
             </a:r>
           </a:p>
           <a:p>
@@ -7563,19 +7589,21 @@
             </a:pPr>
             <a:r>
               <a:rPr lang="en-US" dirty="0" smtClean="0"/>
-              <a:t>Just one </a:t>
-            </a:r>
-            <a:r>
-              <a:rPr lang="en-US" dirty="0" err="1" smtClean="0"/>
-              <a:t>pkg</a:t>
-            </a:r>
-            <a:r>
-              <a:rPr lang="en-US" dirty="0" smtClean="0"/>
-              <a:t> or all (optional name </a:t>
-            </a:r>
-            <a:r>
-              <a:rPr lang="en-US" dirty="0" err="1" smtClean="0"/>
-              <a:t>arg</a:t>
+              <a:t>Install locally if your project requires it</a:t>
+            </a:r>
+          </a:p>
+          <a:p>
+            <a:pPr marL="342900" lvl="1" indent="-342900" algn="l">
+              <a:buFont typeface="Arial"/>
+              <a:buChar char="•"/>
+            </a:pPr>
+            <a:r>
+              <a:rPr lang="en-US" dirty="0" smtClean="0"/>
+              <a:t>Install globally if run from CLI (</a:t>
+            </a:r>
+            <a:r>
+              <a:rPr lang="en-US" dirty="0" err="1" smtClean="0"/>
+              <a:t>utils</a:t>
             </a:r>
             <a:r>
               <a:rPr lang="en-US" dirty="0" smtClean="0"/>
@@ -7589,13 +7617,16 @@
             </a:pPr>
             <a:r>
               <a:rPr lang="en-US" dirty="0" smtClean="0"/>
-              <a:t>'Possible' as defined by </a:t>
-            </a:r>
-            <a:r>
-              <a:rPr lang="en-US" dirty="0" err="1" smtClean="0"/>
-              <a:t>semver</a:t>
-            </a:r>
-            <a:endParaRPr lang="en-US" dirty="0" smtClean="0"/>
+              <a:t>If both, install both, or use </a:t>
+            </a:r>
+            <a:r>
+              <a:rPr lang="en-US" dirty="0" err="1" smtClean="0"/>
+              <a:t>npm</a:t>
+            </a:r>
+            <a:r>
+              <a:rPr lang="en-US" dirty="0" smtClean="0"/>
+              <a:t> link</a:t>
+            </a:r>
           </a:p>
           <a:p>
             <a:pPr marL="342900" lvl="1" indent="-342900" algn="l">
@@ -7604,7 +7635,7 @@
             </a:pPr>
             <a:r>
               <a:rPr lang="en-US" dirty="0" smtClean="0"/>
-              <a:t>And other packages' requirements</a:t>
+              <a:t>-g short version</a:t>
             </a:r>
           </a:p>
         </p:txBody>
@@ -7612,7 +7643,7 @@
     </p:spTree>
     <p:extLst>
       <p:ext uri="{BB962C8B-B14F-4D97-AF65-F5344CB8AC3E}">
-        <p14:creationId xmlns:p14="http://schemas.microsoft.com/office/powerpoint/2010/main" val="3030563720"/>
+        <p14:creationId xmlns:p14="http://schemas.microsoft.com/office/powerpoint/2010/main" val="1772899321"/>
       </p:ext>
     </p:extLst>
   </p:cSld>
@@ -7696,7 +7727,7 @@
             </a:r>
             <a:r>
               <a:rPr lang="en-US" dirty="0" smtClean="0"/>
-              <a:t> link</a:t>
+              <a:t> uninstall</a:t>
             </a:r>
           </a:p>
           <a:p>
@@ -7706,15 +7737,15 @@
             </a:pPr>
             <a:r>
               <a:rPr lang="en-US" dirty="0" smtClean="0"/>
-              <a:t>Built-in </a:t>
-            </a:r>
-            <a:r>
-              <a:rPr lang="en-US" dirty="0" err="1" smtClean="0"/>
-              <a:t>symlink</a:t>
-            </a:r>
-            <a:r>
-              <a:rPr lang="en-US" dirty="0" smtClean="0"/>
-              <a:t> tool</a:t>
+              <a:t>Uninstalls everything </a:t>
+            </a:r>
+            <a:r>
+              <a:rPr lang="en-US" dirty="0" err="1" smtClean="0"/>
+              <a:t>npm</a:t>
+            </a:r>
+            <a:r>
+              <a:rPr lang="en-US" dirty="0" smtClean="0"/>
+              <a:t> installed</a:t>
             </a:r>
           </a:p>
           <a:p>
@@ -7724,33 +7755,20 @@
             </a:pPr>
             <a:r>
               <a:rPr lang="en-US" dirty="0" smtClean="0"/>
-              <a:t>Most useful when doing local </a:t>
-            </a:r>
-            <a:r>
-              <a:rPr lang="en-US" dirty="0" err="1" smtClean="0"/>
-              <a:t>dev</a:t>
-            </a:r>
-            <a:r>
-              <a:rPr lang="en-US" dirty="0" smtClean="0"/>
-              <a:t> on a module for later publishing</a:t>
-            </a:r>
-          </a:p>
-          <a:p>
-            <a:pPr marL="342900" lvl="1" indent="-342900" algn="l">
-              <a:buFont typeface="Arial"/>
-              <a:buChar char="•"/>
-            </a:pPr>
-            <a:r>
-              <a:rPr lang="en-US" dirty="0" smtClean="0"/>
-              <a:t>Or include one package under another without reinstalling</a:t>
-            </a:r>
+              <a:t>-S and -D flags also modify </a:t>
+            </a:r>
+            <a:r>
+              <a:rPr lang="en-US" dirty="0" err="1" smtClean="0"/>
+              <a:t>package.json</a:t>
+            </a:r>
+            <a:endParaRPr lang="en-US" dirty="0" smtClean="0"/>
           </a:p>
         </p:txBody>
       </p:sp>
     </p:spTree>
     <p:extLst>
       <p:ext uri="{BB962C8B-B14F-4D97-AF65-F5344CB8AC3E}">
-        <p14:creationId xmlns:p14="http://schemas.microsoft.com/office/powerpoint/2010/main" val="3100954694"/>
+        <p14:creationId xmlns:p14="http://schemas.microsoft.com/office/powerpoint/2010/main" val="3719859161"/>
       </p:ext>
     </p:extLst>
   </p:cSld>
@@ -7834,7 +7852,7 @@
             </a:r>
             <a:r>
               <a:rPr lang="en-US" dirty="0" smtClean="0"/>
-              <a:t> settings come from:</a:t>
+              <a:t> update [name]</a:t>
             </a:r>
           </a:p>
           <a:p>
@@ -7843,14 +7861,9 @@
               <a:buChar char="•"/>
             </a:pPr>
             <a:r>
-              <a:rPr lang="en-US" dirty="0"/>
-              <a:t>command </a:t>
-            </a:r>
-            <a:r>
-              <a:rPr lang="en-US" dirty="0" smtClean="0"/>
-              <a:t>line</a:t>
-            </a:r>
-            <a:endParaRPr lang="en-US" dirty="0"/>
+              <a:rPr lang="en-US" dirty="0" smtClean="0"/>
+              <a:t>Installs if not present</a:t>
+            </a:r>
           </a:p>
           <a:p>
             <a:pPr marL="342900" lvl="1" indent="-342900" algn="l">
@@ -7859,7 +7872,7 @@
             </a:pPr>
             <a:r>
               <a:rPr lang="en-US" dirty="0" smtClean="0"/>
-              <a:t>environment variables</a:t>
+              <a:t>Else, gets latest possible version(s)</a:t>
             </a:r>
           </a:p>
           <a:p>
@@ -7869,15 +7882,23 @@
             </a:pPr>
             <a:r>
               <a:rPr lang="en-US" dirty="0" smtClean="0"/>
-              <a:t>.</a:t>
-            </a:r>
-            <a:r>
-              <a:rPr lang="en-US" dirty="0" err="1" smtClean="0"/>
-              <a:t>npmrc</a:t>
-            </a:r>
-            <a:r>
-              <a:rPr lang="en-US" dirty="0" smtClean="0"/>
-              <a:t> file</a:t>
+              <a:t>Just one </a:t>
+            </a:r>
+            <a:r>
+              <a:rPr lang="en-US" dirty="0" err="1" smtClean="0"/>
+              <a:t>pkg</a:t>
+            </a:r>
+            <a:r>
+              <a:rPr lang="en-US" dirty="0" smtClean="0"/>
+              <a:t> or all (optional name </a:t>
+            </a:r>
+            <a:r>
+              <a:rPr lang="en-US" dirty="0" err="1" smtClean="0"/>
+              <a:t>arg</a:t>
+            </a:r>
+            <a:r>
+              <a:rPr lang="en-US" dirty="0" smtClean="0"/>
+              <a:t>)</a:t>
             </a:r>
           </a:p>
           <a:p>
@@ -7886,17 +7907,31 @@
               <a:buChar char="•"/>
             </a:pPr>
             <a:r>
-              <a:rPr lang="en-US" dirty="0" err="1" smtClean="0"/>
-              <a:t>package.json</a:t>
+              <a:rPr lang="en-US" dirty="0" smtClean="0"/>
+              <a:t>'Possible' as defined by </a:t>
+            </a:r>
+            <a:r>
+              <a:rPr lang="en-US" dirty="0" err="1" smtClean="0"/>
+              <a:t>semver</a:t>
             </a:r>
             <a:endParaRPr lang="en-US" dirty="0" smtClean="0"/>
+          </a:p>
+          <a:p>
+            <a:pPr marL="342900" lvl="1" indent="-342900" algn="l">
+              <a:buFont typeface="Arial"/>
+              <a:buChar char="•"/>
+            </a:pPr>
+            <a:r>
+              <a:rPr lang="en-US" dirty="0" smtClean="0"/>
+              <a:t>And other packages' requirements</a:t>
+            </a:r>
           </a:p>
         </p:txBody>
       </p:sp>
     </p:spTree>
     <p:extLst>
       <p:ext uri="{BB962C8B-B14F-4D97-AF65-F5344CB8AC3E}">
-        <p14:creationId xmlns:p14="http://schemas.microsoft.com/office/powerpoint/2010/main" val="3792337774"/>
+        <p14:creationId xmlns:p14="http://schemas.microsoft.com/office/powerpoint/2010/main" val="3030563720"/>
       </p:ext>
     </p:extLst>
   </p:cSld>
@@ -7980,13 +8015,8 @@
             </a:r>
             <a:r>
               <a:rPr lang="en-US" dirty="0" smtClean="0"/>
-              <a:t> </a:t>
-            </a:r>
-            <a:r>
-              <a:rPr lang="en-US" dirty="0" err="1" smtClean="0"/>
-              <a:t>config</a:t>
-            </a:r>
-            <a:endParaRPr lang="en-US" dirty="0" smtClean="0"/>
+              <a:t> link</a:t>
+            </a:r>
           </a:p>
           <a:p>
             <a:pPr marL="342900" lvl="1" indent="-342900" algn="l">
@@ -7994,32 +8024,16 @@
               <a:buChar char="•"/>
             </a:pPr>
             <a:r>
-              <a:rPr lang="en-US" dirty="0" err="1"/>
-              <a:t>npm</a:t>
-            </a:r>
-            <a:r>
-              <a:rPr lang="en-US" dirty="0"/>
-              <a:t> </a:t>
-            </a:r>
-            <a:r>
-              <a:rPr lang="en-US" dirty="0" err="1"/>
-              <a:t>config</a:t>
-            </a:r>
-            <a:r>
-              <a:rPr lang="en-US" dirty="0"/>
-              <a:t> set </a:t>
-            </a:r>
-            <a:r>
-              <a:rPr lang="en-US" dirty="0" smtClean="0"/>
-              <a:t>&lt;key&gt; &lt;[</a:t>
-            </a:r>
-            <a:r>
-              <a:rPr lang="en-US" dirty="0" err="1" smtClean="0"/>
-              <a:t>value:true</a:t>
-            </a:r>
-            <a:r>
-              <a:rPr lang="en-US" dirty="0" smtClean="0"/>
-              <a:t>]&gt;</a:t>
+              <a:rPr lang="en-US" dirty="0" smtClean="0"/>
+              <a:t>Built-in </a:t>
+            </a:r>
+            <a:r>
+              <a:rPr lang="en-US" dirty="0" err="1" smtClean="0"/>
+              <a:t>symlink</a:t>
+            </a:r>
+            <a:r>
+              <a:rPr lang="en-US" dirty="0" smtClean="0"/>
+              <a:t> tool</a:t>
             </a:r>
           </a:p>
           <a:p>
@@ -8029,7 +8043,15 @@
             </a:pPr>
             <a:r>
               <a:rPr lang="en-US" dirty="0" smtClean="0"/>
-              <a:t>Also get, list, delete</a:t>
+              <a:t>Most useful when doing local </a:t>
+            </a:r>
+            <a:r>
+              <a:rPr lang="en-US" dirty="0" err="1" smtClean="0"/>
+              <a:t>dev</a:t>
+            </a:r>
+            <a:r>
+              <a:rPr lang="en-US" dirty="0" smtClean="0"/>
+              <a:t> on a module for later publishing</a:t>
             </a:r>
           </a:p>
           <a:p>
@@ -8039,65 +8061,7 @@
             </a:pPr>
             <a:r>
               <a:rPr lang="en-US" dirty="0" smtClean="0"/>
-              <a:t>'edit' opens </a:t>
-            </a:r>
-            <a:r>
-              <a:rPr lang="en-US" dirty="0" err="1" smtClean="0"/>
-              <a:t>config</a:t>
-            </a:r>
-            <a:r>
-              <a:rPr lang="en-US" dirty="0" smtClean="0"/>
-              <a:t> file in editor</a:t>
-            </a:r>
-          </a:p>
-          <a:p>
-            <a:pPr marL="342900" lvl="1" indent="-342900" algn="l">
-              <a:buFont typeface="Arial"/>
-              <a:buChar char="•"/>
-            </a:pPr>
-            <a:r>
-              <a:rPr lang="en-US" dirty="0" smtClean="0"/>
-              <a:t>Also --global </a:t>
-            </a:r>
-          </a:p>
-          <a:p>
-            <a:pPr marL="342900" lvl="1" indent="-342900" algn="l">
-              <a:buFont typeface="Arial"/>
-              <a:buChar char="•"/>
-            </a:pPr>
-            <a:r>
-              <a:rPr lang="en-US" dirty="0" smtClean="0"/>
-              <a:t>Set </a:t>
-            </a:r>
-          </a:p>
-          <a:p>
-            <a:pPr marL="800100" lvl="2" indent="-342900" algn="l">
-              <a:buFont typeface="Arial"/>
-              <a:buChar char="•"/>
-            </a:pPr>
-            <a:r>
-              <a:rPr lang="en-US" dirty="0" smtClean="0"/>
-              <a:t>Author name</a:t>
-            </a:r>
-          </a:p>
-          <a:p>
-            <a:pPr marL="800100" lvl="2" indent="-342900" algn="l">
-              <a:buFont typeface="Arial"/>
-              <a:buChar char="•"/>
-            </a:pPr>
-            <a:r>
-              <a:rPr lang="en-US" dirty="0" smtClean="0"/>
-              <a:t>Email</a:t>
-            </a:r>
-          </a:p>
-          <a:p>
-            <a:pPr marL="800100" lvl="2" indent="-342900" algn="l">
-              <a:buFont typeface="Arial"/>
-              <a:buChar char="•"/>
-            </a:pPr>
-            <a:r>
-              <a:rPr lang="en-US" dirty="0" smtClean="0"/>
-              <a:t>Proxy server (maybe)</a:t>
+              <a:t>Or include one package under another without reinstalling</a:t>
             </a:r>
           </a:p>
         </p:txBody>
@@ -8105,7 +8069,7 @@
     </p:spTree>
     <p:extLst>
       <p:ext uri="{BB962C8B-B14F-4D97-AF65-F5344CB8AC3E}">
-        <p14:creationId xmlns:p14="http://schemas.microsoft.com/office/powerpoint/2010/main" val="3868869233"/>
+        <p14:creationId xmlns:p14="http://schemas.microsoft.com/office/powerpoint/2010/main" val="3100954694"/>
       </p:ext>
     </p:extLst>
   </p:cSld>
@@ -8178,26 +8142,18 @@
         </p:spPr>
         <p:txBody>
           <a:bodyPr>
-            <a:normAutofit lnSpcReduction="10000"/>
+            <a:normAutofit/>
           </a:bodyPr>
           <a:lstStyle/>
           <a:p>
             <a:pPr algn="l"/>
             <a:r>
               <a:rPr lang="en-US" dirty="0" err="1" smtClean="0"/>
-              <a:t>Npm</a:t>
-            </a:r>
-            <a:r>
-              <a:rPr lang="en-US" dirty="0" smtClean="0"/>
-              <a:t> without </a:t>
-            </a:r>
-            <a:r>
-              <a:rPr lang="en-US" dirty="0" err="1" smtClean="0"/>
-              <a:t>sudo</a:t>
-            </a:r>
-            <a:r>
-              <a:rPr lang="en-US" dirty="0" smtClean="0"/>
-              <a:t> on *nix</a:t>
+              <a:t>npm</a:t>
+            </a:r>
+            <a:r>
+              <a:rPr lang="en-US" dirty="0" smtClean="0"/>
+              <a:t> settings come from:</a:t>
             </a:r>
           </a:p>
           <a:p>
@@ -8206,29 +8162,14 @@
               <a:buChar char="•"/>
             </a:pPr>
             <a:r>
-              <a:rPr lang="en-US" dirty="0" err="1" smtClean="0"/>
-              <a:t>npm</a:t>
-            </a:r>
-            <a:r>
-              <a:rPr lang="en-US" dirty="0" smtClean="0"/>
-              <a:t> global </a:t>
-            </a:r>
-            <a:r>
-              <a:rPr lang="en-US" dirty="0" err="1" smtClean="0"/>
-              <a:t>dir</a:t>
-            </a:r>
-            <a:r>
-              <a:rPr lang="en-US" dirty="0" smtClean="0"/>
-              <a:t> defaults to /</a:t>
-            </a:r>
-            <a:r>
-              <a:rPr lang="en-US" dirty="0" err="1" smtClean="0"/>
-              <a:t>usr</a:t>
-            </a:r>
-            <a:r>
-              <a:rPr lang="en-US" dirty="0" smtClean="0"/>
-              <a:t>/local</a:t>
-            </a:r>
+              <a:rPr lang="en-US" dirty="0"/>
+              <a:t>command </a:t>
+            </a:r>
+            <a:r>
+              <a:rPr lang="en-US" dirty="0" smtClean="0"/>
+              <a:t>line</a:t>
+            </a:r>
+            <a:endParaRPr lang="en-US" dirty="0"/>
           </a:p>
           <a:p>
             <a:pPr marL="342900" lvl="1" indent="-342900" algn="l">
@@ -8237,21 +8178,8 @@
             </a:pPr>
             <a:r>
               <a:rPr lang="en-US" dirty="0" smtClean="0"/>
-              <a:t>System owns that </a:t>
-            </a:r>
-            <a:r>
-              <a:rPr lang="en-US" dirty="0" err="1" smtClean="0"/>
-              <a:t>dir</a:t>
-            </a:r>
-            <a:r>
-              <a:rPr lang="en-US" dirty="0" smtClean="0"/>
-              <a:t> so must use </a:t>
-            </a:r>
-            <a:r>
-              <a:rPr lang="en-US" dirty="0" err="1" smtClean="0"/>
-              <a:t>sudo</a:t>
-            </a:r>
-            <a:endParaRPr lang="en-US" dirty="0" smtClean="0"/>
+              <a:t>environment variables</a:t>
+            </a:r>
           </a:p>
           <a:p>
             <a:pPr marL="342900" lvl="1" indent="-342900" algn="l">
@@ -8260,15 +8188,15 @@
             </a:pPr>
             <a:r>
               <a:rPr lang="en-US" dirty="0" smtClean="0"/>
-              <a:t>Installing packages using </a:t>
-            </a:r>
-            <a:r>
-              <a:rPr lang="en-US" dirty="0" err="1" smtClean="0"/>
-              <a:t>sudo</a:t>
-            </a:r>
-            <a:r>
-              <a:rPr lang="en-US" dirty="0" smtClean="0"/>
-              <a:t> not okay</a:t>
+              <a:t>.</a:t>
+            </a:r>
+            <a:r>
+              <a:rPr lang="en-US" dirty="0" err="1" smtClean="0"/>
+              <a:t>npmrc</a:t>
+            </a:r>
+            <a:r>
+              <a:rPr lang="en-US" dirty="0" smtClean="0"/>
+              <a:t> file</a:t>
             </a:r>
           </a:p>
           <a:p>
@@ -8277,87 +8205,8 @@
               <a:buChar char="•"/>
             </a:pPr>
             <a:r>
-              <a:rPr lang="en-US" dirty="0" smtClean="0"/>
-              <a:t>Create new </a:t>
-            </a:r>
-            <a:r>
-              <a:rPr lang="en-US" dirty="0" err="1" smtClean="0"/>
-              <a:t>dir</a:t>
-            </a:r>
-            <a:endParaRPr lang="en-US" dirty="0" smtClean="0"/>
-          </a:p>
-          <a:p>
-            <a:pPr marL="342900" lvl="1" indent="-342900" algn="l">
-              <a:buFont typeface="Arial"/>
-              <a:buChar char="•"/>
-            </a:pPr>
-            <a:r>
-              <a:rPr lang="en-US" dirty="0" smtClean="0"/>
-              <a:t>Add to .</a:t>
-            </a:r>
-            <a:r>
-              <a:rPr lang="en-US" dirty="0" err="1" smtClean="0"/>
-              <a:t>npmrc</a:t>
-            </a:r>
-            <a:r>
-              <a:rPr lang="en-US" dirty="0" smtClean="0"/>
-              <a:t> as 'prefix'</a:t>
-            </a:r>
-          </a:p>
-          <a:p>
-            <a:pPr marL="342900" lvl="1" indent="-342900" algn="l">
-              <a:buFont typeface="Arial"/>
-              <a:buChar char="•"/>
-            </a:pPr>
-            <a:r>
-              <a:rPr lang="en-US" dirty="0" smtClean="0"/>
-              <a:t>Add to PATH in .</a:t>
-            </a:r>
-            <a:r>
-              <a:rPr lang="en-US" dirty="0" err="1" smtClean="0"/>
-              <a:t>bashrc</a:t>
-            </a:r>
-            <a:r>
-              <a:rPr lang="en-US" dirty="0" smtClean="0"/>
-              <a:t> </a:t>
-            </a:r>
-          </a:p>
-          <a:p>
-            <a:pPr marL="342900" lvl="1" indent="-342900" algn="l">
-              <a:buFont typeface="Arial"/>
-              <a:buChar char="•"/>
-            </a:pPr>
-            <a:r>
-              <a:rPr lang="en-US" dirty="0"/>
-              <a:t>https://</a:t>
-            </a:r>
-            <a:r>
-              <a:rPr lang="en-US" dirty="0" err="1"/>
-              <a:t>github.com</a:t>
-            </a:r>
-            <a:r>
-              <a:rPr lang="en-US" dirty="0"/>
-              <a:t>/</a:t>
-            </a:r>
-            <a:r>
-              <a:rPr lang="en-US" dirty="0" err="1"/>
-              <a:t>sindresorhus</a:t>
-            </a:r>
-            <a:r>
-              <a:rPr lang="en-US" dirty="0"/>
-              <a:t>/guides/blob/master/</a:t>
-            </a:r>
-            <a:r>
-              <a:rPr lang="en-US" dirty="0" err="1"/>
-              <a:t>npm</a:t>
-            </a:r>
-            <a:r>
-              <a:rPr lang="en-US" dirty="0"/>
-              <a:t>-global-without-</a:t>
-            </a:r>
-            <a:r>
-              <a:rPr lang="en-US" dirty="0" err="1"/>
-              <a:t>sudo.md</a:t>
+              <a:rPr lang="en-US" dirty="0" err="1" smtClean="0"/>
+              <a:t>package.json</a:t>
             </a:r>
             <a:endParaRPr lang="en-US" dirty="0" smtClean="0"/>
           </a:p>
@@ -8366,7 +8215,7 @@
     </p:spTree>
     <p:extLst>
       <p:ext uri="{BB962C8B-B14F-4D97-AF65-F5344CB8AC3E}">
-        <p14:creationId xmlns:p14="http://schemas.microsoft.com/office/powerpoint/2010/main" val="1665306885"/>
+        <p14:creationId xmlns:p14="http://schemas.microsoft.com/office/powerpoint/2010/main" val="3792337774"/>
       </p:ext>
     </p:extLst>
   </p:cSld>
@@ -8651,8 +8500,13 @@
             </a:r>
             <a:r>
               <a:rPr lang="en-US" dirty="0" smtClean="0"/>
-              <a:t> cache</a:t>
-            </a:r>
+              <a:t> </a:t>
+            </a:r>
+            <a:r>
+              <a:rPr lang="en-US" dirty="0" err="1" smtClean="0"/>
+              <a:t>config</a:t>
+            </a:r>
+            <a:endParaRPr lang="en-US" dirty="0" smtClean="0"/>
           </a:p>
           <a:p>
             <a:pPr marL="342900" lvl="1" indent="-342900" algn="l">
@@ -8660,15 +8514,11 @@
               <a:buChar char="•"/>
             </a:pPr>
             <a:r>
-              <a:rPr lang="en-US" dirty="0" smtClean="0"/>
-              <a:t>Location: '</a:t>
-            </a:r>
-            <a:r>
-              <a:rPr lang="en-US" dirty="0" err="1" smtClean="0"/>
+              <a:rPr lang="en-US" dirty="0" err="1"/>
               <a:t>npm</a:t>
             </a:r>
             <a:r>
-              <a:rPr lang="en-US" dirty="0" smtClean="0"/>
+              <a:rPr lang="en-US" dirty="0"/>
               <a:t> </a:t>
             </a:r>
             <a:r>
@@ -8677,11 +8527,19 @@
             </a:r>
             <a:r>
               <a:rPr lang="en-US" dirty="0"/>
-              <a:t> </a:t>
-            </a:r>
-            <a:r>
-              <a:rPr lang="en-US" dirty="0" smtClean="0"/>
-              <a:t>get cache'</a:t>
+              <a:t> set </a:t>
+            </a:r>
+            <a:r>
+              <a:rPr lang="en-US" dirty="0" smtClean="0"/>
+              <a:t>&lt;key&gt; &lt;[</a:t>
+            </a:r>
+            <a:r>
+              <a:rPr lang="en-US" dirty="0" err="1" smtClean="0"/>
+              <a:t>value:true</a:t>
+            </a:r>
+            <a:r>
+              <a:rPr lang="en-US" dirty="0" smtClean="0"/>
+              <a:t>]&gt;</a:t>
             </a:r>
           </a:p>
           <a:p>
@@ -8690,12 +8548,8 @@
               <a:buChar char="•"/>
             </a:pPr>
             <a:r>
-              <a:rPr lang="en-US" dirty="0" err="1" smtClean="0"/>
-              <a:t>npm</a:t>
-            </a:r>
-            <a:r>
-              <a:rPr lang="en-US" dirty="0" smtClean="0"/>
-              <a:t> caches packages like browsers do</a:t>
+              <a:rPr lang="en-US" dirty="0" smtClean="0"/>
+              <a:t>Also get, list, delete</a:t>
             </a:r>
           </a:p>
           <a:p>
@@ -8705,7 +8559,15 @@
             </a:pPr>
             <a:r>
               <a:rPr lang="en-US" dirty="0" smtClean="0"/>
-              <a:t>Normally this is A Good Thing</a:t>
+              <a:t>'edit' opens </a:t>
+            </a:r>
+            <a:r>
+              <a:rPr lang="en-US" dirty="0" err="1" smtClean="0"/>
+              <a:t>config</a:t>
+            </a:r>
+            <a:r>
+              <a:rPr lang="en-US" dirty="0" smtClean="0"/>
+              <a:t> file in editor</a:t>
             </a:r>
           </a:p>
           <a:p>
@@ -8715,7 +8577,7 @@
             </a:pPr>
             <a:r>
               <a:rPr lang="en-US" dirty="0" smtClean="0"/>
-              <a:t>When having weird issues:</a:t>
+              <a:t>Also --global </a:t>
             </a:r>
           </a:p>
           <a:p>
@@ -8725,15 +8587,37 @@
             </a:pPr>
             <a:r>
               <a:rPr lang="en-US" dirty="0" smtClean="0"/>
-              <a:t>'</a:t>
-            </a:r>
-            <a:r>
-              <a:rPr lang="en-US" dirty="0" err="1" smtClean="0"/>
-              <a:t>npm</a:t>
-            </a:r>
-            <a:r>
-              <a:rPr lang="en-US" dirty="0" smtClean="0"/>
-              <a:t> cache clean'</a:t>
+              <a:t>Set </a:t>
+            </a:r>
+          </a:p>
+          <a:p>
+            <a:pPr marL="800100" lvl="2" indent="-342900" algn="l">
+              <a:buFont typeface="Arial"/>
+              <a:buChar char="•"/>
+            </a:pPr>
+            <a:r>
+              <a:rPr lang="en-US" dirty="0" smtClean="0"/>
+              <a:t>Author name</a:t>
+            </a:r>
+          </a:p>
+          <a:p>
+            <a:pPr marL="800100" lvl="2" indent="-342900" algn="l">
+              <a:buFont typeface="Arial"/>
+              <a:buChar char="•"/>
+            </a:pPr>
+            <a:r>
+              <a:rPr lang="en-US" dirty="0" smtClean="0"/>
+              <a:t>Email</a:t>
+            </a:r>
+          </a:p>
+          <a:p>
+            <a:pPr marL="800100" lvl="2" indent="-342900" algn="l">
+              <a:buFont typeface="Arial"/>
+              <a:buChar char="•"/>
+            </a:pPr>
+            <a:r>
+              <a:rPr lang="en-US" dirty="0" smtClean="0"/>
+              <a:t>Proxy server (maybe)</a:t>
             </a:r>
           </a:p>
         </p:txBody>
@@ -8741,7 +8625,7 @@
     </p:spTree>
     <p:extLst>
       <p:ext uri="{BB962C8B-B14F-4D97-AF65-F5344CB8AC3E}">
-        <p14:creationId xmlns:p14="http://schemas.microsoft.com/office/powerpoint/2010/main" val="2673864716"/>
+        <p14:creationId xmlns:p14="http://schemas.microsoft.com/office/powerpoint/2010/main" val="3868869233"/>
       </p:ext>
     </p:extLst>
   </p:cSld>
@@ -8790,7 +8674,7 @@
           <a:p>
             <a:r>
               <a:rPr lang="en-US" dirty="0" err="1" smtClean="0"/>
-              <a:t>CommonJS</a:t>
+              <a:t>npm</a:t>
             </a:r>
             <a:endParaRPr lang="en-US" dirty="0"/>
           </a:p>
@@ -8814,17 +8698,56 @@
         </p:spPr>
         <p:txBody>
           <a:bodyPr>
-            <a:normAutofit/>
+            <a:normAutofit lnSpcReduction="10000"/>
           </a:bodyPr>
           <a:lstStyle/>
           <a:p>
+            <a:pPr algn="l"/>
+            <a:r>
+              <a:rPr lang="en-US" dirty="0" err="1" smtClean="0"/>
+              <a:t>Npm</a:t>
+            </a:r>
+            <a:r>
+              <a:rPr lang="en-US" dirty="0" smtClean="0"/>
+              <a:t> without </a:t>
+            </a:r>
+            <a:r>
+              <a:rPr lang="en-US" dirty="0" err="1" smtClean="0"/>
+              <a:t>sudo</a:t>
+            </a:r>
+            <a:r>
+              <a:rPr lang="en-US" dirty="0" smtClean="0"/>
+              <a:t> on *nix</a:t>
+            </a:r>
+          </a:p>
+          <a:p>
             <a:pPr marL="342900" lvl="1" indent="-342900" algn="l">
               <a:buFont typeface="Arial"/>
               <a:buChar char="•"/>
             </a:pPr>
             <a:r>
-              <a:rPr lang="en-US" dirty="0" smtClean="0"/>
-              <a:t>JS &lt; ES6 has no built in module support</a:t>
+              <a:rPr lang="en-US" dirty="0" err="1" smtClean="0"/>
+              <a:t>npm</a:t>
+            </a:r>
+            <a:r>
+              <a:rPr lang="en-US" dirty="0" smtClean="0"/>
+              <a:t> global </a:t>
+            </a:r>
+            <a:r>
+              <a:rPr lang="en-US" dirty="0" err="1" smtClean="0"/>
+              <a:t>dir</a:t>
+            </a:r>
+            <a:r>
+              <a:rPr lang="en-US" dirty="0" smtClean="0"/>
+              <a:t> defaults to /</a:t>
+            </a:r>
+            <a:r>
+              <a:rPr lang="en-US" dirty="0" err="1" smtClean="0"/>
+              <a:t>usr</a:t>
+            </a:r>
+            <a:r>
+              <a:rPr lang="en-US" dirty="0" smtClean="0"/>
+              <a:t>/local</a:t>
             </a:r>
           </a:p>
           <a:p>
@@ -8833,13 +8756,22 @@
               <a:buChar char="•"/>
             </a:pPr>
             <a:r>
-              <a:rPr lang="en-US" dirty="0" err="1" smtClean="0"/>
-              <a:t>CommonJS</a:t>
-            </a:r>
-            <a:r>
-              <a:rPr lang="en-US" dirty="0" smtClean="0"/>
-              <a:t> was a project ~2009</a:t>
-            </a:r>
+              <a:rPr lang="en-US" dirty="0" smtClean="0"/>
+              <a:t>System owns that </a:t>
+            </a:r>
+            <a:r>
+              <a:rPr lang="en-US" dirty="0" err="1" smtClean="0"/>
+              <a:t>dir</a:t>
+            </a:r>
+            <a:r>
+              <a:rPr lang="en-US" dirty="0" smtClean="0"/>
+              <a:t> so must use </a:t>
+            </a:r>
+            <a:r>
+              <a:rPr lang="en-US" dirty="0" err="1" smtClean="0"/>
+              <a:t>sudo</a:t>
+            </a:r>
+            <a:endParaRPr lang="en-US" dirty="0" smtClean="0"/>
           </a:p>
           <a:p>
             <a:pPr marL="342900" lvl="1" indent="-342900" algn="l">
@@ -8848,7 +8780,15 @@
             </a:pPr>
             <a:r>
               <a:rPr lang="en-US" dirty="0" smtClean="0"/>
-              <a:t>The working group stalled</a:t>
+              <a:t>Installing packages using </a:t>
+            </a:r>
+            <a:r>
+              <a:rPr lang="en-US" dirty="0" err="1" smtClean="0"/>
+              <a:t>sudo</a:t>
+            </a:r>
+            <a:r>
+              <a:rPr lang="en-US" dirty="0" smtClean="0"/>
+              <a:t> not okay</a:t>
             </a:r>
           </a:p>
           <a:p>
@@ -8858,8 +8798,13 @@
             </a:pPr>
             <a:r>
               <a:rPr lang="en-US" dirty="0" smtClean="0"/>
-              <a:t>Client-side users moved on to AMD</a:t>
-            </a:r>
+              <a:t>Create new </a:t>
+            </a:r>
+            <a:r>
+              <a:rPr lang="en-US" dirty="0" err="1" smtClean="0"/>
+              <a:t>dir</a:t>
+            </a:r>
+            <a:endParaRPr lang="en-US" dirty="0" smtClean="0"/>
           </a:p>
           <a:p>
             <a:pPr marL="342900" lvl="1" indent="-342900" algn="l">
@@ -8868,19 +8813,29 @@
             </a:pPr>
             <a:r>
               <a:rPr lang="en-US" dirty="0" smtClean="0"/>
-              <a:t>But </a:t>
-            </a:r>
-            <a:r>
-              <a:rPr lang="en-US" dirty="0" err="1" smtClean="0"/>
-              <a:t>Node.js</a:t>
-            </a:r>
-            <a:r>
-              <a:rPr lang="en-US" dirty="0" smtClean="0"/>
-              <a:t> adopted </a:t>
-            </a:r>
-            <a:r>
-              <a:rPr lang="en-US" dirty="0" err="1" smtClean="0"/>
-              <a:t>CommonJS</a:t>
+              <a:t>Add to .</a:t>
+            </a:r>
+            <a:r>
+              <a:rPr lang="en-US" dirty="0" err="1" smtClean="0"/>
+              <a:t>npmrc</a:t>
+            </a:r>
+            <a:r>
+              <a:rPr lang="en-US" dirty="0" smtClean="0"/>
+              <a:t> as 'prefix'</a:t>
+            </a:r>
+          </a:p>
+          <a:p>
+            <a:pPr marL="342900" lvl="1" indent="-342900" algn="l">
+              <a:buFont typeface="Arial"/>
+              <a:buChar char="•"/>
+            </a:pPr>
+            <a:r>
+              <a:rPr lang="en-US" dirty="0" smtClean="0"/>
+              <a:t>Add to PATH in .</a:t>
+            </a:r>
+            <a:r>
+              <a:rPr lang="en-US" dirty="0" err="1" smtClean="0"/>
+              <a:t>bashrc</a:t>
             </a:r>
             <a:r>
               <a:rPr lang="en-US" dirty="0" smtClean="0"/>
@@ -8893,20 +8848,45 @@
               <a:buChar char="•"/>
             </a:pPr>
             <a:r>
-              <a:rPr lang="en-US" dirty="0" err="1" smtClean="0"/>
-              <a:t>Node.js</a:t>
-            </a:r>
-            <a:r>
-              <a:rPr lang="en-US" dirty="0" smtClean="0"/>
-              <a:t> format &amp; CJS are now one and same</a:t>
-            </a:r>
+              <a:rPr lang="en-US" dirty="0"/>
+              <a:t>https://</a:t>
+            </a:r>
+            <a:r>
+              <a:rPr lang="en-US" dirty="0" err="1"/>
+              <a:t>github.com</a:t>
+            </a:r>
+            <a:r>
+              <a:rPr lang="en-US" dirty="0"/>
+              <a:t>/</a:t>
+            </a:r>
+            <a:r>
+              <a:rPr lang="en-US" dirty="0" err="1"/>
+              <a:t>sindresorhus</a:t>
+            </a:r>
+            <a:r>
+              <a:rPr lang="en-US" dirty="0"/>
+              <a:t>/guides/blob/master/</a:t>
+            </a:r>
+            <a:r>
+              <a:rPr lang="en-US" dirty="0" err="1"/>
+              <a:t>npm</a:t>
+            </a:r>
+            <a:r>
+              <a:rPr lang="en-US" dirty="0"/>
+              <a:t>-global-without-</a:t>
+            </a:r>
+            <a:r>
+              <a:rPr lang="en-US" dirty="0" err="1"/>
+              <a:t>sudo.md</a:t>
+            </a:r>
+            <a:endParaRPr lang="en-US" dirty="0" smtClean="0"/>
           </a:p>
         </p:txBody>
       </p:sp>
     </p:spTree>
     <p:extLst>
       <p:ext uri="{BB962C8B-B14F-4D97-AF65-F5344CB8AC3E}">
-        <p14:creationId xmlns:p14="http://schemas.microsoft.com/office/powerpoint/2010/main" val="1066210836"/>
+        <p14:creationId xmlns:p14="http://schemas.microsoft.com/office/powerpoint/2010/main" val="1665306885"/>
       </p:ext>
     </p:extLst>
   </p:cSld>
@@ -8955,7 +8935,7 @@
           <a:p>
             <a:r>
               <a:rPr lang="en-US" dirty="0" err="1" smtClean="0"/>
-              <a:t>CommonJS</a:t>
+              <a:t>npm</a:t>
             </a:r>
             <a:endParaRPr lang="en-US" dirty="0"/>
           </a:p>
@@ -8983,46 +8963,44 @@
           </a:bodyPr>
           <a:lstStyle/>
           <a:p>
+            <a:pPr algn="l"/>
+            <a:r>
+              <a:rPr lang="en-US" dirty="0" err="1" smtClean="0"/>
+              <a:t>npm</a:t>
+            </a:r>
+            <a:r>
+              <a:rPr lang="en-US" dirty="0" smtClean="0"/>
+              <a:t> cache</a:t>
+            </a:r>
+          </a:p>
+          <a:p>
             <a:pPr marL="342900" lvl="1" indent="-342900" algn="l">
               <a:buFont typeface="Arial"/>
               <a:buChar char="•"/>
             </a:pPr>
             <a:r>
               <a:rPr lang="en-US" dirty="0" smtClean="0"/>
-              <a:t>Two API functions assumed provided:</a:t>
-            </a:r>
-          </a:p>
-          <a:p>
-            <a:pPr marL="800100" lvl="2" indent="-342900" algn="l">
-              <a:buFont typeface="Arial"/>
-              <a:buChar char="•"/>
-            </a:pPr>
-            <a:r>
-              <a:rPr lang="en-US" dirty="0" smtClean="0"/>
-              <a:t>require - </a:t>
+              <a:t>Location: '</a:t>
+            </a:r>
+            <a:r>
+              <a:rPr lang="en-US" dirty="0" err="1" smtClean="0"/>
+              <a:t>npm</a:t>
+            </a:r>
+            <a:r>
+              <a:rPr lang="en-US" dirty="0" smtClean="0"/>
+              <a:t> </a:t>
+            </a:r>
+            <a:r>
+              <a:rPr lang="en-US" dirty="0" err="1"/>
+              <a:t>config</a:t>
             </a:r>
             <a:r>
               <a:rPr lang="en-US" dirty="0"/>
-              <a:t>loads modules</a:t>
-            </a:r>
-            <a:endParaRPr lang="en-US" dirty="0" smtClean="0"/>
-          </a:p>
-          <a:p>
-            <a:pPr marL="800100" lvl="2" indent="-342900" algn="l">
-              <a:buFont typeface="Arial"/>
-              <a:buChar char="•"/>
-            </a:pPr>
-            <a:r>
-              <a:rPr lang="en-US" dirty="0" smtClean="0"/>
-              <a:t>exports - </a:t>
-            </a:r>
-            <a:r>
-              <a:rPr lang="en-US" dirty="0"/>
-              <a:t>declares </a:t>
-            </a:r>
-            <a:r>
-              <a:rPr lang="en-US" dirty="0" smtClean="0"/>
-              <a:t>modules</a:t>
+              <a:t> </a:t>
+            </a:r>
+            <a:r>
+              <a:rPr lang="en-US" dirty="0" smtClean="0"/>
+              <a:t>get cache'</a:t>
             </a:r>
           </a:p>
           <a:p>
@@ -9031,32 +9009,58 @@
               <a:buChar char="•"/>
             </a:pPr>
             <a:r>
-              <a:rPr lang="en-US" dirty="0" smtClean="0"/>
-              <a:t>Both </a:t>
-            </a:r>
-            <a:r>
-              <a:rPr lang="en-US" dirty="0"/>
-              <a:t>are methods of </a:t>
-            </a:r>
-            <a:r>
-              <a:rPr lang="en-US" dirty="0" smtClean="0"/>
-              <a:t>Module class</a:t>
-            </a:r>
-            <a:endParaRPr lang="en-US" dirty="0"/>
+              <a:rPr lang="en-US" dirty="0" err="1" smtClean="0"/>
+              <a:t>npm</a:t>
+            </a:r>
+            <a:r>
+              <a:rPr lang="en-US" dirty="0" smtClean="0"/>
+              <a:t> caches packages like browsers do</a:t>
+            </a:r>
           </a:p>
           <a:p>
             <a:pPr marL="342900" lvl="1" indent="-342900" algn="l">
               <a:buFont typeface="Arial"/>
               <a:buChar char="•"/>
             </a:pPr>
-            <a:endParaRPr lang="en-US" dirty="0" smtClean="0"/>
+            <a:r>
+              <a:rPr lang="en-US" dirty="0" smtClean="0"/>
+              <a:t>Normally this is A Good Thing</a:t>
+            </a:r>
+          </a:p>
+          <a:p>
+            <a:pPr marL="342900" lvl="1" indent="-342900" algn="l">
+              <a:buFont typeface="Arial"/>
+              <a:buChar char="•"/>
+            </a:pPr>
+            <a:r>
+              <a:rPr lang="en-US" dirty="0" smtClean="0"/>
+              <a:t>When having weird issues:</a:t>
+            </a:r>
+          </a:p>
+          <a:p>
+            <a:pPr marL="342900" lvl="1" indent="-342900" algn="l">
+              <a:buFont typeface="Arial"/>
+              <a:buChar char="•"/>
+            </a:pPr>
+            <a:r>
+              <a:rPr lang="en-US" dirty="0" smtClean="0"/>
+              <a:t>'</a:t>
+            </a:r>
+            <a:r>
+              <a:rPr lang="en-US" dirty="0" err="1" smtClean="0"/>
+              <a:t>npm</a:t>
+            </a:r>
+            <a:r>
+              <a:rPr lang="en-US" dirty="0" smtClean="0"/>
+              <a:t> cache clean'</a:t>
+            </a:r>
           </a:p>
         </p:txBody>
       </p:sp>
     </p:spTree>
     <p:extLst>
       <p:ext uri="{BB962C8B-B14F-4D97-AF65-F5344CB8AC3E}">
-        <p14:creationId xmlns:p14="http://schemas.microsoft.com/office/powerpoint/2010/main" val="1937802425"/>
+        <p14:creationId xmlns:p14="http://schemas.microsoft.com/office/powerpoint/2010/main" val="2673864716"/>
       </p:ext>
     </p:extLst>
   </p:cSld>
@@ -9129,211 +9133,91 @@
         </p:spPr>
         <p:txBody>
           <a:bodyPr>
-            <a:normAutofit fontScale="85000" lnSpcReduction="20000"/>
+            <a:normAutofit/>
           </a:bodyPr>
           <a:lstStyle/>
           <a:p>
-            <a:pPr marL="0" lvl="1" algn="l"/>
-            <a:r>
-              <a:rPr lang="en-US" dirty="0" smtClean="0"/>
-              <a:t>require('</a:t>
-            </a:r>
-            <a:r>
-              <a:rPr lang="en-US" dirty="0" err="1" smtClean="0"/>
-              <a:t>package_name</a:t>
-            </a:r>
-            <a:r>
-              <a:rPr lang="en-US" dirty="0"/>
-              <a:t>'</a:t>
-            </a:r>
-            <a:r>
-              <a:rPr lang="en-US" dirty="0" smtClean="0"/>
-              <a:t>) load algorithm</a:t>
-            </a:r>
-          </a:p>
-          <a:p>
-            <a:pPr lvl="1" indent="-457200" algn="l">
-              <a:buFont typeface="+mj-lt"/>
-              <a:buAutoNum type="arabicPeriod"/>
-            </a:pPr>
-            <a:r>
-              <a:rPr lang="en-US" dirty="0" smtClean="0"/>
-              <a:t>Core Node module </a:t>
-            </a:r>
-            <a:r>
-              <a:rPr lang="en-US" dirty="0"/>
-              <a:t>'</a:t>
-            </a:r>
-            <a:r>
-              <a:rPr lang="en-US" dirty="0" err="1"/>
-              <a:t>package_name</a:t>
-            </a:r>
-            <a:r>
-              <a:rPr lang="en-US" dirty="0" smtClean="0"/>
-              <a:t>'</a:t>
-            </a:r>
-          </a:p>
-          <a:p>
-            <a:pPr lvl="1" indent="-457200" algn="l">
-              <a:buFont typeface="+mj-lt"/>
-              <a:buAutoNum type="arabicPeriod"/>
-            </a:pPr>
-            <a:r>
-              <a:rPr lang="en-US" dirty="0" smtClean="0"/>
-              <a:t>In ./</a:t>
-            </a:r>
-            <a:r>
-              <a:rPr lang="en-US" dirty="0" err="1" smtClean="0"/>
-              <a:t>node_modules</a:t>
-            </a:r>
-            <a:r>
-              <a:rPr lang="en-US" dirty="0" smtClean="0"/>
-              <a:t>:</a:t>
-            </a:r>
-          </a:p>
-          <a:p>
-            <a:pPr lvl="2" indent="-457200" algn="l">
-              <a:buFont typeface="+mj-lt"/>
-              <a:buAutoNum type="arabicPeriod"/>
-            </a:pPr>
-            <a:r>
-              <a:rPr lang="en-US" dirty="0" err="1" smtClean="0"/>
-              <a:t>package_name.js</a:t>
-            </a:r>
-            <a:endParaRPr lang="en-US" dirty="0"/>
-          </a:p>
-          <a:p>
-            <a:pPr lvl="2" indent="-457200" algn="l">
-              <a:buFont typeface="+mj-lt"/>
-              <a:buAutoNum type="arabicPeriod"/>
-            </a:pPr>
-            <a:r>
-              <a:rPr lang="en-US" dirty="0" err="1" smtClean="0"/>
-              <a:t>package_name</a:t>
-            </a:r>
-            <a:r>
-              <a:rPr lang="en-US" dirty="0" smtClean="0"/>
-              <a:t>/</a:t>
-            </a:r>
-            <a:r>
-              <a:rPr lang="en-US" dirty="0" err="1" smtClean="0"/>
-              <a:t>index.js</a:t>
-            </a:r>
-            <a:endParaRPr lang="en-US" dirty="0"/>
-          </a:p>
-          <a:p>
-            <a:pPr lvl="2" indent="-457200" algn="l">
-              <a:buFont typeface="+mj-lt"/>
-              <a:buAutoNum type="arabicPeriod"/>
-            </a:pPr>
-            <a:r>
-              <a:rPr lang="en-US" dirty="0" err="1"/>
-              <a:t>package_name</a:t>
-            </a:r>
-            <a:r>
-              <a:rPr lang="en-US" dirty="0" smtClean="0"/>
-              <a:t>/</a:t>
-            </a:r>
-            <a:r>
-              <a:rPr lang="en-US" dirty="0" err="1" smtClean="0"/>
-              <a:t>package.json</a:t>
-            </a:r>
-            <a:r>
-              <a:rPr lang="en-US" dirty="0" smtClean="0"/>
-              <a:t> &gt; 'main'</a:t>
-            </a:r>
-          </a:p>
-          <a:p>
-            <a:pPr lvl="1" indent="-457200" algn="l">
-              <a:buFont typeface="+mj-lt"/>
-              <a:buAutoNum type="arabicPeriod"/>
-            </a:pPr>
-            <a:r>
-              <a:rPr lang="en-US" dirty="0" smtClean="0"/>
-              <a:t>../</a:t>
-            </a:r>
-            <a:r>
-              <a:rPr lang="en-US" dirty="0" err="1" smtClean="0"/>
-              <a:t>node_modules</a:t>
-            </a:r>
-            <a:r>
-              <a:rPr lang="en-US" dirty="0" smtClean="0"/>
-              <a:t> back to root</a:t>
-            </a:r>
-          </a:p>
-          <a:p>
-            <a:pPr lvl="1" indent="-457200" algn="l">
-              <a:buFont typeface="+mj-lt"/>
-              <a:buAutoNum type="arabicPeriod"/>
-            </a:pPr>
-            <a:r>
-              <a:rPr lang="en-US" dirty="0" smtClean="0"/>
-              <a:t>Folders listed in NODE_PATH</a:t>
-            </a:r>
-          </a:p>
-          <a:p>
-            <a:pPr lvl="1" indent="-457200" algn="l">
-              <a:buFont typeface="+mj-lt"/>
-              <a:buAutoNum type="arabicPeriod"/>
-            </a:pPr>
-            <a:r>
-              <a:rPr lang="en-US" dirty="0" smtClean="0"/>
-              <a:t>Additional folders</a:t>
-            </a:r>
-          </a:p>
-          <a:p>
-            <a:pPr lvl="2" indent="-457200" algn="l">
-              <a:buFont typeface="+mj-lt"/>
-              <a:buAutoNum type="arabicPeriod"/>
-            </a:pPr>
-            <a:r>
-              <a:rPr lang="en-US" dirty="0"/>
-              <a:t>$HOME/.</a:t>
-            </a:r>
-            <a:r>
-              <a:rPr lang="en-US" dirty="0" err="1" smtClean="0"/>
-              <a:t>node_modules</a:t>
-            </a:r>
-            <a:endParaRPr lang="en-US" dirty="0" smtClean="0"/>
-          </a:p>
-          <a:p>
-            <a:pPr lvl="2" indent="-457200" algn="l">
-              <a:buFont typeface="+mj-lt"/>
-              <a:buAutoNum type="arabicPeriod"/>
-            </a:pPr>
-            <a:r>
-              <a:rPr lang="en-US" dirty="0"/>
-              <a:t>$HOME/.</a:t>
-            </a:r>
-            <a:r>
-              <a:rPr lang="en-US" dirty="0" err="1" smtClean="0"/>
-              <a:t>node_libraries</a:t>
-            </a:r>
-            <a:endParaRPr lang="en-US" dirty="0" smtClean="0"/>
-          </a:p>
-          <a:p>
-            <a:pPr lvl="2" indent="-457200" algn="l">
-              <a:buFont typeface="+mj-lt"/>
-              <a:buAutoNum type="arabicPeriod"/>
-            </a:pPr>
-            <a:r>
-              <a:rPr lang="en-US" dirty="0"/>
-              <a:t>$PREFIX/lib/</a:t>
-            </a:r>
-            <a:r>
-              <a:rPr lang="en-US" dirty="0" smtClean="0"/>
-              <a:t>node</a:t>
-            </a:r>
-          </a:p>
-          <a:p>
-            <a:pPr marL="0" lvl="1" algn="l"/>
-            <a:r>
-              <a:rPr lang="en-US" dirty="0" err="1" smtClean="0"/>
-              <a:t>require.resolve</a:t>
-            </a:r>
-            <a:r>
-              <a:rPr lang="en-US" dirty="0" smtClean="0"/>
-              <a:t>(…) will provide filename</a:t>
+            <a:pPr marL="342900" lvl="1" indent="-342900" algn="l">
+              <a:buFont typeface="Arial"/>
+              <a:buChar char="•"/>
+            </a:pPr>
+            <a:r>
+              <a:rPr lang="en-US" dirty="0" smtClean="0"/>
+              <a:t>JS &lt; ES6 has no built in module support</a:t>
+            </a:r>
+          </a:p>
+          <a:p>
+            <a:pPr marL="342900" lvl="1" indent="-342900" algn="l">
+              <a:buFont typeface="Arial"/>
+              <a:buChar char="•"/>
+            </a:pPr>
+            <a:r>
+              <a:rPr lang="en-US" dirty="0" err="1" smtClean="0"/>
+              <a:t>CommonJS</a:t>
+            </a:r>
+            <a:r>
+              <a:rPr lang="en-US" dirty="0" smtClean="0"/>
+              <a:t> was a project ~2009</a:t>
+            </a:r>
+          </a:p>
+          <a:p>
+            <a:pPr marL="342900" lvl="1" indent="-342900" algn="l">
+              <a:buFont typeface="Arial"/>
+              <a:buChar char="•"/>
+            </a:pPr>
+            <a:r>
+              <a:rPr lang="en-US" dirty="0" smtClean="0"/>
+              <a:t>The working group stalled</a:t>
+            </a:r>
+          </a:p>
+          <a:p>
+            <a:pPr marL="342900" lvl="1" indent="-342900" algn="l">
+              <a:buFont typeface="Arial"/>
+              <a:buChar char="•"/>
+            </a:pPr>
+            <a:r>
+              <a:rPr lang="en-US" dirty="0" smtClean="0"/>
+              <a:t>Client-side users moved on to AMD</a:t>
+            </a:r>
+          </a:p>
+          <a:p>
+            <a:pPr marL="342900" lvl="1" indent="-342900" algn="l">
+              <a:buFont typeface="Arial"/>
+              <a:buChar char="•"/>
+            </a:pPr>
+            <a:r>
+              <a:rPr lang="en-US" dirty="0" smtClean="0"/>
+              <a:t>But </a:t>
+            </a:r>
+            <a:r>
+              <a:rPr lang="en-US" dirty="0" err="1" smtClean="0"/>
+              <a:t>Node.js</a:t>
+            </a:r>
+            <a:r>
+              <a:rPr lang="en-US" dirty="0" smtClean="0"/>
+              <a:t> adopted </a:t>
+            </a:r>
+            <a:r>
+              <a:rPr lang="en-US" dirty="0" err="1" smtClean="0"/>
+              <a:t>CommonJS</a:t>
+            </a:r>
+            <a:r>
+              <a:rPr lang="en-US" dirty="0" smtClean="0"/>
+              <a:t> </a:t>
+            </a:r>
+          </a:p>
+          <a:p>
+            <a:pPr marL="342900" lvl="1" indent="-342900" algn="l">
+              <a:buFont typeface="Arial"/>
+              <a:buChar char="•"/>
+            </a:pPr>
+            <a:r>
+              <a:rPr lang="en-US" dirty="0" err="1" smtClean="0"/>
+              <a:t>Node.js</a:t>
+            </a:r>
+            <a:r>
+              <a:rPr lang="en-US" dirty="0" smtClean="0"/>
+              <a:t> format &amp; CJS are now one and same</a:t>
             </a:r>
           </a:p>
         </p:txBody>
@@ -9341,7 +9225,7 @@
     </p:spTree>
     <p:extLst>
       <p:ext uri="{BB962C8B-B14F-4D97-AF65-F5344CB8AC3E}">
-        <p14:creationId xmlns:p14="http://schemas.microsoft.com/office/powerpoint/2010/main" val="1937802425"/>
+        <p14:creationId xmlns:p14="http://schemas.microsoft.com/office/powerpoint/2010/main" val="1066210836"/>
       </p:ext>
     </p:extLst>
   </p:cSld>
@@ -9418,82 +9302,80 @@
           </a:bodyPr>
           <a:lstStyle/>
           <a:p>
-            <a:pPr marL="0" lvl="1" algn="l"/>
-            <a:r>
-              <a:rPr lang="en-US" dirty="0" smtClean="0"/>
-              <a:t>More require</a:t>
-            </a:r>
-          </a:p>
-          <a:p>
-            <a:pPr lvl="1" indent="-457200" algn="l">
-              <a:buFont typeface="Arial"/>
-              <a:buChar char="•"/>
-            </a:pPr>
-            <a:r>
-              <a:rPr lang="en-US" dirty="0" smtClean="0"/>
-              <a:t>If not found, will retry with extensions</a:t>
-            </a:r>
-          </a:p>
-          <a:p>
-            <a:pPr lvl="2" indent="-457200" algn="l">
-              <a:buFont typeface="+mj-lt"/>
-              <a:buAutoNum type="arabicPeriod"/>
-            </a:pPr>
-            <a:r>
-              <a:rPr lang="en-US" dirty="0" smtClean="0"/>
-              <a:t>.</a:t>
-            </a:r>
-            <a:r>
-              <a:rPr lang="en-US" dirty="0" err="1" smtClean="0"/>
-              <a:t>js</a:t>
+            <a:pPr marL="342900" lvl="1" indent="-342900" algn="l">
+              <a:buFont typeface="Arial"/>
+              <a:buChar char="•"/>
+            </a:pPr>
+            <a:r>
+              <a:rPr lang="en-US" dirty="0" smtClean="0"/>
+              <a:t>Two API functions assumed provided:</a:t>
+            </a:r>
+          </a:p>
+          <a:p>
+            <a:pPr marL="800100" lvl="2" indent="-342900" algn="l">
+              <a:buFont typeface="Arial"/>
+              <a:buChar char="•"/>
+            </a:pPr>
+            <a:r>
+              <a:rPr lang="en-US" dirty="0" smtClean="0"/>
+              <a:t>require - </a:t>
+            </a:r>
+            <a:r>
+              <a:rPr lang="en-US" dirty="0"/>
+              <a:t>loads modules</a:t>
             </a:r>
             <a:endParaRPr lang="en-US" dirty="0" smtClean="0"/>
           </a:p>
           <a:p>
-            <a:pPr lvl="2" indent="-457200" algn="l">
-              <a:buFont typeface="+mj-lt"/>
-              <a:buAutoNum type="arabicPeriod"/>
-            </a:pPr>
-            <a:r>
-              <a:rPr lang="en-US" dirty="0" smtClean="0"/>
-              <a:t>.</a:t>
-            </a:r>
-            <a:r>
-              <a:rPr lang="en-US" dirty="0" err="1" smtClean="0"/>
-              <a:t>json</a:t>
-            </a:r>
+            <a:pPr marL="800100" lvl="2" indent="-342900" algn="l">
+              <a:buFont typeface="Arial"/>
+              <a:buChar char="•"/>
+            </a:pPr>
+            <a:r>
+              <a:rPr lang="en-US" dirty="0" smtClean="0"/>
+              <a:t>exports - </a:t>
+            </a:r>
+            <a:r>
+              <a:rPr lang="en-US" dirty="0"/>
+              <a:t>declares </a:t>
+            </a:r>
+            <a:r>
+              <a:rPr lang="en-US" dirty="0" smtClean="0"/>
+              <a:t>modules</a:t>
+            </a:r>
+          </a:p>
+          <a:p>
+            <a:pPr marL="342900" lvl="1" indent="-342900" algn="l">
+              <a:buFont typeface="Arial"/>
+              <a:buChar char="•"/>
+            </a:pPr>
+            <a:r>
+              <a:rPr lang="en-US" dirty="0" smtClean="0"/>
+              <a:t>Both </a:t>
+            </a:r>
+            <a:r>
+              <a:rPr lang="en-US" dirty="0"/>
+              <a:t>are methods of </a:t>
+            </a:r>
+            <a:r>
+              <a:rPr lang="en-US" dirty="0" smtClean="0"/>
+              <a:t>Module class</a:t>
+            </a:r>
+            <a:endParaRPr lang="en-US" dirty="0"/>
+          </a:p>
+          <a:p>
+            <a:pPr marL="342900" lvl="1" indent="-342900" algn="l">
+              <a:buFont typeface="Arial"/>
+              <a:buChar char="•"/>
+            </a:pPr>
             <a:endParaRPr lang="en-US" dirty="0" smtClean="0"/>
-          </a:p>
-          <a:p>
-            <a:pPr lvl="2" indent="-457200" algn="l">
-              <a:buFont typeface="+mj-lt"/>
-              <a:buAutoNum type="arabicPeriod"/>
-            </a:pPr>
-            <a:r>
-              <a:rPr lang="en-US" dirty="0" smtClean="0"/>
-              <a:t>.node</a:t>
-            </a:r>
-          </a:p>
-          <a:p>
-            <a:pPr lvl="1" indent="-457200" algn="l">
-              <a:buFont typeface="Arial"/>
-              <a:buChar char="•"/>
-            </a:pPr>
-            <a:r>
-              <a:rPr lang="en-US" dirty="0" err="1" smtClean="0"/>
-              <a:t>require.resolve</a:t>
-            </a:r>
-            <a:r>
-              <a:rPr lang="en-US" dirty="0" smtClean="0"/>
-              <a:t>(…) will provide filename</a:t>
-            </a:r>
           </a:p>
         </p:txBody>
       </p:sp>
     </p:spTree>
     <p:extLst>
       <p:ext uri="{BB962C8B-B14F-4D97-AF65-F5344CB8AC3E}">
-        <p14:creationId xmlns:p14="http://schemas.microsoft.com/office/powerpoint/2010/main" val="1170233164"/>
+        <p14:creationId xmlns:p14="http://schemas.microsoft.com/office/powerpoint/2010/main" val="1937802425"/>
       </p:ext>
     </p:extLst>
   </p:cSld>
@@ -9566,83 +9448,211 @@
         </p:spPr>
         <p:txBody>
           <a:bodyPr>
-            <a:normAutofit/>
+            <a:normAutofit fontScale="85000" lnSpcReduction="20000"/>
           </a:bodyPr>
           <a:lstStyle/>
           <a:p>
             <a:pPr marL="0" lvl="1" algn="l"/>
             <a:r>
               <a:rPr lang="en-US" dirty="0" smtClean="0"/>
-              <a:t>More require</a:t>
+              <a:t>require('</a:t>
+            </a:r>
+            <a:r>
+              <a:rPr lang="en-US" dirty="0" err="1" smtClean="0"/>
+              <a:t>package_name</a:t>
+            </a:r>
+            <a:r>
+              <a:rPr lang="en-US" dirty="0"/>
+              <a:t>'</a:t>
+            </a:r>
+            <a:r>
+              <a:rPr lang="en-US" dirty="0" smtClean="0"/>
+              <a:t>) load algorithm</a:t>
             </a:r>
           </a:p>
           <a:p>
             <a:pPr lvl="1" indent="-457200" algn="l">
-              <a:buFont typeface="Arial"/>
-              <a:buChar char="•"/>
-            </a:pPr>
-            <a:r>
-              <a:rPr lang="en-US" dirty="0" smtClean="0"/>
-              <a:t>On load, Node makes </a:t>
+              <a:buFont typeface="+mj-lt"/>
+              <a:buAutoNum type="arabicPeriod"/>
+            </a:pPr>
+            <a:r>
+              <a:rPr lang="en-US" dirty="0" smtClean="0"/>
+              <a:t>Core Node module </a:t>
+            </a:r>
+            <a:r>
+              <a:rPr lang="en-US" dirty="0"/>
+              <a:t>'</a:t>
             </a:r>
             <a:r>
               <a:rPr lang="en-US" dirty="0" err="1"/>
-              <a:t>M</a:t>
-            </a:r>
-            <a:r>
-              <a:rPr lang="en-US" dirty="0" err="1" smtClean="0"/>
-              <a:t>odule.cache</a:t>
+              <a:t>package_name</a:t>
+            </a:r>
+            <a:r>
+              <a:rPr lang="en-US" dirty="0" smtClean="0"/>
+              <a:t>'</a:t>
+            </a:r>
+          </a:p>
+          <a:p>
+            <a:pPr lvl="1" indent="-457200" algn="l">
+              <a:buFont typeface="+mj-lt"/>
+              <a:buAutoNum type="arabicPeriod"/>
+            </a:pPr>
+            <a:r>
+              <a:rPr lang="en-US" dirty="0" smtClean="0"/>
+              <a:t>In ./</a:t>
+            </a:r>
+            <a:r>
+              <a:rPr lang="en-US" dirty="0" err="1" smtClean="0"/>
+              <a:t>node_modules</a:t>
+            </a:r>
+            <a:r>
+              <a:rPr lang="en-US" dirty="0" smtClean="0"/>
+              <a:t>:</a:t>
+            </a:r>
+          </a:p>
+          <a:p>
+            <a:pPr lvl="2" indent="-457200" algn="l">
+              <a:buFont typeface="+mj-lt"/>
+              <a:buAutoNum type="arabicPeriod"/>
+            </a:pPr>
+            <a:r>
+              <a:rPr lang="en-US" dirty="0" err="1" smtClean="0"/>
+              <a:t>package_name.js</a:t>
+            </a:r>
+            <a:endParaRPr lang="en-US" dirty="0"/>
+          </a:p>
+          <a:p>
+            <a:pPr lvl="2" indent="-457200" algn="l">
+              <a:buFont typeface="+mj-lt"/>
+              <a:buAutoNum type="arabicPeriod"/>
+            </a:pPr>
+            <a:r>
+              <a:rPr lang="en-US" dirty="0" err="1" smtClean="0"/>
+              <a:t>package_name</a:t>
+            </a:r>
+            <a:r>
+              <a:rPr lang="en-US" dirty="0" smtClean="0"/>
+              <a:t>/</a:t>
+            </a:r>
+            <a:r>
+              <a:rPr lang="en-US" dirty="0" err="1" smtClean="0"/>
+              <a:t>index.js</a:t>
+            </a:r>
+            <a:endParaRPr lang="en-US" dirty="0"/>
+          </a:p>
+          <a:p>
+            <a:pPr lvl="2" indent="-457200" algn="l">
+              <a:buFont typeface="+mj-lt"/>
+              <a:buAutoNum type="arabicPeriod"/>
+            </a:pPr>
+            <a:r>
+              <a:rPr lang="en-US" dirty="0" err="1"/>
+              <a:t>package_name</a:t>
+            </a:r>
+            <a:r>
+              <a:rPr lang="en-US" dirty="0" smtClean="0"/>
+              <a:t>/</a:t>
+            </a:r>
+            <a:r>
+              <a:rPr lang="en-US" dirty="0" err="1" smtClean="0"/>
+              <a:t>package.json</a:t>
+            </a:r>
+            <a:r>
+              <a:rPr lang="en-US" dirty="0" smtClean="0"/>
+              <a:t> &gt; 'main'</a:t>
+            </a:r>
+          </a:p>
+          <a:p>
+            <a:pPr lvl="1" indent="-457200" algn="l">
+              <a:buFont typeface="+mj-lt"/>
+              <a:buAutoNum type="arabicPeriod"/>
+            </a:pPr>
+            <a:r>
+              <a:rPr lang="en-US" dirty="0" smtClean="0"/>
+              <a:t>../</a:t>
+            </a:r>
+            <a:r>
+              <a:rPr lang="en-US" dirty="0" err="1" smtClean="0"/>
+              <a:t>node_modules</a:t>
+            </a:r>
+            <a:r>
+              <a:rPr lang="en-US" dirty="0" smtClean="0"/>
+              <a:t> back to root</a:t>
+            </a:r>
+          </a:p>
+          <a:p>
+            <a:pPr lvl="1" indent="-457200" algn="l">
+              <a:buFont typeface="+mj-lt"/>
+              <a:buAutoNum type="arabicPeriod"/>
+            </a:pPr>
+            <a:r>
+              <a:rPr lang="en-US" dirty="0" smtClean="0"/>
+              <a:t>Folders listed in NODE_PATH</a:t>
+            </a:r>
+          </a:p>
+          <a:p>
+            <a:pPr lvl="1" indent="-457200" algn="l">
+              <a:buFont typeface="+mj-lt"/>
+              <a:buAutoNum type="arabicPeriod"/>
+            </a:pPr>
+            <a:r>
+              <a:rPr lang="en-US" dirty="0" smtClean="0"/>
+              <a:t>Additional folders</a:t>
+            </a:r>
+          </a:p>
+          <a:p>
+            <a:pPr lvl="2" indent="-457200" algn="l">
+              <a:buFont typeface="+mj-lt"/>
+              <a:buAutoNum type="arabicPeriod"/>
+            </a:pPr>
+            <a:r>
+              <a:rPr lang="en-US" dirty="0"/>
+              <a:t>$HOME/.</a:t>
+            </a:r>
+            <a:r>
+              <a:rPr lang="en-US" dirty="0" err="1" smtClean="0"/>
+              <a:t>node_modules</a:t>
             </a:r>
             <a:endParaRPr lang="en-US" dirty="0" smtClean="0"/>
           </a:p>
           <a:p>
-            <a:pPr lvl="1" indent="-457200" algn="l">
-              <a:buFont typeface="Arial"/>
-              <a:buChar char="•"/>
-            </a:pPr>
-            <a:r>
-              <a:rPr lang="en-US" dirty="0" smtClean="0"/>
-              <a:t>As load progresses, cache updates</a:t>
-            </a:r>
-          </a:p>
-          <a:p>
-            <a:pPr lvl="1" indent="-457200" algn="l">
-              <a:buFont typeface="Arial"/>
-              <a:buChar char="•"/>
-            </a:pPr>
-            <a:r>
-              <a:rPr lang="en-US" dirty="0" smtClean="0"/>
-              <a:t>On another require(), executes that</a:t>
-            </a:r>
-          </a:p>
-          <a:p>
-            <a:pPr lvl="1" indent="-457200" algn="l">
-              <a:buFont typeface="Arial"/>
-              <a:buChar char="•"/>
-            </a:pPr>
-            <a:r>
-              <a:rPr lang="en-US" dirty="0" smtClean="0"/>
-              <a:t>Synchronously returns result</a:t>
-            </a:r>
-          </a:p>
-          <a:p>
-            <a:pPr lvl="1" indent="-457200" algn="l">
-              <a:buFont typeface="Arial"/>
-              <a:buChar char="•"/>
-            </a:pPr>
-            <a:r>
-              <a:rPr lang="en-US" dirty="0" smtClean="0"/>
-              <a:t>Updates cache</a:t>
-            </a:r>
-          </a:p>
-          <a:p>
-            <a:pPr lvl="1" indent="-457200" algn="l">
-              <a:buFont typeface="Arial"/>
-              <a:buChar char="•"/>
-            </a:pPr>
-            <a:r>
-              <a:rPr lang="en-US" dirty="0" smtClean="0"/>
-              <a:t>For circular dependencies, returns (unfinished) cached module</a:t>
+            <a:pPr lvl="2" indent="-457200" algn="l">
+              <a:buFont typeface="+mj-lt"/>
+              <a:buAutoNum type="arabicPeriod"/>
+            </a:pPr>
+            <a:r>
+              <a:rPr lang="en-US" dirty="0"/>
+              <a:t>$HOME/.</a:t>
+            </a:r>
+            <a:r>
+              <a:rPr lang="en-US" dirty="0" err="1" smtClean="0"/>
+              <a:t>node_libraries</a:t>
+            </a:r>
+            <a:endParaRPr lang="en-US" dirty="0" smtClean="0"/>
+          </a:p>
+          <a:p>
+            <a:pPr lvl="2" indent="-457200" algn="l">
+              <a:buFont typeface="+mj-lt"/>
+              <a:buAutoNum type="arabicPeriod"/>
+            </a:pPr>
+            <a:r>
+              <a:rPr lang="en-US" dirty="0"/>
+              <a:t>$PREFIX/lib/</a:t>
+            </a:r>
+            <a:r>
+              <a:rPr lang="en-US" dirty="0" smtClean="0"/>
+              <a:t>node</a:t>
+            </a:r>
+          </a:p>
+          <a:p>
+            <a:pPr marL="0" lvl="1" algn="l"/>
+            <a:r>
+              <a:rPr lang="en-US" dirty="0" err="1" smtClean="0"/>
+              <a:t>require.resolve</a:t>
+            </a:r>
+            <a:r>
+              <a:rPr lang="en-US" dirty="0" smtClean="0"/>
+              <a:t>(…) will provide filename</a:t>
             </a:r>
           </a:p>
         </p:txBody>
@@ -9650,7 +9660,7 @@
     </p:spTree>
     <p:extLst>
       <p:ext uri="{BB962C8B-B14F-4D97-AF65-F5344CB8AC3E}">
-        <p14:creationId xmlns:p14="http://schemas.microsoft.com/office/powerpoint/2010/main" val="4135064335"/>
+        <p14:creationId xmlns:p14="http://schemas.microsoft.com/office/powerpoint/2010/main" val="1937802425"/>
       </p:ext>
     </p:extLst>
   </p:cSld>
@@ -9730,7 +9740,7 @@
             <a:pPr marL="0" lvl="1" algn="l"/>
             <a:r>
               <a:rPr lang="en-US" dirty="0" smtClean="0"/>
-              <a:t>Exports</a:t>
+              <a:t>More require</a:t>
             </a:r>
           </a:p>
           <a:p>
@@ -9740,7 +9750,47 @@
             </a:pPr>
             <a:r>
               <a:rPr lang="en-US" dirty="0" smtClean="0"/>
-              <a:t>One module per file</a:t>
+              <a:t>If not found, will retry with extensions</a:t>
+            </a:r>
+          </a:p>
+          <a:p>
+            <a:pPr lvl="2" indent="-457200" algn="l">
+              <a:buFont typeface="+mj-lt"/>
+              <a:buAutoNum type="arabicPeriod"/>
+            </a:pPr>
+            <a:r>
+              <a:rPr lang="en-US" dirty="0" smtClean="0"/>
+              <a:t>.</a:t>
+            </a:r>
+            <a:r>
+              <a:rPr lang="en-US" dirty="0" err="1" smtClean="0"/>
+              <a:t>js</a:t>
+            </a:r>
+            <a:endParaRPr lang="en-US" dirty="0" smtClean="0"/>
+          </a:p>
+          <a:p>
+            <a:pPr lvl="2" indent="-457200" algn="l">
+              <a:buFont typeface="+mj-lt"/>
+              <a:buAutoNum type="arabicPeriod"/>
+            </a:pPr>
+            <a:r>
+              <a:rPr lang="en-US" dirty="0" smtClean="0"/>
+              <a:t>.</a:t>
+            </a:r>
+            <a:r>
+              <a:rPr lang="en-US" dirty="0" err="1" smtClean="0"/>
+              <a:t>json</a:t>
+            </a:r>
+            <a:endParaRPr lang="en-US" dirty="0" smtClean="0"/>
+          </a:p>
+          <a:p>
+            <a:pPr lvl="2" indent="-457200" algn="l">
+              <a:buFont typeface="+mj-lt"/>
+              <a:buAutoNum type="arabicPeriod"/>
+            </a:pPr>
+            <a:r>
+              <a:rPr lang="en-US" dirty="0" smtClean="0"/>
+              <a:t>.node</a:t>
             </a:r>
           </a:p>
           <a:p>
@@ -9749,49 +9799,12 @@
               <a:buChar char="•"/>
             </a:pPr>
             <a:r>
-              <a:rPr lang="en-US" dirty="0" smtClean="0"/>
-              <a:t>Node wraps file in expression:</a:t>
-            </a:r>
-          </a:p>
-          <a:p>
-            <a:pPr marL="0" lvl="1" algn="l"/>
-            <a:r>
-              <a:rPr lang="en-US" dirty="0"/>
-              <a:t>(function (exports, require, module, __filename, __</a:t>
-            </a:r>
-            <a:r>
-              <a:rPr lang="en-US" dirty="0" err="1"/>
-              <a:t>dirname</a:t>
-            </a:r>
-            <a:r>
-              <a:rPr lang="en-US" dirty="0"/>
-              <a:t>) {</a:t>
-            </a:r>
-          </a:p>
-          <a:p>
-            <a:pPr marL="0" lvl="1" algn="l"/>
-            <a:r>
-              <a:rPr lang="en-US" dirty="0" smtClean="0"/>
-              <a:t>    /</a:t>
-            </a:r>
-            <a:r>
-              <a:rPr lang="en-US" dirty="0"/>
-              <a:t>/ </a:t>
-            </a:r>
-            <a:r>
-              <a:rPr lang="en-US" dirty="0" smtClean="0"/>
-              <a:t>file code wrapped inside </a:t>
-            </a:r>
-            <a:r>
-              <a:rPr lang="en-US" dirty="0"/>
-              <a:t>here</a:t>
-            </a:r>
-          </a:p>
-          <a:p>
-            <a:pPr marL="0" lvl="1" algn="l"/>
-            <a:r>
-              <a:rPr lang="en-US" dirty="0"/>
-              <a:t>});</a:t>
+              <a:rPr lang="en-US" dirty="0" err="1" smtClean="0"/>
+              <a:t>require.resolve</a:t>
+            </a:r>
+            <a:r>
+              <a:rPr lang="en-US" dirty="0" smtClean="0"/>
+              <a:t>(…) will provide filename</a:t>
             </a:r>
           </a:p>
         </p:txBody>
@@ -9799,7 +9812,7 @@
     </p:spTree>
     <p:extLst>
       <p:ext uri="{BB962C8B-B14F-4D97-AF65-F5344CB8AC3E}">
-        <p14:creationId xmlns:p14="http://schemas.microsoft.com/office/powerpoint/2010/main" val="2868561985"/>
+        <p14:creationId xmlns:p14="http://schemas.microsoft.com/office/powerpoint/2010/main" val="1170233164"/>
       </p:ext>
     </p:extLst>
   </p:cSld>
@@ -9879,7 +9892,7 @@
             <a:pPr marL="0" lvl="1" algn="l"/>
             <a:r>
               <a:rPr lang="en-US" dirty="0" smtClean="0"/>
-              <a:t>Exports wrapper</a:t>
+              <a:t>More require</a:t>
             </a:r>
           </a:p>
           <a:p>
@@ -9888,13 +9901,18 @@
               <a:buChar char="•"/>
             </a:pPr>
             <a:r>
-              <a:rPr lang="en-US" dirty="0"/>
-              <a:t>Prevents variables escaping to </a:t>
-            </a:r>
-            <a:r>
-              <a:rPr lang="en-US" dirty="0" smtClean="0"/>
-              <a:t>global</a:t>
-            </a:r>
+              <a:rPr lang="en-US" dirty="0" smtClean="0"/>
+              <a:t>On load, Node makes </a:t>
+            </a:r>
+            <a:r>
+              <a:rPr lang="en-US" dirty="0" err="1"/>
+              <a:t>M</a:t>
+            </a:r>
+            <a:r>
+              <a:rPr lang="en-US" dirty="0" err="1" smtClean="0"/>
+              <a:t>odule.cache</a:t>
+            </a:r>
+            <a:endParaRPr lang="en-US" dirty="0" smtClean="0"/>
           </a:p>
           <a:p>
             <a:pPr lvl="1" indent="-457200" algn="l">
@@ -9903,95 +9921,55 @@
             </a:pPr>
             <a:r>
               <a:rPr lang="en-US" dirty="0" smtClean="0"/>
-              <a:t>Provides utilities</a:t>
-            </a:r>
-          </a:p>
-          <a:p>
-            <a:pPr lvl="2" indent="-457200" algn="l">
-              <a:buFont typeface="Arial"/>
-              <a:buChar char="•"/>
-            </a:pPr>
-            <a:r>
-              <a:rPr lang="en-US" dirty="0" smtClean="0"/>
-              <a:t>exports </a:t>
-            </a:r>
-            <a:r>
-              <a:rPr lang="en-US" dirty="0"/>
-              <a:t>– alias to </a:t>
-            </a:r>
-            <a:r>
-              <a:rPr lang="en-US" dirty="0" smtClean="0"/>
-              <a:t>declaring </a:t>
-            </a:r>
-            <a:r>
-              <a:rPr lang="en-US" dirty="0"/>
-              <a:t>function</a:t>
-            </a:r>
-          </a:p>
-          <a:p>
-            <a:pPr lvl="2" indent="-457200" algn="l">
-              <a:buFont typeface="Arial"/>
-              <a:buChar char="•"/>
-            </a:pPr>
-            <a:r>
-              <a:rPr lang="en-US" dirty="0" smtClean="0"/>
-              <a:t>require – alias to loading function</a:t>
-            </a:r>
-          </a:p>
-          <a:p>
-            <a:pPr lvl="2" indent="-457200" algn="l">
-              <a:buFont typeface="Arial"/>
-              <a:buChar char="•"/>
-            </a:pPr>
-            <a:r>
-              <a:rPr lang="en-US" dirty="0" smtClean="0"/>
-              <a:t>module – actual loading class</a:t>
-            </a:r>
-          </a:p>
-          <a:p>
-            <a:pPr lvl="2" indent="-457200" algn="l">
-              <a:buFont typeface="Arial"/>
-              <a:buChar char="•"/>
-            </a:pPr>
-            <a:r>
-              <a:rPr lang="en-US" dirty="0" smtClean="0"/>
-              <a:t>__filename – convenience </a:t>
-            </a:r>
-            <a:r>
-              <a:rPr lang="en-US" dirty="0" err="1"/>
-              <a:t>var</a:t>
-            </a:r>
-            <a:endParaRPr lang="en-US" dirty="0" smtClean="0"/>
-          </a:p>
-          <a:p>
-            <a:pPr lvl="2" indent="-457200" algn="l">
-              <a:buFont typeface="Arial"/>
-              <a:buChar char="•"/>
-            </a:pPr>
-            <a:r>
-              <a:rPr lang="en-US" dirty="0" smtClean="0"/>
-              <a:t>__</a:t>
-            </a:r>
-            <a:r>
-              <a:rPr lang="en-US" dirty="0" err="1" smtClean="0"/>
-              <a:t>dirname</a:t>
-            </a:r>
-            <a:r>
-              <a:rPr lang="en-US" dirty="0"/>
-              <a:t> – convenience </a:t>
-            </a:r>
-            <a:r>
-              <a:rPr lang="en-US" dirty="0" err="1" smtClean="0"/>
-              <a:t>var</a:t>
-            </a:r>
-            <a:endParaRPr lang="en-US" dirty="0" smtClean="0"/>
+              <a:t>As load progresses, cache updates</a:t>
+            </a:r>
+          </a:p>
+          <a:p>
+            <a:pPr lvl="1" indent="-457200" algn="l">
+              <a:buFont typeface="Arial"/>
+              <a:buChar char="•"/>
+            </a:pPr>
+            <a:r>
+              <a:rPr lang="en-US" dirty="0" smtClean="0"/>
+              <a:t>On another require(), executes that</a:t>
+            </a:r>
+          </a:p>
+          <a:p>
+            <a:pPr lvl="1" indent="-457200" algn="l">
+              <a:buFont typeface="Arial"/>
+              <a:buChar char="•"/>
+            </a:pPr>
+            <a:r>
+              <a:rPr lang="en-US" dirty="0" smtClean="0"/>
+              <a:t>Synchronously returns result</a:t>
+            </a:r>
+          </a:p>
+          <a:p>
+            <a:pPr lvl="1" indent="-457200" algn="l">
+              <a:buFont typeface="Arial"/>
+              <a:buChar char="•"/>
+            </a:pPr>
+            <a:r>
+              <a:rPr lang="en-US" dirty="0" smtClean="0"/>
+              <a:t>Updates cache</a:t>
+            </a:r>
+          </a:p>
+          <a:p>
+            <a:pPr lvl="1" indent="-457200" algn="l">
+              <a:buFont typeface="Arial"/>
+              <a:buChar char="•"/>
+            </a:pPr>
+            <a:r>
+              <a:rPr lang="en-US" dirty="0" smtClean="0"/>
+              <a:t>For circular dependencies, returns (unfinished) cached module</a:t>
+            </a:r>
           </a:p>
         </p:txBody>
       </p:sp>
     </p:spTree>
     <p:extLst>
       <p:ext uri="{BB962C8B-B14F-4D97-AF65-F5344CB8AC3E}">
-        <p14:creationId xmlns:p14="http://schemas.microsoft.com/office/powerpoint/2010/main" val="1768740354"/>
+        <p14:creationId xmlns:p14="http://schemas.microsoft.com/office/powerpoint/2010/main" val="4135064335"/>
       </p:ext>
     </p:extLst>
   </p:cSld>
@@ -10071,7 +10049,7 @@
             <a:pPr marL="0" lvl="1" algn="l"/>
             <a:r>
               <a:rPr lang="en-US" dirty="0" smtClean="0"/>
-              <a:t>Exports usage</a:t>
+              <a:t>Exports</a:t>
             </a:r>
           </a:p>
           <a:p>
@@ -10081,21 +10059,7 @@
             </a:pPr>
             <a:r>
               <a:rPr lang="en-US" dirty="0" smtClean="0"/>
-              <a:t>Simple object – just assign</a:t>
-            </a:r>
-          </a:p>
-          <a:p>
-            <a:pPr lvl="2" indent="-457200" algn="l">
-              <a:buFont typeface="Arial"/>
-              <a:buChar char="•"/>
-            </a:pPr>
-            <a:r>
-              <a:rPr lang="en-US" dirty="0" err="1" smtClean="0"/>
-              <a:t>exports.key</a:t>
-            </a:r>
-            <a:r>
-              <a:rPr lang="en-US" dirty="0" smtClean="0"/>
-              <a:t> = 'value'</a:t>
+              <a:t>One module per file</a:t>
             </a:r>
           </a:p>
           <a:p>
@@ -10105,107 +10069,48 @@
             </a:pPr>
             <a:r>
               <a:rPr lang="en-US" dirty="0" smtClean="0"/>
-              <a:t>Constructor</a:t>
-            </a:r>
-          </a:p>
-          <a:p>
-            <a:pPr lvl="2" indent="-457200" algn="l">
-              <a:buFont typeface="Arial"/>
-              <a:buChar char="•"/>
-            </a:pPr>
-            <a:r>
-              <a:rPr lang="en-US" dirty="0" err="1" smtClean="0"/>
-              <a:t>module.exports</a:t>
-            </a:r>
-            <a:r>
-              <a:rPr lang="en-US" dirty="0" smtClean="0"/>
-              <a:t> = function ( </a:t>
-            </a:r>
-            <a:r>
-              <a:rPr lang="en-US" dirty="0" err="1" smtClean="0"/>
-              <a:t>constr_args</a:t>
-            </a:r>
-            <a:r>
-              <a:rPr lang="en-US" dirty="0" smtClean="0"/>
-              <a:t> )</a:t>
-            </a:r>
-          </a:p>
-          <a:p>
-            <a:pPr lvl="2" indent="-457200" algn="l">
-              <a:buFont typeface="Arial"/>
-              <a:buChar char="•"/>
-            </a:pPr>
-            <a:r>
-              <a:rPr lang="en-US" dirty="0" err="1" smtClean="0"/>
-              <a:t>var</a:t>
-            </a:r>
-            <a:r>
-              <a:rPr lang="en-US" dirty="0" smtClean="0"/>
-              <a:t> </a:t>
-            </a:r>
-            <a:r>
-              <a:rPr lang="en-US" dirty="0" err="1" smtClean="0"/>
-              <a:t>myClass</a:t>
-            </a:r>
-            <a:r>
-              <a:rPr lang="en-US" dirty="0" smtClean="0"/>
-              <a:t> = require( '</a:t>
-            </a:r>
-            <a:r>
-              <a:rPr lang="en-US" dirty="0" err="1" smtClean="0"/>
-              <a:t>someClass</a:t>
-            </a:r>
-            <a:r>
-              <a:rPr lang="en-US" dirty="0" smtClean="0"/>
-              <a:t>' );</a:t>
-            </a:r>
-          </a:p>
-          <a:p>
-            <a:pPr lvl="2" indent="-457200" algn="l">
-              <a:buFont typeface="Arial"/>
-              <a:buChar char="•"/>
-            </a:pPr>
-            <a:r>
-              <a:rPr lang="en-US" dirty="0" err="1" smtClean="0"/>
-              <a:t>var</a:t>
-            </a:r>
-            <a:r>
-              <a:rPr lang="en-US" dirty="0" smtClean="0"/>
-              <a:t> </a:t>
-            </a:r>
-            <a:r>
-              <a:rPr lang="en-US" dirty="0" err="1" smtClean="0"/>
-              <a:t>myInstance</a:t>
-            </a:r>
-            <a:r>
-              <a:rPr lang="en-US" dirty="0" smtClean="0"/>
-              <a:t> = </a:t>
-            </a:r>
-            <a:r>
-              <a:rPr lang="en-US" dirty="0" err="1" smtClean="0"/>
-              <a:t>myClass</a:t>
-            </a:r>
-            <a:r>
-              <a:rPr lang="en-US" dirty="0" smtClean="0"/>
-              <a:t>( 'yes!' );</a:t>
-            </a:r>
-          </a:p>
-          <a:p>
-            <a:pPr lvl="1" indent="-457200" algn="l">
-              <a:buFont typeface="Arial"/>
-              <a:buChar char="•"/>
-            </a:pPr>
-            <a:r>
-              <a:rPr lang="en-US" dirty="0" smtClean="0"/>
-              <a:t>Setting </a:t>
-            </a:r>
-            <a:r>
-              <a:rPr lang="en-US" dirty="0" err="1" smtClean="0"/>
-              <a:t>module.exports</a:t>
-            </a:r>
-            <a:r>
-              <a:rPr lang="en-US" dirty="0" smtClean="0"/>
-              <a:t> overrides exports</a:t>
+              <a:t>Node wraps file in expression:</a:t>
+            </a:r>
+          </a:p>
+          <a:p>
+            <a:pPr marL="0" lvl="1" algn="l"/>
+            <a:r>
+              <a:rPr lang="en-US" dirty="0"/>
+              <a:t>(function (exports, require, module, __filename, __</a:t>
+            </a:r>
+            <a:r>
+              <a:rPr lang="en-US" dirty="0" err="1"/>
+              <a:t>dirname</a:t>
+            </a:r>
+            <a:r>
+              <a:rPr lang="en-US" dirty="0"/>
+              <a:t>) {</a:t>
+            </a:r>
+          </a:p>
+          <a:p>
+            <a:pPr marL="0" lvl="1" algn="l"/>
+            <a:r>
+              <a:rPr lang="en-US" dirty="0" smtClean="0"/>
+              <a:t>    /</a:t>
+            </a:r>
+            <a:r>
+              <a:rPr lang="en-US" dirty="0"/>
+              <a:t>/ </a:t>
+            </a:r>
+            <a:r>
+              <a:rPr lang="en-US" dirty="0" smtClean="0"/>
+              <a:t>file code wrapped inside </a:t>
+            </a:r>
+            <a:r>
+              <a:rPr lang="en-US" dirty="0"/>
+              <a:t>here</a:t>
+            </a:r>
+          </a:p>
+          <a:p>
+            <a:pPr marL="0" lvl="1" algn="l"/>
+            <a:r>
+              <a:rPr lang="en-US" dirty="0"/>
+              <a:t>});</a:t>
             </a:r>
           </a:p>
         </p:txBody>
@@ -10213,7 +10118,7 @@
     </p:spTree>
     <p:extLst>
       <p:ext uri="{BB962C8B-B14F-4D97-AF65-F5344CB8AC3E}">
-        <p14:creationId xmlns:p14="http://schemas.microsoft.com/office/powerpoint/2010/main" val="3466214640"/>
+        <p14:creationId xmlns:p14="http://schemas.microsoft.com/office/powerpoint/2010/main" val="2868561985"/>
       </p:ext>
     </p:extLst>
   </p:cSld>
@@ -10261,8 +10166,8 @@
           <a:lstStyle/>
           <a:p>
             <a:r>
-              <a:rPr lang="en-US" dirty="0" smtClean="0"/>
-              <a:t>Lab: create a package</a:t>
+              <a:rPr lang="en-US" dirty="0" err="1" smtClean="0"/>
+              <a:t>CommonJS</a:t>
             </a:r>
             <a:endParaRPr lang="en-US" dirty="0"/>
           </a:p>
@@ -10290,17 +10195,90 @@
           </a:bodyPr>
           <a:lstStyle/>
           <a:p>
+            <a:pPr marL="0" lvl="1" algn="l"/>
+            <a:r>
+              <a:rPr lang="en-US" dirty="0" smtClean="0"/>
+              <a:t>Exports wrapper</a:t>
+            </a:r>
+          </a:p>
+          <a:p>
             <a:pPr lvl="1" indent="-457200" algn="l">
               <a:buFont typeface="Arial"/>
               <a:buChar char="•"/>
             </a:pPr>
             <a:r>
-              <a:rPr lang="en-US" dirty="0" smtClean="0"/>
-              <a:t>Create </a:t>
-            </a:r>
-            <a:r>
-              <a:rPr lang="en-US" dirty="0" err="1" smtClean="0"/>
-              <a:t>package.json</a:t>
+              <a:rPr lang="en-US" dirty="0"/>
+              <a:t>Prevents variables escaping to </a:t>
+            </a:r>
+            <a:r>
+              <a:rPr lang="en-US" dirty="0" smtClean="0"/>
+              <a:t>global</a:t>
+            </a:r>
+          </a:p>
+          <a:p>
+            <a:pPr lvl="1" indent="-457200" algn="l">
+              <a:buFont typeface="Arial"/>
+              <a:buChar char="•"/>
+            </a:pPr>
+            <a:r>
+              <a:rPr lang="en-US" dirty="0" smtClean="0"/>
+              <a:t>Provides utilities</a:t>
+            </a:r>
+          </a:p>
+          <a:p>
+            <a:pPr lvl="2" indent="-457200" algn="l">
+              <a:buFont typeface="Arial"/>
+              <a:buChar char="•"/>
+            </a:pPr>
+            <a:r>
+              <a:rPr lang="en-US" dirty="0" smtClean="0"/>
+              <a:t>exports </a:t>
+            </a:r>
+            <a:r>
+              <a:rPr lang="en-US" dirty="0"/>
+              <a:t>– alias to </a:t>
+            </a:r>
+            <a:r>
+              <a:rPr lang="en-US" dirty="0" smtClean="0"/>
+              <a:t>declaring </a:t>
+            </a:r>
+            <a:r>
+              <a:rPr lang="en-US" dirty="0"/>
+              <a:t>function</a:t>
+            </a:r>
+          </a:p>
+          <a:p>
+            <a:pPr lvl="2" indent="-457200" algn="l">
+              <a:buFont typeface="Arial"/>
+              <a:buChar char="•"/>
+            </a:pPr>
+            <a:r>
+              <a:rPr lang="en-US" dirty="0" smtClean="0"/>
+              <a:t>require – alias to loading function</a:t>
+            </a:r>
+          </a:p>
+          <a:p>
+            <a:pPr lvl="2" indent="-457200" algn="l">
+              <a:buFont typeface="Arial"/>
+              <a:buChar char="•"/>
+            </a:pPr>
+            <a:r>
+              <a:rPr lang="en-US" dirty="0" smtClean="0"/>
+              <a:t>module – actual loading class</a:t>
+            </a:r>
+          </a:p>
+          <a:p>
+            <a:pPr lvl="2" indent="-457200" algn="l">
+              <a:buFont typeface="Arial"/>
+              <a:buChar char="•"/>
+            </a:pPr>
+            <a:r>
+              <a:rPr lang="en-US" dirty="0" smtClean="0"/>
+              <a:t>__filename – convenience </a:t>
+            </a:r>
+            <a:r>
+              <a:rPr lang="en-US" dirty="0" err="1"/>
+              <a:t>var</a:t>
             </a:r>
             <a:endParaRPr lang="en-US" dirty="0" smtClean="0"/>
           </a:p>
@@ -10311,88 +10289,28 @@
             </a:pPr>
             <a:r>
               <a:rPr lang="en-US" dirty="0" smtClean="0"/>
-              <a:t>Add '</a:t>
-            </a:r>
-            <a:r>
-              <a:rPr lang="en-US" dirty="0" err="1" smtClean="0"/>
-              <a:t>asciify</a:t>
-            </a:r>
-            <a:r>
-              <a:rPr lang="en-US" dirty="0" smtClean="0"/>
-              <a:t>' library</a:t>
-            </a:r>
-          </a:p>
-          <a:p>
-            <a:pPr lvl="2" indent="-457200" algn="l">
-              <a:buFont typeface="Arial"/>
-              <a:buChar char="•"/>
-            </a:pPr>
+              <a:t>__</a:t>
+            </a:r>
+            <a:r>
+              <a:rPr lang="en-US" dirty="0" err="1" smtClean="0"/>
+              <a:t>dirname</a:t>
+            </a:r>
             <a:r>
               <a:rPr lang="en-US" dirty="0"/>
-              <a:t>https://</a:t>
-            </a:r>
-            <a:r>
-              <a:rPr lang="en-US" dirty="0" err="1"/>
-              <a:t>www.npmjs.com</a:t>
-            </a:r>
-            <a:r>
-              <a:rPr lang="en-US" dirty="0"/>
-              <a:t>/package/</a:t>
-            </a:r>
-            <a:r>
-              <a:rPr lang="en-US" dirty="0" err="1"/>
-              <a:t>asciify</a:t>
+              <a:t> – convenience </a:t>
+            </a:r>
+            <a:r>
+              <a:rPr lang="en-US" dirty="0" err="1" smtClean="0"/>
+              <a:t>var</a:t>
             </a:r>
             <a:endParaRPr lang="en-US" dirty="0" smtClean="0"/>
-          </a:p>
-          <a:p>
-            <a:pPr lvl="1" indent="-457200" algn="l">
-              <a:buFont typeface="Arial"/>
-              <a:buChar char="•"/>
-            </a:pPr>
-            <a:r>
-              <a:rPr lang="en-US" dirty="0" smtClean="0"/>
-              <a:t>Wrapper</a:t>
-            </a:r>
-          </a:p>
-          <a:p>
-            <a:pPr lvl="2" indent="-457200" algn="l">
-              <a:buFont typeface="Arial"/>
-              <a:buChar char="•"/>
-            </a:pPr>
-            <a:r>
-              <a:rPr lang="en-US" dirty="0" smtClean="0"/>
-              <a:t>Create a module</a:t>
-            </a:r>
-          </a:p>
-          <a:p>
-            <a:pPr lvl="2" indent="-457200" algn="l">
-              <a:buFont typeface="Arial"/>
-              <a:buChar char="•"/>
-            </a:pPr>
-            <a:r>
-              <a:rPr lang="en-US" smtClean="0"/>
-              <a:t>Takes input </a:t>
-            </a:r>
-            <a:r>
-              <a:rPr lang="en-US" dirty="0" smtClean="0"/>
-              <a:t>&amp; prints </a:t>
-            </a:r>
-            <a:r>
-              <a:rPr lang="en-US" dirty="0" err="1" smtClean="0"/>
-              <a:t>ascii</a:t>
-            </a:r>
-            <a:r>
-              <a:rPr lang="en-US" dirty="0" smtClean="0"/>
-              <a:t> output</a:t>
-            </a:r>
           </a:p>
         </p:txBody>
       </p:sp>
     </p:spTree>
     <p:extLst>
       <p:ext uri="{BB962C8B-B14F-4D97-AF65-F5344CB8AC3E}">
-        <p14:creationId xmlns:p14="http://schemas.microsoft.com/office/powerpoint/2010/main" val="245128068"/>
+        <p14:creationId xmlns:p14="http://schemas.microsoft.com/office/powerpoint/2010/main" val="1768740354"/>
       </p:ext>
     </p:extLst>
   </p:cSld>
@@ -10562,11 +10480,7 @@
           <a:p>
             <a:r>
               <a:rPr lang="en-US" dirty="0" err="1" smtClean="0"/>
-              <a:t>Node.js</a:t>
-            </a:r>
-            <a:r>
-              <a:rPr lang="en-US" dirty="0" smtClean="0"/>
-              <a:t> architecture</a:t>
+              <a:t>CommonJS</a:t>
             </a:r>
             <a:endParaRPr lang="en-US" dirty="0"/>
           </a:p>
@@ -10597,15 +10511,7 @@
             <a:pPr marL="0" lvl="1" algn="l"/>
             <a:r>
               <a:rPr lang="en-US" dirty="0" smtClean="0"/>
-              <a:t>Why </a:t>
-            </a:r>
-            <a:r>
-              <a:rPr lang="en-US" dirty="0" err="1" smtClean="0"/>
-              <a:t>Node.js</a:t>
-            </a:r>
-            <a:r>
-              <a:rPr lang="en-US" dirty="0" smtClean="0"/>
-              <a:t>?</a:t>
+              <a:t>Exports usage</a:t>
             </a:r>
           </a:p>
           <a:p>
@@ -10615,7 +10521,21 @@
             </a:pPr>
             <a:r>
               <a:rPr lang="en-US" dirty="0" smtClean="0"/>
-              <a:t>The dirty secret of web servers</a:t>
+              <a:t>Simple object – just assign</a:t>
+            </a:r>
+          </a:p>
+          <a:p>
+            <a:pPr lvl="2" indent="-457200" algn="l">
+              <a:buFont typeface="Arial"/>
+              <a:buChar char="•"/>
+            </a:pPr>
+            <a:r>
+              <a:rPr lang="en-US" dirty="0" err="1" smtClean="0"/>
+              <a:t>exports.key</a:t>
+            </a:r>
+            <a:r>
+              <a:rPr lang="en-US" dirty="0" smtClean="0"/>
+              <a:t> = 'value'</a:t>
             </a:r>
           </a:p>
           <a:p>
@@ -10625,7 +10545,89 @@
             </a:pPr>
             <a:r>
               <a:rPr lang="en-US" dirty="0" smtClean="0"/>
-              <a:t>Most of the time the CPU is idle</a:t>
+              <a:t>Constructor</a:t>
+            </a:r>
+          </a:p>
+          <a:p>
+            <a:pPr lvl="2" indent="-457200" algn="l">
+              <a:buFont typeface="Arial"/>
+              <a:buChar char="•"/>
+            </a:pPr>
+            <a:r>
+              <a:rPr lang="en-US" dirty="0" err="1" smtClean="0"/>
+              <a:t>module.exports</a:t>
+            </a:r>
+            <a:r>
+              <a:rPr lang="en-US" dirty="0" smtClean="0"/>
+              <a:t> = function ( </a:t>
+            </a:r>
+            <a:r>
+              <a:rPr lang="en-US" dirty="0" err="1" smtClean="0"/>
+              <a:t>constr_args</a:t>
+            </a:r>
+            <a:r>
+              <a:rPr lang="en-US" dirty="0" smtClean="0"/>
+              <a:t> )</a:t>
+            </a:r>
+          </a:p>
+          <a:p>
+            <a:pPr lvl="2" indent="-457200" algn="l">
+              <a:buFont typeface="Arial"/>
+              <a:buChar char="•"/>
+            </a:pPr>
+            <a:r>
+              <a:rPr lang="en-US" dirty="0" err="1" smtClean="0"/>
+              <a:t>var</a:t>
+            </a:r>
+            <a:r>
+              <a:rPr lang="en-US" dirty="0" smtClean="0"/>
+              <a:t> </a:t>
+            </a:r>
+            <a:r>
+              <a:rPr lang="en-US" dirty="0" err="1" smtClean="0"/>
+              <a:t>myClass</a:t>
+            </a:r>
+            <a:r>
+              <a:rPr lang="en-US" dirty="0" smtClean="0"/>
+              <a:t> = require( '</a:t>
+            </a:r>
+            <a:r>
+              <a:rPr lang="en-US" dirty="0" err="1" smtClean="0"/>
+              <a:t>someClass</a:t>
+            </a:r>
+            <a:r>
+              <a:rPr lang="en-US" dirty="0" smtClean="0"/>
+              <a:t>' );</a:t>
+            </a:r>
+          </a:p>
+          <a:p>
+            <a:pPr lvl="2" indent="-457200" algn="l">
+              <a:buFont typeface="Arial"/>
+              <a:buChar char="•"/>
+            </a:pPr>
+            <a:r>
+              <a:rPr lang="en-US" dirty="0" err="1" smtClean="0"/>
+              <a:t>var</a:t>
+            </a:r>
+            <a:r>
+              <a:rPr lang="en-US" dirty="0" smtClean="0"/>
+              <a:t> </a:t>
+            </a:r>
+            <a:r>
+              <a:rPr lang="en-US" dirty="0" err="1" smtClean="0"/>
+              <a:t>myInstance</a:t>
+            </a:r>
+            <a:r>
+              <a:rPr lang="en-US" dirty="0" smtClean="0"/>
+              <a:t> = </a:t>
+            </a:r>
+            <a:r>
+              <a:rPr lang="en-US" dirty="0" err="1" smtClean="0"/>
+              <a:t>myClass</a:t>
+            </a:r>
+            <a:r>
+              <a:rPr lang="en-US" dirty="0" smtClean="0"/>
+              <a:t>( 'yes!' );</a:t>
             </a:r>
           </a:p>
           <a:p>
@@ -10635,17 +10637,15 @@
             </a:pPr>
             <a:r>
               <a:rPr lang="en-US" dirty="0" smtClean="0"/>
-              <a:t>Waiting on data from somewhere else</a:t>
-            </a:r>
-          </a:p>
-          <a:p>
-            <a:pPr lvl="1" indent="-457200" algn="l">
-              <a:buFont typeface="Arial"/>
-              <a:buChar char="•"/>
-            </a:pPr>
-            <a:r>
-              <a:rPr lang="en-US" dirty="0" smtClean="0"/>
-              <a:t>Concurrency &gt; Computation</a:t>
+              <a:t>Setting </a:t>
+            </a:r>
+            <a:r>
+              <a:rPr lang="en-US" dirty="0" err="1" smtClean="0"/>
+              <a:t>module.exports</a:t>
+            </a:r>
+            <a:r>
+              <a:rPr lang="en-US" dirty="0" smtClean="0"/>
+              <a:t> overrides exports</a:t>
             </a:r>
           </a:p>
         </p:txBody>
@@ -10653,7 +10653,7 @@
     </p:spTree>
     <p:extLst>
       <p:ext uri="{BB962C8B-B14F-4D97-AF65-F5344CB8AC3E}">
-        <p14:creationId xmlns:p14="http://schemas.microsoft.com/office/powerpoint/2010/main" val="781477868"/>
+        <p14:creationId xmlns:p14="http://schemas.microsoft.com/office/powerpoint/2010/main" val="3466214640"/>
       </p:ext>
     </p:extLst>
   </p:cSld>
@@ -10701,6 +10701,325 @@
           <a:lstStyle/>
           <a:p>
             <a:r>
+              <a:rPr lang="en-US" dirty="0" smtClean="0"/>
+              <a:t>Lab: create a package</a:t>
+            </a:r>
+            <a:endParaRPr lang="en-US" dirty="0"/>
+          </a:p>
+        </p:txBody>
+      </p:sp>
+      <p:sp>
+        <p:nvSpPr>
+          <p:cNvPr id="3" name="Subtitle 2"/>
+          <p:cNvSpPr>
+            <a:spLocks noGrp="1"/>
+          </p:cNvSpPr>
+          <p:nvPr>
+            <p:ph type="subTitle" idx="1"/>
+          </p:nvPr>
+        </p:nvSpPr>
+        <p:spPr>
+          <a:xfrm>
+            <a:off x="1371600" y="1630710"/>
+            <a:ext cx="6400800" cy="4609893"/>
+          </a:xfrm>
+        </p:spPr>
+        <p:txBody>
+          <a:bodyPr>
+            <a:normAutofit/>
+          </a:bodyPr>
+          <a:lstStyle/>
+          <a:p>
+            <a:pPr lvl="1" indent="-457200" algn="l">
+              <a:buFont typeface="Arial"/>
+              <a:buChar char="•"/>
+            </a:pPr>
+            <a:r>
+              <a:rPr lang="en-US" dirty="0" smtClean="0"/>
+              <a:t>Create </a:t>
+            </a:r>
+            <a:r>
+              <a:rPr lang="en-US" dirty="0" err="1" smtClean="0"/>
+              <a:t>package.json</a:t>
+            </a:r>
+            <a:endParaRPr lang="en-US" dirty="0" smtClean="0"/>
+          </a:p>
+          <a:p>
+            <a:pPr lvl="2" indent="-457200" algn="l">
+              <a:buFont typeface="Arial"/>
+              <a:buChar char="•"/>
+            </a:pPr>
+            <a:r>
+              <a:rPr lang="en-US" dirty="0" smtClean="0"/>
+              <a:t>Add '</a:t>
+            </a:r>
+            <a:r>
+              <a:rPr lang="en-US" dirty="0" err="1" smtClean="0"/>
+              <a:t>asciify</a:t>
+            </a:r>
+            <a:r>
+              <a:rPr lang="en-US" dirty="0" smtClean="0"/>
+              <a:t>' library</a:t>
+            </a:r>
+          </a:p>
+          <a:p>
+            <a:pPr lvl="2" indent="-457200" algn="l">
+              <a:buFont typeface="Arial"/>
+              <a:buChar char="•"/>
+            </a:pPr>
+            <a:r>
+              <a:rPr lang="en-US" dirty="0"/>
+              <a:t>https://</a:t>
+            </a:r>
+            <a:r>
+              <a:rPr lang="en-US" dirty="0" err="1"/>
+              <a:t>www.npmjs.com</a:t>
+            </a:r>
+            <a:r>
+              <a:rPr lang="en-US" dirty="0"/>
+              <a:t>/package/</a:t>
+            </a:r>
+            <a:r>
+              <a:rPr lang="en-US" dirty="0" err="1"/>
+              <a:t>asciify</a:t>
+            </a:r>
+            <a:endParaRPr lang="en-US" dirty="0" smtClean="0"/>
+          </a:p>
+          <a:p>
+            <a:pPr lvl="1" indent="-457200" algn="l">
+              <a:buFont typeface="Arial"/>
+              <a:buChar char="•"/>
+            </a:pPr>
+            <a:r>
+              <a:rPr lang="en-US" dirty="0" smtClean="0"/>
+              <a:t>Wrapper</a:t>
+            </a:r>
+          </a:p>
+          <a:p>
+            <a:pPr lvl="2" indent="-457200" algn="l">
+              <a:buFont typeface="Arial"/>
+              <a:buChar char="•"/>
+            </a:pPr>
+            <a:r>
+              <a:rPr lang="en-US" dirty="0" smtClean="0"/>
+              <a:t>Create a module</a:t>
+            </a:r>
+          </a:p>
+          <a:p>
+            <a:pPr lvl="2" indent="-457200" algn="l">
+              <a:buFont typeface="Arial"/>
+              <a:buChar char="•"/>
+            </a:pPr>
+            <a:r>
+              <a:rPr lang="en-US" smtClean="0"/>
+              <a:t>Takes input </a:t>
+            </a:r>
+            <a:r>
+              <a:rPr lang="en-US" dirty="0" smtClean="0"/>
+              <a:t>&amp; prints </a:t>
+            </a:r>
+            <a:r>
+              <a:rPr lang="en-US" dirty="0" err="1" smtClean="0"/>
+              <a:t>ascii</a:t>
+            </a:r>
+            <a:r>
+              <a:rPr lang="en-US" dirty="0" smtClean="0"/>
+              <a:t> output</a:t>
+            </a:r>
+          </a:p>
+        </p:txBody>
+      </p:sp>
+    </p:spTree>
+    <p:extLst>
+      <p:ext uri="{BB962C8B-B14F-4D97-AF65-F5344CB8AC3E}">
+        <p14:creationId xmlns:p14="http://schemas.microsoft.com/office/powerpoint/2010/main" val="245128068"/>
+      </p:ext>
+    </p:extLst>
+  </p:cSld>
+  <p:clrMapOvr>
+    <a:masterClrMapping/>
+  </p:clrMapOvr>
+</p:sld>
+</file>
+
+<file path=ppt/slides/slide52.xml><?xml version="1.0" encoding="utf-8"?>
+<p:sld xmlns:a="http://schemas.openxmlformats.org/drawingml/2006/main" xmlns:r="http://schemas.openxmlformats.org/officeDocument/2006/relationships" xmlns:p="http://schemas.openxmlformats.org/presentationml/2006/main">
+  <p:cSld>
+    <p:spTree>
+      <p:nvGrpSpPr>
+        <p:cNvPr id="1" name=""/>
+        <p:cNvGrpSpPr/>
+        <p:nvPr/>
+      </p:nvGrpSpPr>
+      <p:grpSpPr>
+        <a:xfrm>
+          <a:off x="0" y="0"/>
+          <a:ext cx="0" cy="0"/>
+          <a:chOff x="0" y="0"/>
+          <a:chExt cx="0" cy="0"/>
+        </a:xfrm>
+      </p:grpSpPr>
+      <p:sp>
+        <p:nvSpPr>
+          <p:cNvPr id="2" name="Title 1"/>
+          <p:cNvSpPr>
+            <a:spLocks noGrp="1"/>
+          </p:cNvSpPr>
+          <p:nvPr>
+            <p:ph type="ctrTitle"/>
+          </p:nvPr>
+        </p:nvSpPr>
+        <p:spPr>
+          <a:xfrm>
+            <a:off x="685800" y="160685"/>
+            <a:ext cx="7772400" cy="1470025"/>
+          </a:xfrm>
+        </p:spPr>
+        <p:txBody>
+          <a:bodyPr/>
+          <a:lstStyle/>
+          <a:p>
+            <a:r>
+              <a:rPr lang="en-US" dirty="0" err="1" smtClean="0"/>
+              <a:t>Node.js</a:t>
+            </a:r>
+            <a:r>
+              <a:rPr lang="en-US" dirty="0" smtClean="0"/>
+              <a:t> architecture</a:t>
+            </a:r>
+            <a:endParaRPr lang="en-US" dirty="0"/>
+          </a:p>
+        </p:txBody>
+      </p:sp>
+      <p:sp>
+        <p:nvSpPr>
+          <p:cNvPr id="3" name="Subtitle 2"/>
+          <p:cNvSpPr>
+            <a:spLocks noGrp="1"/>
+          </p:cNvSpPr>
+          <p:nvPr>
+            <p:ph type="subTitle" idx="1"/>
+          </p:nvPr>
+        </p:nvSpPr>
+        <p:spPr>
+          <a:xfrm>
+            <a:off x="1371600" y="1630710"/>
+            <a:ext cx="6400800" cy="4609893"/>
+          </a:xfrm>
+        </p:spPr>
+        <p:txBody>
+          <a:bodyPr>
+            <a:normAutofit/>
+          </a:bodyPr>
+          <a:lstStyle/>
+          <a:p>
+            <a:pPr marL="0" lvl="1" algn="l"/>
+            <a:r>
+              <a:rPr lang="en-US" dirty="0" smtClean="0"/>
+              <a:t>Why </a:t>
+            </a:r>
+            <a:r>
+              <a:rPr lang="en-US" dirty="0" err="1" smtClean="0"/>
+              <a:t>Node.js</a:t>
+            </a:r>
+            <a:r>
+              <a:rPr lang="en-US" dirty="0" smtClean="0"/>
+              <a:t>?</a:t>
+            </a:r>
+          </a:p>
+          <a:p>
+            <a:pPr lvl="1" indent="-457200" algn="l">
+              <a:buFont typeface="Arial"/>
+              <a:buChar char="•"/>
+            </a:pPr>
+            <a:r>
+              <a:rPr lang="en-US" dirty="0" smtClean="0"/>
+              <a:t>The dirty secret of web servers</a:t>
+            </a:r>
+          </a:p>
+          <a:p>
+            <a:pPr lvl="1" indent="-457200" algn="l">
+              <a:buFont typeface="Arial"/>
+              <a:buChar char="•"/>
+            </a:pPr>
+            <a:r>
+              <a:rPr lang="en-US" dirty="0" smtClean="0"/>
+              <a:t>Most of the time the CPU is idle</a:t>
+            </a:r>
+          </a:p>
+          <a:p>
+            <a:pPr lvl="1" indent="-457200" algn="l">
+              <a:buFont typeface="Arial"/>
+              <a:buChar char="•"/>
+            </a:pPr>
+            <a:r>
+              <a:rPr lang="en-US" dirty="0" smtClean="0"/>
+              <a:t>Waiting on data from somewhere else</a:t>
+            </a:r>
+          </a:p>
+          <a:p>
+            <a:pPr lvl="1" indent="-457200" algn="l">
+              <a:buFont typeface="Arial"/>
+              <a:buChar char="•"/>
+            </a:pPr>
+            <a:r>
+              <a:rPr lang="en-US" dirty="0" smtClean="0"/>
+              <a:t>Concurrency &gt; Computation</a:t>
+            </a:r>
+          </a:p>
+        </p:txBody>
+      </p:sp>
+    </p:spTree>
+    <p:extLst>
+      <p:ext uri="{BB962C8B-B14F-4D97-AF65-F5344CB8AC3E}">
+        <p14:creationId xmlns:p14="http://schemas.microsoft.com/office/powerpoint/2010/main" val="781477868"/>
+      </p:ext>
+    </p:extLst>
+  </p:cSld>
+  <p:clrMapOvr>
+    <a:masterClrMapping/>
+  </p:clrMapOvr>
+</p:sld>
+</file>
+
+<file path=ppt/slides/slide53.xml><?xml version="1.0" encoding="utf-8"?>
+<p:sld xmlns:a="http://schemas.openxmlformats.org/drawingml/2006/main" xmlns:r="http://schemas.openxmlformats.org/officeDocument/2006/relationships" xmlns:p="http://schemas.openxmlformats.org/presentationml/2006/main">
+  <p:cSld>
+    <p:spTree>
+      <p:nvGrpSpPr>
+        <p:cNvPr id="1" name=""/>
+        <p:cNvGrpSpPr/>
+        <p:nvPr/>
+      </p:nvGrpSpPr>
+      <p:grpSpPr>
+        <a:xfrm>
+          <a:off x="0" y="0"/>
+          <a:ext cx="0" cy="0"/>
+          <a:chOff x="0" y="0"/>
+          <a:chExt cx="0" cy="0"/>
+        </a:xfrm>
+      </p:grpSpPr>
+      <p:sp>
+        <p:nvSpPr>
+          <p:cNvPr id="2" name="Title 1"/>
+          <p:cNvSpPr>
+            <a:spLocks noGrp="1"/>
+          </p:cNvSpPr>
+          <p:nvPr>
+            <p:ph type="ctrTitle"/>
+          </p:nvPr>
+        </p:nvSpPr>
+        <p:spPr>
+          <a:xfrm>
+            <a:off x="685800" y="160685"/>
+            <a:ext cx="7772400" cy="1470025"/>
+          </a:xfrm>
+        </p:spPr>
+        <p:txBody>
+          <a:bodyPr/>
+          <a:lstStyle/>
+          <a:p>
+            <a:r>
               <a:rPr lang="en-US" dirty="0" err="1" smtClean="0"/>
               <a:t>Node.js</a:t>
             </a:r>
@@ -10827,7 +11146,7 @@
 </p:sld>
 </file>
 
-<file path=ppt/slides/slide52.xml><?xml version="1.0" encoding="utf-8"?>
+<file path=ppt/slides/slide54.xml><?xml version="1.0" encoding="utf-8"?>
 <p:sld xmlns:a="http://schemas.openxmlformats.org/drawingml/2006/main" xmlns:r="http://schemas.openxmlformats.org/officeDocument/2006/relationships" xmlns:p="http://schemas.openxmlformats.org/presentationml/2006/main">
   <p:cSld>
     <p:spTree>
@@ -11994,324 +12313,6 @@
 </p:sld>
 </file>
 
-<file path=ppt/slides/slide53.xml><?xml version="1.0" encoding="utf-8"?>
-<p:sld xmlns:a="http://schemas.openxmlformats.org/drawingml/2006/main" xmlns:r="http://schemas.openxmlformats.org/officeDocument/2006/relationships" xmlns:p="http://schemas.openxmlformats.org/presentationml/2006/main">
-  <p:cSld>
-    <p:spTree>
-      <p:nvGrpSpPr>
-        <p:cNvPr id="1" name=""/>
-        <p:cNvGrpSpPr/>
-        <p:nvPr/>
-      </p:nvGrpSpPr>
-      <p:grpSpPr>
-        <a:xfrm>
-          <a:off x="0" y="0"/>
-          <a:ext cx="0" cy="0"/>
-          <a:chOff x="0" y="0"/>
-          <a:chExt cx="0" cy="0"/>
-        </a:xfrm>
-      </p:grpSpPr>
-      <p:sp>
-        <p:nvSpPr>
-          <p:cNvPr id="2" name="Title 1"/>
-          <p:cNvSpPr>
-            <a:spLocks noGrp="1"/>
-          </p:cNvSpPr>
-          <p:nvPr>
-            <p:ph type="ctrTitle"/>
-          </p:nvPr>
-        </p:nvSpPr>
-        <p:spPr>
-          <a:xfrm>
-            <a:off x="685800" y="160685"/>
-            <a:ext cx="7772400" cy="1470025"/>
-          </a:xfrm>
-        </p:spPr>
-        <p:txBody>
-          <a:bodyPr/>
-          <a:lstStyle/>
-          <a:p>
-            <a:r>
-              <a:rPr lang="en-US" dirty="0" err="1" smtClean="0"/>
-              <a:t>Node.js</a:t>
-            </a:r>
-            <a:r>
-              <a:rPr lang="en-US" dirty="0" smtClean="0"/>
-              <a:t> architecture</a:t>
-            </a:r>
-            <a:endParaRPr lang="en-US" dirty="0"/>
-          </a:p>
-        </p:txBody>
-      </p:sp>
-      <p:sp>
-        <p:nvSpPr>
-          <p:cNvPr id="3" name="Subtitle 2"/>
-          <p:cNvSpPr>
-            <a:spLocks noGrp="1"/>
-          </p:cNvSpPr>
-          <p:nvPr>
-            <p:ph type="subTitle" idx="1"/>
-          </p:nvPr>
-        </p:nvSpPr>
-        <p:spPr>
-          <a:xfrm>
-            <a:off x="1371600" y="1630710"/>
-            <a:ext cx="6400800" cy="4609893"/>
-          </a:xfrm>
-        </p:spPr>
-        <p:txBody>
-          <a:bodyPr>
-            <a:normAutofit/>
-          </a:bodyPr>
-          <a:lstStyle/>
-          <a:p>
-            <a:pPr marL="0" lvl="1" algn="l"/>
-            <a:r>
-              <a:rPr lang="en-US" dirty="0" smtClean="0"/>
-              <a:t>Why </a:t>
-            </a:r>
-            <a:r>
-              <a:rPr lang="en-US" dirty="0" err="1" smtClean="0"/>
-              <a:t>Node.js</a:t>
-            </a:r>
-            <a:r>
-              <a:rPr lang="en-US" dirty="0" smtClean="0"/>
-              <a:t>?</a:t>
-            </a:r>
-          </a:p>
-          <a:p>
-            <a:pPr lvl="1" indent="-457200" algn="l">
-              <a:buFont typeface="Arial"/>
-              <a:buChar char="•"/>
-            </a:pPr>
-            <a:r>
-              <a:rPr lang="en-US" dirty="0" smtClean="0"/>
-              <a:t>Several ways to handle load</a:t>
-            </a:r>
-          </a:p>
-          <a:p>
-            <a:pPr lvl="2" indent="-457200" algn="l">
-              <a:buFont typeface="Arial"/>
-              <a:buChar char="•"/>
-            </a:pPr>
-            <a:r>
-              <a:rPr lang="en-US" dirty="0" smtClean="0"/>
-              <a:t>Naïve </a:t>
-            </a:r>
-            <a:r>
-              <a:rPr lang="en-US" dirty="0"/>
-              <a:t>–</a:t>
-            </a:r>
-            <a:r>
-              <a:rPr lang="en-US" dirty="0" smtClean="0"/>
-              <a:t> hope and pray, add resources</a:t>
-            </a:r>
-          </a:p>
-          <a:p>
-            <a:pPr lvl="2" indent="-457200" algn="l">
-              <a:buFont typeface="Arial"/>
-              <a:buChar char="•"/>
-            </a:pPr>
-            <a:r>
-              <a:rPr lang="en-US" dirty="0" smtClean="0"/>
-              <a:t>Fork – start a new process</a:t>
-            </a:r>
-          </a:p>
-          <a:p>
-            <a:pPr lvl="2" indent="-457200" algn="l">
-              <a:buFont typeface="Arial"/>
-              <a:buChar char="•"/>
-            </a:pPr>
-            <a:r>
-              <a:rPr lang="en-US" dirty="0" smtClean="0"/>
-              <a:t>Threads – parallelize within a process</a:t>
-            </a:r>
-          </a:p>
-          <a:p>
-            <a:pPr lvl="1" indent="-457200" algn="l">
-              <a:buFont typeface="Arial"/>
-              <a:buChar char="•"/>
-            </a:pPr>
-            <a:r>
-              <a:rPr lang="en-US" dirty="0" smtClean="0"/>
-              <a:t>Pros and Cons</a:t>
-            </a:r>
-          </a:p>
-          <a:p>
-            <a:pPr lvl="2" indent="-457200" algn="l">
-              <a:buFont typeface="Arial"/>
-              <a:buChar char="•"/>
-            </a:pPr>
-            <a:r>
-              <a:rPr lang="en-US" dirty="0" smtClean="0"/>
-              <a:t>Naïve – easy, but weak</a:t>
-            </a:r>
-          </a:p>
-          <a:p>
-            <a:pPr lvl="2" indent="-457200" algn="l">
-              <a:buFont typeface="Arial"/>
-              <a:buChar char="•"/>
-            </a:pPr>
-            <a:r>
-              <a:rPr lang="en-US" dirty="0" smtClean="0"/>
-              <a:t>Fork – simple, full featured, resource hog</a:t>
-            </a:r>
-          </a:p>
-          <a:p>
-            <a:pPr lvl="2" indent="-457200" algn="l">
-              <a:buFont typeface="Arial"/>
-              <a:buChar char="•"/>
-            </a:pPr>
-            <a:r>
-              <a:rPr lang="en-US" dirty="0" smtClean="0"/>
-              <a:t>Threads – super computational, super complicated</a:t>
-            </a:r>
-          </a:p>
-        </p:txBody>
-      </p:sp>
-    </p:spTree>
-    <p:extLst>
-      <p:ext uri="{BB962C8B-B14F-4D97-AF65-F5344CB8AC3E}">
-        <p14:creationId xmlns:p14="http://schemas.microsoft.com/office/powerpoint/2010/main" val="3884676083"/>
-      </p:ext>
-    </p:extLst>
-  </p:cSld>
-  <p:clrMapOvr>
-    <a:masterClrMapping/>
-  </p:clrMapOvr>
-</p:sld>
-</file>
-
-<file path=ppt/slides/slide54.xml><?xml version="1.0" encoding="utf-8"?>
-<p:sld xmlns:a="http://schemas.openxmlformats.org/drawingml/2006/main" xmlns:r="http://schemas.openxmlformats.org/officeDocument/2006/relationships" xmlns:p="http://schemas.openxmlformats.org/presentationml/2006/main">
-  <p:cSld>
-    <p:spTree>
-      <p:nvGrpSpPr>
-        <p:cNvPr id="1" name=""/>
-        <p:cNvGrpSpPr/>
-        <p:nvPr/>
-      </p:nvGrpSpPr>
-      <p:grpSpPr>
-        <a:xfrm>
-          <a:off x="0" y="0"/>
-          <a:ext cx="0" cy="0"/>
-          <a:chOff x="0" y="0"/>
-          <a:chExt cx="0" cy="0"/>
-        </a:xfrm>
-      </p:grpSpPr>
-      <p:sp>
-        <p:nvSpPr>
-          <p:cNvPr id="2" name="Title 1"/>
-          <p:cNvSpPr>
-            <a:spLocks noGrp="1"/>
-          </p:cNvSpPr>
-          <p:nvPr>
-            <p:ph type="ctrTitle"/>
-          </p:nvPr>
-        </p:nvSpPr>
-        <p:spPr>
-          <a:xfrm>
-            <a:off x="685800" y="160685"/>
-            <a:ext cx="7772400" cy="1470025"/>
-          </a:xfrm>
-        </p:spPr>
-        <p:txBody>
-          <a:bodyPr/>
-          <a:lstStyle/>
-          <a:p>
-            <a:r>
-              <a:rPr lang="en-US" dirty="0" err="1" smtClean="0"/>
-              <a:t>Node.js</a:t>
-            </a:r>
-            <a:r>
-              <a:rPr lang="en-US" dirty="0" smtClean="0"/>
-              <a:t> architecture</a:t>
-            </a:r>
-            <a:endParaRPr lang="en-US" dirty="0"/>
-          </a:p>
-        </p:txBody>
-      </p:sp>
-      <p:sp>
-        <p:nvSpPr>
-          <p:cNvPr id="3" name="Subtitle 2"/>
-          <p:cNvSpPr>
-            <a:spLocks noGrp="1"/>
-          </p:cNvSpPr>
-          <p:nvPr>
-            <p:ph type="subTitle" idx="1"/>
-          </p:nvPr>
-        </p:nvSpPr>
-        <p:spPr>
-          <a:xfrm>
-            <a:off x="1371600" y="1630710"/>
-            <a:ext cx="6400800" cy="4609893"/>
-          </a:xfrm>
-        </p:spPr>
-        <p:txBody>
-          <a:bodyPr>
-            <a:normAutofit/>
-          </a:bodyPr>
-          <a:lstStyle/>
-          <a:p>
-            <a:pPr marL="0" lvl="1" algn="l"/>
-            <a:r>
-              <a:rPr lang="en-US" dirty="0" smtClean="0"/>
-              <a:t>Why </a:t>
-            </a:r>
-            <a:r>
-              <a:rPr lang="en-US" dirty="0" err="1" smtClean="0"/>
-              <a:t>Node.js</a:t>
-            </a:r>
-            <a:r>
-              <a:rPr lang="en-US" dirty="0" smtClean="0"/>
-              <a:t>?</a:t>
-            </a:r>
-          </a:p>
-          <a:p>
-            <a:pPr lvl="1" indent="-457200" algn="l">
-              <a:buFont typeface="Arial"/>
-              <a:buChar char="•"/>
-            </a:pPr>
-            <a:r>
-              <a:rPr lang="en-US" dirty="0" smtClean="0"/>
-              <a:t>The Middle Path</a:t>
-            </a:r>
-          </a:p>
-          <a:p>
-            <a:pPr lvl="1" indent="-457200" algn="l">
-              <a:buFont typeface="Arial"/>
-              <a:buChar char="•"/>
-            </a:pPr>
-            <a:r>
-              <a:rPr lang="en-US" dirty="0" smtClean="0"/>
-              <a:t>Single threaded</a:t>
-            </a:r>
-          </a:p>
-          <a:p>
-            <a:pPr lvl="1" indent="-457200" algn="l">
-              <a:buFont typeface="Arial"/>
-              <a:buChar char="•"/>
-            </a:pPr>
-            <a:r>
-              <a:rPr lang="en-US" dirty="0" smtClean="0"/>
-              <a:t>Relies on event paradigm</a:t>
-            </a:r>
-          </a:p>
-        </p:txBody>
-      </p:sp>
-    </p:spTree>
-    <p:extLst>
-      <p:ext uri="{BB962C8B-B14F-4D97-AF65-F5344CB8AC3E}">
-        <p14:creationId xmlns:p14="http://schemas.microsoft.com/office/powerpoint/2010/main" val="2197963047"/>
-      </p:ext>
-    </p:extLst>
-  </p:cSld>
-  <p:clrMapOvr>
-    <a:masterClrMapping/>
-  </p:clrMapOvr>
-</p:sld>
-</file>
-
 <file path=ppt/slides/slide55.xml><?xml version="1.0" encoding="utf-8"?>
 <p:sld xmlns:a="http://schemas.openxmlformats.org/drawingml/2006/main" xmlns:r="http://schemas.openxmlformats.org/officeDocument/2006/relationships" xmlns:p="http://schemas.openxmlformats.org/presentationml/2006/main">
   <p:cSld>
@@ -12379,14 +12380,22 @@
         </p:spPr>
         <p:txBody>
           <a:bodyPr>
-            <a:normAutofit fontScale="92500"/>
+            <a:normAutofit/>
           </a:bodyPr>
           <a:lstStyle/>
           <a:p>
             <a:pPr marL="0" lvl="1" algn="l"/>
             <a:r>
               <a:rPr lang="en-US" dirty="0" smtClean="0"/>
-              <a:t>Event driven model</a:t>
+              <a:t>Why </a:t>
+            </a:r>
+            <a:r>
+              <a:rPr lang="en-US" dirty="0" err="1" smtClean="0"/>
+              <a:t>Node.js</a:t>
+            </a:r>
+            <a:r>
+              <a:rPr lang="en-US" dirty="0" smtClean="0"/>
+              <a:t>?</a:t>
             </a:r>
           </a:p>
           <a:p>
@@ -12396,7 +12405,45 @@
             </a:pPr>
             <a:r>
               <a:rPr lang="en-US" dirty="0" smtClean="0"/>
-              <a:t>Think of a radio station</a:t>
+              <a:t>Several ways to handle load</a:t>
+            </a:r>
+          </a:p>
+          <a:p>
+            <a:pPr lvl="2" indent="-457200" algn="l">
+              <a:buFont typeface="Arial"/>
+              <a:buChar char="•"/>
+            </a:pPr>
+            <a:r>
+              <a:rPr lang="en-US" dirty="0" smtClean="0"/>
+              <a:t>Naïve </a:t>
+            </a:r>
+            <a:r>
+              <a:rPr lang="en-US" dirty="0"/>
+              <a:t>–</a:t>
+            </a:r>
+            <a:r>
+              <a:rPr lang="en-US" dirty="0" smtClean="0"/>
+              <a:t> hope and pray, add resources</a:t>
+            </a:r>
+          </a:p>
+          <a:p>
+            <a:pPr lvl="2" indent="-457200" algn="l">
+              <a:buFont typeface="Arial"/>
+              <a:buChar char="•"/>
+            </a:pPr>
+            <a:r>
+              <a:rPr lang="en-US" dirty="0" smtClean="0"/>
+              <a:t>Fork – start a new process</a:t>
+            </a:r>
+          </a:p>
+          <a:p>
+            <a:pPr lvl="2" indent="-457200" algn="l">
+              <a:buFont typeface="Arial"/>
+              <a:buChar char="•"/>
+            </a:pPr>
+            <a:r>
+              <a:rPr lang="en-US" dirty="0" smtClean="0"/>
+              <a:t>Threads – parallelize within a process</a:t>
             </a:r>
           </a:p>
           <a:p>
@@ -12406,17 +12453,7 @@
             </a:pPr>
             <a:r>
               <a:rPr lang="en-US" dirty="0" smtClean="0"/>
-              <a:t>Broadcasts songs, commercials, IDs</a:t>
-            </a:r>
-          </a:p>
-          <a:p>
-            <a:pPr lvl="1" indent="-457200" algn="l">
-              <a:buFont typeface="Arial"/>
-              <a:buChar char="•"/>
-            </a:pPr>
-            <a:r>
-              <a:rPr lang="en-US" dirty="0" smtClean="0"/>
-              <a:t>Doesn't know </a:t>
+              <a:t>Pros and Cons</a:t>
             </a:r>
           </a:p>
           <a:p>
@@ -12426,7 +12463,7 @@
             </a:pPr>
             <a:r>
               <a:rPr lang="en-US" dirty="0" smtClean="0"/>
-              <a:t>who is listening</a:t>
+              <a:t>Naïve – easy, but weak</a:t>
             </a:r>
           </a:p>
           <a:p>
@@ -12435,12 +12472,8 @@
               <a:buChar char="•"/>
             </a:pPr>
             <a:r>
-              <a:rPr lang="en-US" dirty="0"/>
-              <a:t>when they </a:t>
-            </a:r>
-            <a:r>
-              <a:rPr lang="en-US" dirty="0" smtClean="0"/>
-              <a:t>tune in / out</a:t>
+              <a:rPr lang="en-US" dirty="0" smtClean="0"/>
+              <a:t>Fork – simple, full featured, resource hog</a:t>
             </a:r>
           </a:p>
           <a:p>
@@ -12450,37 +12483,7 @@
             </a:pPr>
             <a:r>
               <a:rPr lang="en-US" dirty="0" smtClean="0"/>
-              <a:t>what they do with the broadcast</a:t>
-            </a:r>
-          </a:p>
-          <a:p>
-            <a:pPr lvl="2" indent="-457200" algn="l">
-              <a:buFont typeface="Arial"/>
-              <a:buChar char="•"/>
-            </a:pPr>
-            <a:r>
-              <a:rPr lang="en-US" dirty="0" smtClean="0"/>
-              <a:t>music fan / advertiser / FCC agent</a:t>
-            </a:r>
-          </a:p>
-          <a:p>
-            <a:pPr lvl="1" indent="-457200" algn="l">
-              <a:buFont typeface="Arial"/>
-              <a:buChar char="•"/>
-            </a:pPr>
-            <a:r>
-              <a:rPr lang="en-US" dirty="0" smtClean="0"/>
-              <a:t>Fan hasn't heard favorite, calls in a request</a:t>
-            </a:r>
-          </a:p>
-          <a:p>
-            <a:pPr lvl="1" indent="-457200" algn="l">
-              <a:buFont typeface="Arial"/>
-              <a:buChar char="•"/>
-            </a:pPr>
-            <a:r>
-              <a:rPr lang="en-US" dirty="0" smtClean="0"/>
-              <a:t>DJ schedules request at end of playlist</a:t>
+              <a:t>Threads – super computational, super complicated</a:t>
             </a:r>
           </a:p>
         </p:txBody>
@@ -12488,7 +12491,7 @@
     </p:spTree>
     <p:extLst>
       <p:ext uri="{BB962C8B-B14F-4D97-AF65-F5344CB8AC3E}">
-        <p14:creationId xmlns:p14="http://schemas.microsoft.com/office/powerpoint/2010/main" val="2197963047"/>
+        <p14:creationId xmlns:p14="http://schemas.microsoft.com/office/powerpoint/2010/main" val="3884676083"/>
       </p:ext>
     </p:extLst>
   </p:cSld>
@@ -12559,8 +12562,8 @@
         </p:nvSpPr>
         <p:spPr>
           <a:xfrm>
-            <a:off x="685800" y="1630710"/>
-            <a:ext cx="4602149" cy="4609893"/>
+            <a:off x="1371600" y="1630710"/>
+            <a:ext cx="6400800" cy="4609893"/>
           </a:xfrm>
         </p:spPr>
         <p:txBody>
@@ -12569,33 +12572,28 @@
           </a:bodyPr>
           <a:lstStyle/>
           <a:p>
+            <a:pPr marL="0" lvl="1" algn="l"/>
+            <a:r>
+              <a:rPr lang="en-US" dirty="0" smtClean="0"/>
+              <a:t>Why </a:t>
+            </a:r>
+            <a:r>
+              <a:rPr lang="en-US" dirty="0" err="1" smtClean="0"/>
+              <a:t>Node.js</a:t>
+            </a:r>
+            <a:r>
+              <a:rPr lang="en-US" dirty="0" smtClean="0"/>
+              <a:t>?</a:t>
+            </a:r>
+          </a:p>
+          <a:p>
             <a:pPr lvl="1" indent="-457200" algn="l">
               <a:buFont typeface="Arial"/>
               <a:buChar char="•"/>
             </a:pPr>
             <a:r>
               <a:rPr lang="en-US" dirty="0" smtClean="0"/>
-              <a:t>Heap holds data</a:t>
-            </a:r>
-          </a:p>
-          <a:p>
-            <a:pPr lvl="2" indent="-457200" algn="l">
-              <a:buFont typeface="Arial"/>
-              <a:buChar char="•"/>
-            </a:pPr>
-            <a:r>
-              <a:rPr lang="en-US" dirty="0" smtClean="0"/>
-              <a:t>Function definitions</a:t>
-            </a:r>
-          </a:p>
-          <a:p>
-            <a:pPr lvl="2" indent="-457200" algn="l">
-              <a:buFont typeface="Arial"/>
-              <a:buChar char="•"/>
-            </a:pPr>
-            <a:r>
-              <a:rPr lang="en-US" dirty="0" smtClean="0"/>
-              <a:t>Variables</a:t>
+              <a:t>The Middle Path</a:t>
             </a:r>
           </a:p>
           <a:p>
@@ -12605,13 +12603,8 @@
             </a:pPr>
             <a:r>
               <a:rPr lang="en-US" dirty="0" smtClean="0"/>
-              <a:t>Queue pushes onto stac</a:t>
-            </a:r>
-            <a:r>
-              <a:rPr lang="en-US" dirty="0"/>
-              <a:t>k</a:t>
-            </a:r>
-            <a:endParaRPr lang="en-US" dirty="0" smtClean="0"/>
+              <a:t>Single threaded</a:t>
+            </a:r>
           </a:p>
           <a:p>
             <a:pPr lvl="1" indent="-457200" algn="l">
@@ -12620,99 +12613,15 @@
             </a:pPr>
             <a:r>
               <a:rPr lang="en-US" dirty="0" smtClean="0"/>
-              <a:t>Stack executes</a:t>
-            </a:r>
-          </a:p>
-          <a:p>
-            <a:pPr lvl="2" indent="-457200" algn="l">
-              <a:buFont typeface="Arial"/>
-              <a:buChar char="•"/>
-            </a:pPr>
-            <a:r>
-              <a:rPr lang="en-US" dirty="0" smtClean="0"/>
-              <a:t>Provides pointers to data</a:t>
-            </a:r>
-          </a:p>
-          <a:p>
-            <a:pPr lvl="2" indent="-457200" algn="l">
-              <a:buFont typeface="Arial"/>
-              <a:buChar char="•"/>
-            </a:pPr>
-            <a:r>
-              <a:rPr lang="en-US" dirty="0" smtClean="0"/>
-              <a:t>Runs to completion</a:t>
-            </a:r>
-          </a:p>
-          <a:p>
-            <a:pPr lvl="1" indent="-457200" algn="l">
-              <a:buFont typeface="Arial"/>
-              <a:buChar char="•"/>
-            </a:pPr>
-            <a:r>
-              <a:rPr lang="en-US" dirty="0" smtClean="0"/>
-              <a:t>I/O and other events add to Queue</a:t>
-            </a:r>
-          </a:p>
-        </p:txBody>
-      </p:sp>
-      <p:pic>
-        <p:nvPicPr>
-          <p:cNvPr id="4" name="Picture 3"/>
-          <p:cNvPicPr>
-            <a:picLocks noChangeAspect="1"/>
-          </p:cNvPicPr>
-          <p:nvPr/>
-        </p:nvPicPr>
-        <p:blipFill>
-          <a:blip r:embed="rId2"/>
-          <a:stretch>
-            <a:fillRect/>
-          </a:stretch>
-        </p:blipFill>
-        <p:spPr>
-          <a:xfrm>
-            <a:off x="5037655" y="1714500"/>
-            <a:ext cx="3733800" cy="3429000"/>
-          </a:xfrm>
-          <a:prstGeom prst="rect">
-            <a:avLst/>
-          </a:prstGeom>
-        </p:spPr>
-      </p:pic>
-      <p:sp>
-        <p:nvSpPr>
-          <p:cNvPr id="5" name="TextBox 4"/>
-          <p:cNvSpPr txBox="1"/>
-          <p:nvPr/>
-        </p:nvSpPr>
-        <p:spPr>
-          <a:xfrm>
-            <a:off x="6167239" y="5383548"/>
-            <a:ext cx="1428997" cy="369332"/>
-          </a:xfrm>
-          <a:prstGeom prst="rect">
-            <a:avLst/>
-          </a:prstGeom>
-          <a:noFill/>
-        </p:spPr>
-        <p:txBody>
-          <a:bodyPr wrap="none" rtlCol="0">
-            <a:spAutoFit/>
-          </a:bodyPr>
-          <a:lstStyle/>
-          <a:p>
-            <a:r>
-              <a:rPr lang="en-US" dirty="0" smtClean="0"/>
-              <a:t>Source: MDN</a:t>
-            </a:r>
-            <a:endParaRPr lang="en-US" dirty="0"/>
+              <a:t>Relies on event paradigm</a:t>
+            </a:r>
           </a:p>
         </p:txBody>
       </p:sp>
     </p:spTree>
     <p:extLst>
       <p:ext uri="{BB962C8B-B14F-4D97-AF65-F5344CB8AC3E}">
-        <p14:creationId xmlns:p14="http://schemas.microsoft.com/office/powerpoint/2010/main" val="619168785"/>
+        <p14:creationId xmlns:p14="http://schemas.microsoft.com/office/powerpoint/2010/main" val="2197963047"/>
       </p:ext>
     </p:extLst>
   </p:cSld>
@@ -12789,17 +12698,44 @@
         </p:spPr>
         <p:txBody>
           <a:bodyPr>
-            <a:normAutofit/>
+            <a:normAutofit fontScale="92500"/>
           </a:bodyPr>
           <a:lstStyle/>
           <a:p>
+            <a:pPr marL="0" lvl="1" algn="l"/>
+            <a:r>
+              <a:rPr lang="en-US" dirty="0" smtClean="0"/>
+              <a:t>Event driven model</a:t>
+            </a:r>
+          </a:p>
+          <a:p>
             <a:pPr lvl="1" indent="-457200" algn="l">
               <a:buFont typeface="Arial"/>
               <a:buChar char="•"/>
             </a:pPr>
             <a:r>
               <a:rPr lang="en-US" dirty="0" smtClean="0"/>
-              <a:t>Pros </a:t>
+              <a:t>Think of a radio station</a:t>
+            </a:r>
+          </a:p>
+          <a:p>
+            <a:pPr lvl="1" indent="-457200" algn="l">
+              <a:buFont typeface="Arial"/>
+              <a:buChar char="•"/>
+            </a:pPr>
+            <a:r>
+              <a:rPr lang="en-US" dirty="0" smtClean="0"/>
+              <a:t>Broadcasts songs, commercials, IDs</a:t>
+            </a:r>
+          </a:p>
+          <a:p>
+            <a:pPr lvl="1" indent="-457200" algn="l">
+              <a:buFont typeface="Arial"/>
+              <a:buChar char="•"/>
+            </a:pPr>
+            <a:r>
+              <a:rPr lang="en-US" dirty="0" smtClean="0"/>
+              <a:t>Doesn't know </a:t>
             </a:r>
           </a:p>
           <a:p>
@@ -12809,7 +12745,7 @@
             </a:pPr>
             <a:r>
               <a:rPr lang="en-US" dirty="0" smtClean="0"/>
-              <a:t>Each stack executes deterministically</a:t>
+              <a:t>who is listening</a:t>
             </a:r>
           </a:p>
           <a:p>
@@ -12818,8 +12754,12 @@
               <a:buChar char="•"/>
             </a:pPr>
             <a:r>
-              <a:rPr lang="en-US" dirty="0" smtClean="0"/>
-              <a:t>Loop can queue latent tasks and move on</a:t>
+              <a:rPr lang="en-US" dirty="0"/>
+              <a:t>when they </a:t>
+            </a:r>
+            <a:r>
+              <a:rPr lang="en-US" dirty="0" smtClean="0"/>
+              <a:t>tune in / out</a:t>
             </a:r>
           </a:p>
           <a:p>
@@ -12829,7 +12769,17 @@
             </a:pPr>
             <a:r>
               <a:rPr lang="en-US" dirty="0" smtClean="0"/>
-              <a:t>Flexibility of threading without nightmares</a:t>
+              <a:t>what they do with the broadcast</a:t>
+            </a:r>
+          </a:p>
+          <a:p>
+            <a:pPr lvl="2" indent="-457200" algn="l">
+              <a:buFont typeface="Arial"/>
+              <a:buChar char="•"/>
+            </a:pPr>
+            <a:r>
+              <a:rPr lang="en-US" dirty="0" smtClean="0"/>
+              <a:t>music fan / advertiser / FCC agent</a:t>
             </a:r>
           </a:p>
           <a:p>
@@ -12839,45 +12789,17 @@
             </a:pPr>
             <a:r>
               <a:rPr lang="en-US" dirty="0" smtClean="0"/>
-              <a:t>Cons</a:t>
-            </a:r>
-          </a:p>
-          <a:p>
-            <a:pPr lvl="2" indent="-457200" algn="l">
-              <a:buFont typeface="Arial"/>
-              <a:buChar char="•"/>
-            </a:pPr>
-            <a:r>
-              <a:rPr lang="en-US" dirty="0" smtClean="0"/>
-              <a:t>Multi-threading works great for CPU tasks</a:t>
-            </a:r>
-          </a:p>
-          <a:p>
-            <a:pPr lvl="2" indent="-457200" algn="l">
-              <a:buFont typeface="Arial"/>
-              <a:buChar char="•"/>
-            </a:pPr>
-            <a:r>
-              <a:rPr lang="en-US" dirty="0" smtClean="0"/>
-              <a:t>Stack can potentially get bogged down</a:t>
-            </a:r>
-          </a:p>
-          <a:p>
-            <a:pPr lvl="2" indent="-457200" algn="l">
-              <a:buFont typeface="Arial"/>
-              <a:buChar char="•"/>
-            </a:pPr>
-            <a:r>
-              <a:rPr lang="en-US" dirty="0" smtClean="0"/>
-              <a:t>Thinking in </a:t>
-            </a:r>
-            <a:r>
-              <a:rPr lang="en-US" dirty="0" err="1" smtClean="0"/>
-              <a:t>async</a:t>
-            </a:r>
-            <a:r>
-              <a:rPr lang="en-US" dirty="0" smtClean="0"/>
-              <a:t> paradigm still required</a:t>
+              <a:t>Fan hasn't heard favorite, calls in a request</a:t>
+            </a:r>
+          </a:p>
+          <a:p>
+            <a:pPr lvl="1" indent="-457200" algn="l">
+              <a:buFont typeface="Arial"/>
+              <a:buChar char="•"/>
+            </a:pPr>
+            <a:r>
+              <a:rPr lang="en-US" dirty="0" smtClean="0"/>
+              <a:t>DJ schedules request at end of playlist</a:t>
             </a:r>
           </a:p>
         </p:txBody>
@@ -12885,7 +12807,7 @@
     </p:spTree>
     <p:extLst>
       <p:ext uri="{BB962C8B-B14F-4D97-AF65-F5344CB8AC3E}">
-        <p14:creationId xmlns:p14="http://schemas.microsoft.com/office/powerpoint/2010/main" val="45506257"/>
+        <p14:creationId xmlns:p14="http://schemas.microsoft.com/office/powerpoint/2010/main" val="2197963047"/>
       </p:ext>
     </p:extLst>
   </p:cSld>
@@ -12944,30 +12866,132 @@
           </a:p>
         </p:txBody>
       </p:sp>
+      <p:sp>
+        <p:nvSpPr>
+          <p:cNvPr id="3" name="Subtitle 2"/>
+          <p:cNvSpPr>
+            <a:spLocks noGrp="1"/>
+          </p:cNvSpPr>
+          <p:nvPr>
+            <p:ph type="subTitle" idx="1"/>
+          </p:nvPr>
+        </p:nvSpPr>
+        <p:spPr>
+          <a:xfrm>
+            <a:off x="685800" y="1630710"/>
+            <a:ext cx="4602149" cy="4609893"/>
+          </a:xfrm>
+        </p:spPr>
+        <p:txBody>
+          <a:bodyPr>
+            <a:normAutofit/>
+          </a:bodyPr>
+          <a:lstStyle/>
+          <a:p>
+            <a:pPr lvl="1" indent="-457200" algn="l">
+              <a:buFont typeface="Arial"/>
+              <a:buChar char="•"/>
+            </a:pPr>
+            <a:r>
+              <a:rPr lang="en-US" dirty="0" smtClean="0"/>
+              <a:t>Heap holds data</a:t>
+            </a:r>
+          </a:p>
+          <a:p>
+            <a:pPr lvl="2" indent="-457200" algn="l">
+              <a:buFont typeface="Arial"/>
+              <a:buChar char="•"/>
+            </a:pPr>
+            <a:r>
+              <a:rPr lang="en-US" dirty="0" smtClean="0"/>
+              <a:t>Function definitions</a:t>
+            </a:r>
+          </a:p>
+          <a:p>
+            <a:pPr lvl="2" indent="-457200" algn="l">
+              <a:buFont typeface="Arial"/>
+              <a:buChar char="•"/>
+            </a:pPr>
+            <a:r>
+              <a:rPr lang="en-US" dirty="0" smtClean="0"/>
+              <a:t>Variables</a:t>
+            </a:r>
+          </a:p>
+          <a:p>
+            <a:pPr lvl="1" indent="-457200" algn="l">
+              <a:buFont typeface="Arial"/>
+              <a:buChar char="•"/>
+            </a:pPr>
+            <a:r>
+              <a:rPr lang="en-US" dirty="0" smtClean="0"/>
+              <a:t>Queue pushes onto stac</a:t>
+            </a:r>
+            <a:r>
+              <a:rPr lang="en-US" dirty="0"/>
+              <a:t>k</a:t>
+            </a:r>
+            <a:endParaRPr lang="en-US" dirty="0" smtClean="0"/>
+          </a:p>
+          <a:p>
+            <a:pPr lvl="1" indent="-457200" algn="l">
+              <a:buFont typeface="Arial"/>
+              <a:buChar char="•"/>
+            </a:pPr>
+            <a:r>
+              <a:rPr lang="en-US" dirty="0" smtClean="0"/>
+              <a:t>Stack executes</a:t>
+            </a:r>
+          </a:p>
+          <a:p>
+            <a:pPr lvl="2" indent="-457200" algn="l">
+              <a:buFont typeface="Arial"/>
+              <a:buChar char="•"/>
+            </a:pPr>
+            <a:r>
+              <a:rPr lang="en-US" dirty="0" smtClean="0"/>
+              <a:t>Provides pointers to data</a:t>
+            </a:r>
+          </a:p>
+          <a:p>
+            <a:pPr lvl="2" indent="-457200" algn="l">
+              <a:buFont typeface="Arial"/>
+              <a:buChar char="•"/>
+            </a:pPr>
+            <a:r>
+              <a:rPr lang="en-US" dirty="0" smtClean="0"/>
+              <a:t>Runs to completion</a:t>
+            </a:r>
+          </a:p>
+          <a:p>
+            <a:pPr lvl="1" indent="-457200" algn="l">
+              <a:buFont typeface="Arial"/>
+              <a:buChar char="•"/>
+            </a:pPr>
+            <a:r>
+              <a:rPr lang="en-US" dirty="0" smtClean="0"/>
+              <a:t>I/O and other events add to Queue</a:t>
+            </a:r>
+          </a:p>
+        </p:txBody>
+      </p:sp>
       <p:pic>
         <p:nvPicPr>
-          <p:cNvPr id="4" name="Picture 3" descr="Screen Shot 2016-11-08 at 3.32.24 PM.png"/>
+          <p:cNvPr id="4" name="Picture 3"/>
           <p:cNvPicPr>
             <a:picLocks noChangeAspect="1"/>
           </p:cNvPicPr>
           <p:nvPr/>
         </p:nvPicPr>
         <p:blipFill>
-          <a:blip r:embed="rId2">
-            <a:extLst>
-              <a:ext uri="{28A0092B-C50C-407E-A947-70E740481C1C}">
-                <a14:useLocalDpi xmlns:a14="http://schemas.microsoft.com/office/drawing/2010/main" val="0"/>
-              </a:ext>
-            </a:extLst>
-          </a:blip>
+          <a:blip r:embed="rId2"/>
           <a:stretch>
             <a:fillRect/>
           </a:stretch>
         </p:blipFill>
         <p:spPr>
           <a:xfrm>
-            <a:off x="3069075" y="1630710"/>
-            <a:ext cx="5130800" cy="4622800"/>
+            <a:off x="5037655" y="1714500"/>
+            <a:ext cx="3733800" cy="3429000"/>
           </a:xfrm>
           <a:prstGeom prst="rect">
             <a:avLst/>
@@ -12982,8 +13006,8 @@
         </p:nvSpPr>
         <p:spPr>
           <a:xfrm>
-            <a:off x="464069" y="1782805"/>
-            <a:ext cx="2262158" cy="861774"/>
+            <a:off x="6167239" y="5383548"/>
+            <a:ext cx="1428997" cy="369332"/>
           </a:xfrm>
           <a:prstGeom prst="rect">
             <a:avLst/>
@@ -12997,26 +13021,8 @@
           <a:lstStyle/>
           <a:p>
             <a:r>
-              <a:rPr lang="en-US" sz="3200" dirty="0" smtClean="0"/>
-              <a:t>Event Loop</a:t>
-            </a:r>
-          </a:p>
-          <a:p>
-            <a:r>
-              <a:rPr lang="en-US" dirty="0" smtClean="0"/>
-              <a:t>Source: </a:t>
-            </a:r>
-            <a:r>
-              <a:rPr lang="en-US" dirty="0" err="1" smtClean="0"/>
-              <a:t>github</a:t>
-            </a:r>
-            <a:r>
-              <a:rPr lang="en-US" dirty="0" smtClean="0"/>
-              <a:t>/</a:t>
-            </a:r>
-            <a:r>
-              <a:rPr lang="en-US" dirty="0" err="1" smtClean="0"/>
-              <a:t>nodejs</a:t>
+              <a:rPr lang="en-US" dirty="0" smtClean="0"/>
+              <a:t>Source: MDN</a:t>
             </a:r>
             <a:endParaRPr lang="en-US" dirty="0"/>
           </a:p>
@@ -13025,7 +13031,7 @@
     </p:spTree>
     <p:extLst>
       <p:ext uri="{BB962C8B-B14F-4D97-AF65-F5344CB8AC3E}">
-        <p14:creationId xmlns:p14="http://schemas.microsoft.com/office/powerpoint/2010/main" val="3255137183"/>
+        <p14:creationId xmlns:p14="http://schemas.microsoft.com/office/powerpoint/2010/main" val="619168785"/>
       </p:ext>
     </p:extLst>
   </p:cSld>
@@ -13106,20 +13112,43 @@
           </a:bodyPr>
           <a:lstStyle/>
           <a:p>
-            <a:pPr marL="0" lvl="1" algn="l"/>
-            <a:r>
-              <a:rPr lang="en-US" dirty="0" smtClean="0"/>
-              <a:t>Hardcore details</a:t>
-            </a:r>
-          </a:p>
-          <a:p>
             <a:pPr lvl="1" indent="-457200" algn="l">
               <a:buFont typeface="Arial"/>
               <a:buChar char="•"/>
             </a:pPr>
             <a:r>
               <a:rPr lang="en-US" dirty="0" smtClean="0"/>
-              <a:t>V8 compiles JS to machine language</a:t>
+              <a:t>Pros </a:t>
+            </a:r>
+          </a:p>
+          <a:p>
+            <a:pPr lvl="2" indent="-457200" algn="l">
+              <a:buFont typeface="Arial"/>
+              <a:buChar char="•"/>
+            </a:pPr>
+            <a:r>
+              <a:rPr lang="en-US" dirty="0" smtClean="0"/>
+              <a:t>Each stack executes deterministically</a:t>
+            </a:r>
+          </a:p>
+          <a:p>
+            <a:pPr lvl="2" indent="-457200" algn="l">
+              <a:buFont typeface="Arial"/>
+              <a:buChar char="•"/>
+            </a:pPr>
+            <a:r>
+              <a:rPr lang="en-US" dirty="0" smtClean="0"/>
+              <a:t>Loop can queue latent tasks and move on</a:t>
+            </a:r>
+          </a:p>
+          <a:p>
+            <a:pPr lvl="2" indent="-457200" algn="l">
+              <a:buFont typeface="Arial"/>
+              <a:buChar char="•"/>
+            </a:pPr>
+            <a:r>
+              <a:rPr lang="en-US" dirty="0" smtClean="0"/>
+              <a:t>Flexibility of threading without nightmares</a:t>
             </a:r>
           </a:p>
           <a:p>
@@ -13129,15 +13158,7 @@
             </a:pPr>
             <a:r>
               <a:rPr lang="en-US" dirty="0" smtClean="0"/>
-              <a:t>User JS runs within </a:t>
-            </a:r>
-            <a:r>
-              <a:rPr lang="en-US" dirty="0" err="1" smtClean="0"/>
-              <a:t>libuv</a:t>
-            </a:r>
-            <a:r>
-              <a:rPr lang="en-US" dirty="0" smtClean="0"/>
-              <a:t> stack machine</a:t>
+              <a:t>Cons</a:t>
             </a:r>
           </a:p>
           <a:p>
@@ -13146,12 +13167,8 @@
               <a:buChar char="•"/>
             </a:pPr>
             <a:r>
-              <a:rPr lang="en-US" dirty="0" err="1" smtClean="0"/>
-              <a:t>libev</a:t>
-            </a:r>
-            <a:r>
-              <a:rPr lang="en-US" dirty="0" smtClean="0"/>
-              <a:t> – event library</a:t>
+              <a:rPr lang="en-US" dirty="0" smtClean="0"/>
+              <a:t>Multi-threading works great for CPU tasks</a:t>
             </a:r>
           </a:p>
           <a:p>
@@ -13160,12 +13177,18 @@
               <a:buChar char="•"/>
             </a:pPr>
             <a:r>
-              <a:rPr lang="en-US" dirty="0" err="1" smtClean="0"/>
-              <a:t>libeio</a:t>
-            </a:r>
-            <a:r>
-              <a:rPr lang="en-US" dirty="0" smtClean="0"/>
-              <a:t> – </a:t>
+              <a:rPr lang="en-US" dirty="0" smtClean="0"/>
+              <a:t>Stack can potentially get bogged down</a:t>
+            </a:r>
+          </a:p>
+          <a:p>
+            <a:pPr lvl="2" indent="-457200" algn="l">
+              <a:buFont typeface="Arial"/>
+              <a:buChar char="•"/>
+            </a:pPr>
+            <a:r>
+              <a:rPr lang="en-US" dirty="0" smtClean="0"/>
+              <a:t>Thinking in </a:t>
             </a:r>
             <a:r>
               <a:rPr lang="en-US" dirty="0" err="1" smtClean="0"/>
@@ -13173,51 +13196,7 @@
             </a:r>
             <a:r>
               <a:rPr lang="en-US" dirty="0" smtClean="0"/>
-              <a:t> POSIX I/O</a:t>
-            </a:r>
-          </a:p>
-          <a:p>
-            <a:pPr lvl="1" indent="-457200" algn="l">
-              <a:buFont typeface="Arial"/>
-              <a:buChar char="•"/>
-            </a:pPr>
-            <a:r>
-              <a:rPr lang="en-US" dirty="0" smtClean="0"/>
-              <a:t>Extension to other languages</a:t>
-            </a:r>
-          </a:p>
-          <a:p>
-            <a:pPr lvl="2" indent="-457200" algn="l">
-              <a:buFont typeface="Arial"/>
-              <a:buChar char="•"/>
-            </a:pPr>
-            <a:r>
-              <a:rPr lang="en-US" dirty="0" err="1" smtClean="0"/>
-              <a:t>Node.js</a:t>
-            </a:r>
-            <a:r>
-              <a:rPr lang="en-US" dirty="0" smtClean="0"/>
-              <a:t> can call C++ or Java code</a:t>
-            </a:r>
-          </a:p>
-          <a:p>
-            <a:pPr lvl="2" indent="-457200" algn="l">
-              <a:buFont typeface="Arial"/>
-              <a:buChar char="•"/>
-            </a:pPr>
-            <a:r>
-              <a:rPr lang="en-US" dirty="0" smtClean="0"/>
-              <a:t>Beyond the scope of this course</a:t>
-            </a:r>
-          </a:p>
-          <a:p>
-            <a:pPr lvl="2" indent="-457200" algn="l">
-              <a:buFont typeface="Arial"/>
-              <a:buChar char="•"/>
-            </a:pPr>
-            <a:r>
-              <a:rPr lang="en-US" dirty="0" smtClean="0"/>
-              <a:t>Processes offer less hardcore solutions</a:t>
+              <a:t> paradigm still required</a:t>
             </a:r>
           </a:p>
         </p:txBody>
@@ -13225,7 +13204,7 @@
     </p:spTree>
     <p:extLst>
       <p:ext uri="{BB962C8B-B14F-4D97-AF65-F5344CB8AC3E}">
-        <p14:creationId xmlns:p14="http://schemas.microsoft.com/office/powerpoint/2010/main" val="2630694218"/>
+        <p14:creationId xmlns:p14="http://schemas.microsoft.com/office/powerpoint/2010/main" val="45506257"/>
       </p:ext>
     </p:extLst>
   </p:cSld>
@@ -13398,6 +13377,346 @@
 </p:sld>
 </file>
 
+<file path=ppt/slides/slide60.xml><?xml version="1.0" encoding="utf-8"?>
+<p:sld xmlns:a="http://schemas.openxmlformats.org/drawingml/2006/main" xmlns:r="http://schemas.openxmlformats.org/officeDocument/2006/relationships" xmlns:p="http://schemas.openxmlformats.org/presentationml/2006/main">
+  <p:cSld>
+    <p:spTree>
+      <p:nvGrpSpPr>
+        <p:cNvPr id="1" name=""/>
+        <p:cNvGrpSpPr/>
+        <p:nvPr/>
+      </p:nvGrpSpPr>
+      <p:grpSpPr>
+        <a:xfrm>
+          <a:off x="0" y="0"/>
+          <a:ext cx="0" cy="0"/>
+          <a:chOff x="0" y="0"/>
+          <a:chExt cx="0" cy="0"/>
+        </a:xfrm>
+      </p:grpSpPr>
+      <p:sp>
+        <p:nvSpPr>
+          <p:cNvPr id="2" name="Title 1"/>
+          <p:cNvSpPr>
+            <a:spLocks noGrp="1"/>
+          </p:cNvSpPr>
+          <p:nvPr>
+            <p:ph type="ctrTitle"/>
+          </p:nvPr>
+        </p:nvSpPr>
+        <p:spPr>
+          <a:xfrm>
+            <a:off x="685800" y="160685"/>
+            <a:ext cx="7772400" cy="1470025"/>
+          </a:xfrm>
+        </p:spPr>
+        <p:txBody>
+          <a:bodyPr/>
+          <a:lstStyle/>
+          <a:p>
+            <a:r>
+              <a:rPr lang="en-US" dirty="0" err="1" smtClean="0"/>
+              <a:t>Node.js</a:t>
+            </a:r>
+            <a:r>
+              <a:rPr lang="en-US" dirty="0" smtClean="0"/>
+              <a:t> architecture</a:t>
+            </a:r>
+            <a:endParaRPr lang="en-US" dirty="0"/>
+          </a:p>
+        </p:txBody>
+      </p:sp>
+      <p:pic>
+        <p:nvPicPr>
+          <p:cNvPr id="4" name="Picture 3" descr="Screen Shot 2016-11-08 at 3.32.24 PM.png"/>
+          <p:cNvPicPr>
+            <a:picLocks noChangeAspect="1"/>
+          </p:cNvPicPr>
+          <p:nvPr/>
+        </p:nvPicPr>
+        <p:blipFill>
+          <a:blip r:embed="rId2">
+            <a:extLst>
+              <a:ext uri="{28A0092B-C50C-407E-A947-70E740481C1C}">
+                <a14:useLocalDpi xmlns:a14="http://schemas.microsoft.com/office/drawing/2010/main" val="0"/>
+              </a:ext>
+            </a:extLst>
+          </a:blip>
+          <a:stretch>
+            <a:fillRect/>
+          </a:stretch>
+        </p:blipFill>
+        <p:spPr>
+          <a:xfrm>
+            <a:off x="3069075" y="1630710"/>
+            <a:ext cx="5130800" cy="4622800"/>
+          </a:xfrm>
+          <a:prstGeom prst="rect">
+            <a:avLst/>
+          </a:prstGeom>
+        </p:spPr>
+      </p:pic>
+      <p:sp>
+        <p:nvSpPr>
+          <p:cNvPr id="5" name="TextBox 4"/>
+          <p:cNvSpPr txBox="1"/>
+          <p:nvPr/>
+        </p:nvSpPr>
+        <p:spPr>
+          <a:xfrm>
+            <a:off x="464069" y="1782805"/>
+            <a:ext cx="2262158" cy="861774"/>
+          </a:xfrm>
+          <a:prstGeom prst="rect">
+            <a:avLst/>
+          </a:prstGeom>
+          <a:noFill/>
+        </p:spPr>
+        <p:txBody>
+          <a:bodyPr wrap="none" rtlCol="0">
+            <a:spAutoFit/>
+          </a:bodyPr>
+          <a:lstStyle/>
+          <a:p>
+            <a:r>
+              <a:rPr lang="en-US" sz="3200" dirty="0" smtClean="0"/>
+              <a:t>Event Loop</a:t>
+            </a:r>
+          </a:p>
+          <a:p>
+            <a:r>
+              <a:rPr lang="en-US" dirty="0" smtClean="0"/>
+              <a:t>Source: </a:t>
+            </a:r>
+            <a:r>
+              <a:rPr lang="en-US" dirty="0" err="1" smtClean="0"/>
+              <a:t>github</a:t>
+            </a:r>
+            <a:r>
+              <a:rPr lang="en-US" dirty="0" smtClean="0"/>
+              <a:t>/</a:t>
+            </a:r>
+            <a:r>
+              <a:rPr lang="en-US" dirty="0" err="1" smtClean="0"/>
+              <a:t>nodejs</a:t>
+            </a:r>
+            <a:endParaRPr lang="en-US" dirty="0"/>
+          </a:p>
+        </p:txBody>
+      </p:sp>
+    </p:spTree>
+    <p:extLst>
+      <p:ext uri="{BB962C8B-B14F-4D97-AF65-F5344CB8AC3E}">
+        <p14:creationId xmlns:p14="http://schemas.microsoft.com/office/powerpoint/2010/main" val="3255137183"/>
+      </p:ext>
+    </p:extLst>
+  </p:cSld>
+  <p:clrMapOvr>
+    <a:masterClrMapping/>
+  </p:clrMapOvr>
+</p:sld>
+</file>
+
+<file path=ppt/slides/slide61.xml><?xml version="1.0" encoding="utf-8"?>
+<p:sld xmlns:a="http://schemas.openxmlformats.org/drawingml/2006/main" xmlns:r="http://schemas.openxmlformats.org/officeDocument/2006/relationships" xmlns:p="http://schemas.openxmlformats.org/presentationml/2006/main">
+  <p:cSld>
+    <p:spTree>
+      <p:nvGrpSpPr>
+        <p:cNvPr id="1" name=""/>
+        <p:cNvGrpSpPr/>
+        <p:nvPr/>
+      </p:nvGrpSpPr>
+      <p:grpSpPr>
+        <a:xfrm>
+          <a:off x="0" y="0"/>
+          <a:ext cx="0" cy="0"/>
+          <a:chOff x="0" y="0"/>
+          <a:chExt cx="0" cy="0"/>
+        </a:xfrm>
+      </p:grpSpPr>
+      <p:sp>
+        <p:nvSpPr>
+          <p:cNvPr id="2" name="Title 1"/>
+          <p:cNvSpPr>
+            <a:spLocks noGrp="1"/>
+          </p:cNvSpPr>
+          <p:nvPr>
+            <p:ph type="ctrTitle"/>
+          </p:nvPr>
+        </p:nvSpPr>
+        <p:spPr>
+          <a:xfrm>
+            <a:off x="685800" y="160685"/>
+            <a:ext cx="7772400" cy="1470025"/>
+          </a:xfrm>
+        </p:spPr>
+        <p:txBody>
+          <a:bodyPr/>
+          <a:lstStyle/>
+          <a:p>
+            <a:r>
+              <a:rPr lang="en-US" dirty="0" err="1" smtClean="0"/>
+              <a:t>Node.js</a:t>
+            </a:r>
+            <a:r>
+              <a:rPr lang="en-US" dirty="0" smtClean="0"/>
+              <a:t> architecture</a:t>
+            </a:r>
+            <a:endParaRPr lang="en-US" dirty="0"/>
+          </a:p>
+        </p:txBody>
+      </p:sp>
+      <p:sp>
+        <p:nvSpPr>
+          <p:cNvPr id="3" name="Subtitle 2"/>
+          <p:cNvSpPr>
+            <a:spLocks noGrp="1"/>
+          </p:cNvSpPr>
+          <p:nvPr>
+            <p:ph type="subTitle" idx="1"/>
+          </p:nvPr>
+        </p:nvSpPr>
+        <p:spPr>
+          <a:xfrm>
+            <a:off x="1371600" y="1630710"/>
+            <a:ext cx="6400800" cy="4609893"/>
+          </a:xfrm>
+        </p:spPr>
+        <p:txBody>
+          <a:bodyPr>
+            <a:normAutofit/>
+          </a:bodyPr>
+          <a:lstStyle/>
+          <a:p>
+            <a:pPr marL="0" lvl="1" algn="l"/>
+            <a:r>
+              <a:rPr lang="en-US" dirty="0" smtClean="0"/>
+              <a:t>Hardcore details</a:t>
+            </a:r>
+          </a:p>
+          <a:p>
+            <a:pPr lvl="1" indent="-457200" algn="l">
+              <a:buFont typeface="Arial"/>
+              <a:buChar char="•"/>
+            </a:pPr>
+            <a:r>
+              <a:rPr lang="en-US" dirty="0" smtClean="0"/>
+              <a:t>V8 compiles JS to machine language</a:t>
+            </a:r>
+          </a:p>
+          <a:p>
+            <a:pPr lvl="1" indent="-457200" algn="l">
+              <a:buFont typeface="Arial"/>
+              <a:buChar char="•"/>
+            </a:pPr>
+            <a:r>
+              <a:rPr lang="en-US" dirty="0" smtClean="0"/>
+              <a:t>User JS runs within </a:t>
+            </a:r>
+            <a:r>
+              <a:rPr lang="en-US" dirty="0" err="1" smtClean="0"/>
+              <a:t>libuv</a:t>
+            </a:r>
+            <a:r>
+              <a:rPr lang="en-US" dirty="0" smtClean="0"/>
+              <a:t> stack machine</a:t>
+            </a:r>
+          </a:p>
+          <a:p>
+            <a:pPr lvl="2" indent="-457200" algn="l">
+              <a:buFont typeface="Arial"/>
+              <a:buChar char="•"/>
+            </a:pPr>
+            <a:r>
+              <a:rPr lang="en-US" dirty="0" err="1" smtClean="0"/>
+              <a:t>libev</a:t>
+            </a:r>
+            <a:r>
+              <a:rPr lang="en-US" dirty="0" smtClean="0"/>
+              <a:t> – event library</a:t>
+            </a:r>
+          </a:p>
+          <a:p>
+            <a:pPr lvl="2" indent="-457200" algn="l">
+              <a:buFont typeface="Arial"/>
+              <a:buChar char="•"/>
+            </a:pPr>
+            <a:r>
+              <a:rPr lang="en-US" dirty="0" err="1" smtClean="0"/>
+              <a:t>libeio</a:t>
+            </a:r>
+            <a:r>
+              <a:rPr lang="en-US" dirty="0" smtClean="0"/>
+              <a:t> – </a:t>
+            </a:r>
+            <a:r>
+              <a:rPr lang="en-US" dirty="0" err="1" smtClean="0"/>
+              <a:t>async</a:t>
+            </a:r>
+            <a:r>
+              <a:rPr lang="en-US" dirty="0" smtClean="0"/>
+              <a:t> POSIX I/O</a:t>
+            </a:r>
+          </a:p>
+          <a:p>
+            <a:pPr lvl="1" indent="-457200" algn="l">
+              <a:buFont typeface="Arial"/>
+              <a:buChar char="•"/>
+            </a:pPr>
+            <a:r>
+              <a:rPr lang="en-US" dirty="0" smtClean="0"/>
+              <a:t>Extension to other languages</a:t>
+            </a:r>
+          </a:p>
+          <a:p>
+            <a:pPr lvl="2" indent="-457200" algn="l">
+              <a:buFont typeface="Arial"/>
+              <a:buChar char="•"/>
+            </a:pPr>
+            <a:r>
+              <a:rPr lang="en-US" dirty="0" err="1" smtClean="0"/>
+              <a:t>Node.js</a:t>
+            </a:r>
+            <a:r>
+              <a:rPr lang="en-US" dirty="0" smtClean="0"/>
+              <a:t> can call C++ or Java code</a:t>
+            </a:r>
+          </a:p>
+          <a:p>
+            <a:pPr lvl="2" indent="-457200" algn="l">
+              <a:buFont typeface="Arial"/>
+              <a:buChar char="•"/>
+            </a:pPr>
+            <a:r>
+              <a:rPr lang="en-US" dirty="0" smtClean="0"/>
+              <a:t>Beyond the scope of this course</a:t>
+            </a:r>
+          </a:p>
+          <a:p>
+            <a:pPr lvl="2" indent="-457200" algn="l">
+              <a:buFont typeface="Arial"/>
+              <a:buChar char="•"/>
+            </a:pPr>
+            <a:r>
+              <a:rPr lang="en-US" dirty="0" smtClean="0"/>
+              <a:t>Processes offer less hardcore solutions</a:t>
+            </a:r>
+          </a:p>
+        </p:txBody>
+      </p:sp>
+    </p:spTree>
+    <p:extLst>
+      <p:ext uri="{BB962C8B-B14F-4D97-AF65-F5344CB8AC3E}">
+        <p14:creationId xmlns:p14="http://schemas.microsoft.com/office/powerpoint/2010/main" val="2630694218"/>
+      </p:ext>
+    </p:extLst>
+  </p:cSld>
+  <p:clrMapOvr>
+    <a:masterClrMapping/>
+  </p:clrMapOvr>
+</p:sld>
+</file>
+
 <file path=ppt/slides/slide7.xml><?xml version="1.0" encoding="utf-8"?>
 <p:sld xmlns:a="http://schemas.openxmlformats.org/drawingml/2006/main" xmlns:r="http://schemas.openxmlformats.org/officeDocument/2006/relationships" xmlns:p="http://schemas.openxmlformats.org/presentationml/2006/main">
   <p:cSld>
@@ -13462,7 +13781,7 @@
         </p:spPr>
         <p:txBody>
           <a:bodyPr>
-            <a:normAutofit fontScale="92500" lnSpcReduction="10000"/>
+            <a:normAutofit fontScale="92500" lnSpcReduction="20000"/>
           </a:bodyPr>
           <a:lstStyle/>
           <a:p>
@@ -13511,6 +13830,16 @@
             <a:r>
               <a:rPr lang="en-US" dirty="0" smtClean="0"/>
               <a:t>Thread</a:t>
+            </a:r>
+          </a:p>
+          <a:p>
+            <a:pPr marL="342900" indent="-342900" algn="l">
+              <a:buFont typeface="Arial"/>
+              <a:buChar char="•"/>
+            </a:pPr>
+            <a:r>
+              <a:rPr lang="en-US" dirty="0" smtClean="0"/>
+              <a:t>Stream</a:t>
             </a:r>
             <a:endParaRPr lang="en-US" dirty="0"/>
           </a:p>

--- a/slides/Node Slides Day 1.pptx
+++ b/slides/Node Slides Day 1.pptx
@@ -16,8 +16,8 @@
     <p:sldId id="345" r:id="rId10"/>
     <p:sldId id="349" r:id="rId11"/>
     <p:sldId id="350" r:id="rId12"/>
-    <p:sldId id="348" r:id="rId13"/>
-    <p:sldId id="344" r:id="rId14"/>
+    <p:sldId id="344" r:id="rId13"/>
+    <p:sldId id="348" r:id="rId14"/>
     <p:sldId id="351" r:id="rId15"/>
     <p:sldId id="352" r:id="rId16"/>
     <p:sldId id="343" r:id="rId17"/>
@@ -66,6 +66,7 @@
     <p:sldId id="341" r:id="rId60"/>
     <p:sldId id="342" r:id="rId61"/>
     <p:sldId id="334" r:id="rId62"/>
+    <p:sldId id="353" r:id="rId63"/>
   </p:sldIdLst>
   <p:sldSz cx="9144000" cy="6858000" type="screen4x3"/>
   <p:notesSz cx="6858000" cy="9144000"/>
@@ -348,7 +349,7 @@
           <a:p>
             <a:fld id="{6BFECD78-3C8E-49F2-8FAB-59489D168ABB}" type="datetimeFigureOut">
               <a:rPr lang="en-US" smtClean="0"/>
-              <a:t>11/9/16</a:t>
+              <a:t>11/15/16</a:t>
             </a:fld>
             <a:endParaRPr lang="en-US"/>
           </a:p>
@@ -518,7 +519,7 @@
           <a:p>
             <a:fld id="{6BFECD78-3C8E-49F2-8FAB-59489D168ABB}" type="datetimeFigureOut">
               <a:rPr lang="en-US" smtClean="0"/>
-              <a:t>11/9/16</a:t>
+              <a:t>11/15/16</a:t>
             </a:fld>
             <a:endParaRPr lang="en-US"/>
           </a:p>
@@ -698,7 +699,7 @@
           <a:p>
             <a:fld id="{6BFECD78-3C8E-49F2-8FAB-59489D168ABB}" type="datetimeFigureOut">
               <a:rPr lang="en-US" smtClean="0"/>
-              <a:t>11/9/16</a:t>
+              <a:t>11/15/16</a:t>
             </a:fld>
             <a:endParaRPr lang="en-US"/>
           </a:p>
@@ -868,7 +869,7 @@
           <a:p>
             <a:fld id="{6BFECD78-3C8E-49F2-8FAB-59489D168ABB}" type="datetimeFigureOut">
               <a:rPr lang="en-US" smtClean="0"/>
-              <a:t>11/9/16</a:t>
+              <a:t>11/15/16</a:t>
             </a:fld>
             <a:endParaRPr lang="en-US"/>
           </a:p>
@@ -1114,7 +1115,7 @@
           <a:p>
             <a:fld id="{6BFECD78-3C8E-49F2-8FAB-59489D168ABB}" type="datetimeFigureOut">
               <a:rPr lang="en-US" smtClean="0"/>
-              <a:t>11/9/16</a:t>
+              <a:t>11/15/16</a:t>
             </a:fld>
             <a:endParaRPr lang="en-US"/>
           </a:p>
@@ -1402,7 +1403,7 @@
           <a:p>
             <a:fld id="{6BFECD78-3C8E-49F2-8FAB-59489D168ABB}" type="datetimeFigureOut">
               <a:rPr lang="en-US" smtClean="0"/>
-              <a:t>11/9/16</a:t>
+              <a:t>11/15/16</a:t>
             </a:fld>
             <a:endParaRPr lang="en-US"/>
           </a:p>
@@ -1824,7 +1825,7 @@
           <a:p>
             <a:fld id="{6BFECD78-3C8E-49F2-8FAB-59489D168ABB}" type="datetimeFigureOut">
               <a:rPr lang="en-US" smtClean="0"/>
-              <a:t>11/9/16</a:t>
+              <a:t>11/15/16</a:t>
             </a:fld>
             <a:endParaRPr lang="en-US"/>
           </a:p>
@@ -1942,7 +1943,7 @@
           <a:p>
             <a:fld id="{6BFECD78-3C8E-49F2-8FAB-59489D168ABB}" type="datetimeFigureOut">
               <a:rPr lang="en-US" smtClean="0"/>
-              <a:t>11/9/16</a:t>
+              <a:t>11/15/16</a:t>
             </a:fld>
             <a:endParaRPr lang="en-US"/>
           </a:p>
@@ -2037,7 +2038,7 @@
           <a:p>
             <a:fld id="{6BFECD78-3C8E-49F2-8FAB-59489D168ABB}" type="datetimeFigureOut">
               <a:rPr lang="en-US" smtClean="0"/>
-              <a:t>11/9/16</a:t>
+              <a:t>11/15/16</a:t>
             </a:fld>
             <a:endParaRPr lang="en-US"/>
           </a:p>
@@ -2314,7 +2315,7 @@
           <a:p>
             <a:fld id="{6BFECD78-3C8E-49F2-8FAB-59489D168ABB}" type="datetimeFigureOut">
               <a:rPr lang="en-US" smtClean="0"/>
-              <a:t>11/9/16</a:t>
+              <a:t>11/15/16</a:t>
             </a:fld>
             <a:endParaRPr lang="en-US"/>
           </a:p>
@@ -2571,7 +2572,7 @@
           <a:p>
             <a:fld id="{6BFECD78-3C8E-49F2-8FAB-59489D168ABB}" type="datetimeFigureOut">
               <a:rPr lang="en-US" smtClean="0"/>
-              <a:t>11/9/16</a:t>
+              <a:t>11/15/16</a:t>
             </a:fld>
             <a:endParaRPr lang="en-US"/>
           </a:p>
@@ -2784,7 +2785,7 @@
           <a:p>
             <a:fld id="{6BFECD78-3C8E-49F2-8FAB-59489D168ABB}" type="datetimeFigureOut">
               <a:rPr lang="en-US" smtClean="0"/>
-              <a:t>11/9/16</a:t>
+              <a:t>11/15/16</a:t>
             </a:fld>
             <a:endParaRPr lang="en-US"/>
           </a:p>
@@ -3638,7 +3639,7 @@
             <a:pPr algn="l"/>
             <a:r>
               <a:rPr lang="en-US" dirty="0" smtClean="0"/>
-              <a:t>Shell</a:t>
+              <a:t>Thread</a:t>
             </a:r>
           </a:p>
           <a:p>
@@ -3648,12 +3649,9 @@
             </a:pPr>
             <a:r>
               <a:rPr lang="en-US" dirty="0" smtClean="0"/>
-              <a:t>Command </a:t>
-            </a:r>
-            <a:r>
-              <a:rPr lang="en-US" dirty="0"/>
-              <a:t>interpreter program</a:t>
-            </a:r>
+              <a:t>Unit of execution for the process</a:t>
+            </a:r>
+            <a:endParaRPr lang="en-US" dirty="0"/>
           </a:p>
           <a:p>
             <a:pPr marL="342900" indent="-342900" algn="l">
@@ -3662,7 +3660,7 @@
             </a:pPr>
             <a:r>
               <a:rPr lang="en-US" dirty="0" smtClean="0"/>
-              <a:t>What you get at the CLI</a:t>
+              <a:t>A thread has a stack</a:t>
             </a:r>
           </a:p>
           <a:p>
@@ -3672,72 +3670,34 @@
             </a:pPr>
             <a:r>
               <a:rPr lang="en-US" dirty="0" smtClean="0"/>
-              <a:t>Convenient abstraction containing</a:t>
-            </a:r>
-          </a:p>
-          <a:p>
-            <a:pPr marL="800100" lvl="1" indent="-342900" algn="l">
-              <a:buFont typeface="Arial"/>
-              <a:buChar char="•"/>
-            </a:pPr>
-            <a:r>
-              <a:rPr lang="en-US" dirty="0" smtClean="0"/>
-              <a:t>Running processes (</a:t>
-            </a:r>
-            <a:r>
-              <a:rPr lang="en-US" dirty="0"/>
-              <a:t>'</a:t>
-            </a:r>
-            <a:r>
-              <a:rPr lang="en-US" dirty="0" err="1"/>
-              <a:t>ps</a:t>
-            </a:r>
-            <a:r>
-              <a:rPr lang="en-US" dirty="0"/>
-              <a:t> aux</a:t>
-            </a:r>
-            <a:r>
-              <a:rPr lang="en-US" dirty="0" smtClean="0"/>
-              <a:t>')</a:t>
+              <a:t>Basically </a:t>
+            </a:r>
+            <a:r>
+              <a:rPr lang="en-US" i="1" dirty="0" smtClean="0"/>
+              <a:t>is </a:t>
+            </a:r>
+            <a:r>
+              <a:rPr lang="en-US" dirty="0" smtClean="0"/>
+              <a:t>the stack</a:t>
+            </a:r>
+          </a:p>
+          <a:p>
+            <a:pPr marL="342900" indent="-342900" algn="l">
+              <a:buFont typeface="Arial"/>
+              <a:buChar char="•"/>
+            </a:pPr>
+            <a:r>
+              <a:rPr lang="en-US" dirty="0" smtClean="0"/>
+              <a:t>If &gt; 1 in process, shares resources</a:t>
             </a:r>
             <a:endParaRPr lang="en-US" dirty="0"/>
-          </a:p>
-          <a:p>
-            <a:pPr marL="800100" lvl="1" indent="-342900" algn="l">
-              <a:buFont typeface="Arial"/>
-              <a:buChar char="•"/>
-            </a:pPr>
-            <a:r>
-              <a:rPr lang="en-US" dirty="0" smtClean="0"/>
-              <a:t>Environment variables</a:t>
-            </a:r>
-          </a:p>
-          <a:p>
-            <a:pPr marL="800100" lvl="1" indent="-342900" algn="l">
-              <a:buFont typeface="Arial"/>
-              <a:buChar char="•"/>
-            </a:pPr>
-            <a:r>
-              <a:rPr lang="en-US" dirty="0" smtClean="0"/>
-              <a:t>User/group permissions</a:t>
-            </a:r>
-          </a:p>
-          <a:p>
-            <a:pPr marL="342900" indent="-342900" algn="l">
-              <a:buFont typeface="Arial"/>
-              <a:buChar char="•"/>
-            </a:pPr>
-            <a:r>
-              <a:rPr lang="en-US" dirty="0" smtClean="0"/>
-              <a:t>Expensive to start</a:t>
-            </a:r>
           </a:p>
         </p:txBody>
       </p:sp>
     </p:spTree>
     <p:extLst>
       <p:ext uri="{BB962C8B-B14F-4D97-AF65-F5344CB8AC3E}">
-        <p14:creationId xmlns:p14="http://schemas.microsoft.com/office/powerpoint/2010/main" val="2860743356"/>
+        <p14:creationId xmlns:p14="http://schemas.microsoft.com/office/powerpoint/2010/main" val="2769125060"/>
       </p:ext>
     </p:extLst>
   </p:cSld>
@@ -3818,7 +3778,7 @@
             <a:pPr algn="l"/>
             <a:r>
               <a:rPr lang="en-US" dirty="0" smtClean="0"/>
-              <a:t>Thread</a:t>
+              <a:t>Shell</a:t>
             </a:r>
           </a:p>
           <a:p>
@@ -3828,55 +3788,96 @@
             </a:pPr>
             <a:r>
               <a:rPr lang="en-US" dirty="0" smtClean="0"/>
-              <a:t>Unit of execution for the process</a:t>
+              <a:t>Command </a:t>
+            </a:r>
+            <a:r>
+              <a:rPr lang="en-US" dirty="0"/>
+              <a:t>interpreter program</a:t>
+            </a:r>
+          </a:p>
+          <a:p>
+            <a:pPr marL="342900" indent="-342900" algn="l">
+              <a:buFont typeface="Arial"/>
+              <a:buChar char="•"/>
+            </a:pPr>
+            <a:r>
+              <a:rPr lang="en-US" dirty="0" smtClean="0"/>
+              <a:t>What you get at the CLI</a:t>
+            </a:r>
+          </a:p>
+          <a:p>
+            <a:pPr marL="342900" indent="-342900" algn="l">
+              <a:buFont typeface="Arial"/>
+              <a:buChar char="•"/>
+            </a:pPr>
+            <a:r>
+              <a:rPr lang="en-US" dirty="0" smtClean="0"/>
+              <a:t>Convenient abstraction containing</a:t>
+            </a:r>
+          </a:p>
+          <a:p>
+            <a:pPr marL="800100" lvl="1" indent="-342900" algn="l">
+              <a:buFont typeface="Arial"/>
+              <a:buChar char="•"/>
+            </a:pPr>
+            <a:r>
+              <a:rPr lang="en-US" dirty="0" smtClean="0"/>
+              <a:t>Running processes (</a:t>
+            </a:r>
+            <a:r>
+              <a:rPr lang="en-US" dirty="0"/>
+              <a:t>'</a:t>
+            </a:r>
+            <a:r>
+              <a:rPr lang="en-US" dirty="0" err="1"/>
+              <a:t>ps</a:t>
+            </a:r>
+            <a:r>
+              <a:rPr lang="en-US" dirty="0"/>
+              <a:t> aux</a:t>
+            </a:r>
+            <a:r>
+              <a:rPr lang="en-US" dirty="0" smtClean="0"/>
+              <a:t>')</a:t>
             </a:r>
             <a:endParaRPr lang="en-US" dirty="0"/>
           </a:p>
           <a:p>
+            <a:pPr marL="800100" lvl="1" indent="-342900" algn="l">
+              <a:buFont typeface="Arial"/>
+              <a:buChar char="•"/>
+            </a:pPr>
+            <a:r>
+              <a:rPr lang="en-US" dirty="0" smtClean="0"/>
+              <a:t>Environment variables</a:t>
+            </a:r>
+          </a:p>
+          <a:p>
+            <a:pPr marL="800100" lvl="1" indent="-342900" algn="l">
+              <a:buFont typeface="Arial"/>
+              <a:buChar char="•"/>
+            </a:pPr>
+            <a:r>
+              <a:rPr lang="en-US" dirty="0" smtClean="0"/>
+              <a:t>User/group permissions</a:t>
+            </a:r>
+          </a:p>
+          <a:p>
             <a:pPr marL="342900" indent="-342900" algn="l">
               <a:buFont typeface="Arial"/>
               <a:buChar char="•"/>
             </a:pPr>
             <a:r>
               <a:rPr lang="en-US" dirty="0" smtClean="0"/>
-              <a:t>A thread has a stack</a:t>
-            </a:r>
-          </a:p>
-          <a:p>
-            <a:pPr marL="342900" indent="-342900" algn="l">
-              <a:buFont typeface="Arial"/>
-              <a:buChar char="•"/>
-            </a:pPr>
-            <a:r>
-              <a:rPr lang="en-US" dirty="0" smtClean="0"/>
-              <a:t>Basically </a:t>
-            </a:r>
-            <a:r>
-              <a:rPr lang="en-US" i="1" dirty="0" smtClean="0"/>
-              <a:t>is </a:t>
-            </a:r>
-            <a:r>
-              <a:rPr lang="en-US" dirty="0" smtClean="0"/>
-              <a:t>the stack</a:t>
-            </a:r>
-          </a:p>
-          <a:p>
-            <a:pPr marL="342900" indent="-342900" algn="l">
-              <a:buFont typeface="Arial"/>
-              <a:buChar char="•"/>
-            </a:pPr>
-            <a:r>
-              <a:rPr lang="en-US" dirty="0" smtClean="0"/>
-              <a:t>If &gt; 1 in process, shares resources</a:t>
-            </a:r>
-            <a:endParaRPr lang="en-US" dirty="0"/>
+              <a:t>Expensive to start</a:t>
+            </a:r>
           </a:p>
         </p:txBody>
       </p:sp>
     </p:spTree>
     <p:extLst>
       <p:ext uri="{BB962C8B-B14F-4D97-AF65-F5344CB8AC3E}">
-        <p14:creationId xmlns:p14="http://schemas.microsoft.com/office/powerpoint/2010/main" val="2769125060"/>
+        <p14:creationId xmlns:p14="http://schemas.microsoft.com/office/powerpoint/2010/main" val="2860743356"/>
       </p:ext>
     </p:extLst>
   </p:cSld>
@@ -8338,8 +8339,13 @@
             </a:pPr>
             <a:r>
               <a:rPr lang="en-US" dirty="0"/>
-              <a:t>Advanced JavaScript</a:t>
-            </a:r>
+              <a:t>Advanced </a:t>
+            </a:r>
+            <a:r>
+              <a:rPr lang="en-US" dirty="0" smtClean="0"/>
+              <a:t>JavaScript review</a:t>
+            </a:r>
+            <a:endParaRPr lang="en-US" dirty="0"/>
           </a:p>
           <a:p>
             <a:pPr marL="457200" indent="-457200" algn="l">
@@ -12415,15 +12421,11 @@
             </a:pPr>
             <a:r>
               <a:rPr lang="en-US" dirty="0" smtClean="0"/>
-              <a:t>Naïve </a:t>
-            </a:r>
-            <a:r>
-              <a:rPr lang="en-US" dirty="0"/>
-              <a:t>–</a:t>
-            </a:r>
-            <a:r>
-              <a:rPr lang="en-US" dirty="0" smtClean="0"/>
-              <a:t> hope and pray, add resources</a:t>
+              <a:t>Fork </a:t>
+            </a:r>
+            <a:r>
+              <a:rPr lang="en-US" dirty="0" smtClean="0"/>
+              <a:t>– start a new process</a:t>
             </a:r>
           </a:p>
           <a:p>
@@ -12433,7 +12435,17 @@
             </a:pPr>
             <a:r>
               <a:rPr lang="en-US" dirty="0" smtClean="0"/>
-              <a:t>Fork – start a new process</a:t>
+              <a:t>Threads – parallelize within a process</a:t>
+            </a:r>
+          </a:p>
+          <a:p>
+            <a:pPr lvl="1" indent="-457200" algn="l">
+              <a:buFont typeface="Arial"/>
+              <a:buChar char="•"/>
+            </a:pPr>
+            <a:r>
+              <a:rPr lang="en-US" dirty="0" smtClean="0"/>
+              <a:t>Pros and Cons</a:t>
             </a:r>
           </a:p>
           <a:p>
@@ -12443,37 +12455,11 @@
             </a:pPr>
             <a:r>
               <a:rPr lang="en-US" dirty="0" smtClean="0"/>
-              <a:t>Threads – parallelize within a process</a:t>
-            </a:r>
-          </a:p>
-          <a:p>
-            <a:pPr lvl="1" indent="-457200" algn="l">
-              <a:buFont typeface="Arial"/>
-              <a:buChar char="•"/>
-            </a:pPr>
-            <a:r>
-              <a:rPr lang="en-US" dirty="0" smtClean="0"/>
-              <a:t>Pros and Cons</a:t>
-            </a:r>
-          </a:p>
-          <a:p>
-            <a:pPr lvl="2" indent="-457200" algn="l">
-              <a:buFont typeface="Arial"/>
-              <a:buChar char="•"/>
-            </a:pPr>
-            <a:r>
-              <a:rPr lang="en-US" dirty="0" smtClean="0"/>
-              <a:t>Naïve – easy, but weak</a:t>
-            </a:r>
-          </a:p>
-          <a:p>
-            <a:pPr lvl="2" indent="-457200" algn="l">
-              <a:buFont typeface="Arial"/>
-              <a:buChar char="•"/>
-            </a:pPr>
-            <a:r>
-              <a:rPr lang="en-US" dirty="0" smtClean="0"/>
-              <a:t>Fork – simple, full featured, resource hog</a:t>
+              <a:t>Fork </a:t>
+            </a:r>
+            <a:r>
+              <a:rPr lang="en-US" dirty="0" smtClean="0"/>
+              <a:t>– simple, full featured, resource hog</a:t>
             </a:r>
           </a:p>
           <a:p>
@@ -13717,6 +13703,142 @@
 </p:sld>
 </file>
 
+<file path=ppt/slides/slide62.xml><?xml version="1.0" encoding="utf-8"?>
+<p:sld xmlns:a="http://schemas.openxmlformats.org/drawingml/2006/main" xmlns:r="http://schemas.openxmlformats.org/officeDocument/2006/relationships" xmlns:p="http://schemas.openxmlformats.org/presentationml/2006/main">
+  <p:cSld>
+    <p:spTree>
+      <p:nvGrpSpPr>
+        <p:cNvPr id="1" name=""/>
+        <p:cNvGrpSpPr/>
+        <p:nvPr/>
+      </p:nvGrpSpPr>
+      <p:grpSpPr>
+        <a:xfrm>
+          <a:off x="0" y="0"/>
+          <a:ext cx="0" cy="0"/>
+          <a:chOff x="0" y="0"/>
+          <a:chExt cx="0" cy="0"/>
+        </a:xfrm>
+      </p:grpSpPr>
+      <p:sp>
+        <p:nvSpPr>
+          <p:cNvPr id="2" name="Title 1"/>
+          <p:cNvSpPr>
+            <a:spLocks noGrp="1"/>
+          </p:cNvSpPr>
+          <p:nvPr>
+            <p:ph type="ctrTitle"/>
+          </p:nvPr>
+        </p:nvSpPr>
+        <p:spPr>
+          <a:xfrm>
+            <a:off x="685800" y="160685"/>
+            <a:ext cx="7772400" cy="1470025"/>
+          </a:xfrm>
+        </p:spPr>
+        <p:txBody>
+          <a:bodyPr/>
+          <a:lstStyle/>
+          <a:p>
+            <a:r>
+              <a:rPr lang="en-US" dirty="0" smtClean="0"/>
+              <a:t>Lab: </a:t>
+            </a:r>
+            <a:r>
+              <a:rPr lang="en-US" dirty="0" smtClean="0"/>
+              <a:t>examine event loop</a:t>
+            </a:r>
+            <a:endParaRPr lang="en-US" dirty="0"/>
+          </a:p>
+        </p:txBody>
+      </p:sp>
+      <p:sp>
+        <p:nvSpPr>
+          <p:cNvPr id="3" name="Subtitle 2"/>
+          <p:cNvSpPr>
+            <a:spLocks noGrp="1"/>
+          </p:cNvSpPr>
+          <p:nvPr>
+            <p:ph type="subTitle" idx="1"/>
+          </p:nvPr>
+        </p:nvSpPr>
+        <p:spPr>
+          <a:xfrm>
+            <a:off x="1371600" y="1630710"/>
+            <a:ext cx="6400800" cy="4609893"/>
+          </a:xfrm>
+        </p:spPr>
+        <p:txBody>
+          <a:bodyPr>
+            <a:normAutofit/>
+          </a:bodyPr>
+          <a:lstStyle/>
+          <a:p>
+            <a:pPr lvl="1" indent="-457200" algn="l">
+              <a:buFont typeface="Arial"/>
+              <a:buChar char="•"/>
+            </a:pPr>
+            <a:r>
+              <a:rPr lang="en-US" dirty="0" smtClean="0"/>
+              <a:t>Examine examples</a:t>
+            </a:r>
+          </a:p>
+          <a:p>
+            <a:pPr lvl="1" indent="-457200" algn="l">
+              <a:buFont typeface="Arial"/>
+              <a:buChar char="•"/>
+            </a:pPr>
+            <a:r>
+              <a:rPr lang="en-US" dirty="0" smtClean="0"/>
+              <a:t>examples</a:t>
+            </a:r>
+            <a:r>
+              <a:rPr lang="en-US" dirty="0"/>
+              <a:t>/event-loop-and-</a:t>
+            </a:r>
+            <a:r>
+              <a:rPr lang="en-US" dirty="0" err="1"/>
+              <a:t>settimeout.js</a:t>
+            </a:r>
+            <a:r>
+              <a:rPr lang="en-US" dirty="0"/>
+              <a:t> </a:t>
+            </a:r>
+          </a:p>
+          <a:p>
+            <a:pPr lvl="1" indent="-457200" algn="l">
+              <a:buFont typeface="Arial"/>
+              <a:buChar char="•"/>
+            </a:pPr>
+            <a:r>
+              <a:rPr lang="en-US" dirty="0" smtClean="0"/>
+              <a:t>examples</a:t>
+            </a:r>
+            <a:r>
+              <a:rPr lang="en-US" dirty="0"/>
+              <a:t>/call-stack-and-</a:t>
+            </a:r>
+            <a:r>
+              <a:rPr lang="en-US" dirty="0" err="1"/>
+              <a:t>settimeout.js</a:t>
+            </a:r>
+            <a:endParaRPr lang="en-US" dirty="0" smtClean="0"/>
+          </a:p>
+        </p:txBody>
+      </p:sp>
+    </p:spTree>
+    <p:extLst>
+      <p:ext uri="{BB962C8B-B14F-4D97-AF65-F5344CB8AC3E}">
+        <p14:creationId xmlns:p14="http://schemas.microsoft.com/office/powerpoint/2010/main" val="4258291394"/>
+      </p:ext>
+    </p:extLst>
+  </p:cSld>
+  <p:clrMapOvr>
+    <a:masterClrMapping/>
+  </p:clrMapOvr>
+</p:sld>
+</file>
+
 <file path=ppt/slides/slide7.xml><?xml version="1.0" encoding="utf-8"?>
 <p:sld xmlns:a="http://schemas.openxmlformats.org/drawingml/2006/main" xmlns:r="http://schemas.openxmlformats.org/officeDocument/2006/relationships" xmlns:p="http://schemas.openxmlformats.org/presentationml/2006/main">
   <p:cSld>
@@ -13810,6 +13932,17 @@
               <a:rPr lang="en-US" dirty="0" smtClean="0"/>
               <a:t>Process</a:t>
             </a:r>
+            <a:endParaRPr lang="en-US" dirty="0" smtClean="0"/>
+          </a:p>
+          <a:p>
+            <a:pPr marL="342900" indent="-342900" algn="l">
+              <a:buFont typeface="Arial"/>
+              <a:buChar char="•"/>
+            </a:pPr>
+            <a:r>
+              <a:rPr lang="en-US" dirty="0" smtClean="0"/>
+              <a:t>Thread</a:t>
+            </a:r>
           </a:p>
           <a:p>
             <a:pPr marL="342900" indent="-342900" algn="l">
@@ -13821,16 +13954,6 @@
               <a:t>Shell</a:t>
             </a:r>
             <a:endParaRPr lang="en-US" dirty="0" smtClean="0"/>
-          </a:p>
-          <a:p>
-            <a:pPr marL="342900" indent="-342900" algn="l">
-              <a:buFont typeface="Arial"/>
-              <a:buChar char="•"/>
-            </a:pPr>
-            <a:r>
-              <a:rPr lang="en-US" dirty="0" smtClean="0"/>
-              <a:t>Thread</a:t>
-            </a:r>
           </a:p>
           <a:p>
             <a:pPr marL="342900" indent="-342900" algn="l">
